--- a/doc/presentation/presentation-white.pptx
+++ b/doc/presentation/presentation-white.pptx
@@ -2,11 +2,14 @@
 <file path=ppt/presentation.xml><?xml version="1.0" encoding="utf-8"?>
 <p:presentation xmlns:a="http://schemas.openxmlformats.org/drawingml/2006/main" xmlns:r="http://schemas.openxmlformats.org/officeDocument/2006/relationships" xmlns:p="http://schemas.openxmlformats.org/presentationml/2006/main" saveSubsetFonts="1">
   <p:sldMasterIdLst>
-    <p:sldMasterId id="2147483840" r:id="rId1"/>
+    <p:sldMasterId id="2147483888" r:id="rId1"/>
   </p:sldMasterIdLst>
   <p:notesMasterIdLst>
     <p:notesMasterId r:id="rId29"/>
   </p:notesMasterIdLst>
+  <p:handoutMasterIdLst>
+    <p:handoutMasterId r:id="rId30"/>
+  </p:handoutMasterIdLst>
   <p:sldIdLst>
     <p:sldId id="256" r:id="rId2"/>
     <p:sldId id="258" r:id="rId3"/>
@@ -136,6 +139,166 @@
 </p:presentation>
 </file>
 
+<file path=ppt/handoutMasters/handoutMaster1.xml><?xml version="1.0" encoding="utf-8"?>
+<p:handoutMaster xmlns:a="http://schemas.openxmlformats.org/drawingml/2006/main" xmlns:r="http://schemas.openxmlformats.org/officeDocument/2006/relationships" xmlns:p="http://schemas.openxmlformats.org/presentationml/2006/main">
+  <p:cSld>
+    <p:bg>
+      <p:bgRef idx="1001">
+        <a:schemeClr val="bg1"/>
+      </p:bgRef>
+    </p:bg>
+    <p:spTree>
+      <p:nvGrpSpPr>
+        <p:cNvPr id="1" name=""/>
+        <p:cNvGrpSpPr/>
+        <p:nvPr/>
+      </p:nvGrpSpPr>
+      <p:grpSpPr>
+        <a:xfrm>
+          <a:off x="0" y="0"/>
+          <a:ext cx="0" cy="0"/>
+          <a:chOff x="0" y="0"/>
+          <a:chExt cx="0" cy="0"/>
+        </a:xfrm>
+      </p:grpSpPr>
+      <p:sp>
+        <p:nvSpPr>
+          <p:cNvPr id="2" name="Header Placeholder 1"/>
+          <p:cNvSpPr>
+            <a:spLocks noGrp="1"/>
+          </p:cNvSpPr>
+          <p:nvPr>
+            <p:ph type="hdr" sz="quarter"/>
+          </p:nvPr>
+        </p:nvSpPr>
+        <p:spPr>
+          <a:xfrm>
+            <a:off x="0" y="0"/>
+            <a:ext cx="2971800" cy="457200"/>
+          </a:xfrm>
+          <a:prstGeom prst="rect">
+            <a:avLst/>
+          </a:prstGeom>
+        </p:spPr>
+        <p:txBody>
+          <a:bodyPr vert="horz" lIns="91440" tIns="45720" rIns="91440" bIns="45720" rtlCol="0"/>
+          <a:lstStyle>
+            <a:lvl1pPr algn="l">
+              <a:defRPr sz="1200"/>
+            </a:lvl1pPr>
+          </a:lstStyle>
+          <a:p>
+            <a:endParaRPr lang="en-US"/>
+          </a:p>
+        </p:txBody>
+      </p:sp>
+      <p:sp>
+        <p:nvSpPr>
+          <p:cNvPr id="3" name="Date Placeholder 2"/>
+          <p:cNvSpPr>
+            <a:spLocks noGrp="1"/>
+          </p:cNvSpPr>
+          <p:nvPr>
+            <p:ph type="dt" sz="quarter" idx="1"/>
+          </p:nvPr>
+        </p:nvSpPr>
+        <p:spPr>
+          <a:xfrm>
+            <a:off x="3884613" y="0"/>
+            <a:ext cx="2971800" cy="457200"/>
+          </a:xfrm>
+          <a:prstGeom prst="rect">
+            <a:avLst/>
+          </a:prstGeom>
+        </p:spPr>
+        <p:txBody>
+          <a:bodyPr vert="horz" lIns="91440" tIns="45720" rIns="91440" bIns="45720" rtlCol="0"/>
+          <a:lstStyle>
+            <a:lvl1pPr algn="r">
+              <a:defRPr sz="1200"/>
+            </a:lvl1pPr>
+          </a:lstStyle>
+          <a:p>
+            <a:fld id="{0A89F75F-57AD-414A-BF17-74E824D26AF7}" type="datetimeFigureOut">
+              <a:rPr lang="en-US" smtClean="0"/>
+              <a:t>12/9/2012</a:t>
+            </a:fld>
+            <a:endParaRPr lang="en-US"/>
+          </a:p>
+        </p:txBody>
+      </p:sp>
+      <p:sp>
+        <p:nvSpPr>
+          <p:cNvPr id="4" name="Footer Placeholder 3"/>
+          <p:cNvSpPr>
+            <a:spLocks noGrp="1"/>
+          </p:cNvSpPr>
+          <p:nvPr>
+            <p:ph type="ftr" sz="quarter" idx="2"/>
+          </p:nvPr>
+        </p:nvSpPr>
+        <p:spPr>
+          <a:xfrm>
+            <a:off x="0" y="8685213"/>
+            <a:ext cx="2971800" cy="457200"/>
+          </a:xfrm>
+          <a:prstGeom prst="rect">
+            <a:avLst/>
+          </a:prstGeom>
+        </p:spPr>
+        <p:txBody>
+          <a:bodyPr vert="horz" lIns="91440" tIns="45720" rIns="91440" bIns="45720" rtlCol="0" anchor="b"/>
+          <a:lstStyle>
+            <a:lvl1pPr algn="l">
+              <a:defRPr sz="1200"/>
+            </a:lvl1pPr>
+          </a:lstStyle>
+          <a:p>
+            <a:endParaRPr lang="en-US"/>
+          </a:p>
+        </p:txBody>
+      </p:sp>
+      <p:sp>
+        <p:nvSpPr>
+          <p:cNvPr id="5" name="Slide Number Placeholder 4"/>
+          <p:cNvSpPr>
+            <a:spLocks noGrp="1"/>
+          </p:cNvSpPr>
+          <p:nvPr>
+            <p:ph type="sldNum" sz="quarter" idx="3"/>
+          </p:nvPr>
+        </p:nvSpPr>
+        <p:spPr>
+          <a:xfrm>
+            <a:off x="3884613" y="8685213"/>
+            <a:ext cx="2971800" cy="457200"/>
+          </a:xfrm>
+          <a:prstGeom prst="rect">
+            <a:avLst/>
+          </a:prstGeom>
+        </p:spPr>
+        <p:txBody>
+          <a:bodyPr vert="horz" lIns="91440" tIns="45720" rIns="91440" bIns="45720" rtlCol="0" anchor="b"/>
+          <a:lstStyle>
+            <a:lvl1pPr algn="r">
+              <a:defRPr sz="1200"/>
+            </a:lvl1pPr>
+          </a:lstStyle>
+          <a:p>
+            <a:fld id="{947122AD-DABD-4B5A-925D-3C7FB4A79E40}" type="slidenum">
+              <a:rPr lang="en-US" smtClean="0"/>
+              <a:t>‹#›</a:t>
+            </a:fld>
+            <a:endParaRPr lang="en-US"/>
+          </a:p>
+        </p:txBody>
+      </p:sp>
+    </p:spTree>
+  </p:cSld>
+  <p:clrMap bg1="lt1" tx1="dk1" bg2="lt2" tx2="dk2" accent1="accent1" accent2="accent2" accent3="accent3" accent4="accent4" accent5="accent5" accent6="accent6" hlink="hlink" folHlink="folHlink"/>
+</p:handoutMaster>
+</file>
+
 <file path=ppt/notesMasters/notesMaster1.xml><?xml version="1.0" encoding="utf-8"?>
 <p:notesMaster xmlns:a="http://schemas.openxmlformats.org/drawingml/2006/main" xmlns:r="http://schemas.openxmlformats.org/officeDocument/2006/relationships" xmlns:p="http://schemas.openxmlformats.org/presentationml/2006/main">
   <p:cSld>
@@ -504,57 +667,7 @@
       </p:grpSpPr>
       <p:sp>
         <p:nvSpPr>
-          <p:cNvPr id="7" name="Straight Connector 6"/>
-          <p:cNvSpPr>
-            <a:spLocks noChangeShapeType="1"/>
-          </p:cNvSpPr>
-          <p:nvPr/>
-        </p:nvSpPr>
-        <p:spPr bwMode="auto">
-          <a:xfrm>
-            <a:off x="514350" y="5349902"/>
-            <a:ext cx="8629650" cy="2381"/>
-          </a:xfrm>
-          <a:prstGeom prst="line">
-            <a:avLst/>
-          </a:prstGeom>
-          <a:noFill/>
-          <a:ln w="9525" cap="flat" cmpd="sng" algn="ctr">
-            <a:gradFill flip="none" rotWithShape="1">
-              <a:gsLst>
-                <a:gs pos="0">
-                  <a:schemeClr val="accent1">
-                    <a:alpha val="0"/>
-                  </a:schemeClr>
-                </a:gs>
-                <a:gs pos="17000">
-                  <a:schemeClr val="accent1"/>
-                </a:gs>
-                <a:gs pos="100000">
-                  <a:schemeClr val="accent1"/>
-                </a:gs>
-              </a:gsLst>
-              <a:lin ang="0" scaled="1"/>
-              <a:tileRect/>
-            </a:gradFill>
-            <a:prstDash val="solid"/>
-            <a:round/>
-            <a:headEnd type="none" w="med" len="med"/>
-            <a:tailEnd type="none" w="med" len="med"/>
-          </a:ln>
-          <a:effectLst/>
-        </p:spPr>
-        <p:txBody>
-          <a:bodyPr vert="horz" wrap="square" lIns="91440" tIns="45720" rIns="91440" bIns="45720" anchor="t" compatLnSpc="1"/>
-          <a:lstStyle/>
-          <a:p>
-            <a:endParaRPr kumimoji="0" lang="en-US"/>
-          </a:p>
-        </p:txBody>
-      </p:sp>
-      <p:sp>
-        <p:nvSpPr>
-          <p:cNvPr id="29" name="Title 28"/>
+          <p:cNvPr id="8" name="Title 7"/>
           <p:cNvSpPr>
             <a:spLocks noGrp="1"/>
           </p:cNvSpPr>
@@ -564,13 +677,21 @@
         </p:nvSpPr>
         <p:spPr>
           <a:xfrm>
-            <a:off x="381000" y="4853411"/>
-            <a:ext cx="8458200" cy="1222375"/>
+            <a:off x="1219200" y="3886200"/>
+            <a:ext cx="6858000" cy="990600"/>
           </a:xfrm>
         </p:spPr>
         <p:txBody>
-          <a:bodyPr anchor="t"/>
-          <a:lstStyle/>
+          <a:bodyPr anchor="t" anchorCtr="0"/>
+          <a:lstStyle>
+            <a:lvl1pPr algn="r">
+              <a:defRPr sz="3200">
+                <a:solidFill>
+                  <a:schemeClr val="tx1"/>
+                </a:solidFill>
+              </a:defRPr>
+            </a:lvl1pPr>
+          </a:lstStyle>
           <a:p>
             <a:r>
               <a:rPr kumimoji="0" lang="en-US" smtClean="0"/>
@@ -592,21 +713,22 @@
         </p:nvSpPr>
         <p:spPr>
           <a:xfrm>
-            <a:off x="381000" y="3886200"/>
-            <a:ext cx="8458200" cy="914400"/>
+            <a:off x="1219200" y="5124450"/>
+            <a:ext cx="6858000" cy="533400"/>
           </a:xfrm>
         </p:spPr>
         <p:txBody>
-          <a:bodyPr anchor="b"/>
+          <a:bodyPr/>
           <a:lstStyle>
-            <a:lvl1pPr marL="0" indent="0" algn="l">
+            <a:lvl1pPr marL="0" indent="0" algn="r">
               <a:buNone/>
-              <a:defRPr sz="2400">
+              <a:defRPr sz="2000">
                 <a:solidFill>
-                  <a:schemeClr val="tx2">
-                    <a:shade val="75000"/>
-                  </a:schemeClr>
+                  <a:schemeClr val="tx2"/>
                 </a:solidFill>
+                <a:latin typeface="+mj-lt"/>
+                <a:ea typeface="+mj-ea"/>
+                <a:cs typeface="+mj-cs"/>
               </a:defRPr>
             </a:lvl1pPr>
             <a:lvl2pPr marL="457200" indent="0" algn="ctr">
@@ -645,7 +767,7 @@
       </p:sp>
       <p:sp>
         <p:nvSpPr>
-          <p:cNvPr id="16" name="Date Placeholder 15"/>
+          <p:cNvPr id="28" name="Date Placeholder 27"/>
           <p:cNvSpPr>
             <a:spLocks noGrp="1"/>
           </p:cNvSpPr>
@@ -653,10 +775,19 @@
             <p:ph type="dt" sz="half" idx="10"/>
           </p:nvPr>
         </p:nvSpPr>
-        <p:spPr/>
+        <p:spPr>
+          <a:xfrm>
+            <a:off x="6400800" y="6355080"/>
+            <a:ext cx="2286000" cy="365760"/>
+          </a:xfrm>
+        </p:spPr>
         <p:txBody>
           <a:bodyPr/>
-          <a:lstStyle/>
+          <a:lstStyle>
+            <a:lvl1pPr>
+              <a:defRPr sz="1400"/>
+            </a:lvl1pPr>
+          </a:lstStyle>
           <a:p>
             <a:fld id="{1D8BD707-D9CF-40AE-B4C6-C98DA3205C09}" type="datetimeFigureOut">
               <a:rPr lang="en-US" smtClean="0"/>
@@ -669,7 +800,7 @@
       </p:sp>
       <p:sp>
         <p:nvSpPr>
-          <p:cNvPr id="2" name="Footer Placeholder 1"/>
+          <p:cNvPr id="17" name="Footer Placeholder 16"/>
           <p:cNvSpPr>
             <a:spLocks noGrp="1"/>
           </p:cNvSpPr>
@@ -677,7 +808,12 @@
             <p:ph type="ftr" sz="quarter" idx="11"/>
           </p:nvPr>
         </p:nvSpPr>
-        <p:spPr/>
+        <p:spPr>
+          <a:xfrm>
+            <a:off x="2898648" y="6355080"/>
+            <a:ext cx="3474720" cy="365760"/>
+          </a:xfrm>
+        </p:spPr>
         <p:txBody>
           <a:bodyPr/>
           <a:lstStyle/>
@@ -688,7 +824,7 @@
       </p:sp>
       <p:sp>
         <p:nvSpPr>
-          <p:cNvPr id="15" name="Slide Number Placeholder 14"/>
+          <p:cNvPr id="29" name="Slide Number Placeholder 28"/>
           <p:cNvSpPr>
             <a:spLocks noGrp="1"/>
           </p:cNvSpPr>
@@ -698,8 +834,8 @@
         </p:nvSpPr>
         <p:spPr>
           <a:xfrm>
-            <a:off x="8229600" y="6473952"/>
-            <a:ext cx="758952" cy="246888"/>
+            <a:off x="1216152" y="6355080"/>
+            <a:ext cx="1219200" cy="365760"/>
           </a:xfrm>
         </p:spPr>
         <p:txBody>
@@ -712,6 +848,190 @@
               <a:t>‹#›</a:t>
             </a:fld>
             <a:endParaRPr lang="en-US"/>
+          </a:p>
+        </p:txBody>
+      </p:sp>
+      <p:sp>
+        <p:nvSpPr>
+          <p:cNvPr id="21" name="Rectangle 20"/>
+          <p:cNvSpPr/>
+          <p:nvPr/>
+        </p:nvSpPr>
+        <p:spPr>
+          <a:xfrm>
+            <a:off x="904875" y="3648075"/>
+            <a:ext cx="7315200" cy="1280160"/>
+          </a:xfrm>
+          <a:prstGeom prst="rect">
+            <a:avLst/>
+          </a:prstGeom>
+          <a:noFill/>
+          <a:ln w="6350" cap="rnd" cmpd="sng" algn="ctr">
+            <a:solidFill>
+              <a:schemeClr val="accent1"/>
+            </a:solidFill>
+            <a:prstDash val="solid"/>
+          </a:ln>
+          <a:effectLst/>
+        </p:spPr>
+        <p:style>
+          <a:lnRef idx="3">
+            <a:schemeClr val="lt1"/>
+          </a:lnRef>
+          <a:fillRef idx="1">
+            <a:schemeClr val="accent1"/>
+          </a:fillRef>
+          <a:effectRef idx="1">
+            <a:schemeClr val="accent1"/>
+          </a:effectRef>
+          <a:fontRef idx="minor">
+            <a:schemeClr val="lt1"/>
+          </a:fontRef>
+        </p:style>
+        <p:txBody>
+          <a:bodyPr anchor="ctr"/>
+          <a:lstStyle/>
+          <a:p>
+            <a:pPr algn="ctr" eaLnBrk="1" latinLnBrk="0" hangingPunct="1"/>
+            <a:endParaRPr kumimoji="0" lang="en-US"/>
+          </a:p>
+        </p:txBody>
+      </p:sp>
+      <p:sp>
+        <p:nvSpPr>
+          <p:cNvPr id="33" name="Rectangle 32"/>
+          <p:cNvSpPr/>
+          <p:nvPr/>
+        </p:nvSpPr>
+        <p:spPr>
+          <a:xfrm>
+            <a:off x="914400" y="5048250"/>
+            <a:ext cx="7315200" cy="685800"/>
+          </a:xfrm>
+          <a:prstGeom prst="rect">
+            <a:avLst/>
+          </a:prstGeom>
+          <a:noFill/>
+          <a:ln w="6350" cap="rnd" cmpd="sng" algn="ctr">
+            <a:solidFill>
+              <a:schemeClr val="accent2"/>
+            </a:solidFill>
+            <a:prstDash val="solid"/>
+          </a:ln>
+          <a:effectLst/>
+        </p:spPr>
+        <p:style>
+          <a:lnRef idx="3">
+            <a:schemeClr val="lt1"/>
+          </a:lnRef>
+          <a:fillRef idx="1">
+            <a:schemeClr val="accent1"/>
+          </a:fillRef>
+          <a:effectRef idx="1">
+            <a:schemeClr val="accent1"/>
+          </a:effectRef>
+          <a:fontRef idx="minor">
+            <a:schemeClr val="lt1"/>
+          </a:fontRef>
+        </p:style>
+        <p:txBody>
+          <a:bodyPr anchor="ctr"/>
+          <a:lstStyle/>
+          <a:p>
+            <a:pPr algn="ctr" eaLnBrk="1" latinLnBrk="0" hangingPunct="1"/>
+            <a:endParaRPr kumimoji="0" lang="en-US"/>
+          </a:p>
+        </p:txBody>
+      </p:sp>
+      <p:sp>
+        <p:nvSpPr>
+          <p:cNvPr id="22" name="Rectangle 21"/>
+          <p:cNvSpPr/>
+          <p:nvPr/>
+        </p:nvSpPr>
+        <p:spPr>
+          <a:xfrm>
+            <a:off x="904875" y="3648075"/>
+            <a:ext cx="228600" cy="1280160"/>
+          </a:xfrm>
+          <a:prstGeom prst="rect">
+            <a:avLst/>
+          </a:prstGeom>
+          <a:solidFill>
+            <a:schemeClr val="accent1"/>
+          </a:solidFill>
+          <a:ln w="6350" cap="rnd" cmpd="sng" algn="ctr">
+            <a:noFill/>
+            <a:prstDash val="solid"/>
+          </a:ln>
+          <a:effectLst/>
+        </p:spPr>
+        <p:style>
+          <a:lnRef idx="3">
+            <a:schemeClr val="lt1"/>
+          </a:lnRef>
+          <a:fillRef idx="1">
+            <a:schemeClr val="accent1"/>
+          </a:fillRef>
+          <a:effectRef idx="1">
+            <a:schemeClr val="accent1"/>
+          </a:effectRef>
+          <a:fontRef idx="minor">
+            <a:schemeClr val="lt1"/>
+          </a:fontRef>
+        </p:style>
+        <p:txBody>
+          <a:bodyPr anchor="ctr"/>
+          <a:lstStyle/>
+          <a:p>
+            <a:pPr algn="ctr" eaLnBrk="1" latinLnBrk="0" hangingPunct="1"/>
+            <a:endParaRPr kumimoji="0" lang="en-US"/>
+          </a:p>
+        </p:txBody>
+      </p:sp>
+      <p:sp>
+        <p:nvSpPr>
+          <p:cNvPr id="32" name="Rectangle 31"/>
+          <p:cNvSpPr/>
+          <p:nvPr/>
+        </p:nvSpPr>
+        <p:spPr>
+          <a:xfrm>
+            <a:off x="914400" y="5048250"/>
+            <a:ext cx="228600" cy="685800"/>
+          </a:xfrm>
+          <a:prstGeom prst="rect">
+            <a:avLst/>
+          </a:prstGeom>
+          <a:solidFill>
+            <a:schemeClr val="accent2"/>
+          </a:solidFill>
+          <a:ln w="6350" cap="rnd" cmpd="sng" algn="ctr">
+            <a:noFill/>
+            <a:prstDash val="solid"/>
+          </a:ln>
+          <a:effectLst/>
+        </p:spPr>
+        <p:style>
+          <a:lnRef idx="3">
+            <a:schemeClr val="lt1"/>
+          </a:lnRef>
+          <a:fillRef idx="1">
+            <a:schemeClr val="accent1"/>
+          </a:fillRef>
+          <a:effectRef idx="1">
+            <a:schemeClr val="accent1"/>
+          </a:effectRef>
+          <a:fontRef idx="minor">
+            <a:schemeClr val="lt1"/>
+          </a:fontRef>
+        </p:style>
+        <p:txBody>
+          <a:bodyPr anchor="ctr"/>
+          <a:lstStyle/>
+          <a:p>
+            <a:pPr algn="ctr" eaLnBrk="1" latinLnBrk="0" hangingPunct="1"/>
+            <a:endParaRPr kumimoji="0" lang="en-US"/>
           </a:p>
         </p:txBody>
       </p:sp>
@@ -724,7 +1044,7 @@
 </file>
 
 <file path=ppt/slideLayouts/slideLayout10.xml><?xml version="1.0" encoding="utf-8"?>
-<p:sldLayout xmlns:a="http://schemas.openxmlformats.org/drawingml/2006/main" xmlns:r="http://schemas.openxmlformats.org/officeDocument/2006/relationships" xmlns:p="http://schemas.openxmlformats.org/presentationml/2006/main" showMasterSp="0" type="vertTx" preserve="1">
+<p:sldLayout xmlns:a="http://schemas.openxmlformats.org/drawingml/2006/main" xmlns:r="http://schemas.openxmlformats.org/officeDocument/2006/relationships" xmlns:p="http://schemas.openxmlformats.org/presentationml/2006/main" type="vertTx" preserve="1">
   <p:cSld name="Title and Vertical Text">
     <p:spTree>
       <p:nvGrpSpPr>
@@ -919,8 +1239,8 @@
         </p:nvSpPr>
         <p:spPr>
           <a:xfrm>
-            <a:off x="6858000" y="549276"/>
-            <a:ext cx="1828800" cy="5851525"/>
+            <a:off x="6629400" y="274638"/>
+            <a:ext cx="2057400" cy="5851525"/>
           </a:xfrm>
         </p:spPr>
         <p:txBody>
@@ -947,8 +1267,8 @@
         </p:nvSpPr>
         <p:spPr>
           <a:xfrm>
-            <a:off x="457200" y="549276"/>
-            <a:ext cx="6248400" cy="5851525"/>
+            <a:off x="457200" y="274638"/>
+            <a:ext cx="6019800" cy="5851525"/>
           </a:xfrm>
         </p:spPr>
         <p:txBody>
@@ -1059,6 +1379,128 @@
           </a:p>
         </p:txBody>
       </p:sp>
+      <p:sp>
+        <p:nvSpPr>
+          <p:cNvPr id="7" name="Straight Connector 6"/>
+          <p:cNvSpPr>
+            <a:spLocks noChangeShapeType="1"/>
+          </p:cNvSpPr>
+          <p:nvPr/>
+        </p:nvSpPr>
+        <p:spPr bwMode="auto">
+          <a:xfrm>
+            <a:off x="457200" y="6353175"/>
+            <a:ext cx="8229600" cy="0"/>
+          </a:xfrm>
+          <a:prstGeom prst="line">
+            <a:avLst/>
+          </a:prstGeom>
+          <a:noFill/>
+          <a:ln w="9525" cap="flat" cmpd="sng" algn="ctr">
+            <a:solidFill>
+              <a:schemeClr val="accent2"/>
+            </a:solidFill>
+            <a:prstDash val="dash"/>
+            <a:round/>
+            <a:headEnd type="none" w="med" len="med"/>
+            <a:tailEnd type="none" w="med" len="med"/>
+          </a:ln>
+          <a:effectLst/>
+        </p:spPr>
+        <p:txBody>
+          <a:bodyPr vert="horz" wrap="square" lIns="91440" tIns="45720" rIns="91440" bIns="45720" anchor="t" compatLnSpc="1"/>
+          <a:lstStyle/>
+          <a:p>
+            <a:endParaRPr kumimoji="0" lang="en-US"/>
+          </a:p>
+        </p:txBody>
+      </p:sp>
+      <p:sp>
+        <p:nvSpPr>
+          <p:cNvPr id="8" name="Isosceles Triangle 7"/>
+          <p:cNvSpPr>
+            <a:spLocks noChangeAspect="1"/>
+          </p:cNvSpPr>
+          <p:nvPr/>
+        </p:nvSpPr>
+        <p:spPr>
+          <a:xfrm rot="5400000">
+            <a:off x="419100" y="6467475"/>
+            <a:ext cx="190849" cy="120314"/>
+          </a:xfrm>
+          <a:prstGeom prst="triangle">
+            <a:avLst>
+              <a:gd name="adj" fmla="val 50000"/>
+            </a:avLst>
+          </a:prstGeom>
+          <a:solidFill>
+            <a:schemeClr val="accent2"/>
+          </a:solidFill>
+          <a:ln w="25400" cap="rnd" cmpd="sng" algn="ctr">
+            <a:noFill/>
+            <a:prstDash val="solid"/>
+          </a:ln>
+          <a:effectLst/>
+        </p:spPr>
+        <p:style>
+          <a:lnRef idx="3">
+            <a:schemeClr val="lt1"/>
+          </a:lnRef>
+          <a:fillRef idx="1">
+            <a:schemeClr val="accent1"/>
+          </a:fillRef>
+          <a:effectRef idx="1">
+            <a:schemeClr val="accent1"/>
+          </a:effectRef>
+          <a:fontRef idx="minor">
+            <a:schemeClr val="lt1"/>
+          </a:fontRef>
+        </p:style>
+        <p:txBody>
+          <a:bodyPr anchor="ctr"/>
+          <a:lstStyle/>
+          <a:p>
+            <a:pPr algn="ctr" eaLnBrk="1" latinLnBrk="0" hangingPunct="1"/>
+            <a:endParaRPr kumimoji="0" lang="en-US"/>
+          </a:p>
+        </p:txBody>
+      </p:sp>
+      <p:sp>
+        <p:nvSpPr>
+          <p:cNvPr id="9" name="Straight Connector 8"/>
+          <p:cNvSpPr>
+            <a:spLocks noChangeShapeType="1"/>
+          </p:cNvSpPr>
+          <p:nvPr/>
+        </p:nvSpPr>
+        <p:spPr bwMode="auto">
+          <a:xfrm rot="5400000">
+            <a:off x="3629607" y="3201952"/>
+            <a:ext cx="5852160" cy="0"/>
+          </a:xfrm>
+          <a:prstGeom prst="line">
+            <a:avLst/>
+          </a:prstGeom>
+          <a:noFill/>
+          <a:ln w="9525" cap="flat" cmpd="sng" algn="ctr">
+            <a:solidFill>
+              <a:schemeClr val="accent2"/>
+            </a:solidFill>
+            <a:prstDash val="dash"/>
+            <a:round/>
+            <a:headEnd type="none" w="med" len="med"/>
+            <a:tailEnd type="none" w="med" len="med"/>
+          </a:ln>
+          <a:effectLst/>
+        </p:spPr>
+        <p:txBody>
+          <a:bodyPr vert="horz" wrap="square" lIns="91440" tIns="45720" rIns="91440" bIns="45720" anchor="t" compatLnSpc="1"/>
+          <a:lstStyle/>
+          <a:p>
+            <a:endParaRPr kumimoji="0" lang="en-US"/>
+          </a:p>
+        </p:txBody>
+      </p:sp>
     </p:spTree>
   </p:cSld>
   <p:clrMapOvr>
@@ -1068,7 +1510,7 @@
 </file>
 
 <file path=ppt/slideLayouts/slideLayout2.xml><?xml version="1.0" encoding="utf-8"?>
-<p:sldLayout xmlns:a="http://schemas.openxmlformats.org/drawingml/2006/main" xmlns:r="http://schemas.openxmlformats.org/officeDocument/2006/relationships" xmlns:p="http://schemas.openxmlformats.org/presentationml/2006/main" showMasterSp="0" type="obj" preserve="1">
+<p:sldLayout xmlns:a="http://schemas.openxmlformats.org/drawingml/2006/main" xmlns:r="http://schemas.openxmlformats.org/officeDocument/2006/relationships" xmlns:p="http://schemas.openxmlformats.org/presentationml/2006/main" type="obj" preserve="1">
   <p:cSld name="Title and Content">
     <p:spTree>
       <p:nvGrpSpPr>
@@ -1086,7 +1528,7 @@
       </p:grpSpPr>
       <p:sp>
         <p:nvSpPr>
-          <p:cNvPr id="22" name="Title 21"/>
+          <p:cNvPr id="2" name="Title 1"/>
           <p:cNvSpPr>
             <a:spLocks noGrp="1"/>
           </p:cNvSpPr>
@@ -1109,59 +1551,7 @@
       </p:sp>
       <p:sp>
         <p:nvSpPr>
-          <p:cNvPr id="27" name="Content Placeholder 26"/>
-          <p:cNvSpPr>
-            <a:spLocks noGrp="1"/>
-          </p:cNvSpPr>
-          <p:nvPr>
-            <p:ph idx="1"/>
-          </p:nvPr>
-        </p:nvSpPr>
-        <p:spPr/>
-        <p:txBody>
-          <a:bodyPr/>
-          <a:lstStyle/>
-          <a:p>
-            <a:pPr lvl="0" eaLnBrk="1" latinLnBrk="0" hangingPunct="1"/>
-            <a:r>
-              <a:rPr lang="en-US" smtClean="0"/>
-              <a:t>Click to edit Master text styles</a:t>
-            </a:r>
-          </a:p>
-          <a:p>
-            <a:pPr lvl="1" eaLnBrk="1" latinLnBrk="0" hangingPunct="1"/>
-            <a:r>
-              <a:rPr lang="en-US" smtClean="0"/>
-              <a:t>Second level</a:t>
-            </a:r>
-          </a:p>
-          <a:p>
-            <a:pPr lvl="2" eaLnBrk="1" latinLnBrk="0" hangingPunct="1"/>
-            <a:r>
-              <a:rPr lang="en-US" smtClean="0"/>
-              <a:t>Third level</a:t>
-            </a:r>
-          </a:p>
-          <a:p>
-            <a:pPr lvl="3" eaLnBrk="1" latinLnBrk="0" hangingPunct="1"/>
-            <a:r>
-              <a:rPr lang="en-US" smtClean="0"/>
-              <a:t>Fourth level</a:t>
-            </a:r>
-          </a:p>
-          <a:p>
-            <a:pPr lvl="4" eaLnBrk="1" latinLnBrk="0" hangingPunct="1"/>
-            <a:r>
-              <a:rPr lang="en-US" smtClean="0"/>
-              <a:t>Fifth level</a:t>
-            </a:r>
-            <a:endParaRPr kumimoji="0" lang="en-US"/>
-          </a:p>
-        </p:txBody>
-      </p:sp>
-      <p:sp>
-        <p:nvSpPr>
-          <p:cNvPr id="25" name="Date Placeholder 24"/>
+          <p:cNvPr id="4" name="Date Placeholder 3"/>
           <p:cNvSpPr>
             <a:spLocks noGrp="1"/>
           </p:cNvSpPr>
@@ -1185,7 +1575,7 @@
       </p:sp>
       <p:sp>
         <p:nvSpPr>
-          <p:cNvPr id="19" name="Footer Placeholder 18"/>
+          <p:cNvPr id="5" name="Footer Placeholder 4"/>
           <p:cNvSpPr>
             <a:spLocks noGrp="1"/>
           </p:cNvSpPr>
@@ -1193,12 +1583,7 @@
             <p:ph type="ftr" sz="quarter" idx="11"/>
           </p:nvPr>
         </p:nvSpPr>
-        <p:spPr>
-          <a:xfrm>
-            <a:off x="3581400" y="76200"/>
-            <a:ext cx="2895600" cy="288925"/>
-          </a:xfrm>
-        </p:spPr>
+        <p:spPr/>
         <p:txBody>
           <a:bodyPr/>
           <a:lstStyle/>
@@ -1209,7 +1594,7 @@
       </p:sp>
       <p:sp>
         <p:nvSpPr>
-          <p:cNvPr id="16" name="Slide Number Placeholder 15"/>
+          <p:cNvPr id="6" name="Slide Number Placeholder 5"/>
           <p:cNvSpPr>
             <a:spLocks noGrp="1"/>
           </p:cNvSpPr>
@@ -1217,12 +1602,7 @@
             <p:ph type="sldNum" sz="quarter" idx="12"/>
           </p:nvPr>
         </p:nvSpPr>
-        <p:spPr>
-          <a:xfrm>
-            <a:off x="8229600" y="6473952"/>
-            <a:ext cx="758952" cy="246888"/>
-          </a:xfrm>
-        </p:spPr>
+        <p:spPr/>
         <p:txBody>
           <a:bodyPr/>
           <a:lstStyle/>
@@ -1233,6 +1613,63 @@
               <a:t>‹#›</a:t>
             </a:fld>
             <a:endParaRPr lang="en-US"/>
+          </a:p>
+        </p:txBody>
+      </p:sp>
+      <p:sp>
+        <p:nvSpPr>
+          <p:cNvPr id="8" name="Content Placeholder 7"/>
+          <p:cNvSpPr>
+            <a:spLocks noGrp="1"/>
+          </p:cNvSpPr>
+          <p:nvPr>
+            <p:ph sz="quarter" idx="1"/>
+          </p:nvPr>
+        </p:nvSpPr>
+        <p:spPr>
+          <a:xfrm>
+            <a:off x="457200" y="1219200"/>
+            <a:ext cx="8229600" cy="4937760"/>
+          </a:xfrm>
+        </p:spPr>
+        <p:txBody>
+          <a:bodyPr/>
+          <a:lstStyle/>
+          <a:p>
+            <a:pPr lvl="0" eaLnBrk="1" latinLnBrk="0" hangingPunct="1"/>
+            <a:r>
+              <a:rPr lang="en-US" smtClean="0"/>
+              <a:t>Click to edit Master text styles</a:t>
+            </a:r>
+          </a:p>
+          <a:p>
+            <a:pPr lvl="1" eaLnBrk="1" latinLnBrk="0" hangingPunct="1"/>
+            <a:r>
+              <a:rPr lang="en-US" smtClean="0"/>
+              <a:t>Second level</a:t>
+            </a:r>
+          </a:p>
+          <a:p>
+            <a:pPr lvl="2" eaLnBrk="1" latinLnBrk="0" hangingPunct="1"/>
+            <a:r>
+              <a:rPr lang="en-US" smtClean="0"/>
+              <a:t>Third level</a:t>
+            </a:r>
+          </a:p>
+          <a:p>
+            <a:pPr lvl="3" eaLnBrk="1" latinLnBrk="0" hangingPunct="1"/>
+            <a:r>
+              <a:rPr lang="en-US" smtClean="0"/>
+              <a:t>Fourth level</a:t>
+            </a:r>
+          </a:p>
+          <a:p>
+            <a:pPr lvl="4" eaLnBrk="1" latinLnBrk="0" hangingPunct="1"/>
+            <a:r>
+              <a:rPr lang="en-US" smtClean="0"/>
+              <a:t>Fifth level</a:t>
+            </a:r>
+            <a:endParaRPr kumimoji="0" lang="en-US"/>
           </a:p>
         </p:txBody>
       </p:sp>
@@ -1247,6 +1684,11 @@
 <file path=ppt/slideLayouts/slideLayout3.xml><?xml version="1.0" encoding="utf-8"?>
 <p:sldLayout xmlns:a="http://schemas.openxmlformats.org/drawingml/2006/main" xmlns:r="http://schemas.openxmlformats.org/officeDocument/2006/relationships" xmlns:p="http://schemas.openxmlformats.org/presentationml/2006/main" showMasterSp="0" type="secHead" preserve="1">
   <p:cSld name="Section Header">
+    <p:bg>
+      <p:bgRef idx="1001">
+        <a:schemeClr val="bg2"/>
+      </p:bgRef>
+    </p:bg>
     <p:spTree>
       <p:nvGrpSpPr>
         <p:cNvPr id="1" name=""/>
@@ -1263,57 +1705,40 @@
       </p:grpSpPr>
       <p:sp>
         <p:nvSpPr>
-          <p:cNvPr id="7" name="Straight Connector 6"/>
+          <p:cNvPr id="2" name="Title 1"/>
           <p:cNvSpPr>
-            <a:spLocks noChangeShapeType="1"/>
+            <a:spLocks noGrp="1"/>
           </p:cNvSpPr>
-          <p:nvPr/>
+          <p:nvPr>
+            <p:ph type="title"/>
+          </p:nvPr>
         </p:nvSpPr>
-        <p:spPr bwMode="auto">
+        <p:spPr>
           <a:xfrm>
-            <a:off x="514350" y="3444902"/>
-            <a:ext cx="8629650" cy="2381"/>
+            <a:off x="1219200" y="2971800"/>
+            <a:ext cx="6858000" cy="1066800"/>
           </a:xfrm>
-          <a:prstGeom prst="line">
-            <a:avLst/>
-          </a:prstGeom>
-          <a:noFill/>
-          <a:ln w="9525" cap="flat" cmpd="sng" algn="ctr">
-            <a:gradFill flip="none" rotWithShape="1">
-              <a:gsLst>
-                <a:gs pos="0">
-                  <a:schemeClr val="accent1">
-                    <a:alpha val="0"/>
-                  </a:schemeClr>
-                </a:gs>
-                <a:gs pos="17000">
-                  <a:schemeClr val="accent1"/>
-                </a:gs>
-                <a:gs pos="100000">
-                  <a:schemeClr val="accent1"/>
-                </a:gs>
-              </a:gsLst>
-              <a:lin ang="0" scaled="1"/>
-              <a:tileRect/>
-            </a:gradFill>
-            <a:prstDash val="solid"/>
-            <a:round/>
-            <a:headEnd type="none" w="med" len="med"/>
-            <a:tailEnd type="none" w="med" len="med"/>
-          </a:ln>
-          <a:effectLst/>
         </p:spPr>
         <p:txBody>
-          <a:bodyPr vert="horz" wrap="square" lIns="91440" tIns="45720" rIns="91440" bIns="45720" anchor="t" compatLnSpc="1"/>
-          <a:lstStyle/>
-          <a:p>
+          <a:bodyPr anchor="t" anchorCtr="0"/>
+          <a:lstStyle>
+            <a:lvl1pPr algn="r">
+              <a:buNone/>
+              <a:defRPr sz="3200" b="0" cap="none" baseline="0"/>
+            </a:lvl1pPr>
+          </a:lstStyle>
+          <a:p>
+            <a:r>
+              <a:rPr kumimoji="0" lang="en-US" smtClean="0"/>
+              <a:t>Click to edit Master title style</a:t>
+            </a:r>
             <a:endParaRPr kumimoji="0" lang="en-US"/>
           </a:p>
         </p:txBody>
       </p:sp>
       <p:sp>
         <p:nvSpPr>
-          <p:cNvPr id="6" name="Text Placeholder 5"/>
+          <p:cNvPr id="3" name="Text Placeholder 2"/>
           <p:cNvSpPr>
             <a:spLocks noGrp="1"/>
           </p:cNvSpPr>
@@ -1323,19 +1748,19 @@
         </p:nvSpPr>
         <p:spPr>
           <a:xfrm>
-            <a:off x="381000" y="1676400"/>
-            <a:ext cx="8458200" cy="1219200"/>
+            <a:off x="1295400" y="4267200"/>
+            <a:ext cx="6781800" cy="1143000"/>
           </a:xfrm>
         </p:spPr>
         <p:txBody>
-          <a:bodyPr anchor="b"/>
+          <a:bodyPr anchor="t" anchorCtr="0"/>
           <a:lstStyle>
             <a:lvl1pPr marL="0" indent="0" algn="r">
               <a:buNone/>
               <a:defRPr sz="2000">
                 <a:solidFill>
-                  <a:schemeClr val="tx2">
-                    <a:shade val="75000"/>
+                  <a:schemeClr val="tx1">
+                    <a:tint val="75000"/>
                   </a:schemeClr>
                 </a:solidFill>
               </a:defRPr>
@@ -1392,7 +1817,7 @@
       </p:sp>
       <p:sp>
         <p:nvSpPr>
-          <p:cNvPr id="19" name="Date Placeholder 18"/>
+          <p:cNvPr id="4" name="Date Placeholder 3"/>
           <p:cNvSpPr>
             <a:spLocks noGrp="1"/>
           </p:cNvSpPr>
@@ -1400,7 +1825,12 @@
             <p:ph type="dt" sz="half" idx="10"/>
           </p:nvPr>
         </p:nvSpPr>
-        <p:spPr/>
+        <p:spPr>
+          <a:xfrm>
+            <a:off x="6400800" y="6355080"/>
+            <a:ext cx="2286000" cy="365760"/>
+          </a:xfrm>
+        </p:spPr>
         <p:txBody>
           <a:bodyPr/>
           <a:lstStyle/>
@@ -1416,7 +1846,7 @@
       </p:sp>
       <p:sp>
         <p:nvSpPr>
-          <p:cNvPr id="11" name="Footer Placeholder 10"/>
+          <p:cNvPr id="5" name="Footer Placeholder 4"/>
           <p:cNvSpPr>
             <a:spLocks noGrp="1"/>
           </p:cNvSpPr>
@@ -1424,7 +1854,12 @@
             <p:ph type="ftr" sz="quarter" idx="11"/>
           </p:nvPr>
         </p:nvSpPr>
-        <p:spPr/>
+        <p:spPr>
+          <a:xfrm>
+            <a:off x="2898648" y="6355080"/>
+            <a:ext cx="3474720" cy="365760"/>
+          </a:xfrm>
+        </p:spPr>
         <p:txBody>
           <a:bodyPr/>
           <a:lstStyle/>
@@ -1435,7 +1870,7 @@
       </p:sp>
       <p:sp>
         <p:nvSpPr>
-          <p:cNvPr id="16" name="Slide Number Placeholder 15"/>
+          <p:cNvPr id="6" name="Slide Number Placeholder 5"/>
           <p:cNvSpPr>
             <a:spLocks noGrp="1"/>
           </p:cNvSpPr>
@@ -1443,7 +1878,12 @@
             <p:ph type="sldNum" sz="quarter" idx="12"/>
           </p:nvPr>
         </p:nvSpPr>
-        <p:spPr/>
+        <p:spPr>
+          <a:xfrm>
+            <a:off x="1069848" y="6355080"/>
+            <a:ext cx="1520952" cy="365760"/>
+          </a:xfrm>
+        </p:spPr>
         <p:txBody>
           <a:bodyPr/>
           <a:lstStyle/>
@@ -1459,32 +1899,92 @@
       </p:sp>
       <p:sp>
         <p:nvSpPr>
-          <p:cNvPr id="8" name="Title 7"/>
-          <p:cNvSpPr>
-            <a:spLocks noGrp="1"/>
-          </p:cNvSpPr>
-          <p:nvPr>
-            <p:ph type="title"/>
-          </p:nvPr>
+          <p:cNvPr id="7" name="Rectangle 6"/>
+          <p:cNvSpPr/>
+          <p:nvPr/>
         </p:nvSpPr>
         <p:spPr>
           <a:xfrm>
-            <a:off x="180475" y="2947085"/>
-            <a:ext cx="8686800" cy="1184825"/>
+            <a:off x="914400" y="2819400"/>
+            <a:ext cx="7315200" cy="1280160"/>
           </a:xfrm>
+          <a:prstGeom prst="rect">
+            <a:avLst/>
+          </a:prstGeom>
+          <a:noFill/>
+          <a:ln w="6350" cap="rnd" cmpd="sng" algn="ctr">
+            <a:solidFill>
+              <a:schemeClr val="accent1"/>
+            </a:solidFill>
+            <a:prstDash val="solid"/>
+          </a:ln>
+          <a:effectLst/>
         </p:spPr>
+        <p:style>
+          <a:lnRef idx="3">
+            <a:schemeClr val="lt1"/>
+          </a:lnRef>
+          <a:fillRef idx="1">
+            <a:schemeClr val="accent1"/>
+          </a:fillRef>
+          <a:effectRef idx="1">
+            <a:schemeClr val="accent1"/>
+          </a:effectRef>
+          <a:fontRef idx="minor">
+            <a:schemeClr val="lt1"/>
+          </a:fontRef>
+        </p:style>
         <p:txBody>
-          <a:bodyPr rtlCol="0" anchor="t"/>
-          <a:lstStyle>
-            <a:lvl1pPr algn="r">
-              <a:defRPr/>
-            </a:lvl1pPr>
-          </a:lstStyle>
-          <a:p>
-            <a:r>
-              <a:rPr kumimoji="0" lang="en-US" smtClean="0"/>
-              <a:t>Click to edit Master title style</a:t>
-            </a:r>
+          <a:bodyPr anchor="ctr"/>
+          <a:lstStyle/>
+          <a:p>
+            <a:pPr algn="ctr" eaLnBrk="1" latinLnBrk="0" hangingPunct="1"/>
+            <a:endParaRPr kumimoji="0" lang="en-US"/>
+          </a:p>
+        </p:txBody>
+      </p:sp>
+      <p:sp>
+        <p:nvSpPr>
+          <p:cNvPr id="8" name="Rectangle 7"/>
+          <p:cNvSpPr/>
+          <p:nvPr/>
+        </p:nvSpPr>
+        <p:spPr>
+          <a:xfrm>
+            <a:off x="914400" y="2819400"/>
+            <a:ext cx="228600" cy="1280160"/>
+          </a:xfrm>
+          <a:prstGeom prst="rect">
+            <a:avLst/>
+          </a:prstGeom>
+          <a:solidFill>
+            <a:schemeClr val="accent1"/>
+          </a:solidFill>
+          <a:ln w="6350" cap="rnd" cmpd="sng" algn="ctr">
+            <a:noFill/>
+            <a:prstDash val="solid"/>
+          </a:ln>
+          <a:effectLst/>
+        </p:spPr>
+        <p:style>
+          <a:lnRef idx="3">
+            <a:schemeClr val="lt1"/>
+          </a:lnRef>
+          <a:fillRef idx="1">
+            <a:schemeClr val="accent1"/>
+          </a:fillRef>
+          <a:effectRef idx="1">
+            <a:schemeClr val="accent1"/>
+          </a:effectRef>
+          <a:fontRef idx="minor">
+            <a:schemeClr val="lt1"/>
+          </a:fontRef>
+        </p:style>
+        <p:txBody>
+          <a:bodyPr anchor="ctr"/>
+          <a:lstStyle/>
+          <a:p>
+            <a:pPr algn="ctr" eaLnBrk="1" latinLnBrk="0" hangingPunct="1"/>
             <a:endParaRPr kumimoji="0" lang="en-US"/>
           </a:p>
         </p:txBody>
@@ -1498,7 +1998,7 @@
 </file>
 
 <file path=ppt/slideLayouts/slideLayout4.xml><?xml version="1.0" encoding="utf-8"?>
-<p:sldLayout xmlns:a="http://schemas.openxmlformats.org/drawingml/2006/main" xmlns:r="http://schemas.openxmlformats.org/officeDocument/2006/relationships" xmlns:p="http://schemas.openxmlformats.org/presentationml/2006/main" showMasterSp="0" type="twoObj" preserve="1">
+<p:sldLayout xmlns:a="http://schemas.openxmlformats.org/drawingml/2006/main" xmlns:r="http://schemas.openxmlformats.org/officeDocument/2006/relationships" xmlns:p="http://schemas.openxmlformats.org/presentationml/2006/main" type="twoObj" preserve="1">
   <p:cSld name="Two Content">
     <p:spTree>
       <p:nvGrpSpPr>
@@ -1516,7 +2016,7 @@
       </p:grpSpPr>
       <p:sp>
         <p:nvSpPr>
-          <p:cNvPr id="20" name="Title 19"/>
+          <p:cNvPr id="2" name="Title 1"/>
           <p:cNvSpPr>
             <a:spLocks noGrp="1"/>
           </p:cNvSpPr>
@@ -1526,8 +2026,8 @@
         </p:nvSpPr>
         <p:spPr>
           <a:xfrm>
-            <a:off x="301752" y="457200"/>
-            <a:ext cx="8686800" cy="841248"/>
+            <a:off x="457200" y="228600"/>
+            <a:ext cx="8229600" cy="914400"/>
           </a:xfrm>
         </p:spPr>
         <p:txBody>
@@ -1544,153 +2044,7 @@
       </p:sp>
       <p:sp>
         <p:nvSpPr>
-          <p:cNvPr id="14" name="Content Placeholder 13"/>
-          <p:cNvSpPr>
-            <a:spLocks noGrp="1"/>
-          </p:cNvSpPr>
-          <p:nvPr>
-            <p:ph sz="half" idx="1"/>
-          </p:nvPr>
-        </p:nvSpPr>
-        <p:spPr>
-          <a:xfrm>
-            <a:off x="304800" y="1600200"/>
-            <a:ext cx="4191000" cy="4724400"/>
-          </a:xfrm>
-        </p:spPr>
-        <p:txBody>
-          <a:bodyPr/>
-          <a:lstStyle>
-            <a:lvl1pPr>
-              <a:defRPr sz="2800"/>
-            </a:lvl1pPr>
-            <a:lvl2pPr>
-              <a:defRPr sz="2400"/>
-            </a:lvl2pPr>
-            <a:lvl3pPr>
-              <a:defRPr sz="2000"/>
-            </a:lvl3pPr>
-            <a:lvl4pPr>
-              <a:defRPr sz="1800"/>
-            </a:lvl4pPr>
-            <a:lvl5pPr>
-              <a:defRPr sz="1800"/>
-            </a:lvl5pPr>
-          </a:lstStyle>
-          <a:p>
-            <a:pPr lvl="0" eaLnBrk="1" latinLnBrk="0" hangingPunct="1"/>
-            <a:r>
-              <a:rPr lang="en-US" smtClean="0"/>
-              <a:t>Click to edit Master text styles</a:t>
-            </a:r>
-          </a:p>
-          <a:p>
-            <a:pPr lvl="1" eaLnBrk="1" latinLnBrk="0" hangingPunct="1"/>
-            <a:r>
-              <a:rPr lang="en-US" smtClean="0"/>
-              <a:t>Second level</a:t>
-            </a:r>
-          </a:p>
-          <a:p>
-            <a:pPr lvl="2" eaLnBrk="1" latinLnBrk="0" hangingPunct="1"/>
-            <a:r>
-              <a:rPr lang="en-US" smtClean="0"/>
-              <a:t>Third level</a:t>
-            </a:r>
-          </a:p>
-          <a:p>
-            <a:pPr lvl="3" eaLnBrk="1" latinLnBrk="0" hangingPunct="1"/>
-            <a:r>
-              <a:rPr lang="en-US" smtClean="0"/>
-              <a:t>Fourth level</a:t>
-            </a:r>
-          </a:p>
-          <a:p>
-            <a:pPr lvl="4" eaLnBrk="1" latinLnBrk="0" hangingPunct="1"/>
-            <a:r>
-              <a:rPr lang="en-US" smtClean="0"/>
-              <a:t>Fifth level</a:t>
-            </a:r>
-            <a:endParaRPr kumimoji="0" lang="en-US"/>
-          </a:p>
-        </p:txBody>
-      </p:sp>
-      <p:sp>
-        <p:nvSpPr>
-          <p:cNvPr id="13" name="Content Placeholder 12"/>
-          <p:cNvSpPr>
-            <a:spLocks noGrp="1"/>
-          </p:cNvSpPr>
-          <p:nvPr>
-            <p:ph sz="half" idx="2"/>
-          </p:nvPr>
-        </p:nvSpPr>
-        <p:spPr>
-          <a:xfrm>
-            <a:off x="4648200" y="1600200"/>
-            <a:ext cx="4343400" cy="4724400"/>
-          </a:xfrm>
-        </p:spPr>
-        <p:txBody>
-          <a:bodyPr/>
-          <a:lstStyle>
-            <a:lvl1pPr>
-              <a:defRPr sz="2800"/>
-            </a:lvl1pPr>
-            <a:lvl2pPr>
-              <a:defRPr sz="2400"/>
-            </a:lvl2pPr>
-            <a:lvl3pPr>
-              <a:defRPr sz="2000"/>
-            </a:lvl3pPr>
-            <a:lvl4pPr>
-              <a:defRPr sz="1800"/>
-            </a:lvl4pPr>
-            <a:lvl5pPr>
-              <a:defRPr sz="1800"/>
-            </a:lvl5pPr>
-          </a:lstStyle>
-          <a:p>
-            <a:pPr lvl="0" eaLnBrk="1" latinLnBrk="0" hangingPunct="1"/>
-            <a:r>
-              <a:rPr lang="en-US" smtClean="0"/>
-              <a:t>Click to edit Master text styles</a:t>
-            </a:r>
-          </a:p>
-          <a:p>
-            <a:pPr lvl="1" eaLnBrk="1" latinLnBrk="0" hangingPunct="1"/>
-            <a:r>
-              <a:rPr lang="en-US" smtClean="0"/>
-              <a:t>Second level</a:t>
-            </a:r>
-          </a:p>
-          <a:p>
-            <a:pPr lvl="2" eaLnBrk="1" latinLnBrk="0" hangingPunct="1"/>
-            <a:r>
-              <a:rPr lang="en-US" smtClean="0"/>
-              <a:t>Third level</a:t>
-            </a:r>
-          </a:p>
-          <a:p>
-            <a:pPr lvl="3" eaLnBrk="1" latinLnBrk="0" hangingPunct="1"/>
-            <a:r>
-              <a:rPr lang="en-US" smtClean="0"/>
-              <a:t>Fourth level</a:t>
-            </a:r>
-          </a:p>
-          <a:p>
-            <a:pPr lvl="4" eaLnBrk="1" latinLnBrk="0" hangingPunct="1"/>
-            <a:r>
-              <a:rPr lang="en-US" smtClean="0"/>
-              <a:t>Fifth level</a:t>
-            </a:r>
-            <a:endParaRPr kumimoji="0" lang="en-US"/>
-          </a:p>
-        </p:txBody>
-      </p:sp>
-      <p:sp>
-        <p:nvSpPr>
-          <p:cNvPr id="21" name="Date Placeholder 20"/>
+          <p:cNvPr id="5" name="Date Placeholder 4"/>
           <p:cNvSpPr>
             <a:spLocks noGrp="1"/>
           </p:cNvSpPr>
@@ -1714,7 +2068,7 @@
       </p:sp>
       <p:sp>
         <p:nvSpPr>
-          <p:cNvPr id="10" name="Footer Placeholder 9"/>
+          <p:cNvPr id="6" name="Footer Placeholder 5"/>
           <p:cNvSpPr>
             <a:spLocks noGrp="1"/>
           </p:cNvSpPr>
@@ -1733,7 +2087,7 @@
       </p:sp>
       <p:sp>
         <p:nvSpPr>
-          <p:cNvPr id="31" name="Slide Number Placeholder 30"/>
+          <p:cNvPr id="7" name="Slide Number Placeholder 6"/>
           <p:cNvSpPr>
             <a:spLocks noGrp="1"/>
           </p:cNvSpPr>
@@ -1755,6 +2109,120 @@
           </a:p>
         </p:txBody>
       </p:sp>
+      <p:sp>
+        <p:nvSpPr>
+          <p:cNvPr id="9" name="Content Placeholder 8"/>
+          <p:cNvSpPr>
+            <a:spLocks noGrp="1"/>
+          </p:cNvSpPr>
+          <p:nvPr>
+            <p:ph sz="quarter" idx="1"/>
+          </p:nvPr>
+        </p:nvSpPr>
+        <p:spPr>
+          <a:xfrm>
+            <a:off x="457200" y="1219200"/>
+            <a:ext cx="4041648" cy="4937760"/>
+          </a:xfrm>
+        </p:spPr>
+        <p:txBody>
+          <a:bodyPr/>
+          <a:lstStyle/>
+          <a:p>
+            <a:pPr lvl="0" eaLnBrk="1" latinLnBrk="0" hangingPunct="1"/>
+            <a:r>
+              <a:rPr lang="en-US" smtClean="0"/>
+              <a:t>Click to edit Master text styles</a:t>
+            </a:r>
+          </a:p>
+          <a:p>
+            <a:pPr lvl="1" eaLnBrk="1" latinLnBrk="0" hangingPunct="1"/>
+            <a:r>
+              <a:rPr lang="en-US" smtClean="0"/>
+              <a:t>Second level</a:t>
+            </a:r>
+          </a:p>
+          <a:p>
+            <a:pPr lvl="2" eaLnBrk="1" latinLnBrk="0" hangingPunct="1"/>
+            <a:r>
+              <a:rPr lang="en-US" smtClean="0"/>
+              <a:t>Third level</a:t>
+            </a:r>
+          </a:p>
+          <a:p>
+            <a:pPr lvl="3" eaLnBrk="1" latinLnBrk="0" hangingPunct="1"/>
+            <a:r>
+              <a:rPr lang="en-US" smtClean="0"/>
+              <a:t>Fourth level</a:t>
+            </a:r>
+          </a:p>
+          <a:p>
+            <a:pPr lvl="4" eaLnBrk="1" latinLnBrk="0" hangingPunct="1"/>
+            <a:r>
+              <a:rPr lang="en-US" smtClean="0"/>
+              <a:t>Fifth level</a:t>
+            </a:r>
+            <a:endParaRPr kumimoji="0" lang="en-US"/>
+          </a:p>
+        </p:txBody>
+      </p:sp>
+      <p:sp>
+        <p:nvSpPr>
+          <p:cNvPr id="11" name="Content Placeholder 10"/>
+          <p:cNvSpPr>
+            <a:spLocks noGrp="1"/>
+          </p:cNvSpPr>
+          <p:nvPr>
+            <p:ph sz="quarter" idx="2"/>
+          </p:nvPr>
+        </p:nvSpPr>
+        <p:spPr>
+          <a:xfrm>
+            <a:off x="4632198" y="1216152"/>
+            <a:ext cx="4041648" cy="4937760"/>
+          </a:xfrm>
+        </p:spPr>
+        <p:txBody>
+          <a:bodyPr/>
+          <a:lstStyle/>
+          <a:p>
+            <a:pPr lvl="0" eaLnBrk="1" latinLnBrk="0" hangingPunct="1"/>
+            <a:r>
+              <a:rPr lang="en-US" smtClean="0"/>
+              <a:t>Click to edit Master text styles</a:t>
+            </a:r>
+          </a:p>
+          <a:p>
+            <a:pPr lvl="1" eaLnBrk="1" latinLnBrk="0" hangingPunct="1"/>
+            <a:r>
+              <a:rPr lang="en-US" smtClean="0"/>
+              <a:t>Second level</a:t>
+            </a:r>
+          </a:p>
+          <a:p>
+            <a:pPr lvl="2" eaLnBrk="1" latinLnBrk="0" hangingPunct="1"/>
+            <a:r>
+              <a:rPr lang="en-US" smtClean="0"/>
+              <a:t>Third level</a:t>
+            </a:r>
+          </a:p>
+          <a:p>
+            <a:pPr lvl="3" eaLnBrk="1" latinLnBrk="0" hangingPunct="1"/>
+            <a:r>
+              <a:rPr lang="en-US" smtClean="0"/>
+              <a:t>Fourth level</a:t>
+            </a:r>
+          </a:p>
+          <a:p>
+            <a:pPr lvl="4" eaLnBrk="1" latinLnBrk="0" hangingPunct="1"/>
+            <a:r>
+              <a:rPr lang="en-US" smtClean="0"/>
+              <a:t>Fifth level</a:t>
+            </a:r>
+            <a:endParaRPr kumimoji="0" lang="en-US"/>
+          </a:p>
+        </p:txBody>
+      </p:sp>
     </p:spTree>
   </p:cSld>
   <p:clrMapOvr>
@@ -1764,7 +2232,7 @@
 </file>
 
 <file path=ppt/slideLayouts/slideLayout5.xml><?xml version="1.0" encoding="utf-8"?>
-<p:sldLayout xmlns:a="http://schemas.openxmlformats.org/drawingml/2006/main" xmlns:r="http://schemas.openxmlformats.org/officeDocument/2006/relationships" xmlns:p="http://schemas.openxmlformats.org/presentationml/2006/main" showMasterSp="0" type="twoTxTwoObj" preserve="1">
+<p:sldLayout xmlns:a="http://schemas.openxmlformats.org/drawingml/2006/main" xmlns:r="http://schemas.openxmlformats.org/officeDocument/2006/relationships" xmlns:p="http://schemas.openxmlformats.org/presentationml/2006/main" type="twoTxTwoObj" preserve="1">
   <p:cSld name="Comparison">
     <p:spTree>
       <p:nvGrpSpPr>
@@ -1782,7 +2250,7 @@
       </p:grpSpPr>
       <p:sp>
         <p:nvSpPr>
-          <p:cNvPr id="29" name="Title 28"/>
+          <p:cNvPr id="2" name="Title 1"/>
           <p:cNvSpPr>
             <a:spLocks noGrp="1"/>
           </p:cNvSpPr>
@@ -1792,8 +2260,8 @@
         </p:nvSpPr>
         <p:spPr>
           <a:xfrm>
-            <a:off x="304800" y="5410200"/>
-            <a:ext cx="8610600" cy="882650"/>
+            <a:off x="457200" y="228600"/>
+            <a:ext cx="8229600" cy="914400"/>
           </a:xfrm>
         </p:spPr>
         <p:txBody>
@@ -1814,7 +2282,7 @@
       </p:sp>
       <p:sp>
         <p:nvSpPr>
-          <p:cNvPr id="13" name="Text Placeholder 12"/>
+          <p:cNvPr id="3" name="Text Placeholder 2"/>
           <p:cNvSpPr>
             <a:spLocks noGrp="1"/>
           </p:cNvSpPr>
@@ -1824,24 +2292,25 @@
         </p:nvSpPr>
         <p:spPr>
           <a:xfrm>
-            <a:off x="281444" y="666750"/>
-            <a:ext cx="4290556" cy="639762"/>
+            <a:off x="457200" y="1285875"/>
+            <a:ext cx="4040188" cy="685800"/>
           </a:xfrm>
+          <a:noFill/>
+          <a:ln>
+            <a:noFill/>
+          </a:ln>
         </p:spPr>
         <p:txBody>
-          <a:bodyPr anchor="ctr"/>
+          <a:bodyPr lIns="91440" anchor="b" anchorCtr="0">
+            <a:noAutofit/>
+          </a:bodyPr>
           <a:lstStyle>
             <a:lvl1pPr marL="0" indent="0">
               <a:buNone/>
-              <a:defRPr sz="1800" b="0" cap="all" baseline="0">
+              <a:defRPr sz="2400" b="1">
                 <a:solidFill>
-                  <a:schemeClr val="accent1">
-                    <a:shade val="50000"/>
-                  </a:schemeClr>
+                  <a:schemeClr val="accent2"/>
                 </a:solidFill>
-                <a:latin typeface="+mj-lt"/>
-                <a:ea typeface="+mj-ea"/>
-                <a:cs typeface="+mj-cs"/>
               </a:defRPr>
             </a:lvl1pPr>
             <a:lvl2pPr>
@@ -1872,7 +2341,7 @@
       </p:sp>
       <p:sp>
         <p:nvSpPr>
-          <p:cNvPr id="25" name="Text Placeholder 24"/>
+          <p:cNvPr id="4" name="Text Placeholder 3"/>
           <p:cNvSpPr>
             <a:spLocks noGrp="1"/>
           </p:cNvSpPr>
@@ -1882,24 +2351,23 @@
         </p:nvSpPr>
         <p:spPr>
           <a:xfrm>
-            <a:off x="4645025" y="666750"/>
-            <a:ext cx="4292241" cy="639762"/>
+            <a:off x="4648200" y="1295400"/>
+            <a:ext cx="4041775" cy="685800"/>
           </a:xfrm>
+          <a:noFill/>
+          <a:ln>
+            <a:noFill/>
+          </a:ln>
         </p:spPr>
         <p:txBody>
-          <a:bodyPr anchor="ctr"/>
+          <a:bodyPr lIns="91440" anchor="b" anchorCtr="0"/>
           <a:lstStyle>
             <a:lvl1pPr marL="0" indent="0">
               <a:buNone/>
-              <a:defRPr sz="1800" b="0" cap="all" baseline="0">
+              <a:defRPr sz="2400" b="1">
                 <a:solidFill>
-                  <a:schemeClr val="accent1">
-                    <a:shade val="50000"/>
-                  </a:schemeClr>
+                  <a:schemeClr val="accent2"/>
                 </a:solidFill>
-                <a:latin typeface="+mj-lt"/>
-                <a:ea typeface="+mj-ea"/>
-                <a:cs typeface="+mj-cs"/>
               </a:defRPr>
             </a:lvl1pPr>
             <a:lvl2pPr>
@@ -1930,153 +2398,7 @@
       </p:sp>
       <p:sp>
         <p:nvSpPr>
-          <p:cNvPr id="4" name="Content Placeholder 3"/>
-          <p:cNvSpPr>
-            <a:spLocks noGrp="1"/>
-          </p:cNvSpPr>
-          <p:nvPr>
-            <p:ph sz="quarter" idx="2"/>
-          </p:nvPr>
-        </p:nvSpPr>
-        <p:spPr>
-          <a:xfrm>
-            <a:off x="281444" y="1316037"/>
-            <a:ext cx="4290556" cy="3941763"/>
-          </a:xfrm>
-        </p:spPr>
-        <p:txBody>
-          <a:bodyPr/>
-          <a:lstStyle>
-            <a:lvl1pPr>
-              <a:defRPr sz="2400"/>
-            </a:lvl1pPr>
-            <a:lvl2pPr>
-              <a:defRPr sz="2000"/>
-            </a:lvl2pPr>
-            <a:lvl3pPr>
-              <a:defRPr sz="1800"/>
-            </a:lvl3pPr>
-            <a:lvl4pPr>
-              <a:defRPr sz="1600"/>
-            </a:lvl4pPr>
-            <a:lvl5pPr>
-              <a:defRPr sz="1600"/>
-            </a:lvl5pPr>
-          </a:lstStyle>
-          <a:p>
-            <a:pPr lvl="0" eaLnBrk="1" latinLnBrk="0" hangingPunct="1"/>
-            <a:r>
-              <a:rPr lang="en-US" smtClean="0"/>
-              <a:t>Click to edit Master text styles</a:t>
-            </a:r>
-          </a:p>
-          <a:p>
-            <a:pPr lvl="1" eaLnBrk="1" latinLnBrk="0" hangingPunct="1"/>
-            <a:r>
-              <a:rPr lang="en-US" smtClean="0"/>
-              <a:t>Second level</a:t>
-            </a:r>
-          </a:p>
-          <a:p>
-            <a:pPr lvl="2" eaLnBrk="1" latinLnBrk="0" hangingPunct="1"/>
-            <a:r>
-              <a:rPr lang="en-US" smtClean="0"/>
-              <a:t>Third level</a:t>
-            </a:r>
-          </a:p>
-          <a:p>
-            <a:pPr lvl="3" eaLnBrk="1" latinLnBrk="0" hangingPunct="1"/>
-            <a:r>
-              <a:rPr lang="en-US" smtClean="0"/>
-              <a:t>Fourth level</a:t>
-            </a:r>
-          </a:p>
-          <a:p>
-            <a:pPr lvl="4" eaLnBrk="1" latinLnBrk="0" hangingPunct="1"/>
-            <a:r>
-              <a:rPr lang="en-US" smtClean="0"/>
-              <a:t>Fifth level</a:t>
-            </a:r>
-            <a:endParaRPr kumimoji="0" lang="en-US"/>
-          </a:p>
-        </p:txBody>
-      </p:sp>
-      <p:sp>
-        <p:nvSpPr>
-          <p:cNvPr id="28" name="Content Placeholder 27"/>
-          <p:cNvSpPr>
-            <a:spLocks noGrp="1"/>
-          </p:cNvSpPr>
-          <p:nvPr>
-            <p:ph sz="quarter" idx="4"/>
-          </p:nvPr>
-        </p:nvSpPr>
-        <p:spPr>
-          <a:xfrm>
-            <a:off x="4648730" y="1316037"/>
-            <a:ext cx="4288536" cy="3941763"/>
-          </a:xfrm>
-        </p:spPr>
-        <p:txBody>
-          <a:bodyPr/>
-          <a:lstStyle>
-            <a:lvl1pPr>
-              <a:defRPr sz="2400"/>
-            </a:lvl1pPr>
-            <a:lvl2pPr>
-              <a:defRPr sz="2000"/>
-            </a:lvl2pPr>
-            <a:lvl3pPr>
-              <a:defRPr sz="1800"/>
-            </a:lvl3pPr>
-            <a:lvl4pPr>
-              <a:defRPr sz="1600"/>
-            </a:lvl4pPr>
-            <a:lvl5pPr>
-              <a:defRPr sz="1600"/>
-            </a:lvl5pPr>
-          </a:lstStyle>
-          <a:p>
-            <a:pPr lvl="0" eaLnBrk="1" latinLnBrk="0" hangingPunct="1"/>
-            <a:r>
-              <a:rPr lang="en-US" smtClean="0"/>
-              <a:t>Click to edit Master text styles</a:t>
-            </a:r>
-          </a:p>
-          <a:p>
-            <a:pPr lvl="1" eaLnBrk="1" latinLnBrk="0" hangingPunct="1"/>
-            <a:r>
-              <a:rPr lang="en-US" smtClean="0"/>
-              <a:t>Second level</a:t>
-            </a:r>
-          </a:p>
-          <a:p>
-            <a:pPr lvl="2" eaLnBrk="1" latinLnBrk="0" hangingPunct="1"/>
-            <a:r>
-              <a:rPr lang="en-US" smtClean="0"/>
-              <a:t>Third level</a:t>
-            </a:r>
-          </a:p>
-          <a:p>
-            <a:pPr lvl="3" eaLnBrk="1" latinLnBrk="0" hangingPunct="1"/>
-            <a:r>
-              <a:rPr lang="en-US" smtClean="0"/>
-              <a:t>Fourth level</a:t>
-            </a:r>
-          </a:p>
-          <a:p>
-            <a:pPr lvl="4" eaLnBrk="1" latinLnBrk="0" hangingPunct="1"/>
-            <a:r>
-              <a:rPr lang="en-US" smtClean="0"/>
-              <a:t>Fifth level</a:t>
-            </a:r>
-            <a:endParaRPr kumimoji="0" lang="en-US"/>
-          </a:p>
-        </p:txBody>
-      </p:sp>
-      <p:sp>
-        <p:nvSpPr>
-          <p:cNvPr id="10" name="Date Placeholder 9"/>
+          <p:cNvPr id="7" name="Date Placeholder 6"/>
           <p:cNvSpPr>
             <a:spLocks noGrp="1"/>
           </p:cNvSpPr>
@@ -2100,7 +2422,7 @@
       </p:sp>
       <p:sp>
         <p:nvSpPr>
-          <p:cNvPr id="6" name="Footer Placeholder 5"/>
+          <p:cNvPr id="8" name="Footer Placeholder 7"/>
           <p:cNvSpPr>
             <a:spLocks noGrp="1"/>
           </p:cNvSpPr>
@@ -2119,7 +2441,7 @@
       </p:sp>
       <p:sp>
         <p:nvSpPr>
-          <p:cNvPr id="7" name="Slide Number Placeholder 6"/>
+          <p:cNvPr id="9" name="Slide Number Placeholder 8"/>
           <p:cNvSpPr>
             <a:spLocks noGrp="1"/>
           </p:cNvSpPr>
@@ -2127,12 +2449,7 @@
             <p:ph type="sldNum" sz="quarter" idx="12"/>
           </p:nvPr>
         </p:nvSpPr>
-        <p:spPr>
-          <a:xfrm>
-            <a:off x="8229600" y="6477000"/>
-            <a:ext cx="762000" cy="246888"/>
-          </a:xfrm>
-        </p:spPr>
+        <p:spPr/>
         <p:txBody>
           <a:bodyPr/>
           <a:lstStyle/>
@@ -2148,50 +2465,114 @@
       </p:sp>
       <p:sp>
         <p:nvSpPr>
-          <p:cNvPr id="11" name="Straight Connector 10"/>
+          <p:cNvPr id="11" name="Content Placeholder 10"/>
           <p:cNvSpPr>
-            <a:spLocks noChangeShapeType="1"/>
+            <a:spLocks noGrp="1"/>
           </p:cNvSpPr>
-          <p:nvPr/>
+          <p:nvPr>
+            <p:ph sz="quarter" idx="2"/>
+          </p:nvPr>
         </p:nvSpPr>
-        <p:spPr bwMode="auto">
+        <p:spPr>
           <a:xfrm>
-            <a:off x="514350" y="6019800"/>
-            <a:ext cx="8629650" cy="2381"/>
+            <a:off x="457200" y="2133600"/>
+            <a:ext cx="4038600" cy="4038600"/>
           </a:xfrm>
-          <a:prstGeom prst="line">
-            <a:avLst/>
-          </a:prstGeom>
-          <a:noFill/>
-          <a:ln w="9525" cap="flat" cmpd="sng" algn="ctr">
-            <a:gradFill flip="none" rotWithShape="1">
-              <a:gsLst>
-                <a:gs pos="0">
-                  <a:schemeClr val="accent1">
-                    <a:alpha val="0"/>
-                  </a:schemeClr>
-                </a:gs>
-                <a:gs pos="17000">
-                  <a:schemeClr val="accent1"/>
-                </a:gs>
-                <a:gs pos="100000">
-                  <a:schemeClr val="accent1"/>
-                </a:gs>
-              </a:gsLst>
-              <a:lin ang="0" scaled="1"/>
-              <a:tileRect/>
-            </a:gradFill>
-            <a:prstDash val="solid"/>
-            <a:round/>
-            <a:headEnd type="none" w="med" len="med"/>
-            <a:tailEnd type="none" w="med" len="med"/>
-          </a:ln>
-          <a:effectLst/>
         </p:spPr>
         <p:txBody>
-          <a:bodyPr vert="horz" wrap="square" lIns="91440" tIns="45720" rIns="91440" bIns="45720" anchor="t" compatLnSpc="1"/>
+          <a:bodyPr/>
           <a:lstStyle/>
           <a:p>
+            <a:pPr lvl="0" eaLnBrk="1" latinLnBrk="0" hangingPunct="1"/>
+            <a:r>
+              <a:rPr lang="en-US" smtClean="0"/>
+              <a:t>Click to edit Master text styles</a:t>
+            </a:r>
+          </a:p>
+          <a:p>
+            <a:pPr lvl="1" eaLnBrk="1" latinLnBrk="0" hangingPunct="1"/>
+            <a:r>
+              <a:rPr lang="en-US" smtClean="0"/>
+              <a:t>Second level</a:t>
+            </a:r>
+          </a:p>
+          <a:p>
+            <a:pPr lvl="2" eaLnBrk="1" latinLnBrk="0" hangingPunct="1"/>
+            <a:r>
+              <a:rPr lang="en-US" smtClean="0"/>
+              <a:t>Third level</a:t>
+            </a:r>
+          </a:p>
+          <a:p>
+            <a:pPr lvl="3" eaLnBrk="1" latinLnBrk="0" hangingPunct="1"/>
+            <a:r>
+              <a:rPr lang="en-US" smtClean="0"/>
+              <a:t>Fourth level</a:t>
+            </a:r>
+          </a:p>
+          <a:p>
+            <a:pPr lvl="4" eaLnBrk="1" latinLnBrk="0" hangingPunct="1"/>
+            <a:r>
+              <a:rPr lang="en-US" smtClean="0"/>
+              <a:t>Fifth level</a:t>
+            </a:r>
+            <a:endParaRPr kumimoji="0" lang="en-US"/>
+          </a:p>
+        </p:txBody>
+      </p:sp>
+      <p:sp>
+        <p:nvSpPr>
+          <p:cNvPr id="13" name="Content Placeholder 12"/>
+          <p:cNvSpPr>
+            <a:spLocks noGrp="1"/>
+          </p:cNvSpPr>
+          <p:nvPr>
+            <p:ph sz="quarter" idx="4"/>
+          </p:nvPr>
+        </p:nvSpPr>
+        <p:spPr>
+          <a:xfrm>
+            <a:off x="4648200" y="2133600"/>
+            <a:ext cx="4038600" cy="4038600"/>
+          </a:xfrm>
+        </p:spPr>
+        <p:txBody>
+          <a:bodyPr/>
+          <a:lstStyle/>
+          <a:p>
+            <a:pPr lvl="0" eaLnBrk="1" latinLnBrk="0" hangingPunct="1"/>
+            <a:r>
+              <a:rPr lang="en-US" smtClean="0"/>
+              <a:t>Click to edit Master text styles</a:t>
+            </a:r>
+          </a:p>
+          <a:p>
+            <a:pPr lvl="1" eaLnBrk="1" latinLnBrk="0" hangingPunct="1"/>
+            <a:r>
+              <a:rPr lang="en-US" smtClean="0"/>
+              <a:t>Second level</a:t>
+            </a:r>
+          </a:p>
+          <a:p>
+            <a:pPr lvl="2" eaLnBrk="1" latinLnBrk="0" hangingPunct="1"/>
+            <a:r>
+              <a:rPr lang="en-US" smtClean="0"/>
+              <a:t>Third level</a:t>
+            </a:r>
+          </a:p>
+          <a:p>
+            <a:pPr lvl="3" eaLnBrk="1" latinLnBrk="0" hangingPunct="1"/>
+            <a:r>
+              <a:rPr lang="en-US" smtClean="0"/>
+              <a:t>Fourth level</a:t>
+            </a:r>
+          </a:p>
+          <a:p>
+            <a:pPr lvl="4" eaLnBrk="1" latinLnBrk="0" hangingPunct="1"/>
+            <a:r>
+              <a:rPr lang="en-US" smtClean="0"/>
+              <a:t>Fifth level</a:t>
+            </a:r>
             <a:endParaRPr kumimoji="0" lang="en-US"/>
           </a:p>
         </p:txBody>
@@ -2205,7 +2586,7 @@
 </file>
 
 <file path=ppt/slideLayouts/slideLayout6.xml><?xml version="1.0" encoding="utf-8"?>
-<p:sldLayout xmlns:a="http://schemas.openxmlformats.org/drawingml/2006/main" xmlns:r="http://schemas.openxmlformats.org/officeDocument/2006/relationships" xmlns:p="http://schemas.openxmlformats.org/presentationml/2006/main" showMasterSp="0" type="titleOnly" preserve="1">
+<p:sldLayout xmlns:a="http://schemas.openxmlformats.org/drawingml/2006/main" xmlns:r="http://schemas.openxmlformats.org/officeDocument/2006/relationships" xmlns:p="http://schemas.openxmlformats.org/presentationml/2006/main" type="titleOnly" preserve="1">
   <p:cSld name="Title Only">
     <p:spTree>
       <p:nvGrpSpPr>
@@ -2223,7 +2604,7 @@
       </p:grpSpPr>
       <p:sp>
         <p:nvSpPr>
-          <p:cNvPr id="30" name="Title 29"/>
+          <p:cNvPr id="2" name="Title 1"/>
           <p:cNvSpPr>
             <a:spLocks noGrp="1"/>
           </p:cNvSpPr>
@@ -2233,8 +2614,8 @@
         </p:nvSpPr>
         <p:spPr>
           <a:xfrm>
-            <a:off x="301752" y="457200"/>
-            <a:ext cx="8686800" cy="841248"/>
+            <a:off x="457200" y="228600"/>
+            <a:ext cx="8229600" cy="914400"/>
           </a:xfrm>
         </p:spPr>
         <p:txBody>
@@ -2251,7 +2632,7 @@
       </p:sp>
       <p:sp>
         <p:nvSpPr>
-          <p:cNvPr id="12" name="Date Placeholder 11"/>
+          <p:cNvPr id="3" name="Date Placeholder 2"/>
           <p:cNvSpPr>
             <a:spLocks noGrp="1"/>
           </p:cNvSpPr>
@@ -2275,7 +2656,7 @@
       </p:sp>
       <p:sp>
         <p:nvSpPr>
-          <p:cNvPr id="21" name="Footer Placeholder 20"/>
+          <p:cNvPr id="4" name="Footer Placeholder 3"/>
           <p:cNvSpPr>
             <a:spLocks noGrp="1"/>
           </p:cNvSpPr>
@@ -2294,7 +2675,7 @@
       </p:sp>
       <p:sp>
         <p:nvSpPr>
-          <p:cNvPr id="6" name="Slide Number Placeholder 5"/>
+          <p:cNvPr id="5" name="Slide Number Placeholder 4"/>
           <p:cNvSpPr>
             <a:spLocks noGrp="1"/>
           </p:cNvSpPr>
@@ -2313,6 +2694,56 @@
               <a:t>‹#›</a:t>
             </a:fld>
             <a:endParaRPr lang="en-US"/>
+          </a:p>
+        </p:txBody>
+      </p:sp>
+      <p:sp>
+        <p:nvSpPr>
+          <p:cNvPr id="6" name="Isosceles Triangle 5"/>
+          <p:cNvSpPr>
+            <a:spLocks noChangeAspect="1"/>
+          </p:cNvSpPr>
+          <p:nvPr/>
+        </p:nvSpPr>
+        <p:spPr>
+          <a:xfrm rot="5400000">
+            <a:off x="419100" y="6467475"/>
+            <a:ext cx="190849" cy="120314"/>
+          </a:xfrm>
+          <a:prstGeom prst="triangle">
+            <a:avLst>
+              <a:gd name="adj" fmla="val 50000"/>
+            </a:avLst>
+          </a:prstGeom>
+          <a:solidFill>
+            <a:schemeClr val="accent2"/>
+          </a:solidFill>
+          <a:ln w="25400" cap="rnd" cmpd="sng" algn="ctr">
+            <a:noFill/>
+            <a:prstDash val="solid"/>
+          </a:ln>
+          <a:effectLst/>
+        </p:spPr>
+        <p:style>
+          <a:lnRef idx="3">
+            <a:schemeClr val="lt1"/>
+          </a:lnRef>
+          <a:fillRef idx="1">
+            <a:schemeClr val="accent1"/>
+          </a:fillRef>
+          <a:effectRef idx="1">
+            <a:schemeClr val="accent1"/>
+          </a:effectRef>
+          <a:fontRef idx="minor">
+            <a:schemeClr val="lt1"/>
+          </a:fontRef>
+        </p:style>
+        <p:txBody>
+          <a:bodyPr anchor="ctr"/>
+          <a:lstStyle/>
+          <a:p>
+            <a:pPr algn="ctr" eaLnBrk="1" latinLnBrk="0" hangingPunct="1"/>
+            <a:endParaRPr kumimoji="0" lang="en-US"/>
           </a:p>
         </p:txBody>
       </p:sp>
@@ -2343,7 +2774,7 @@
       </p:grpSpPr>
       <p:sp>
         <p:nvSpPr>
-          <p:cNvPr id="3" name="Date Placeholder 2"/>
+          <p:cNvPr id="2" name="Date Placeholder 1"/>
           <p:cNvSpPr>
             <a:spLocks noGrp="1"/>
           </p:cNvSpPr>
@@ -2367,7 +2798,7 @@
       </p:sp>
       <p:sp>
         <p:nvSpPr>
-          <p:cNvPr id="24" name="Footer Placeholder 23"/>
+          <p:cNvPr id="3" name="Footer Placeholder 2"/>
           <p:cNvSpPr>
             <a:spLocks noGrp="1"/>
           </p:cNvSpPr>
@@ -2386,7 +2817,7 @@
       </p:sp>
       <p:sp>
         <p:nvSpPr>
-          <p:cNvPr id="7" name="Slide Number Placeholder 6"/>
+          <p:cNvPr id="4" name="Slide Number Placeholder 3"/>
           <p:cNvSpPr>
             <a:spLocks noGrp="1"/>
           </p:cNvSpPr>
@@ -2405,6 +2836,92 @@
               <a:t>‹#›</a:t>
             </a:fld>
             <a:endParaRPr lang="en-US"/>
+          </a:p>
+        </p:txBody>
+      </p:sp>
+      <p:sp>
+        <p:nvSpPr>
+          <p:cNvPr id="5" name="Straight Connector 4"/>
+          <p:cNvSpPr>
+            <a:spLocks noChangeShapeType="1"/>
+          </p:cNvSpPr>
+          <p:nvPr/>
+        </p:nvSpPr>
+        <p:spPr bwMode="auto">
+          <a:xfrm>
+            <a:off x="457200" y="6353175"/>
+            <a:ext cx="8229600" cy="0"/>
+          </a:xfrm>
+          <a:prstGeom prst="line">
+            <a:avLst/>
+          </a:prstGeom>
+          <a:noFill/>
+          <a:ln w="9525" cap="flat" cmpd="sng" algn="ctr">
+            <a:solidFill>
+              <a:schemeClr val="accent2"/>
+            </a:solidFill>
+            <a:prstDash val="dash"/>
+            <a:round/>
+            <a:headEnd type="none" w="med" len="med"/>
+            <a:tailEnd type="none" w="med" len="med"/>
+          </a:ln>
+          <a:effectLst/>
+        </p:spPr>
+        <p:txBody>
+          <a:bodyPr vert="horz" wrap="square" lIns="91440" tIns="45720" rIns="91440" bIns="45720" anchor="t" compatLnSpc="1"/>
+          <a:lstStyle/>
+          <a:p>
+            <a:endParaRPr kumimoji="0" lang="en-US"/>
+          </a:p>
+        </p:txBody>
+      </p:sp>
+      <p:sp>
+        <p:nvSpPr>
+          <p:cNvPr id="6" name="Isosceles Triangle 5"/>
+          <p:cNvSpPr>
+            <a:spLocks noChangeAspect="1"/>
+          </p:cNvSpPr>
+          <p:nvPr/>
+        </p:nvSpPr>
+        <p:spPr>
+          <a:xfrm rot="5400000">
+            <a:off x="419100" y="6467475"/>
+            <a:ext cx="190849" cy="120314"/>
+          </a:xfrm>
+          <a:prstGeom prst="triangle">
+            <a:avLst>
+              <a:gd name="adj" fmla="val 50000"/>
+            </a:avLst>
+          </a:prstGeom>
+          <a:solidFill>
+            <a:schemeClr val="accent2"/>
+          </a:solidFill>
+          <a:ln w="25400" cap="rnd" cmpd="sng" algn="ctr">
+            <a:noFill/>
+            <a:prstDash val="solid"/>
+          </a:ln>
+          <a:effectLst/>
+        </p:spPr>
+        <p:style>
+          <a:lnRef idx="3">
+            <a:schemeClr val="lt1"/>
+          </a:lnRef>
+          <a:fillRef idx="1">
+            <a:schemeClr val="accent1"/>
+          </a:fillRef>
+          <a:effectRef idx="1">
+            <a:schemeClr val="accent1"/>
+          </a:effectRef>
+          <a:fontRef idx="minor">
+            <a:schemeClr val="lt1"/>
+          </a:fontRef>
+        </p:style>
+        <p:txBody>
+          <a:bodyPr anchor="ctr"/>
+          <a:lstStyle/>
+          <a:p>
+            <a:pPr algn="ctr" eaLnBrk="1" latinLnBrk="0" hangingPunct="1"/>
+            <a:endParaRPr kumimoji="0" lang="en-US"/>
           </a:p>
         </p:txBody>
       </p:sp>
@@ -2435,57 +2952,7 @@
       </p:grpSpPr>
       <p:sp>
         <p:nvSpPr>
-          <p:cNvPr id="8" name="Straight Connector 7"/>
-          <p:cNvSpPr>
-            <a:spLocks noChangeShapeType="1"/>
-          </p:cNvSpPr>
-          <p:nvPr/>
-        </p:nvSpPr>
-        <p:spPr bwMode="auto">
-          <a:xfrm>
-            <a:off x="514350" y="5849117"/>
-            <a:ext cx="8629650" cy="2381"/>
-          </a:xfrm>
-          <a:prstGeom prst="line">
-            <a:avLst/>
-          </a:prstGeom>
-          <a:noFill/>
-          <a:ln w="9525" cap="flat" cmpd="sng" algn="ctr">
-            <a:gradFill flip="none" rotWithShape="1">
-              <a:gsLst>
-                <a:gs pos="0">
-                  <a:schemeClr val="accent1">
-                    <a:alpha val="0"/>
-                  </a:schemeClr>
-                </a:gs>
-                <a:gs pos="17000">
-                  <a:schemeClr val="accent1"/>
-                </a:gs>
-                <a:gs pos="100000">
-                  <a:schemeClr val="accent1"/>
-                </a:gs>
-              </a:gsLst>
-              <a:lin ang="0" scaled="1"/>
-              <a:tileRect/>
-            </a:gradFill>
-            <a:prstDash val="solid"/>
-            <a:round/>
-            <a:headEnd type="none" w="med" len="med"/>
-            <a:tailEnd type="none" w="med" len="med"/>
-          </a:ln>
-          <a:effectLst/>
-        </p:spPr>
-        <p:txBody>
-          <a:bodyPr vert="horz" wrap="square" lIns="91440" tIns="45720" rIns="91440" bIns="45720" anchor="t" compatLnSpc="1"/>
-          <a:lstStyle/>
-          <a:p>
-            <a:endParaRPr kumimoji="0" lang="en-US"/>
-          </a:p>
-        </p:txBody>
-      </p:sp>
-      <p:sp>
-        <p:nvSpPr>
-          <p:cNvPr id="12" name="Title 11"/>
+          <p:cNvPr id="2" name="Title 1"/>
           <p:cNvSpPr>
             <a:spLocks noGrp="1"/>
           </p:cNvSpPr>
@@ -2495,16 +2962,25 @@
         </p:nvSpPr>
         <p:spPr>
           <a:xfrm>
-            <a:off x="457200" y="5486400"/>
-            <a:ext cx="8458200" cy="520700"/>
+            <a:off x="6324600" y="304800"/>
+            <a:ext cx="2514600" cy="838200"/>
           </a:xfrm>
         </p:spPr>
         <p:txBody>
-          <a:bodyPr anchor="ctr"/>
+          <a:bodyPr anchor="b" anchorCtr="0">
+            <a:noAutofit/>
+          </a:bodyPr>
           <a:lstStyle>
             <a:lvl1pPr algn="l">
               <a:buNone/>
-              <a:defRPr sz="2000" b="1"/>
+              <a:defRPr sz="2000" b="1">
+                <a:solidFill>
+                  <a:schemeClr val="tx2"/>
+                </a:solidFill>
+                <a:latin typeface="+mn-lt"/>
+                <a:ea typeface="+mn-ea"/>
+                <a:cs typeface="+mn-cs"/>
+              </a:defRPr>
             </a:lvl1pPr>
           </a:lstStyle>
           <a:p>
@@ -2518,7 +2994,7 @@
       </p:sp>
       <p:sp>
         <p:nvSpPr>
-          <p:cNvPr id="26" name="Text Placeholder 25"/>
+          <p:cNvPr id="3" name="Text Placeholder 2"/>
           <p:cNvSpPr>
             <a:spLocks noGrp="1"/>
           </p:cNvSpPr>
@@ -2528,16 +3004,26 @@
         </p:nvSpPr>
         <p:spPr>
           <a:xfrm>
-            <a:off x="457200" y="609600"/>
-            <a:ext cx="3008313" cy="4800600"/>
+            <a:off x="6324600" y="1219200"/>
+            <a:ext cx="2514600" cy="4843463"/>
           </a:xfrm>
         </p:spPr>
         <p:txBody>
           <a:bodyPr/>
           <a:lstStyle>
             <a:lvl1pPr marL="0" indent="0">
+              <a:lnSpc>
+                <a:spcPts val="2200"/>
+              </a:lnSpc>
+              <a:spcAft>
+                <a:spcPts val="1000"/>
+              </a:spcAft>
               <a:buNone/>
-              <a:defRPr sz="1400"/>
+              <a:defRPr sz="1600">
+                <a:solidFill>
+                  <a:schemeClr val="tx2"/>
+                </a:solidFill>
+              </a:defRPr>
             </a:lvl1pPr>
             <a:lvl2pPr>
               <a:buNone/>
@@ -2567,80 +3053,7 @@
       </p:sp>
       <p:sp>
         <p:nvSpPr>
-          <p:cNvPr id="14" name="Content Placeholder 13"/>
-          <p:cNvSpPr>
-            <a:spLocks noGrp="1"/>
-          </p:cNvSpPr>
-          <p:nvPr>
-            <p:ph sz="half" idx="1"/>
-          </p:nvPr>
-        </p:nvSpPr>
-        <p:spPr>
-          <a:xfrm>
-            <a:off x="3575050" y="609600"/>
-            <a:ext cx="5340350" cy="4800600"/>
-          </a:xfrm>
-        </p:spPr>
-        <p:txBody>
-          <a:bodyPr/>
-          <a:lstStyle>
-            <a:lvl1pPr>
-              <a:defRPr sz="3200"/>
-            </a:lvl1pPr>
-            <a:lvl2pPr>
-              <a:defRPr sz="2800"/>
-            </a:lvl2pPr>
-            <a:lvl3pPr>
-              <a:defRPr sz="2400"/>
-            </a:lvl3pPr>
-            <a:lvl4pPr>
-              <a:defRPr sz="2000"/>
-            </a:lvl4pPr>
-            <a:lvl5pPr>
-              <a:defRPr sz="2000"/>
-            </a:lvl5pPr>
-          </a:lstStyle>
-          <a:p>
-            <a:pPr lvl="0" eaLnBrk="1" latinLnBrk="0" hangingPunct="1"/>
-            <a:r>
-              <a:rPr lang="en-US" smtClean="0"/>
-              <a:t>Click to edit Master text styles</a:t>
-            </a:r>
-          </a:p>
-          <a:p>
-            <a:pPr lvl="1" eaLnBrk="1" latinLnBrk="0" hangingPunct="1"/>
-            <a:r>
-              <a:rPr lang="en-US" smtClean="0"/>
-              <a:t>Second level</a:t>
-            </a:r>
-          </a:p>
-          <a:p>
-            <a:pPr lvl="2" eaLnBrk="1" latinLnBrk="0" hangingPunct="1"/>
-            <a:r>
-              <a:rPr lang="en-US" smtClean="0"/>
-              <a:t>Third level</a:t>
-            </a:r>
-          </a:p>
-          <a:p>
-            <a:pPr lvl="3" eaLnBrk="1" latinLnBrk="0" hangingPunct="1"/>
-            <a:r>
-              <a:rPr lang="en-US" smtClean="0"/>
-              <a:t>Fourth level</a:t>
-            </a:r>
-          </a:p>
-          <a:p>
-            <a:pPr lvl="4" eaLnBrk="1" latinLnBrk="0" hangingPunct="1"/>
-            <a:r>
-              <a:rPr lang="en-US" smtClean="0"/>
-              <a:t>Fifth level</a:t>
-            </a:r>
-            <a:endParaRPr kumimoji="0" lang="en-US"/>
-          </a:p>
-        </p:txBody>
-      </p:sp>
-      <p:sp>
-        <p:nvSpPr>
-          <p:cNvPr id="25" name="Date Placeholder 24"/>
+          <p:cNvPr id="5" name="Date Placeholder 4"/>
           <p:cNvSpPr>
             <a:spLocks noGrp="1"/>
           </p:cNvSpPr>
@@ -2664,7 +3077,7 @@
       </p:sp>
       <p:sp>
         <p:nvSpPr>
-          <p:cNvPr id="29" name="Footer Placeholder 28"/>
+          <p:cNvPr id="6" name="Footer Placeholder 5"/>
           <p:cNvSpPr>
             <a:spLocks noGrp="1"/>
           </p:cNvSpPr>
@@ -2705,6 +3118,185 @@
           </a:p>
         </p:txBody>
       </p:sp>
+      <p:sp>
+        <p:nvSpPr>
+          <p:cNvPr id="8" name="Straight Connector 7"/>
+          <p:cNvSpPr>
+            <a:spLocks noChangeShapeType="1"/>
+          </p:cNvSpPr>
+          <p:nvPr/>
+        </p:nvSpPr>
+        <p:spPr bwMode="auto">
+          <a:xfrm>
+            <a:off x="457200" y="6353175"/>
+            <a:ext cx="8229600" cy="0"/>
+          </a:xfrm>
+          <a:prstGeom prst="line">
+            <a:avLst/>
+          </a:prstGeom>
+          <a:noFill/>
+          <a:ln w="9525" cap="flat" cmpd="sng" algn="ctr">
+            <a:solidFill>
+              <a:schemeClr val="accent2"/>
+            </a:solidFill>
+            <a:prstDash val="dash"/>
+            <a:round/>
+            <a:headEnd type="none" w="med" len="med"/>
+            <a:tailEnd type="none" w="med" len="med"/>
+          </a:ln>
+          <a:effectLst/>
+        </p:spPr>
+        <p:txBody>
+          <a:bodyPr vert="horz" wrap="square" lIns="91440" tIns="45720" rIns="91440" bIns="45720" anchor="t" compatLnSpc="1"/>
+          <a:lstStyle/>
+          <a:p>
+            <a:endParaRPr kumimoji="0" lang="en-US"/>
+          </a:p>
+        </p:txBody>
+      </p:sp>
+      <p:sp>
+        <p:nvSpPr>
+          <p:cNvPr id="10" name="Straight Connector 9"/>
+          <p:cNvSpPr>
+            <a:spLocks noChangeShapeType="1"/>
+          </p:cNvSpPr>
+          <p:nvPr/>
+        </p:nvSpPr>
+        <p:spPr bwMode="auto">
+          <a:xfrm rot="5400000">
+            <a:off x="3160645" y="3324225"/>
+            <a:ext cx="6035040" cy="0"/>
+          </a:xfrm>
+          <a:prstGeom prst="line">
+            <a:avLst/>
+          </a:prstGeom>
+          <a:noFill/>
+          <a:ln w="9525" cap="flat" cmpd="sng" algn="ctr">
+            <a:solidFill>
+              <a:schemeClr val="accent2"/>
+            </a:solidFill>
+            <a:prstDash val="dash"/>
+            <a:round/>
+            <a:headEnd type="none" w="med" len="med"/>
+            <a:tailEnd type="none" w="med" len="med"/>
+          </a:ln>
+          <a:effectLst/>
+        </p:spPr>
+        <p:txBody>
+          <a:bodyPr vert="horz" wrap="square" lIns="91440" tIns="45720" rIns="91440" bIns="45720" anchor="t" compatLnSpc="1"/>
+          <a:lstStyle/>
+          <a:p>
+            <a:endParaRPr kumimoji="0" lang="en-US" dirty="0"/>
+          </a:p>
+        </p:txBody>
+      </p:sp>
+      <p:sp>
+        <p:nvSpPr>
+          <p:cNvPr id="9" name="Isosceles Triangle 8"/>
+          <p:cNvSpPr>
+            <a:spLocks noChangeAspect="1"/>
+          </p:cNvSpPr>
+          <p:nvPr/>
+        </p:nvSpPr>
+        <p:spPr>
+          <a:xfrm rot="5400000">
+            <a:off x="419100" y="6467475"/>
+            <a:ext cx="190849" cy="120314"/>
+          </a:xfrm>
+          <a:prstGeom prst="triangle">
+            <a:avLst>
+              <a:gd name="adj" fmla="val 50000"/>
+            </a:avLst>
+          </a:prstGeom>
+          <a:solidFill>
+            <a:schemeClr val="accent2"/>
+          </a:solidFill>
+          <a:ln w="25400" cap="rnd" cmpd="sng" algn="ctr">
+            <a:noFill/>
+            <a:prstDash val="solid"/>
+          </a:ln>
+          <a:effectLst/>
+        </p:spPr>
+        <p:style>
+          <a:lnRef idx="3">
+            <a:schemeClr val="lt1"/>
+          </a:lnRef>
+          <a:fillRef idx="1">
+            <a:schemeClr val="accent1"/>
+          </a:fillRef>
+          <a:effectRef idx="1">
+            <a:schemeClr val="accent1"/>
+          </a:effectRef>
+          <a:fontRef idx="minor">
+            <a:schemeClr val="lt1"/>
+          </a:fontRef>
+        </p:style>
+        <p:txBody>
+          <a:bodyPr anchor="ctr"/>
+          <a:lstStyle/>
+          <a:p>
+            <a:pPr algn="ctr" eaLnBrk="1" latinLnBrk="0" hangingPunct="1"/>
+            <a:endParaRPr kumimoji="0" lang="en-US"/>
+          </a:p>
+        </p:txBody>
+      </p:sp>
+      <p:sp>
+        <p:nvSpPr>
+          <p:cNvPr id="12" name="Content Placeholder 11"/>
+          <p:cNvSpPr>
+            <a:spLocks noGrp="1"/>
+          </p:cNvSpPr>
+          <p:nvPr>
+            <p:ph sz="quarter" idx="1"/>
+          </p:nvPr>
+        </p:nvSpPr>
+        <p:spPr>
+          <a:xfrm>
+            <a:off x="304800" y="304800"/>
+            <a:ext cx="5715000" cy="5715000"/>
+          </a:xfrm>
+        </p:spPr>
+        <p:txBody>
+          <a:bodyPr/>
+          <a:lstStyle/>
+          <a:p>
+            <a:pPr lvl="0" eaLnBrk="1" latinLnBrk="0" hangingPunct="1"/>
+            <a:r>
+              <a:rPr lang="en-US" smtClean="0"/>
+              <a:t>Click to edit Master text styles</a:t>
+            </a:r>
+          </a:p>
+          <a:p>
+            <a:pPr lvl="1" eaLnBrk="1" latinLnBrk="0" hangingPunct="1"/>
+            <a:r>
+              <a:rPr lang="en-US" smtClean="0"/>
+              <a:t>Second level</a:t>
+            </a:r>
+          </a:p>
+          <a:p>
+            <a:pPr lvl="2" eaLnBrk="1" latinLnBrk="0" hangingPunct="1"/>
+            <a:r>
+              <a:rPr lang="en-US" smtClean="0"/>
+              <a:t>Third level</a:t>
+            </a:r>
+          </a:p>
+          <a:p>
+            <a:pPr lvl="3" eaLnBrk="1" latinLnBrk="0" hangingPunct="1"/>
+            <a:r>
+              <a:rPr lang="en-US" smtClean="0"/>
+              <a:t>Fourth level</a:t>
+            </a:r>
+          </a:p>
+          <a:p>
+            <a:pPr lvl="4" eaLnBrk="1" latinLnBrk="0" hangingPunct="1"/>
+            <a:r>
+              <a:rPr lang="en-US" smtClean="0"/>
+              <a:t>Fifth level</a:t>
+            </a:r>
+            <a:endParaRPr kumimoji="0" lang="en-US"/>
+          </a:p>
+        </p:txBody>
+      </p:sp>
     </p:spTree>
   </p:cSld>
   <p:clrMapOvr>
@@ -2716,241 +3308,10 @@
 <file path=ppt/slideLayouts/slideLayout9.xml><?xml version="1.0" encoding="utf-8"?>
 <p:sldLayout xmlns:a="http://schemas.openxmlformats.org/drawingml/2006/main" xmlns:r="http://schemas.openxmlformats.org/officeDocument/2006/relationships" xmlns:p="http://schemas.openxmlformats.org/presentationml/2006/main" showMasterSp="0" type="picTx" preserve="1">
   <p:cSld name="Picture with Caption">
-    <p:spTree>
-      <p:nvGrpSpPr>
-        <p:cNvPr id="1" name=""/>
-        <p:cNvGrpSpPr/>
-        <p:nvPr/>
-      </p:nvGrpSpPr>
-      <p:grpSpPr>
-        <a:xfrm>
-          <a:off x="0" y="0"/>
-          <a:ext cx="0" cy="0"/>
-          <a:chOff x="0" y="0"/>
-          <a:chExt cx="0" cy="0"/>
-        </a:xfrm>
-      </p:grpSpPr>
-      <p:sp>
-        <p:nvSpPr>
-          <p:cNvPr id="13" name="Picture Placeholder 12"/>
-          <p:cNvSpPr>
-            <a:spLocks noGrp="1"/>
-          </p:cNvSpPr>
-          <p:nvPr>
-            <p:ph type="pic" idx="1"/>
-          </p:nvPr>
-        </p:nvSpPr>
-        <p:spPr>
-          <a:xfrm>
-            <a:off x="3505200" y="616634"/>
-            <a:ext cx="5029200" cy="3657600"/>
-          </a:xfrm>
-          <a:solidFill>
-            <a:schemeClr val="bg1"/>
-          </a:solidFill>
-          <a:ln w="6350">
-            <a:solidFill>
-              <a:schemeClr val="accent1"/>
-            </a:solidFill>
-          </a:ln>
-          <a:effectLst>
-            <a:reflection blurRad="1000" stA="49000" endA="500" endPos="10000" dist="900" dir="5400000" sy="-90000" algn="bl" rotWithShape="0"/>
-          </a:effectLst>
-        </p:spPr>
-        <p:txBody>
-          <a:bodyPr/>
-          <a:lstStyle>
-            <a:lvl1pPr marL="0" indent="0">
-              <a:buNone/>
-              <a:defRPr sz="3200"/>
-            </a:lvl1pPr>
-          </a:lstStyle>
-          <a:p>
-            <a:r>
-              <a:rPr kumimoji="0" lang="en-US" smtClean="0"/>
-              <a:t>Click icon to add picture</a:t>
-            </a:r>
-            <a:endParaRPr kumimoji="0" lang="en-US" dirty="0"/>
-          </a:p>
-        </p:txBody>
-      </p:sp>
-      <p:sp>
-        <p:nvSpPr>
-          <p:cNvPr id="7" name="Date Placeholder 6"/>
-          <p:cNvSpPr>
-            <a:spLocks noGrp="1"/>
-          </p:cNvSpPr>
-          <p:nvPr>
-            <p:ph type="dt" sz="half" idx="10"/>
-          </p:nvPr>
-        </p:nvSpPr>
-        <p:spPr/>
-        <p:txBody>
-          <a:bodyPr/>
-          <a:lstStyle/>
-          <a:p>
-            <a:fld id="{1D8BD707-D9CF-40AE-B4C6-C98DA3205C09}" type="datetimeFigureOut">
-              <a:rPr lang="en-US" smtClean="0"/>
-              <a:pPr/>
-              <a:t>12/8/2012</a:t>
-            </a:fld>
-            <a:endParaRPr lang="en-US"/>
-          </a:p>
-        </p:txBody>
-      </p:sp>
-      <p:sp>
-        <p:nvSpPr>
-          <p:cNvPr id="5" name="Footer Placeholder 4"/>
-          <p:cNvSpPr>
-            <a:spLocks noGrp="1"/>
-          </p:cNvSpPr>
-          <p:nvPr>
-            <p:ph type="ftr" sz="quarter" idx="11"/>
-          </p:nvPr>
-        </p:nvSpPr>
-        <p:spPr/>
-        <p:txBody>
-          <a:bodyPr/>
-          <a:lstStyle/>
-          <a:p>
-            <a:endParaRPr lang="en-US"/>
-          </a:p>
-        </p:txBody>
-      </p:sp>
-      <p:sp>
-        <p:nvSpPr>
-          <p:cNvPr id="31" name="Slide Number Placeholder 30"/>
-          <p:cNvSpPr>
-            <a:spLocks noGrp="1"/>
-          </p:cNvSpPr>
-          <p:nvPr>
-            <p:ph type="sldNum" sz="quarter" idx="12"/>
-          </p:nvPr>
-        </p:nvSpPr>
-        <p:spPr/>
-        <p:txBody>
-          <a:bodyPr/>
-          <a:lstStyle/>
-          <a:p>
-            <a:fld id="{B6F15528-21DE-4FAA-801E-634DDDAF4B2B}" type="slidenum">
-              <a:rPr lang="en-US" smtClean="0"/>
-              <a:pPr/>
-              <a:t>‹#›</a:t>
-            </a:fld>
-            <a:endParaRPr lang="en-US"/>
-          </a:p>
-        </p:txBody>
-      </p:sp>
-      <p:sp>
-        <p:nvSpPr>
-          <p:cNvPr id="17" name="Title 16"/>
-          <p:cNvSpPr>
-            <a:spLocks noGrp="1"/>
-          </p:cNvSpPr>
-          <p:nvPr>
-            <p:ph type="title"/>
-          </p:nvPr>
-        </p:nvSpPr>
-        <p:spPr>
-          <a:xfrm>
-            <a:off x="381000" y="4993760"/>
-            <a:ext cx="5867400" cy="522288"/>
-          </a:xfrm>
-        </p:spPr>
-        <p:txBody>
-          <a:bodyPr anchor="ctr"/>
-          <a:lstStyle>
-            <a:lvl1pPr algn="l">
-              <a:buNone/>
-              <a:defRPr sz="2000" b="1"/>
-            </a:lvl1pPr>
-          </a:lstStyle>
-          <a:p>
-            <a:r>
-              <a:rPr kumimoji="0" lang="en-US" smtClean="0"/>
-              <a:t>Click to edit Master title style</a:t>
-            </a:r>
-            <a:endParaRPr kumimoji="0" lang="en-US"/>
-          </a:p>
-        </p:txBody>
-      </p:sp>
-      <p:sp>
-        <p:nvSpPr>
-          <p:cNvPr id="26" name="Text Placeholder 25"/>
-          <p:cNvSpPr>
-            <a:spLocks noGrp="1"/>
-          </p:cNvSpPr>
-          <p:nvPr>
-            <p:ph type="body" sz="half" idx="2"/>
-          </p:nvPr>
-        </p:nvSpPr>
-        <p:spPr>
-          <a:xfrm>
-            <a:off x="381000" y="5533218"/>
-            <a:ext cx="5867400" cy="768350"/>
-          </a:xfrm>
-        </p:spPr>
-        <p:txBody>
-          <a:bodyPr lIns="109728" tIns="0"/>
-          <a:lstStyle>
-            <a:lvl1pPr marL="0" indent="0">
-              <a:buNone/>
-              <a:defRPr sz="1400"/>
-            </a:lvl1pPr>
-            <a:lvl2pPr>
-              <a:defRPr sz="1200"/>
-            </a:lvl2pPr>
-            <a:lvl3pPr>
-              <a:defRPr sz="1000"/>
-            </a:lvl3pPr>
-            <a:lvl4pPr>
-              <a:defRPr sz="900"/>
-            </a:lvl4pPr>
-            <a:lvl5pPr>
-              <a:defRPr sz="900"/>
-            </a:lvl5pPr>
-          </a:lstStyle>
-          <a:p>
-            <a:pPr lvl="0" eaLnBrk="1" latinLnBrk="0" hangingPunct="1"/>
-            <a:r>
-              <a:rPr kumimoji="0" lang="en-US" smtClean="0"/>
-              <a:t>Click to edit Master text styles</a:t>
-            </a:r>
-          </a:p>
-        </p:txBody>
-      </p:sp>
-    </p:spTree>
-  </p:cSld>
-  <p:clrMapOvr>
-    <a:masterClrMapping/>
-  </p:clrMapOvr>
-</p:sldLayout>
-</file>
-
-<file path=ppt/slideMasters/slideMaster1.xml><?xml version="1.0" encoding="utf-8"?>
-<p:sldMaster xmlns:a="http://schemas.openxmlformats.org/drawingml/2006/main" xmlns:r="http://schemas.openxmlformats.org/officeDocument/2006/relationships" xmlns:p="http://schemas.openxmlformats.org/presentationml/2006/main">
-  <p:cSld>
     <p:bg>
-      <p:bgPr>
-        <a:blipFill dpi="0" rotWithShape="1">
-          <a:blip r:embed="rId13" cstate="print">
-            <a:alphaModFix amt="0"/>
-            <a:duotone>
-              <a:schemeClr val="bg2">
-                <a:shade val="45000"/>
-                <a:satMod val="135000"/>
-              </a:schemeClr>
-              <a:prstClr val="white"/>
-            </a:duotone>
-            <a:lum/>
-          </a:blip>
-          <a:srcRect/>
-          <a:stretch>
-            <a:fillRect/>
-          </a:stretch>
-        </a:blipFill>
-        <a:effectLst/>
-      </p:bgPr>
+      <p:bgRef idx="1001">
+        <a:schemeClr val="bg2"/>
+      </p:bgRef>
     </p:bg>
     <p:spTree>
       <p:nvGrpSpPr>
@@ -2968,7 +3329,207 @@
       </p:grpSpPr>
       <p:sp>
         <p:nvSpPr>
-          <p:cNvPr id="7" name="Straight Connector 6"/>
+          <p:cNvPr id="2" name="Title 1"/>
+          <p:cNvSpPr>
+            <a:spLocks noGrp="1"/>
+          </p:cNvSpPr>
+          <p:nvPr>
+            <p:ph type="title"/>
+          </p:nvPr>
+        </p:nvSpPr>
+        <p:spPr>
+          <a:xfrm>
+            <a:off x="457200" y="500856"/>
+            <a:ext cx="8229600" cy="674688"/>
+          </a:xfrm>
+          <a:ln>
+            <a:solidFill>
+              <a:schemeClr val="accent1"/>
+            </a:solidFill>
+          </a:ln>
+        </p:spPr>
+        <p:txBody>
+          <a:bodyPr lIns="274320" anchor="ctr"/>
+          <a:lstStyle>
+            <a:lvl1pPr algn="r">
+              <a:buNone/>
+              <a:defRPr sz="2000" b="0">
+                <a:solidFill>
+                  <a:schemeClr val="tx1"/>
+                </a:solidFill>
+              </a:defRPr>
+            </a:lvl1pPr>
+          </a:lstStyle>
+          <a:p>
+            <a:r>
+              <a:rPr kumimoji="0" lang="en-US" smtClean="0"/>
+              <a:t>Click to edit Master title style</a:t>
+            </a:r>
+            <a:endParaRPr kumimoji="0" lang="en-US"/>
+          </a:p>
+        </p:txBody>
+      </p:sp>
+      <p:sp>
+        <p:nvSpPr>
+          <p:cNvPr id="3" name="Picture Placeholder 2"/>
+          <p:cNvSpPr>
+            <a:spLocks noGrp="1"/>
+          </p:cNvSpPr>
+          <p:nvPr>
+            <p:ph type="pic" idx="1"/>
+          </p:nvPr>
+        </p:nvSpPr>
+        <p:spPr>
+          <a:xfrm>
+            <a:off x="457200" y="1905000"/>
+            <a:ext cx="8229600" cy="4270248"/>
+          </a:xfrm>
+          <a:solidFill>
+            <a:schemeClr val="tx1">
+              <a:shade val="50000"/>
+            </a:schemeClr>
+          </a:solidFill>
+          <a:ln>
+            <a:noFill/>
+          </a:ln>
+          <a:effectLst/>
+        </p:spPr>
+        <p:txBody>
+          <a:bodyPr/>
+          <a:lstStyle>
+            <a:lvl1pPr marL="0" indent="0">
+              <a:spcBef>
+                <a:spcPts val="600"/>
+              </a:spcBef>
+              <a:buNone/>
+              <a:defRPr sz="3200"/>
+            </a:lvl1pPr>
+          </a:lstStyle>
+          <a:p>
+            <a:r>
+              <a:rPr kumimoji="0" lang="en-US" smtClean="0"/>
+              <a:t>Click icon to add picture</a:t>
+            </a:r>
+            <a:endParaRPr kumimoji="0" lang="en-US" dirty="0"/>
+          </a:p>
+        </p:txBody>
+      </p:sp>
+      <p:sp>
+        <p:nvSpPr>
+          <p:cNvPr id="4" name="Text Placeholder 3"/>
+          <p:cNvSpPr>
+            <a:spLocks noGrp="1"/>
+          </p:cNvSpPr>
+          <p:nvPr>
+            <p:ph type="body" sz="half" idx="2"/>
+          </p:nvPr>
+        </p:nvSpPr>
+        <p:spPr>
+          <a:xfrm>
+            <a:off x="457200" y="1219200"/>
+            <a:ext cx="8229600" cy="533400"/>
+          </a:xfrm>
+        </p:spPr>
+        <p:txBody>
+          <a:bodyPr anchor="ctr" anchorCtr="0"/>
+          <a:lstStyle>
+            <a:lvl1pPr marL="0" indent="0" algn="l">
+              <a:buFontTx/>
+              <a:buNone/>
+              <a:defRPr sz="1400"/>
+            </a:lvl1pPr>
+            <a:lvl2pPr>
+              <a:defRPr sz="1200"/>
+            </a:lvl2pPr>
+            <a:lvl3pPr>
+              <a:defRPr sz="1000"/>
+            </a:lvl3pPr>
+            <a:lvl4pPr>
+              <a:defRPr sz="900"/>
+            </a:lvl4pPr>
+            <a:lvl5pPr>
+              <a:defRPr sz="900"/>
+            </a:lvl5pPr>
+          </a:lstStyle>
+          <a:p>
+            <a:pPr lvl="0" eaLnBrk="1" latinLnBrk="0" hangingPunct="1"/>
+            <a:r>
+              <a:rPr kumimoji="0" lang="en-US" smtClean="0"/>
+              <a:t>Click to edit Master text styles</a:t>
+            </a:r>
+          </a:p>
+        </p:txBody>
+      </p:sp>
+      <p:sp>
+        <p:nvSpPr>
+          <p:cNvPr id="5" name="Date Placeholder 4"/>
+          <p:cNvSpPr>
+            <a:spLocks noGrp="1"/>
+          </p:cNvSpPr>
+          <p:nvPr>
+            <p:ph type="dt" sz="half" idx="10"/>
+          </p:nvPr>
+        </p:nvSpPr>
+        <p:spPr/>
+        <p:txBody>
+          <a:bodyPr/>
+          <a:lstStyle/>
+          <a:p>
+            <a:fld id="{1D8BD707-D9CF-40AE-B4C6-C98DA3205C09}" type="datetimeFigureOut">
+              <a:rPr lang="en-US" smtClean="0"/>
+              <a:pPr/>
+              <a:t>12/8/2012</a:t>
+            </a:fld>
+            <a:endParaRPr lang="en-US"/>
+          </a:p>
+        </p:txBody>
+      </p:sp>
+      <p:sp>
+        <p:nvSpPr>
+          <p:cNvPr id="6" name="Footer Placeholder 5"/>
+          <p:cNvSpPr>
+            <a:spLocks noGrp="1"/>
+          </p:cNvSpPr>
+          <p:nvPr>
+            <p:ph type="ftr" sz="quarter" idx="11"/>
+          </p:nvPr>
+        </p:nvSpPr>
+        <p:spPr/>
+        <p:txBody>
+          <a:bodyPr/>
+          <a:lstStyle/>
+          <a:p>
+            <a:endParaRPr lang="en-US"/>
+          </a:p>
+        </p:txBody>
+      </p:sp>
+      <p:sp>
+        <p:nvSpPr>
+          <p:cNvPr id="7" name="Slide Number Placeholder 6"/>
+          <p:cNvSpPr>
+            <a:spLocks noGrp="1"/>
+          </p:cNvSpPr>
+          <p:nvPr>
+            <p:ph type="sldNum" sz="quarter" idx="12"/>
+          </p:nvPr>
+        </p:nvSpPr>
+        <p:spPr/>
+        <p:txBody>
+          <a:bodyPr/>
+          <a:lstStyle/>
+          <a:p>
+            <a:fld id="{B6F15528-21DE-4FAA-801E-634DDDAF4B2B}" type="slidenum">
+              <a:rPr lang="en-US" smtClean="0"/>
+              <a:pPr/>
+              <a:t>‹#›</a:t>
+            </a:fld>
+            <a:endParaRPr lang="en-US"/>
+          </a:p>
+        </p:txBody>
+      </p:sp>
+      <p:sp>
+        <p:nvSpPr>
+          <p:cNvPr id="8" name="Straight Connector 7"/>
           <p:cNvSpPr>
             <a:spLocks noChangeShapeType="1"/>
           </p:cNvSpPr>
@@ -2976,32 +3537,18 @@
         </p:nvSpPr>
         <p:spPr bwMode="auto">
           <a:xfrm>
-            <a:off x="514350" y="1050898"/>
-            <a:ext cx="8629650" cy="2381"/>
+            <a:off x="457200" y="6353175"/>
+            <a:ext cx="8229600" cy="0"/>
           </a:xfrm>
           <a:prstGeom prst="line">
             <a:avLst/>
           </a:prstGeom>
           <a:noFill/>
           <a:ln w="9525" cap="flat" cmpd="sng" algn="ctr">
-            <a:gradFill flip="none" rotWithShape="1">
-              <a:gsLst>
-                <a:gs pos="0">
-                  <a:schemeClr val="accent1">
-                    <a:alpha val="0"/>
-                  </a:schemeClr>
-                </a:gs>
-                <a:gs pos="17000">
-                  <a:schemeClr val="accent1"/>
-                </a:gs>
-                <a:gs pos="100000">
-                  <a:schemeClr val="accent1"/>
-                </a:gs>
-              </a:gsLst>
-              <a:lin ang="0" scaled="1"/>
-              <a:tileRect/>
-            </a:gradFill>
-            <a:prstDash val="solid"/>
+            <a:solidFill>
+              <a:schemeClr val="accent2"/>
+            </a:solidFill>
+            <a:prstDash val="dash"/>
             <a:round/>
             <a:headEnd type="none" w="med" len="med"/>
             <a:tailEnd type="none" w="med" len="med"/>
@@ -3018,7 +3565,166 @@
       </p:sp>
       <p:sp>
         <p:nvSpPr>
-          <p:cNvPr id="8" name="Text Placeholder 7"/>
+          <p:cNvPr id="9" name="Isosceles Triangle 8"/>
+          <p:cNvSpPr>
+            <a:spLocks noChangeAspect="1"/>
+          </p:cNvSpPr>
+          <p:nvPr/>
+        </p:nvSpPr>
+        <p:spPr>
+          <a:xfrm rot="5400000">
+            <a:off x="419100" y="6467475"/>
+            <a:ext cx="190849" cy="120314"/>
+          </a:xfrm>
+          <a:prstGeom prst="triangle">
+            <a:avLst>
+              <a:gd name="adj" fmla="val 50000"/>
+            </a:avLst>
+          </a:prstGeom>
+          <a:solidFill>
+            <a:schemeClr val="accent2"/>
+          </a:solidFill>
+          <a:ln w="25400" cap="rnd" cmpd="sng" algn="ctr">
+            <a:noFill/>
+            <a:prstDash val="solid"/>
+          </a:ln>
+          <a:effectLst/>
+        </p:spPr>
+        <p:style>
+          <a:lnRef idx="3">
+            <a:schemeClr val="lt1"/>
+          </a:lnRef>
+          <a:fillRef idx="1">
+            <a:schemeClr val="accent1"/>
+          </a:fillRef>
+          <a:effectRef idx="1">
+            <a:schemeClr val="accent1"/>
+          </a:effectRef>
+          <a:fontRef idx="minor">
+            <a:schemeClr val="lt1"/>
+          </a:fontRef>
+        </p:style>
+        <p:txBody>
+          <a:bodyPr anchor="ctr"/>
+          <a:lstStyle/>
+          <a:p>
+            <a:pPr algn="ctr" eaLnBrk="1" latinLnBrk="0" hangingPunct="1"/>
+            <a:endParaRPr kumimoji="0" lang="en-US"/>
+          </a:p>
+        </p:txBody>
+      </p:sp>
+      <p:sp>
+        <p:nvSpPr>
+          <p:cNvPr id="10" name="Rectangle 9"/>
+          <p:cNvSpPr/>
+          <p:nvPr/>
+        </p:nvSpPr>
+        <p:spPr>
+          <a:xfrm>
+            <a:off x="457200" y="500856"/>
+            <a:ext cx="182880" cy="685800"/>
+          </a:xfrm>
+          <a:prstGeom prst="rect">
+            <a:avLst/>
+          </a:prstGeom>
+          <a:solidFill>
+            <a:schemeClr val="accent1"/>
+          </a:solidFill>
+          <a:ln w="6350" cap="rnd" cmpd="sng" algn="ctr">
+            <a:noFill/>
+            <a:prstDash val="solid"/>
+          </a:ln>
+          <a:effectLst/>
+        </p:spPr>
+        <p:style>
+          <a:lnRef idx="3">
+            <a:schemeClr val="lt1"/>
+          </a:lnRef>
+          <a:fillRef idx="1">
+            <a:schemeClr val="accent1"/>
+          </a:fillRef>
+          <a:effectRef idx="1">
+            <a:schemeClr val="accent1"/>
+          </a:effectRef>
+          <a:fontRef idx="minor">
+            <a:schemeClr val="lt1"/>
+          </a:fontRef>
+        </p:style>
+        <p:txBody>
+          <a:bodyPr anchor="ctr"/>
+          <a:lstStyle/>
+          <a:p>
+            <a:pPr algn="ctr" eaLnBrk="1" latinLnBrk="0" hangingPunct="1"/>
+            <a:endParaRPr kumimoji="0" lang="en-US"/>
+          </a:p>
+        </p:txBody>
+      </p:sp>
+    </p:spTree>
+  </p:cSld>
+  <p:clrMapOvr>
+    <a:overrideClrMapping bg1="dk1" tx1="lt1" bg2="dk2" tx2="lt2" accent1="accent1" accent2="accent2" accent3="accent3" accent4="accent4" accent5="accent5" accent6="accent6" hlink="hlink" folHlink="folHlink"/>
+  </p:clrMapOvr>
+</p:sldLayout>
+</file>
+
+<file path=ppt/slideMasters/slideMaster1.xml><?xml version="1.0" encoding="utf-8"?>
+<p:sldMaster xmlns:a="http://schemas.openxmlformats.org/drawingml/2006/main" xmlns:r="http://schemas.openxmlformats.org/officeDocument/2006/relationships" xmlns:p="http://schemas.openxmlformats.org/presentationml/2006/main">
+  <p:cSld>
+    <p:bg>
+      <p:bgRef idx="1001">
+        <a:schemeClr val="bg1"/>
+      </p:bgRef>
+    </p:bg>
+    <p:spTree>
+      <p:nvGrpSpPr>
+        <p:cNvPr id="1" name=""/>
+        <p:cNvGrpSpPr/>
+        <p:nvPr/>
+      </p:nvGrpSpPr>
+      <p:grpSpPr>
+        <a:xfrm>
+          <a:off x="0" y="0"/>
+          <a:ext cx="0" cy="0"/>
+          <a:chOff x="0" y="0"/>
+          <a:chExt cx="0" cy="0"/>
+        </a:xfrm>
+      </p:grpSpPr>
+      <p:sp>
+        <p:nvSpPr>
+          <p:cNvPr id="22" name="Title Placeholder 21"/>
+          <p:cNvSpPr>
+            <a:spLocks noGrp="1"/>
+          </p:cNvSpPr>
+          <p:nvPr>
+            <p:ph type="title"/>
+          </p:nvPr>
+        </p:nvSpPr>
+        <p:spPr>
+          <a:xfrm>
+            <a:off x="457200" y="152400"/>
+            <a:ext cx="8229600" cy="990600"/>
+          </a:xfrm>
+          <a:prstGeom prst="rect">
+            <a:avLst/>
+          </a:prstGeom>
+        </p:spPr>
+        <p:txBody>
+          <a:bodyPr vert="horz" anchor="b" anchorCtr="0">
+            <a:normAutofit/>
+          </a:bodyPr>
+          <a:lstStyle/>
+          <a:p>
+            <a:r>
+              <a:rPr kumimoji="0" lang="en-US" smtClean="0"/>
+              <a:t>Click to edit Master title style</a:t>
+            </a:r>
+            <a:endParaRPr kumimoji="0" lang="en-US"/>
+          </a:p>
+        </p:txBody>
+      </p:sp>
+      <p:sp>
+        <p:nvSpPr>
+          <p:cNvPr id="13" name="Text Placeholder 12"/>
           <p:cNvSpPr>
             <a:spLocks noGrp="1"/>
           </p:cNvSpPr>
@@ -3028,8 +3734,8 @@
         </p:nvSpPr>
         <p:spPr>
           <a:xfrm>
-            <a:off x="304800" y="1554162"/>
-            <a:ext cx="8686800" cy="4525963"/>
+            <a:off x="457200" y="1219200"/>
+            <a:ext cx="8229600" cy="4910328"/>
           </a:xfrm>
           <a:prstGeom prst="rect">
             <a:avLst/>
@@ -3080,7 +3786,7 @@
       </p:sp>
       <p:sp>
         <p:nvSpPr>
-          <p:cNvPr id="11" name="Date Placeholder 10"/>
+          <p:cNvPr id="14" name="Date Placeholder 13"/>
           <p:cNvSpPr>
             <a:spLocks noGrp="1"/>
           </p:cNvSpPr>
@@ -3090,8 +3796,8 @@
         </p:nvSpPr>
         <p:spPr>
           <a:xfrm>
-            <a:off x="6477000" y="76200"/>
-            <a:ext cx="2514600" cy="288925"/>
+            <a:off x="6400800" y="6356350"/>
+            <a:ext cx="2289048" cy="365760"/>
           </a:xfrm>
           <a:prstGeom prst="rect">
             <a:avLst/>
@@ -3101,11 +3807,9 @@
           <a:bodyPr vert="horz"/>
           <a:lstStyle>
             <a:lvl1pPr algn="l" eaLnBrk="1" latinLnBrk="0" hangingPunct="1">
-              <a:defRPr kumimoji="0" sz="1200">
+              <a:defRPr kumimoji="0" sz="1400">
                 <a:solidFill>
-                  <a:schemeClr val="accent1">
-                    <a:shade val="75000"/>
-                  </a:schemeClr>
+                  <a:schemeClr val="tx2"/>
                 </a:solidFill>
               </a:defRPr>
             </a:lvl1pPr>
@@ -3122,7 +3826,7 @@
       </p:sp>
       <p:sp>
         <p:nvSpPr>
-          <p:cNvPr id="28" name="Footer Placeholder 27"/>
+          <p:cNvPr id="3" name="Footer Placeholder 2"/>
           <p:cNvSpPr>
             <a:spLocks noGrp="1"/>
           </p:cNvSpPr>
@@ -3132,8 +3836,8 @@
         </p:nvSpPr>
         <p:spPr>
           <a:xfrm>
-            <a:off x="3124200" y="76200"/>
-            <a:ext cx="3352800" cy="288925"/>
+            <a:off x="2898648" y="6356350"/>
+            <a:ext cx="3505200" cy="365760"/>
           </a:xfrm>
           <a:prstGeom prst="rect">
             <a:avLst/>
@@ -3143,11 +3847,9 @@
           <a:bodyPr vert="horz"/>
           <a:lstStyle>
             <a:lvl1pPr algn="r" eaLnBrk="1" latinLnBrk="0" hangingPunct="1">
-              <a:defRPr kumimoji="0" sz="1200">
+              <a:defRPr kumimoji="0" sz="1400">
                 <a:solidFill>
-                  <a:schemeClr val="accent1">
-                    <a:shade val="75000"/>
-                  </a:schemeClr>
+                  <a:schemeClr val="tx2"/>
                 </a:solidFill>
               </a:defRPr>
             </a:lvl1pPr>
@@ -3159,7 +3861,7 @@
       </p:sp>
       <p:sp>
         <p:nvSpPr>
-          <p:cNvPr id="5" name="Slide Number Placeholder 4"/>
+          <p:cNvPr id="23" name="Slide Number Placeholder 22"/>
           <p:cNvSpPr>
             <a:spLocks noGrp="1"/>
           </p:cNvSpPr>
@@ -3169,8 +3871,8 @@
         </p:nvSpPr>
         <p:spPr>
           <a:xfrm>
-            <a:off x="8229600" y="6477000"/>
-            <a:ext cx="762000" cy="244475"/>
+            <a:off x="612648" y="6356350"/>
+            <a:ext cx="1981200" cy="365760"/>
           </a:xfrm>
           <a:prstGeom prst="rect">
             <a:avLst/>
@@ -3179,12 +3881,10 @@
         <p:txBody>
           <a:bodyPr vert="horz"/>
           <a:lstStyle>
-            <a:lvl1pPr algn="r" eaLnBrk="1" latinLnBrk="0" hangingPunct="1">
-              <a:defRPr kumimoji="0" sz="1200">
+            <a:lvl1pPr algn="l" eaLnBrk="1" latinLnBrk="0" hangingPunct="1">
+              <a:defRPr kumimoji="0" sz="1400">
                 <a:solidFill>
-                  <a:schemeClr val="accent1">
-                    <a:shade val="75000"/>
-                  </a:schemeClr>
+                  <a:schemeClr val="tx2"/>
                 </a:solidFill>
               </a:defRPr>
             </a:lvl1pPr>
@@ -3201,40 +3901,7 @@
       </p:sp>
       <p:sp>
         <p:nvSpPr>
-          <p:cNvPr id="10" name="Title Placeholder 9"/>
-          <p:cNvSpPr>
-            <a:spLocks noGrp="1"/>
-          </p:cNvSpPr>
-          <p:nvPr>
-            <p:ph type="title"/>
-          </p:nvPr>
-        </p:nvSpPr>
-        <p:spPr>
-          <a:xfrm>
-            <a:off x="304800" y="457200"/>
-            <a:ext cx="8686800" cy="838200"/>
-          </a:xfrm>
-          <a:prstGeom prst="rect">
-            <a:avLst/>
-          </a:prstGeom>
-        </p:spPr>
-        <p:txBody>
-          <a:bodyPr vert="horz" anchor="ctr">
-            <a:normAutofit/>
-          </a:bodyPr>
-          <a:lstStyle/>
-          <a:p>
-            <a:r>
-              <a:rPr kumimoji="0" lang="en-US" smtClean="0"/>
-              <a:t>Click to edit Master title style</a:t>
-            </a:r>
-            <a:endParaRPr kumimoji="0" lang="en-US"/>
-          </a:p>
-        </p:txBody>
-      </p:sp>
-      <p:sp>
-        <p:nvSpPr>
-          <p:cNvPr id="9" name="Straight Connector 8"/>
+          <p:cNvPr id="28" name="Straight Connector 27"/>
           <p:cNvSpPr>
             <a:spLocks noChangeShapeType="1"/>
           </p:cNvSpPr>
@@ -3242,32 +3909,18 @@
         </p:nvSpPr>
         <p:spPr bwMode="auto">
           <a:xfrm>
-            <a:off x="514350" y="1050898"/>
-            <a:ext cx="8629650" cy="2381"/>
+            <a:off x="457200" y="6353175"/>
+            <a:ext cx="8229600" cy="0"/>
           </a:xfrm>
           <a:prstGeom prst="line">
             <a:avLst/>
           </a:prstGeom>
           <a:noFill/>
           <a:ln w="9525" cap="flat" cmpd="sng" algn="ctr">
-            <a:gradFill flip="none" rotWithShape="1">
-              <a:gsLst>
-                <a:gs pos="0">
-                  <a:schemeClr val="accent1">
-                    <a:alpha val="0"/>
-                  </a:schemeClr>
-                </a:gs>
-                <a:gs pos="17000">
-                  <a:schemeClr val="accent1"/>
-                </a:gs>
-                <a:gs pos="100000">
-                  <a:schemeClr val="accent1"/>
-                </a:gs>
-              </a:gsLst>
-              <a:lin ang="0" scaled="1"/>
-              <a:tileRect/>
-            </a:gradFill>
-            <a:prstDash val="solid"/>
+            <a:solidFill>
+              <a:schemeClr val="accent2"/>
+            </a:solidFill>
+            <a:prstDash val="dash"/>
             <a:round/>
             <a:headEnd type="none" w="med" len="med"/>
             <a:tailEnd type="none" w="med" len="med"/>
@@ -3284,7 +3937,7 @@
       </p:sp>
       <p:sp>
         <p:nvSpPr>
-          <p:cNvPr id="12" name="Straight Connector 11"/>
+          <p:cNvPr id="29" name="Straight Connector 28"/>
           <p:cNvSpPr>
             <a:spLocks noChangeShapeType="1"/>
           </p:cNvSpPr>
@@ -3292,32 +3945,18 @@
         </p:nvSpPr>
         <p:spPr bwMode="auto">
           <a:xfrm>
-            <a:off x="514350" y="1057986"/>
-            <a:ext cx="8629650" cy="2381"/>
+            <a:off x="457200" y="1143000"/>
+            <a:ext cx="8229600" cy="0"/>
           </a:xfrm>
           <a:prstGeom prst="line">
             <a:avLst/>
           </a:prstGeom>
           <a:noFill/>
           <a:ln w="9525" cap="flat" cmpd="sng" algn="ctr">
-            <a:gradFill flip="none" rotWithShape="1">
-              <a:gsLst>
-                <a:gs pos="0">
-                  <a:schemeClr val="accent1">
-                    <a:alpha val="0"/>
-                  </a:schemeClr>
-                </a:gs>
-                <a:gs pos="17000">
-                  <a:schemeClr val="accent1"/>
-                </a:gs>
-                <a:gs pos="100000">
-                  <a:schemeClr val="accent1"/>
-                </a:gs>
-              </a:gsLst>
-              <a:lin ang="0" scaled="1"/>
-              <a:tileRect/>
-            </a:gradFill>
-            <a:prstDash val="solid"/>
+            <a:solidFill>
+              <a:schemeClr val="accent2"/>
+            </a:solidFill>
+            <a:prstDash val="dash"/>
             <a:round/>
             <a:headEnd type="none" w="med" len="med"/>
             <a:tailEnd type="none" w="med" len="med"/>
@@ -3332,21 +3971,71 @@
           </a:p>
         </p:txBody>
       </p:sp>
+      <p:sp>
+        <p:nvSpPr>
+          <p:cNvPr id="10" name="Isosceles Triangle 9"/>
+          <p:cNvSpPr>
+            <a:spLocks noChangeAspect="1"/>
+          </p:cNvSpPr>
+          <p:nvPr/>
+        </p:nvSpPr>
+        <p:spPr>
+          <a:xfrm rot="5400000">
+            <a:off x="419100" y="6467475"/>
+            <a:ext cx="190849" cy="120314"/>
+          </a:xfrm>
+          <a:prstGeom prst="triangle">
+            <a:avLst>
+              <a:gd name="adj" fmla="val 50000"/>
+            </a:avLst>
+          </a:prstGeom>
+          <a:solidFill>
+            <a:schemeClr val="accent2"/>
+          </a:solidFill>
+          <a:ln w="25400" cap="rnd" cmpd="sng" algn="ctr">
+            <a:noFill/>
+            <a:prstDash val="solid"/>
+          </a:ln>
+          <a:effectLst/>
+        </p:spPr>
+        <p:style>
+          <a:lnRef idx="3">
+            <a:schemeClr val="lt1"/>
+          </a:lnRef>
+          <a:fillRef idx="1">
+            <a:schemeClr val="accent1"/>
+          </a:fillRef>
+          <a:effectRef idx="1">
+            <a:schemeClr val="accent1"/>
+          </a:effectRef>
+          <a:fontRef idx="minor">
+            <a:schemeClr val="lt1"/>
+          </a:fontRef>
+        </p:style>
+        <p:txBody>
+          <a:bodyPr anchor="ctr"/>
+          <a:lstStyle/>
+          <a:p>
+            <a:pPr algn="ctr" eaLnBrk="1" latinLnBrk="0" hangingPunct="1"/>
+            <a:endParaRPr kumimoji="0" lang="en-US"/>
+          </a:p>
+        </p:txBody>
+      </p:sp>
     </p:spTree>
   </p:cSld>
   <p:clrMap bg1="lt1" tx1="dk1" bg2="lt2" tx2="dk2" accent1="accent1" accent2="accent2" accent3="accent3" accent4="accent4" accent5="accent5" accent6="accent6" hlink="hlink" folHlink="folHlink"/>
   <p:sldLayoutIdLst>
-    <p:sldLayoutId id="2147483841" r:id="rId1"/>
-    <p:sldLayoutId id="2147483842" r:id="rId2"/>
-    <p:sldLayoutId id="2147483843" r:id="rId3"/>
-    <p:sldLayoutId id="2147483844" r:id="rId4"/>
-    <p:sldLayoutId id="2147483845" r:id="rId5"/>
-    <p:sldLayoutId id="2147483846" r:id="rId6"/>
-    <p:sldLayoutId id="2147483847" r:id="rId7"/>
-    <p:sldLayoutId id="2147483848" r:id="rId8"/>
-    <p:sldLayoutId id="2147483849" r:id="rId9"/>
-    <p:sldLayoutId id="2147483850" r:id="rId10"/>
-    <p:sldLayoutId id="2147483851" r:id="rId11"/>
+    <p:sldLayoutId id="2147483889" r:id="rId1"/>
+    <p:sldLayoutId id="2147483890" r:id="rId2"/>
+    <p:sldLayoutId id="2147483891" r:id="rId3"/>
+    <p:sldLayoutId id="2147483892" r:id="rId4"/>
+    <p:sldLayoutId id="2147483893" r:id="rId5"/>
+    <p:sldLayoutId id="2147483894" r:id="rId6"/>
+    <p:sldLayoutId id="2147483895" r:id="rId7"/>
+    <p:sldLayoutId id="2147483896" r:id="rId8"/>
+    <p:sldLayoutId id="2147483897" r:id="rId9"/>
+    <p:sldLayoutId id="2147483898" r:id="rId10"/>
+    <p:sldLayoutId id="2147483899" r:id="rId11"/>
   </p:sldLayoutIdLst>
   <p:txStyles>
     <p:titleStyle>
@@ -3355,13 +4044,10 @@
           <a:spcPct val="0"/>
         </a:spcBef>
         <a:buNone/>
-        <a:defRPr kumimoji="0" sz="3600" kern="1200" cap="all" baseline="0">
+        <a:defRPr kumimoji="0" sz="3200" kern="1200">
           <a:solidFill>
             <a:schemeClr val="tx2"/>
           </a:solidFill>
-          <a:effectLst>
-            <a:reflection blurRad="12700" stA="48000" endA="300" endPos="55000" dir="5400000" sy="-90000" algn="bl" rotWithShape="0"/>
-          </a:effectLst>
           <a:latin typeface="+mj-lt"/>
           <a:ea typeface="+mj-ea"/>
           <a:cs typeface="+mj-cs"/>
@@ -3369,36 +4055,36 @@
       </a:lvl1pPr>
     </p:titleStyle>
     <p:bodyStyle>
-      <a:lvl1pPr marL="342900" indent="-342900" algn="l" rtl="0" eaLnBrk="1" latinLnBrk="0" hangingPunct="1">
+      <a:lvl1pPr marL="274320" indent="-274320" algn="l" rtl="0" eaLnBrk="1" latinLnBrk="0" hangingPunct="1">
         <a:spcBef>
-          <a:spcPct val="20000"/>
+          <a:spcPts val="600"/>
         </a:spcBef>
         <a:buClr>
           <a:schemeClr val="accent1"/>
         </a:buClr>
-        <a:buSzPct val="70000"/>
-        <a:buFont typeface="Wingdings 2"/>
-        <a:buChar char=""/>
-        <a:defRPr kumimoji="0" sz="3200" kern="1200">
+        <a:buSzPct val="76000"/>
+        <a:buFont typeface="Wingdings 3"/>
+        <a:buChar char=""/>
+        <a:defRPr kumimoji="0" sz="2600" kern="1200">
           <a:solidFill>
-            <a:schemeClr val="tx2"/>
+            <a:schemeClr val="tx1"/>
           </a:solidFill>
           <a:latin typeface="+mn-lt"/>
           <a:ea typeface="+mn-ea"/>
           <a:cs typeface="+mn-cs"/>
         </a:defRPr>
       </a:lvl1pPr>
-      <a:lvl2pPr marL="742950" indent="-285750" algn="l" rtl="0" eaLnBrk="1" latinLnBrk="0" hangingPunct="1">
+      <a:lvl2pPr marL="548640" indent="-274320" algn="l" rtl="0" eaLnBrk="1" latinLnBrk="0" hangingPunct="1">
         <a:spcBef>
-          <a:spcPct val="20000"/>
+          <a:spcPts val="500"/>
         </a:spcBef>
         <a:buClr>
-          <a:schemeClr val="accent1"/>
+          <a:schemeClr val="accent2"/>
         </a:buClr>
-        <a:buSzPct val="70000"/>
-        <a:buFont typeface="Wingdings 2"/>
-        <a:buChar char=""/>
-        <a:defRPr kumimoji="0" sz="2800" kern="1200">
+        <a:buSzPct val="76000"/>
+        <a:buFont typeface="Wingdings 3"/>
+        <a:buChar char=""/>
+        <a:defRPr kumimoji="0" sz="2300" kern="1200">
           <a:solidFill>
             <a:schemeClr val="tx2"/>
           </a:solidFill>
@@ -3407,133 +4093,143 @@
           <a:cs typeface="+mn-cs"/>
         </a:defRPr>
       </a:lvl2pPr>
-      <a:lvl3pPr marL="1143000" indent="-228600" algn="l" rtl="0" eaLnBrk="1" latinLnBrk="0" hangingPunct="1">
+      <a:lvl3pPr marL="822960" indent="-228600" algn="l" rtl="0" eaLnBrk="1" latinLnBrk="0" hangingPunct="1">
         <a:spcBef>
-          <a:spcPct val="20000"/>
+          <a:spcPts val="500"/>
         </a:spcBef>
         <a:buClr>
-          <a:schemeClr val="accent1"/>
+          <a:schemeClr val="bg1">
+            <a:shade val="50000"/>
+          </a:schemeClr>
         </a:buClr>
-        <a:buSzPct val="70000"/>
-        <a:buFont typeface="Wingdings 2"/>
-        <a:buChar char=""/>
-        <a:defRPr kumimoji="0" sz="2400" kern="1200">
+        <a:buSzPct val="76000"/>
+        <a:buFont typeface="Wingdings 3"/>
+        <a:buChar char=""/>
+        <a:defRPr kumimoji="0" sz="2000" kern="1200">
           <a:solidFill>
-            <a:schemeClr val="tx2"/>
+            <a:schemeClr val="tx1"/>
           </a:solidFill>
           <a:latin typeface="+mn-lt"/>
           <a:ea typeface="+mn-ea"/>
           <a:cs typeface="+mn-cs"/>
         </a:defRPr>
       </a:lvl3pPr>
-      <a:lvl4pPr marL="1600200" indent="-228600" algn="l" rtl="0" eaLnBrk="1" latinLnBrk="0" hangingPunct="1">
+      <a:lvl4pPr marL="1097280" indent="-228600" algn="l" rtl="0" eaLnBrk="1" latinLnBrk="0" hangingPunct="1">
         <a:spcBef>
-          <a:spcPct val="20000"/>
+          <a:spcPts val="400"/>
         </a:spcBef>
         <a:buClr>
-          <a:schemeClr val="accent1"/>
+          <a:schemeClr val="accent2">
+            <a:shade val="75000"/>
+          </a:schemeClr>
         </a:buClr>
         <a:buSzPct val="70000"/>
-        <a:buFont typeface="Wingdings 2"/>
-        <a:buChar char=""/>
-        <a:defRPr kumimoji="0" sz="2000" kern="1200">
+        <a:buFont typeface="Wingdings"/>
+        <a:buChar char=""/>
+        <a:defRPr kumimoji="0" sz="1800" kern="1200">
           <a:solidFill>
-            <a:schemeClr val="tx2"/>
+            <a:schemeClr val="tx1"/>
           </a:solidFill>
           <a:latin typeface="+mn-lt"/>
           <a:ea typeface="+mn-ea"/>
           <a:cs typeface="+mn-cs"/>
         </a:defRPr>
       </a:lvl4pPr>
-      <a:lvl5pPr marL="2057400" indent="-228600" algn="l" rtl="0" eaLnBrk="1" latinLnBrk="0" hangingPunct="1">
+      <a:lvl5pPr marL="1371600" indent="-228600" algn="l" rtl="0" eaLnBrk="1" latinLnBrk="0" hangingPunct="1">
         <a:spcBef>
-          <a:spcPct val="20000"/>
+          <a:spcPts val="300"/>
         </a:spcBef>
         <a:buClr>
-          <a:schemeClr val="accent1"/>
+          <a:schemeClr val="accent2"/>
         </a:buClr>
-        <a:buSzPct val="60000"/>
-        <a:buFont typeface="Wingdings 2"/>
-        <a:buChar char=""/>
-        <a:defRPr kumimoji="0" sz="1800" kern="1200">
+        <a:buSzPct val="70000"/>
+        <a:buFont typeface="Wingdings"/>
+        <a:buChar char=""/>
+        <a:defRPr kumimoji="0" sz="1600" kern="1200">
           <a:solidFill>
-            <a:schemeClr val="tx2"/>
+            <a:schemeClr val="tx1"/>
           </a:solidFill>
           <a:latin typeface="+mn-lt"/>
           <a:ea typeface="+mn-ea"/>
           <a:cs typeface="+mn-cs"/>
         </a:defRPr>
       </a:lvl5pPr>
-      <a:lvl6pPr marL="2514600" indent="-228600" algn="l" rtl="0" eaLnBrk="1" latinLnBrk="0" hangingPunct="1">
+      <a:lvl6pPr marL="1645920" indent="-182880" algn="l" rtl="0" eaLnBrk="1" latinLnBrk="0" hangingPunct="1">
         <a:spcBef>
-          <a:spcPct val="20000"/>
+          <a:spcPts val="300"/>
         </a:spcBef>
         <a:buClr>
-          <a:schemeClr val="accent1"/>
+          <a:srgbClr val="9FB8CD">
+            <a:shade val="75000"/>
+          </a:srgbClr>
         </a:buClr>
-        <a:buSzPct val="60000"/>
-        <a:buFont typeface="Wingdings 2"/>
-        <a:buChar char=""/>
-        <a:defRPr kumimoji="0" sz="1800" kern="1200">
+        <a:buSzPct val="75000"/>
+        <a:buFont typeface="Wingdings 3"/>
+        <a:buChar char=""/>
+        <a:defRPr kumimoji="0" lang="en-US" sz="1600" kern="1200" smtClean="0">
           <a:solidFill>
-            <a:schemeClr val="tx2"/>
+            <a:schemeClr val="tx1"/>
           </a:solidFill>
           <a:latin typeface="+mn-lt"/>
           <a:ea typeface="+mn-ea"/>
           <a:cs typeface="+mn-cs"/>
         </a:defRPr>
       </a:lvl6pPr>
-      <a:lvl7pPr marL="2971800" indent="-228600" algn="l" rtl="0" eaLnBrk="1" latinLnBrk="0" hangingPunct="1">
+      <a:lvl7pPr marL="1828800" indent="-182880" algn="l" rtl="0" eaLnBrk="1" latinLnBrk="0" hangingPunct="1">
         <a:spcBef>
-          <a:spcPct val="20000"/>
+          <a:spcPts val="300"/>
         </a:spcBef>
         <a:buClr>
-          <a:schemeClr val="accent1"/>
+          <a:srgbClr val="727CA3">
+            <a:shade val="75000"/>
+          </a:srgbClr>
         </a:buClr>
-        <a:buSzPct val="60000"/>
-        <a:buFont typeface="Wingdings 2"/>
-        <a:buChar char=""/>
-        <a:defRPr kumimoji="0" sz="1600" kern="1200">
+        <a:buSzPct val="75000"/>
+        <a:buFont typeface="Wingdings 3"/>
+        <a:buChar char=""/>
+        <a:defRPr kumimoji="0" lang="en-US" sz="1400" kern="1200" smtClean="0">
           <a:solidFill>
-            <a:schemeClr val="tx2"/>
+            <a:schemeClr val="tx1"/>
           </a:solidFill>
           <a:latin typeface="+mn-lt"/>
           <a:ea typeface="+mn-ea"/>
           <a:cs typeface="+mn-cs"/>
         </a:defRPr>
       </a:lvl7pPr>
-      <a:lvl8pPr marL="3429000" indent="-228600" algn="l" rtl="0" eaLnBrk="1" latinLnBrk="0" hangingPunct="1">
+      <a:lvl8pPr marL="2011680" indent="-182880" algn="l" rtl="0" eaLnBrk="1" latinLnBrk="0" hangingPunct="1">
         <a:spcBef>
-          <a:spcPct val="20000"/>
+          <a:spcPts val="300"/>
         </a:spcBef>
         <a:buClr>
-          <a:schemeClr val="accent1"/>
+          <a:prstClr val="white">
+            <a:shade val="50000"/>
+          </a:prstClr>
         </a:buClr>
-        <a:buSzPct val="60000"/>
-        <a:buFont typeface="Wingdings 2"/>
-        <a:buChar char=""/>
-        <a:defRPr kumimoji="0" sz="1600" kern="1200" baseline="0">
+        <a:buSzPct val="75000"/>
+        <a:buFont typeface="Wingdings 3"/>
+        <a:buChar char=""/>
+        <a:defRPr kumimoji="0" lang="en-US" sz="1400" kern="1200" smtClean="0">
           <a:solidFill>
-            <a:schemeClr val="tx2"/>
+            <a:schemeClr val="tx1"/>
           </a:solidFill>
           <a:latin typeface="+mn-lt"/>
           <a:ea typeface="+mn-ea"/>
           <a:cs typeface="+mn-cs"/>
         </a:defRPr>
       </a:lvl8pPr>
-      <a:lvl9pPr marL="3886200" indent="-228600" algn="l" rtl="0" eaLnBrk="1" latinLnBrk="0" hangingPunct="1">
+      <a:lvl9pPr marL="2194560" indent="-182880" algn="l" rtl="0" eaLnBrk="1" latinLnBrk="0" hangingPunct="1">
         <a:spcBef>
-          <a:spcPct val="20000"/>
+          <a:spcPts val="300"/>
         </a:spcBef>
         <a:buClr>
-          <a:schemeClr val="accent1"/>
+          <a:srgbClr val="9FB8CD"/>
         </a:buClr>
-        <a:buSzPct val="60000"/>
-        <a:buFont typeface="Wingdings 2"/>
-        <a:buChar char=""/>
-        <a:defRPr kumimoji="0" sz="1400" kern="1200" baseline="0">
+        <a:buSzPct val="75000"/>
+        <a:buFont typeface="Wingdings 3"/>
+        <a:buChar char=""/>
+        <a:defRPr kumimoji="0" lang="en-US" sz="1200" kern="1200" smtClean="0">
           <a:solidFill>
-            <a:schemeClr val="tx2"/>
+            <a:schemeClr val="tx1"/>
           </a:solidFill>
           <a:latin typeface="+mn-lt"/>
           <a:ea typeface="+mn-ea"/>
@@ -3883,7 +4579,7 @@
             <a:spLocks noGrp="1"/>
           </p:cNvSpPr>
           <p:nvPr>
-            <p:ph idx="1"/>
+            <p:ph sz="quarter" idx="1"/>
           </p:nvPr>
         </p:nvSpPr>
         <p:spPr>
@@ -3894,7 +4590,7 @@
         </p:spPr>
         <p:txBody>
           <a:bodyPr>
-            <a:normAutofit lnSpcReduction="10000"/>
+            <a:normAutofit/>
           </a:bodyPr>
           <a:lstStyle/>
           <a:p>
@@ -4665,6 +5361,10 @@
             </a:avLst>
           </a:prstGeom>
           <a:ln>
+            <a:solidFill>
+              <a:schemeClr val="tx1"/>
+            </a:solidFill>
+            <a:prstDash val="lgDash"/>
             <a:tailEnd type="arrow"/>
           </a:ln>
         </p:spPr>
@@ -4711,273 +5411,9 @@
             <a:prstGeom prst="ellipse">
               <a:avLst/>
             </a:prstGeom>
-          </p:spPr>
-          <p:style>
-            <a:lnRef idx="2">
-              <a:schemeClr val="accent1">
-                <a:shade val="50000"/>
-              </a:schemeClr>
-            </a:lnRef>
-            <a:fillRef idx="1">
-              <a:schemeClr val="accent1"/>
-            </a:fillRef>
-            <a:effectRef idx="0">
-              <a:schemeClr val="accent1"/>
-            </a:effectRef>
-            <a:fontRef idx="minor">
-              <a:schemeClr val="lt1"/>
-            </a:fontRef>
-          </p:style>
-          <p:txBody>
-            <a:bodyPr rtlCol="0" anchor="ctr"/>
-            <a:lstStyle/>
-            <a:p>
-              <a:pPr algn="ctr"/>
-              <a:r>
-                <a:rPr lang="en-US" dirty="0" smtClean="0"/>
-                <a:t>mark</a:t>
-              </a:r>
-              <a:endParaRPr lang="en-US" dirty="0"/>
-            </a:p>
-          </p:txBody>
-        </p:sp>
-        <p:sp>
-          <p:nvSpPr>
-            <p:cNvPr id="4" name="Oval 3"/>
-            <p:cNvSpPr/>
-            <p:nvPr/>
-          </p:nvSpPr>
-          <p:spPr>
-            <a:xfrm>
-              <a:off x="762000" y="1447800"/>
-              <a:ext cx="1066800" cy="381000"/>
-            </a:xfrm>
-            <a:prstGeom prst="ellipse">
-              <a:avLst/>
-            </a:prstGeom>
-          </p:spPr>
-          <p:style>
-            <a:lnRef idx="2">
-              <a:schemeClr val="accent1">
-                <a:shade val="50000"/>
-              </a:schemeClr>
-            </a:lnRef>
-            <a:fillRef idx="1">
-              <a:schemeClr val="accent1"/>
-            </a:fillRef>
-            <a:effectRef idx="0">
-              <a:schemeClr val="accent1"/>
-            </a:effectRef>
-            <a:fontRef idx="minor">
-              <a:schemeClr val="lt1"/>
-            </a:fontRef>
-          </p:style>
-          <p:txBody>
-            <a:bodyPr rtlCol="0" anchor="ctr"/>
-            <a:lstStyle/>
-            <a:p>
-              <a:pPr algn="ctr"/>
-              <a:r>
-                <a:rPr lang="en-US" dirty="0" smtClean="0"/>
-                <a:t>gold</a:t>
-              </a:r>
-              <a:endParaRPr lang="en-US" dirty="0"/>
-            </a:p>
-          </p:txBody>
-        </p:sp>
-        <p:sp>
-          <p:nvSpPr>
-            <p:cNvPr id="5" name="Oval 4"/>
-            <p:cNvSpPr/>
-            <p:nvPr/>
-          </p:nvSpPr>
-          <p:spPr>
-            <a:xfrm>
-              <a:off x="1981200" y="1447800"/>
-              <a:ext cx="1066800" cy="381000"/>
-            </a:xfrm>
-            <a:prstGeom prst="ellipse">
-              <a:avLst/>
-            </a:prstGeom>
-          </p:spPr>
-          <p:style>
-            <a:lnRef idx="2">
-              <a:schemeClr val="accent1">
-                <a:shade val="50000"/>
-              </a:schemeClr>
-            </a:lnRef>
-            <a:fillRef idx="1">
-              <a:schemeClr val="accent1"/>
-            </a:fillRef>
-            <a:effectRef idx="0">
-              <a:schemeClr val="accent1"/>
-            </a:effectRef>
-            <a:fontRef idx="minor">
-              <a:schemeClr val="lt1"/>
-            </a:fontRef>
-          </p:style>
-          <p:txBody>
-            <a:bodyPr rtlCol="0" anchor="ctr"/>
-            <a:lstStyle/>
-            <a:p>
-              <a:pPr algn="ctr"/>
-              <a:r>
-                <a:rPr lang="en-US" dirty="0" smtClean="0"/>
-                <a:t>silver</a:t>
-              </a:r>
-              <a:endParaRPr lang="en-US" dirty="0"/>
-            </a:p>
-          </p:txBody>
-        </p:sp>
-        <p:sp>
-          <p:nvSpPr>
-            <p:cNvPr id="6" name="Oval 5"/>
-            <p:cNvSpPr/>
-            <p:nvPr/>
-          </p:nvSpPr>
-          <p:spPr>
-            <a:xfrm>
-              <a:off x="3200400" y="1447800"/>
-              <a:ext cx="1295400" cy="381000"/>
-            </a:xfrm>
-            <a:prstGeom prst="ellipse">
-              <a:avLst/>
-            </a:prstGeom>
-          </p:spPr>
-          <p:style>
-            <a:lnRef idx="2">
-              <a:schemeClr val="accent1">
-                <a:shade val="50000"/>
-              </a:schemeClr>
-            </a:lnRef>
-            <a:fillRef idx="1">
-              <a:schemeClr val="accent1"/>
-            </a:fillRef>
-            <a:effectRef idx="0">
-              <a:schemeClr val="accent1"/>
-            </a:effectRef>
-            <a:fontRef idx="minor">
-              <a:schemeClr val="lt1"/>
-            </a:fontRef>
-          </p:style>
-          <p:txBody>
-            <a:bodyPr rtlCol="0" anchor="ctr"/>
-            <a:lstStyle/>
-            <a:p>
-              <a:pPr algn="ctr"/>
-              <a:r>
-                <a:rPr lang="en-US" dirty="0" smtClean="0"/>
-                <a:t>bronze</a:t>
-              </a:r>
-              <a:endParaRPr lang="en-US" dirty="0"/>
-            </a:p>
-          </p:txBody>
-        </p:sp>
-        <p:sp>
-          <p:nvSpPr>
-            <p:cNvPr id="7" name="Oval 6"/>
-            <p:cNvSpPr/>
-            <p:nvPr/>
-          </p:nvSpPr>
-          <p:spPr>
-            <a:xfrm>
-              <a:off x="914400" y="3276600"/>
-              <a:ext cx="1066800" cy="381000"/>
-            </a:xfrm>
-            <a:prstGeom prst="ellipse">
-              <a:avLst/>
-            </a:prstGeom>
-          </p:spPr>
-          <p:style>
-            <a:lnRef idx="2">
-              <a:schemeClr val="accent1">
-                <a:shade val="50000"/>
-              </a:schemeClr>
-            </a:lnRef>
-            <a:fillRef idx="1">
-              <a:schemeClr val="accent1"/>
-            </a:fillRef>
-            <a:effectRef idx="0">
-              <a:schemeClr val="accent1"/>
-            </a:effectRef>
-            <a:fontRef idx="minor">
-              <a:schemeClr val="lt1"/>
-            </a:fontRef>
-          </p:style>
-          <p:txBody>
-            <a:bodyPr rtlCol="0" anchor="ctr"/>
-            <a:lstStyle/>
-            <a:p>
-              <a:pPr algn="ctr"/>
-              <a:r>
-                <a:rPr lang="en-US" dirty="0" smtClean="0"/>
-                <a:t>news</a:t>
-              </a:r>
-              <a:endParaRPr lang="en-US" dirty="0"/>
-            </a:p>
-          </p:txBody>
-        </p:sp>
-        <p:sp>
-          <p:nvSpPr>
-            <p:cNvPr id="8" name="Oval 7"/>
-            <p:cNvSpPr/>
-            <p:nvPr/>
-          </p:nvSpPr>
-          <p:spPr>
-            <a:xfrm>
-              <a:off x="2895600" y="3276600"/>
-              <a:ext cx="2057400" cy="381000"/>
-            </a:xfrm>
-            <a:prstGeom prst="ellipse">
-              <a:avLst/>
-            </a:prstGeom>
-          </p:spPr>
-          <p:style>
-            <a:lnRef idx="2">
-              <a:schemeClr val="accent1">
-                <a:shade val="50000"/>
-              </a:schemeClr>
-            </a:lnRef>
-            <a:fillRef idx="1">
-              <a:schemeClr val="accent1"/>
-            </a:fillRef>
-            <a:effectRef idx="0">
-              <a:schemeClr val="accent1"/>
-            </a:effectRef>
-            <a:fontRef idx="minor">
-              <a:schemeClr val="lt1"/>
-            </a:fontRef>
-          </p:style>
-          <p:txBody>
-            <a:bodyPr rtlCol="0" anchor="ctr"/>
-            <a:lstStyle/>
-            <a:p>
-              <a:pPr algn="ctr"/>
-              <a:r>
-                <a:rPr lang="en-US" dirty="0" smtClean="0"/>
-                <a:t>interesting</a:t>
-              </a:r>
-              <a:endParaRPr lang="en-US" dirty="0"/>
-            </a:p>
-          </p:txBody>
-        </p:sp>
-        <p:sp>
-          <p:nvSpPr>
-            <p:cNvPr id="9" name="Oval 8"/>
-            <p:cNvSpPr/>
-            <p:nvPr/>
-          </p:nvSpPr>
-          <p:spPr>
-            <a:xfrm>
-              <a:off x="2057400" y="4343400"/>
-              <a:ext cx="1066800" cy="381000"/>
-            </a:xfrm>
-            <a:prstGeom prst="ellipse">
-              <a:avLst/>
-            </a:prstGeom>
             <a:ln>
               <a:solidFill>
-                <a:srgbClr val="FF0000"/>
+                <a:schemeClr val="tx1"/>
               </a:solidFill>
             </a:ln>
           </p:spPr>
@@ -5003,27 +5439,40 @@
             <a:p>
               <a:pPr algn="ctr"/>
               <a:r>
-                <a:rPr lang="en-US" dirty="0" smtClean="0"/>
-                <a:t>null</a:t>
+                <a:rPr lang="en-US" dirty="0" smtClean="0">
+                  <a:solidFill>
+                    <a:schemeClr val="tx1"/>
+                  </a:solidFill>
+                </a:rPr>
+                <a:t>mark</a:t>
               </a:r>
-              <a:endParaRPr lang="en-US" dirty="0"/>
+              <a:endParaRPr lang="en-US" dirty="0">
+                <a:solidFill>
+                  <a:schemeClr val="tx1"/>
+                </a:solidFill>
+              </a:endParaRPr>
             </a:p>
           </p:txBody>
         </p:sp>
         <p:sp>
           <p:nvSpPr>
-            <p:cNvPr id="10" name="Oval 9"/>
+            <p:cNvPr id="4" name="Oval 3"/>
             <p:cNvSpPr/>
             <p:nvPr/>
           </p:nvSpPr>
           <p:spPr>
             <a:xfrm>
-              <a:off x="914400" y="5410200"/>
-              <a:ext cx="1828800" cy="381000"/>
+              <a:off x="762000" y="1447800"/>
+              <a:ext cx="1066800" cy="381000"/>
             </a:xfrm>
             <a:prstGeom prst="ellipse">
               <a:avLst/>
             </a:prstGeom>
+            <a:ln>
+              <a:solidFill>
+                <a:schemeClr val="tx1"/>
+              </a:solidFill>
+            </a:ln>
           </p:spPr>
           <p:style>
             <a:lnRef idx="2">
@@ -5047,27 +5496,40 @@
             <a:p>
               <a:pPr algn="ctr"/>
               <a:r>
-                <a:rPr lang="en-US" dirty="0" smtClean="0"/>
-                <a:t>nonsense</a:t>
+                <a:rPr lang="en-US" dirty="0" smtClean="0">
+                  <a:solidFill>
+                    <a:schemeClr val="tx1"/>
+                  </a:solidFill>
+                </a:rPr>
+                <a:t>gold</a:t>
               </a:r>
-              <a:endParaRPr lang="en-US" dirty="0"/>
+              <a:endParaRPr lang="en-US" dirty="0">
+                <a:solidFill>
+                  <a:schemeClr val="tx1"/>
+                </a:solidFill>
+              </a:endParaRPr>
             </a:p>
           </p:txBody>
         </p:sp>
         <p:sp>
           <p:nvSpPr>
-            <p:cNvPr id="11" name="Oval 10"/>
+            <p:cNvPr id="5" name="Oval 4"/>
             <p:cNvSpPr/>
             <p:nvPr/>
           </p:nvSpPr>
           <p:spPr>
             <a:xfrm>
-              <a:off x="2895600" y="5410200"/>
+              <a:off x="1981200" y="1447800"/>
               <a:ext cx="1066800" cy="381000"/>
             </a:xfrm>
             <a:prstGeom prst="ellipse">
               <a:avLst/>
             </a:prstGeom>
+            <a:ln>
+              <a:solidFill>
+                <a:schemeClr val="tx1"/>
+              </a:solidFill>
+            </a:ln>
           </p:spPr>
           <p:style>
             <a:lnRef idx="2">
@@ -5091,10 +5553,360 @@
             <a:p>
               <a:pPr algn="ctr"/>
               <a:r>
-                <a:rPr lang="en-US" dirty="0" smtClean="0"/>
+                <a:rPr lang="en-US" dirty="0" smtClean="0">
+                  <a:solidFill>
+                    <a:schemeClr val="tx1"/>
+                  </a:solidFill>
+                </a:rPr>
+                <a:t>silver</a:t>
+              </a:r>
+              <a:endParaRPr lang="en-US" dirty="0">
+                <a:solidFill>
+                  <a:schemeClr val="tx1"/>
+                </a:solidFill>
+              </a:endParaRPr>
+            </a:p>
+          </p:txBody>
+        </p:sp>
+        <p:sp>
+          <p:nvSpPr>
+            <p:cNvPr id="6" name="Oval 5"/>
+            <p:cNvSpPr/>
+            <p:nvPr/>
+          </p:nvSpPr>
+          <p:spPr>
+            <a:xfrm>
+              <a:off x="3200400" y="1447800"/>
+              <a:ext cx="1295400" cy="381000"/>
+            </a:xfrm>
+            <a:prstGeom prst="ellipse">
+              <a:avLst/>
+            </a:prstGeom>
+            <a:ln>
+              <a:solidFill>
+                <a:schemeClr val="tx1"/>
+              </a:solidFill>
+            </a:ln>
+          </p:spPr>
+          <p:style>
+            <a:lnRef idx="2">
+              <a:schemeClr val="accent1">
+                <a:shade val="50000"/>
+              </a:schemeClr>
+            </a:lnRef>
+            <a:fillRef idx="1">
+              <a:schemeClr val="accent1"/>
+            </a:fillRef>
+            <a:effectRef idx="0">
+              <a:schemeClr val="accent1"/>
+            </a:effectRef>
+            <a:fontRef idx="minor">
+              <a:schemeClr val="lt1"/>
+            </a:fontRef>
+          </p:style>
+          <p:txBody>
+            <a:bodyPr rtlCol="0" anchor="ctr"/>
+            <a:lstStyle/>
+            <a:p>
+              <a:pPr algn="ctr"/>
+              <a:r>
+                <a:rPr lang="en-US" dirty="0" smtClean="0">
+                  <a:solidFill>
+                    <a:schemeClr val="tx1"/>
+                  </a:solidFill>
+                </a:rPr>
+                <a:t>bronze</a:t>
+              </a:r>
+              <a:endParaRPr lang="en-US" dirty="0">
+                <a:solidFill>
+                  <a:schemeClr val="tx1"/>
+                </a:solidFill>
+              </a:endParaRPr>
+            </a:p>
+          </p:txBody>
+        </p:sp>
+        <p:sp>
+          <p:nvSpPr>
+            <p:cNvPr id="7" name="Oval 6"/>
+            <p:cNvSpPr/>
+            <p:nvPr/>
+          </p:nvSpPr>
+          <p:spPr>
+            <a:xfrm>
+              <a:off x="914400" y="3276600"/>
+              <a:ext cx="1066800" cy="381000"/>
+            </a:xfrm>
+            <a:prstGeom prst="ellipse">
+              <a:avLst/>
+            </a:prstGeom>
+            <a:ln>
+              <a:solidFill>
+                <a:schemeClr val="tx1"/>
+              </a:solidFill>
+            </a:ln>
+          </p:spPr>
+          <p:style>
+            <a:lnRef idx="2">
+              <a:schemeClr val="accent1">
+                <a:shade val="50000"/>
+              </a:schemeClr>
+            </a:lnRef>
+            <a:fillRef idx="1">
+              <a:schemeClr val="accent1"/>
+            </a:fillRef>
+            <a:effectRef idx="0">
+              <a:schemeClr val="accent1"/>
+            </a:effectRef>
+            <a:fontRef idx="minor">
+              <a:schemeClr val="lt1"/>
+            </a:fontRef>
+          </p:style>
+          <p:txBody>
+            <a:bodyPr rtlCol="0" anchor="ctr"/>
+            <a:lstStyle/>
+            <a:p>
+              <a:pPr algn="ctr"/>
+              <a:r>
+                <a:rPr lang="en-US" dirty="0" smtClean="0">
+                  <a:solidFill>
+                    <a:schemeClr val="tx1"/>
+                  </a:solidFill>
+                </a:rPr>
+                <a:t>news</a:t>
+              </a:r>
+              <a:endParaRPr lang="en-US" dirty="0">
+                <a:solidFill>
+                  <a:schemeClr val="tx1"/>
+                </a:solidFill>
+              </a:endParaRPr>
+            </a:p>
+          </p:txBody>
+        </p:sp>
+        <p:sp>
+          <p:nvSpPr>
+            <p:cNvPr id="8" name="Oval 7"/>
+            <p:cNvSpPr/>
+            <p:nvPr/>
+          </p:nvSpPr>
+          <p:spPr>
+            <a:xfrm>
+              <a:off x="2895600" y="3276600"/>
+              <a:ext cx="2057400" cy="381000"/>
+            </a:xfrm>
+            <a:prstGeom prst="ellipse">
+              <a:avLst/>
+            </a:prstGeom>
+            <a:ln>
+              <a:solidFill>
+                <a:schemeClr val="tx1"/>
+              </a:solidFill>
+            </a:ln>
+          </p:spPr>
+          <p:style>
+            <a:lnRef idx="2">
+              <a:schemeClr val="accent1">
+                <a:shade val="50000"/>
+              </a:schemeClr>
+            </a:lnRef>
+            <a:fillRef idx="1">
+              <a:schemeClr val="accent1"/>
+            </a:fillRef>
+            <a:effectRef idx="0">
+              <a:schemeClr val="accent1"/>
+            </a:effectRef>
+            <a:fontRef idx="minor">
+              <a:schemeClr val="lt1"/>
+            </a:fontRef>
+          </p:style>
+          <p:txBody>
+            <a:bodyPr rtlCol="0" anchor="ctr"/>
+            <a:lstStyle/>
+            <a:p>
+              <a:pPr algn="ctr"/>
+              <a:r>
+                <a:rPr lang="en-US" dirty="0" smtClean="0">
+                  <a:solidFill>
+                    <a:schemeClr val="tx1"/>
+                  </a:solidFill>
+                </a:rPr>
+                <a:t>interesting</a:t>
+              </a:r>
+              <a:endParaRPr lang="en-US" dirty="0">
+                <a:solidFill>
+                  <a:schemeClr val="tx1"/>
+                </a:solidFill>
+              </a:endParaRPr>
+            </a:p>
+          </p:txBody>
+        </p:sp>
+        <p:sp>
+          <p:nvSpPr>
+            <p:cNvPr id="9" name="Oval 8"/>
+            <p:cNvSpPr/>
+            <p:nvPr/>
+          </p:nvSpPr>
+          <p:spPr>
+            <a:xfrm>
+              <a:off x="2057400" y="4343400"/>
+              <a:ext cx="1066800" cy="381000"/>
+            </a:xfrm>
+            <a:prstGeom prst="ellipse">
+              <a:avLst/>
+            </a:prstGeom>
+            <a:ln>
+              <a:solidFill>
+                <a:schemeClr val="tx1"/>
+              </a:solidFill>
+            </a:ln>
+          </p:spPr>
+          <p:style>
+            <a:lnRef idx="2">
+              <a:schemeClr val="accent1">
+                <a:shade val="50000"/>
+              </a:schemeClr>
+            </a:lnRef>
+            <a:fillRef idx="1">
+              <a:schemeClr val="accent1"/>
+            </a:fillRef>
+            <a:effectRef idx="0">
+              <a:schemeClr val="accent1"/>
+            </a:effectRef>
+            <a:fontRef idx="minor">
+              <a:schemeClr val="lt1"/>
+            </a:fontRef>
+          </p:style>
+          <p:txBody>
+            <a:bodyPr rtlCol="0" anchor="ctr"/>
+            <a:lstStyle/>
+            <a:p>
+              <a:pPr algn="ctr"/>
+              <a:r>
+                <a:rPr lang="en-US" dirty="0" smtClean="0">
+                  <a:solidFill>
+                    <a:schemeClr val="tx1"/>
+                  </a:solidFill>
+                </a:rPr>
+                <a:t>null</a:t>
+              </a:r>
+              <a:endParaRPr lang="en-US" dirty="0">
+                <a:solidFill>
+                  <a:schemeClr val="tx1"/>
+                </a:solidFill>
+              </a:endParaRPr>
+            </a:p>
+          </p:txBody>
+        </p:sp>
+        <p:sp>
+          <p:nvSpPr>
+            <p:cNvPr id="10" name="Oval 9"/>
+            <p:cNvSpPr/>
+            <p:nvPr/>
+          </p:nvSpPr>
+          <p:spPr>
+            <a:xfrm>
+              <a:off x="914400" y="5410200"/>
+              <a:ext cx="1828800" cy="381000"/>
+            </a:xfrm>
+            <a:prstGeom prst="ellipse">
+              <a:avLst/>
+            </a:prstGeom>
+            <a:ln>
+              <a:solidFill>
+                <a:schemeClr val="tx1"/>
+              </a:solidFill>
+            </a:ln>
+          </p:spPr>
+          <p:style>
+            <a:lnRef idx="2">
+              <a:schemeClr val="accent1">
+                <a:shade val="50000"/>
+              </a:schemeClr>
+            </a:lnRef>
+            <a:fillRef idx="1">
+              <a:schemeClr val="accent1"/>
+            </a:fillRef>
+            <a:effectRef idx="0">
+              <a:schemeClr val="accent1"/>
+            </a:effectRef>
+            <a:fontRef idx="minor">
+              <a:schemeClr val="lt1"/>
+            </a:fontRef>
+          </p:style>
+          <p:txBody>
+            <a:bodyPr rtlCol="0" anchor="ctr"/>
+            <a:lstStyle/>
+            <a:p>
+              <a:pPr algn="ctr"/>
+              <a:r>
+                <a:rPr lang="en-US" dirty="0" smtClean="0">
+                  <a:solidFill>
+                    <a:schemeClr val="tx1"/>
+                  </a:solidFill>
+                </a:rPr>
+                <a:t>nonsense</a:t>
+              </a:r>
+              <a:endParaRPr lang="en-US" dirty="0">
+                <a:solidFill>
+                  <a:schemeClr val="tx1"/>
+                </a:solidFill>
+              </a:endParaRPr>
+            </a:p>
+          </p:txBody>
+        </p:sp>
+        <p:sp>
+          <p:nvSpPr>
+            <p:cNvPr id="11" name="Oval 10"/>
+            <p:cNvSpPr/>
+            <p:nvPr/>
+          </p:nvSpPr>
+          <p:spPr>
+            <a:xfrm>
+              <a:off x="2895600" y="5410200"/>
+              <a:ext cx="1066800" cy="381000"/>
+            </a:xfrm>
+            <a:prstGeom prst="ellipse">
+              <a:avLst/>
+            </a:prstGeom>
+            <a:ln>
+              <a:solidFill>
+                <a:schemeClr val="tx1"/>
+              </a:solidFill>
+            </a:ln>
+          </p:spPr>
+          <p:style>
+            <a:lnRef idx="2">
+              <a:schemeClr val="accent1">
+                <a:shade val="50000"/>
+              </a:schemeClr>
+            </a:lnRef>
+            <a:fillRef idx="1">
+              <a:schemeClr val="accent1"/>
+            </a:fillRef>
+            <a:effectRef idx="0">
+              <a:schemeClr val="accent1"/>
+            </a:effectRef>
+            <a:fontRef idx="minor">
+              <a:schemeClr val="lt1"/>
+            </a:fontRef>
+          </p:style>
+          <p:txBody>
+            <a:bodyPr rtlCol="0" anchor="ctr"/>
+            <a:lstStyle/>
+            <a:p>
+              <a:pPr algn="ctr"/>
+              <a:r>
+                <a:rPr lang="en-US" dirty="0" smtClean="0">
+                  <a:solidFill>
+                    <a:schemeClr val="tx1"/>
+                  </a:solidFill>
+                </a:rPr>
                 <a:t>shit</a:t>
               </a:r>
-              <a:endParaRPr lang="en-US" dirty="0"/>
+              <a:endParaRPr lang="en-US" dirty="0">
+                <a:solidFill>
+                  <a:schemeClr val="tx1"/>
+                </a:solidFill>
+              </a:endParaRPr>
             </a:p>
           </p:txBody>
         </p:sp>
@@ -5443,6 +6255,10 @@
             </a:avLst>
           </a:prstGeom>
           <a:ln>
+            <a:solidFill>
+              <a:schemeClr val="tx1"/>
+            </a:solidFill>
+            <a:prstDash val="lgDash"/>
             <a:tailEnd type="arrow"/>
           </a:ln>
         </p:spPr>
@@ -5492,6 +6308,10 @@
               </a:avLst>
             </a:prstGeom>
             <a:ln>
+              <a:solidFill>
+                <a:schemeClr val="tx1"/>
+              </a:solidFill>
+              <a:prstDash val="lgDash"/>
               <a:tailEnd type="arrow"/>
             </a:ln>
           </p:spPr>
@@ -5524,8 +6344,26 @@
             <a:prstGeom prst="rect">
               <a:avLst/>
             </a:prstGeom>
-            <a:noFill/>
+            <a:ln>
+              <a:noFill/>
+              <a:prstDash val="lgDash"/>
+              <a:tailEnd type="arrow"/>
+            </a:ln>
           </p:spPr>
+          <p:style>
+            <a:lnRef idx="2">
+              <a:schemeClr val="accent2"/>
+            </a:lnRef>
+            <a:fillRef idx="0">
+              <a:schemeClr val="accent2"/>
+            </a:fillRef>
+            <a:effectRef idx="1">
+              <a:schemeClr val="accent2"/>
+            </a:effectRef>
+            <a:fontRef idx="minor">
+              <a:schemeClr val="tx1"/>
+            </a:fontRef>
+          </p:style>
           <p:txBody>
             <a:bodyPr wrap="square" rtlCol="0">
               <a:spAutoFit/>
@@ -5555,6 +6393,11 @@
           <a:prstGeom prst="irregularSeal1">
             <a:avLst/>
           </a:prstGeom>
+          <a:ln>
+            <a:solidFill>
+              <a:schemeClr val="tx1"/>
+            </a:solidFill>
+          </a:ln>
         </p:spPr>
         <p:style>
           <a:lnRef idx="2">
@@ -5577,16 +6420,28 @@
           <a:lstStyle/>
           <a:p>
             <a:r>
-              <a:rPr lang="en-US" dirty="0" smtClean="0"/>
+              <a:rPr lang="en-US" dirty="0" smtClean="0">
+                <a:solidFill>
+                  <a:schemeClr val="tx1"/>
+                </a:solidFill>
+              </a:rPr>
               <a:t>e.g. </a:t>
             </a:r>
           </a:p>
           <a:p>
             <a:r>
-              <a:rPr lang="en-US" dirty="0" smtClean="0"/>
+              <a:rPr lang="en-US" dirty="0" smtClean="0">
+                <a:solidFill>
+                  <a:schemeClr val="tx1"/>
+                </a:solidFill>
+              </a:rPr>
               <a:t>Floyd Algorithm</a:t>
             </a:r>
-            <a:endParaRPr lang="en-US" dirty="0"/>
+            <a:endParaRPr lang="en-US" dirty="0">
+              <a:solidFill>
+                <a:schemeClr val="tx1"/>
+              </a:solidFill>
+            </a:endParaRPr>
           </a:p>
         </p:txBody>
       </p:sp>
@@ -6042,7 +6897,7 @@
             <a:spLocks noGrp="1"/>
           </p:cNvSpPr>
           <p:nvPr>
-            <p:ph idx="1"/>
+            <p:ph sz="quarter" idx="1"/>
           </p:nvPr>
         </p:nvSpPr>
         <p:spPr>
@@ -6617,7 +7472,7 @@
             <a:spLocks noGrp="1"/>
           </p:cNvSpPr>
           <p:nvPr>
-            <p:ph idx="1"/>
+            <p:ph sz="quarter" idx="1"/>
           </p:nvPr>
         </p:nvSpPr>
         <p:spPr>
@@ -7215,7 +8070,7 @@
             <a:spLocks noGrp="1"/>
           </p:cNvSpPr>
           <p:nvPr>
-            <p:ph idx="1"/>
+            <p:ph sz="quarter" idx="1"/>
           </p:nvPr>
         </p:nvSpPr>
         <p:spPr>
@@ -7226,7 +8081,7 @@
         </p:spPr>
         <p:txBody>
           <a:bodyPr>
-            <a:normAutofit lnSpcReduction="10000"/>
+            <a:normAutofit/>
           </a:bodyPr>
           <a:lstStyle/>
           <a:p>
@@ -7605,7 +8460,7 @@
             <a:spLocks noGrp="1"/>
           </p:cNvSpPr>
           <p:nvPr>
-            <p:ph idx="1"/>
+            <p:ph sz="quarter" idx="1"/>
           </p:nvPr>
         </p:nvSpPr>
         <p:spPr/>
@@ -8409,7 +9264,7 @@
             <a:graphicFrameLocks noGrp="1"/>
           </p:cNvGraphicFramePr>
           <p:nvPr>
-            <p:ph idx="1"/>
+            <p:ph sz="quarter" idx="1"/>
           </p:nvPr>
         </p:nvGraphicFramePr>
         <p:xfrm>
@@ -9012,7 +9867,7 @@
             <a:spLocks noGrp="1"/>
           </p:cNvSpPr>
           <p:nvPr>
-            <p:ph idx="1"/>
+            <p:ph sz="quarter" idx="1"/>
           </p:nvPr>
         </p:nvSpPr>
         <p:spPr>
@@ -9023,7 +9878,7 @@
         </p:spPr>
         <p:txBody>
           <a:bodyPr>
-            <a:normAutofit lnSpcReduction="10000"/>
+            <a:normAutofit/>
           </a:bodyPr>
           <a:lstStyle/>
           <a:p>
@@ -9844,13 +10699,13 @@
             <a:spLocks noGrp="1"/>
           </p:cNvSpPr>
           <p:nvPr>
-            <p:ph idx="1"/>
+            <p:ph sz="quarter" idx="1"/>
           </p:nvPr>
         </p:nvSpPr>
         <p:spPr/>
         <p:txBody>
           <a:bodyPr>
-            <a:normAutofit fontScale="92500" lnSpcReduction="20000"/>
+            <a:normAutofit/>
           </a:bodyPr>
           <a:lstStyle/>
           <a:p>
@@ -11166,7 +12021,7 @@
             <a:spLocks noGrp="1"/>
           </p:cNvSpPr>
           <p:nvPr>
-            <p:ph idx="1"/>
+            <p:ph sz="quarter" idx="1"/>
           </p:nvPr>
         </p:nvSpPr>
         <p:spPr>
@@ -14533,6 +15388,31 @@
       </p:grpSpPr>
       <p:sp>
         <p:nvSpPr>
+          <p:cNvPr id="2" name="Title 1"/>
+          <p:cNvSpPr>
+            <a:spLocks noGrp="1"/>
+          </p:cNvSpPr>
+          <p:nvPr>
+            <p:ph type="title"/>
+          </p:nvPr>
+        </p:nvSpPr>
+        <p:spPr/>
+        <p:txBody>
+          <a:bodyPr>
+            <a:normAutofit fontScale="90000"/>
+          </a:bodyPr>
+          <a:lstStyle/>
+          <a:p>
+            <a:r>
+              <a:rPr lang="en-US" sz="8800" dirty="0" smtClean="0"/>
+              <a:t>Thanks</a:t>
+            </a:r>
+            <a:endParaRPr lang="en-US" sz="8800" dirty="0"/>
+          </a:p>
+        </p:txBody>
+      </p:sp>
+      <p:sp>
+        <p:nvSpPr>
           <p:cNvPr id="3" name="Text Placeholder 2"/>
           <p:cNvSpPr>
             <a:spLocks noGrp="1"/>
@@ -14553,31 +15433,6 @@
               <a:t>Q/A?</a:t>
             </a:r>
             <a:endParaRPr lang="en-US" sz="4800" dirty="0"/>
-          </a:p>
-        </p:txBody>
-      </p:sp>
-      <p:sp>
-        <p:nvSpPr>
-          <p:cNvPr id="2" name="Title 1"/>
-          <p:cNvSpPr>
-            <a:spLocks noGrp="1"/>
-          </p:cNvSpPr>
-          <p:nvPr>
-            <p:ph type="title"/>
-          </p:nvPr>
-        </p:nvSpPr>
-        <p:spPr/>
-        <p:txBody>
-          <a:bodyPr>
-            <a:normAutofit fontScale="90000"/>
-          </a:bodyPr>
-          <a:lstStyle/>
-          <a:p>
-            <a:r>
-              <a:rPr lang="en-US" sz="8800" dirty="0" smtClean="0"/>
-              <a:t>Thanks</a:t>
-            </a:r>
-            <a:endParaRPr lang="en-US" sz="8800" dirty="0"/>
           </a:p>
         </p:txBody>
       </p:sp>
@@ -14697,7 +15552,7 @@
             <a:spLocks noGrp="1"/>
           </p:cNvSpPr>
           <p:nvPr>
-            <p:ph idx="1"/>
+            <p:ph sz="quarter" idx="1"/>
           </p:nvPr>
         </p:nvSpPr>
         <p:spPr/>
@@ -16548,7 +17403,7 @@
             <a:graphicFrameLocks noGrp="1"/>
           </p:cNvGraphicFramePr>
           <p:nvPr>
-            <p:ph idx="1"/>
+            <p:ph sz="quarter" idx="1"/>
           </p:nvPr>
         </p:nvGraphicFramePr>
         <p:xfrm>
@@ -17234,7 +18089,7 @@
             <a:graphicFrameLocks noGrp="1"/>
           </p:cNvGraphicFramePr>
           <p:nvPr>
-            <p:ph idx="1"/>
+            <p:ph sz="quarter" idx="1"/>
           </p:nvPr>
         </p:nvGraphicFramePr>
         <p:xfrm>
@@ -17882,7 +18737,7 @@
             <a:spLocks noGrp="1"/>
           </p:cNvSpPr>
           <p:nvPr>
-            <p:ph idx="1"/>
+            <p:ph sz="quarter" idx="1"/>
           </p:nvPr>
         </p:nvSpPr>
         <p:spPr/>
@@ -18023,7 +18878,7 @@
             <a:spLocks noGrp="1"/>
           </p:cNvSpPr>
           <p:nvPr>
-            <p:ph idx="1"/>
+            <p:ph sz="quarter" idx="1"/>
           </p:nvPr>
         </p:nvSpPr>
         <p:spPr/>
@@ -18162,7 +19017,7 @@
             <a:spLocks noGrp="1"/>
           </p:cNvSpPr>
           <p:nvPr>
-            <p:ph idx="1"/>
+            <p:ph sz="quarter" idx="1"/>
           </p:nvPr>
         </p:nvSpPr>
         <p:spPr>
@@ -18173,7 +19028,7 @@
         </p:spPr>
         <p:txBody>
           <a:bodyPr>
-            <a:normAutofit fontScale="92500" lnSpcReduction="10000"/>
+            <a:normAutofit/>
           </a:bodyPr>
           <a:lstStyle/>
           <a:p>
@@ -18435,7 +19290,7 @@
             <a:spLocks noGrp="1"/>
           </p:cNvSpPr>
           <p:nvPr>
-            <p:ph idx="1"/>
+            <p:ph sz="quarter" idx="1"/>
           </p:nvPr>
         </p:nvSpPr>
         <p:spPr/>
@@ -20202,6 +21057,11 @@
               <a:prstGeom prst="roundRect">
                 <a:avLst/>
               </a:prstGeom>
+              <a:ln>
+                <a:solidFill>
+                  <a:schemeClr val="tx1"/>
+                </a:solidFill>
+              </a:ln>
             </p:spPr>
             <p:style>
               <a:lnRef idx="2">
@@ -20242,6 +21102,11 @@
               <a:prstGeom prst="triangle">
                 <a:avLst/>
               </a:prstGeom>
+              <a:ln>
+                <a:solidFill>
+                  <a:schemeClr val="tx1"/>
+                </a:solidFill>
+              </a:ln>
               <a:scene3d>
                 <a:camera prst="orthographicFront">
                   <a:rot lat="10800000" lon="0" rev="0"/>
@@ -20298,12 +21163,10 @@
             <a:prstGeom prst="rect">
               <a:avLst/>
             </a:prstGeom>
-            <a:noFill/>
-            <a:ln w="9525">
-              <a:noFill/>
-              <a:miter lim="800000"/>
-              <a:headEnd/>
-              <a:tailEnd/>
+            <a:ln>
+              <a:solidFill>
+                <a:schemeClr val="tx1"/>
+              </a:solidFill>
             </a:ln>
           </p:spPr>
         </p:pic>
@@ -20350,6 +21213,11 @@
               <a:prstGeom prst="roundRect">
                 <a:avLst/>
               </a:prstGeom>
+              <a:ln>
+                <a:solidFill>
+                  <a:schemeClr val="tx1"/>
+                </a:solidFill>
+              </a:ln>
             </p:spPr>
             <p:style>
               <a:lnRef idx="2">
@@ -20390,6 +21258,11 @@
               <a:prstGeom prst="triangle">
                 <a:avLst/>
               </a:prstGeom>
+              <a:ln>
+                <a:solidFill>
+                  <a:schemeClr val="tx1"/>
+                </a:solidFill>
+              </a:ln>
               <a:scene3d>
                 <a:camera prst="orthographicFront">
                   <a:rot lat="10800000" lon="0" rev="0"/>
@@ -20446,12 +21319,10 @@
             <a:prstGeom prst="rect">
               <a:avLst/>
             </a:prstGeom>
-            <a:noFill/>
-            <a:ln w="9525">
-              <a:noFill/>
-              <a:miter lim="800000"/>
-              <a:headEnd/>
-              <a:tailEnd/>
+            <a:ln>
+              <a:solidFill>
+                <a:schemeClr val="tx1"/>
+              </a:solidFill>
             </a:ln>
           </p:spPr>
         </p:pic>
@@ -20498,6 +21369,11 @@
               <a:prstGeom prst="roundRect">
                 <a:avLst/>
               </a:prstGeom>
+              <a:ln>
+                <a:solidFill>
+                  <a:schemeClr val="tx1"/>
+                </a:solidFill>
+              </a:ln>
             </p:spPr>
             <p:style>
               <a:lnRef idx="2">
@@ -20538,6 +21414,11 @@
               <a:prstGeom prst="triangle">
                 <a:avLst/>
               </a:prstGeom>
+              <a:ln>
+                <a:solidFill>
+                  <a:schemeClr val="tx1"/>
+                </a:solidFill>
+              </a:ln>
               <a:scene3d>
                 <a:camera prst="orthographicFront">
                   <a:rot lat="10800000" lon="0" rev="0"/>
@@ -20594,12 +21475,10 @@
             <a:prstGeom prst="rect">
               <a:avLst/>
             </a:prstGeom>
-            <a:noFill/>
-            <a:ln w="9525">
-              <a:noFill/>
-              <a:miter lim="800000"/>
-              <a:headEnd/>
-              <a:tailEnd/>
+            <a:ln>
+              <a:solidFill>
+                <a:schemeClr val="tx1"/>
+              </a:solidFill>
             </a:ln>
           </p:spPr>
         </p:pic>
@@ -20646,6 +21525,11 @@
               <a:prstGeom prst="roundRect">
                 <a:avLst/>
               </a:prstGeom>
+              <a:ln>
+                <a:solidFill>
+                  <a:schemeClr val="tx1"/>
+                </a:solidFill>
+              </a:ln>
             </p:spPr>
             <p:style>
               <a:lnRef idx="2">
@@ -20686,6 +21570,11 @@
               <a:prstGeom prst="triangle">
                 <a:avLst/>
               </a:prstGeom>
+              <a:ln>
+                <a:solidFill>
+                  <a:schemeClr val="tx1"/>
+                </a:solidFill>
+              </a:ln>
               <a:scene3d>
                 <a:camera prst="orthographicFront">
                   <a:rot lat="10800000" lon="0" rev="0"/>
@@ -20742,12 +21631,10 @@
             <a:prstGeom prst="rect">
               <a:avLst/>
             </a:prstGeom>
-            <a:noFill/>
-            <a:ln w="9525">
-              <a:noFill/>
-              <a:miter lim="800000"/>
-              <a:headEnd/>
-              <a:tailEnd/>
+            <a:ln>
+              <a:solidFill>
+                <a:schemeClr val="tx1"/>
+              </a:solidFill>
             </a:ln>
           </p:spPr>
         </p:pic>
@@ -20794,6 +21681,11 @@
               <a:prstGeom prst="roundRect">
                 <a:avLst/>
               </a:prstGeom>
+              <a:ln>
+                <a:solidFill>
+                  <a:schemeClr val="tx1"/>
+                </a:solidFill>
+              </a:ln>
             </p:spPr>
             <p:style>
               <a:lnRef idx="2">
@@ -20834,6 +21726,11 @@
               <a:prstGeom prst="triangle">
                 <a:avLst/>
               </a:prstGeom>
+              <a:ln>
+                <a:solidFill>
+                  <a:schemeClr val="tx1"/>
+                </a:solidFill>
+              </a:ln>
               <a:scene3d>
                 <a:camera prst="orthographicFront">
                   <a:rot lat="10800000" lon="0" rev="0"/>
@@ -20890,12 +21787,10 @@
             <a:prstGeom prst="rect">
               <a:avLst/>
             </a:prstGeom>
-            <a:noFill/>
-            <a:ln w="9525">
-              <a:noFill/>
-              <a:miter lim="800000"/>
-              <a:headEnd/>
-              <a:tailEnd/>
+            <a:ln>
+              <a:solidFill>
+                <a:schemeClr val="tx1"/>
+              </a:solidFill>
             </a:ln>
           </p:spPr>
         </p:pic>
@@ -20942,6 +21837,11 @@
               <a:prstGeom prst="roundRect">
                 <a:avLst/>
               </a:prstGeom>
+              <a:ln>
+                <a:solidFill>
+                  <a:schemeClr val="tx1"/>
+                </a:solidFill>
+              </a:ln>
             </p:spPr>
             <p:style>
               <a:lnRef idx="2">
@@ -20982,6 +21882,11 @@
               <a:prstGeom prst="triangle">
                 <a:avLst/>
               </a:prstGeom>
+              <a:ln>
+                <a:solidFill>
+                  <a:schemeClr val="tx1"/>
+                </a:solidFill>
+              </a:ln>
               <a:scene3d>
                 <a:camera prst="orthographicFront">
                   <a:rot lat="10800000" lon="0" rev="0"/>
@@ -21038,12 +21943,10 @@
             <a:prstGeom prst="rect">
               <a:avLst/>
             </a:prstGeom>
-            <a:noFill/>
-            <a:ln w="9525">
-              <a:noFill/>
-              <a:miter lim="800000"/>
-              <a:headEnd/>
-              <a:tailEnd/>
+            <a:ln>
+              <a:solidFill>
+                <a:schemeClr val="tx1"/>
+              </a:solidFill>
             </a:ln>
           </p:spPr>
         </p:pic>
@@ -21062,6 +21965,11 @@
           <a:prstGeom prst="roundRect">
             <a:avLst/>
           </a:prstGeom>
+          <a:ln>
+            <a:solidFill>
+              <a:schemeClr val="tx1"/>
+            </a:solidFill>
+          </a:ln>
         </p:spPr>
         <p:style>
           <a:lnRef idx="2">
@@ -21085,7 +21993,11 @@
           <a:p>
             <a:pPr algn="ctr"/>
             <a:r>
-              <a:rPr lang="en-US" dirty="0" smtClean="0"/>
+              <a:rPr lang="en-US" dirty="0" smtClean="0">
+                <a:solidFill>
+                  <a:schemeClr val="tx1"/>
+                </a:solidFill>
+              </a:rPr>
               <a:t>Platform</a:t>
             </a:r>
           </a:p>
@@ -21121,7 +22033,7 @@
             </a:prstGeom>
             <a:ln>
               <a:solidFill>
-                <a:srgbClr val="FF0000"/>
+                <a:schemeClr val="tx1"/>
               </a:solidFill>
             </a:ln>
           </p:spPr>
@@ -21147,10 +22059,18 @@
             <a:p>
               <a:pPr algn="ctr"/>
               <a:r>
-                <a:rPr lang="en-US" dirty="0" err="1" smtClean="0"/>
+                <a:rPr lang="en-US" dirty="0" err="1" smtClean="0">
+                  <a:solidFill>
+                    <a:schemeClr val="tx1"/>
+                  </a:solidFill>
+                </a:rPr>
                 <a:t>SNSBase</a:t>
               </a:r>
-              <a:endParaRPr lang="en-US" dirty="0"/>
+              <a:endParaRPr lang="en-US" dirty="0">
+                <a:solidFill>
+                  <a:schemeClr val="tx1"/>
+                </a:solidFill>
+              </a:endParaRPr>
             </a:p>
           </p:txBody>
         </p:sp>
@@ -21170,7 +22090,7 @@
             </a:prstGeom>
             <a:ln>
               <a:solidFill>
-                <a:srgbClr val="FF0000"/>
+                <a:schemeClr val="tx1"/>
               </a:solidFill>
             </a:ln>
             <a:scene3d>
@@ -21201,7 +22121,11 @@
             <a:lstStyle/>
             <a:p>
               <a:pPr algn="ctr"/>
-              <a:endParaRPr lang="en-US"/>
+              <a:endParaRPr lang="en-US">
+                <a:solidFill>
+                  <a:schemeClr val="tx1"/>
+                </a:solidFill>
+              </a:endParaRPr>
             </a:p>
           </p:txBody>
         </p:sp>
@@ -21248,6 +22172,11 @@
               <a:prstGeom prst="roundRect">
                 <a:avLst/>
               </a:prstGeom>
+              <a:ln>
+                <a:solidFill>
+                  <a:schemeClr val="tx1"/>
+                </a:solidFill>
+              </a:ln>
             </p:spPr>
             <p:style>
               <a:lnRef idx="2">
@@ -21288,6 +22217,11 @@
               <a:prstGeom prst="triangle">
                 <a:avLst/>
               </a:prstGeom>
+              <a:ln>
+                <a:solidFill>
+                  <a:schemeClr val="tx1"/>
+                </a:solidFill>
+              </a:ln>
               <a:scene3d>
                 <a:camera prst="orthographicFront">
                   <a:rot lat="10800000" lon="0" rev="0"/>
@@ -21344,12 +22278,10 @@
             <a:prstGeom prst="rect">
               <a:avLst/>
             </a:prstGeom>
-            <a:noFill/>
-            <a:ln w="9525">
-              <a:noFill/>
-              <a:miter lim="800000"/>
-              <a:headEnd/>
-              <a:tailEnd/>
+            <a:ln>
+              <a:solidFill>
+                <a:schemeClr val="tx1"/>
+              </a:solidFill>
             </a:ln>
           </p:spPr>
         </p:pic>
@@ -21368,6 +22300,11 @@
           <a:prstGeom prst="roundRect">
             <a:avLst/>
           </a:prstGeom>
+          <a:ln>
+            <a:solidFill>
+              <a:schemeClr val="tx1"/>
+            </a:solidFill>
+          </a:ln>
         </p:spPr>
         <p:style>
           <a:lnRef idx="2">
@@ -21391,7 +22328,11 @@
           <a:p>
             <a:pPr algn="ctr"/>
             <a:r>
-              <a:rPr lang="en-US" dirty="0" smtClean="0"/>
+              <a:rPr lang="en-US" dirty="0" smtClean="0">
+                <a:solidFill>
+                  <a:schemeClr val="tx1"/>
+                </a:solidFill>
+              </a:rPr>
               <a:t>Error</a:t>
             </a:r>
           </a:p>
@@ -21411,6 +22352,11 @@
           <a:prstGeom prst="roundRect">
             <a:avLst/>
           </a:prstGeom>
+          <a:ln>
+            <a:solidFill>
+              <a:schemeClr val="tx1"/>
+            </a:solidFill>
+          </a:ln>
         </p:spPr>
         <p:style>
           <a:lnRef idx="2">
@@ -21434,7 +22380,11 @@
           <a:p>
             <a:pPr algn="ctr"/>
             <a:r>
-              <a:rPr lang="en-US" dirty="0" smtClean="0"/>
+              <a:rPr lang="en-US" dirty="0" smtClean="0">
+                <a:solidFill>
+                  <a:schemeClr val="tx1"/>
+                </a:solidFill>
+              </a:rPr>
               <a:t>HTTP</a:t>
             </a:r>
           </a:p>
@@ -21454,6 +22404,11 @@
           <a:prstGeom prst="roundRect">
             <a:avLst/>
           </a:prstGeom>
+          <a:ln>
+            <a:solidFill>
+              <a:schemeClr val="tx1"/>
+            </a:solidFill>
+          </a:ln>
         </p:spPr>
         <p:style>
           <a:lnRef idx="2">
@@ -21477,10 +22432,18 @@
           <a:p>
             <a:pPr algn="ctr"/>
             <a:r>
-              <a:rPr lang="en-US" dirty="0" err="1" smtClean="0"/>
+              <a:rPr lang="en-US" dirty="0" err="1" smtClean="0">
+                <a:solidFill>
+                  <a:schemeClr val="tx1"/>
+                </a:solidFill>
+              </a:rPr>
               <a:t>OAuth</a:t>
             </a:r>
-            <a:endParaRPr lang="en-US" dirty="0" smtClean="0"/>
+            <a:endParaRPr lang="en-US" dirty="0" smtClean="0">
+              <a:solidFill>
+                <a:schemeClr val="tx1"/>
+              </a:solidFill>
+            </a:endParaRPr>
           </a:p>
         </p:txBody>
       </p:sp>
@@ -21498,6 +22461,11 @@
           <a:prstGeom prst="roundRect">
             <a:avLst/>
           </a:prstGeom>
+          <a:ln>
+            <a:solidFill>
+              <a:schemeClr val="tx1"/>
+            </a:solidFill>
+          </a:ln>
         </p:spPr>
         <p:style>
           <a:lnRef idx="2">
@@ -21521,7 +22489,11 @@
           <a:p>
             <a:pPr algn="ctr"/>
             <a:r>
-              <a:rPr lang="en-US" dirty="0" smtClean="0"/>
+              <a:rPr lang="en-US" dirty="0" smtClean="0">
+                <a:solidFill>
+                  <a:schemeClr val="tx1"/>
+                </a:solidFill>
+              </a:rPr>
               <a:t>Log</a:t>
             </a:r>
           </a:p>
@@ -21541,6 +22513,11 @@
           <a:prstGeom prst="roundRect">
             <a:avLst/>
           </a:prstGeom>
+          <a:ln>
+            <a:solidFill>
+              <a:schemeClr val="tx1"/>
+            </a:solidFill>
+          </a:ln>
         </p:spPr>
         <p:style>
           <a:lnRef idx="2">
@@ -21564,7 +22541,11 @@
           <a:p>
             <a:pPr algn="ctr"/>
             <a:r>
-              <a:rPr lang="en-US" dirty="0" smtClean="0"/>
+              <a:rPr lang="en-US" dirty="0" smtClean="0">
+                <a:solidFill>
+                  <a:schemeClr val="tx1"/>
+                </a:solidFill>
+              </a:rPr>
               <a:t>Utility</a:t>
             </a:r>
           </a:p>
@@ -21584,6 +22565,11 @@
           <a:prstGeom prst="roundRect">
             <a:avLst/>
           </a:prstGeom>
+          <a:ln>
+            <a:solidFill>
+              <a:schemeClr val="tx1"/>
+            </a:solidFill>
+          </a:ln>
         </p:spPr>
         <p:style>
           <a:lnRef idx="2">
@@ -21607,7 +22593,11 @@
           <a:p>
             <a:pPr algn="ctr"/>
             <a:r>
-              <a:rPr lang="en-US" dirty="0" smtClean="0"/>
+              <a:rPr lang="en-US" dirty="0" smtClean="0">
+                <a:solidFill>
+                  <a:schemeClr val="tx1"/>
+                </a:solidFill>
+              </a:rPr>
               <a:t>Conf</a:t>
             </a:r>
           </a:p>
@@ -21627,6 +22617,11 @@
           <a:prstGeom prst="roundRect">
             <a:avLst/>
           </a:prstGeom>
+          <a:ln>
+            <a:solidFill>
+              <a:schemeClr val="tx1"/>
+            </a:solidFill>
+          </a:ln>
         </p:spPr>
         <p:style>
           <a:lnRef idx="2">
@@ -21650,7 +22645,11 @@
           <a:p>
             <a:pPr algn="ctr"/>
             <a:r>
-              <a:rPr lang="en-US" dirty="0" smtClean="0"/>
+              <a:rPr lang="en-US" dirty="0" smtClean="0">
+                <a:solidFill>
+                  <a:schemeClr val="tx1"/>
+                </a:solidFill>
+              </a:rPr>
               <a:t>Crypto</a:t>
             </a:r>
           </a:p>
@@ -21670,6 +22669,11 @@
           <a:prstGeom prst="roundRect">
             <a:avLst/>
           </a:prstGeom>
+          <a:ln>
+            <a:solidFill>
+              <a:schemeClr val="tx1"/>
+            </a:solidFill>
+          </a:ln>
         </p:spPr>
         <p:style>
           <a:lnRef idx="2">
@@ -21693,7 +22697,11 @@
           <a:p>
             <a:pPr algn="ctr"/>
             <a:r>
-              <a:rPr lang="en-US" dirty="0" smtClean="0"/>
+              <a:rPr lang="en-US" dirty="0" smtClean="0">
+                <a:solidFill>
+                  <a:schemeClr val="tx1"/>
+                </a:solidFill>
+              </a:rPr>
               <a:t>Type</a:t>
             </a:r>
           </a:p>
@@ -21751,6 +22759,11 @@
           <a:prstGeom prst="rightArrow">
             <a:avLst/>
           </a:prstGeom>
+          <a:ln>
+            <a:solidFill>
+              <a:schemeClr val="tx1"/>
+            </a:solidFill>
+          </a:ln>
         </p:spPr>
         <p:style>
           <a:lnRef idx="2">
@@ -21774,10 +22787,18 @@
           <a:p>
             <a:pPr algn="ctr"/>
             <a:r>
-              <a:rPr lang="en-US" dirty="0" smtClean="0"/>
+              <a:rPr lang="en-US" dirty="0" smtClean="0">
+                <a:solidFill>
+                  <a:schemeClr val="tx1"/>
+                </a:solidFill>
+              </a:rPr>
               <a:t>Derive</a:t>
             </a:r>
-            <a:endParaRPr lang="en-US" dirty="0"/>
+            <a:endParaRPr lang="en-US" dirty="0">
+              <a:solidFill>
+                <a:schemeClr val="tx1"/>
+              </a:solidFill>
+            </a:endParaRPr>
           </a:p>
         </p:txBody>
       </p:sp>
@@ -21909,7 +22930,7 @@
             </a:prstGeom>
             <a:ln>
               <a:solidFill>
-                <a:srgbClr val="FF0000"/>
+                <a:schemeClr val="tx1"/>
               </a:solidFill>
             </a:ln>
           </p:spPr>
@@ -21936,9 +22957,21 @@
               <a:pPr algn="ctr"/>
               <a:r>
                 <a:rPr lang="en-US" dirty="0" smtClean="0"/>
-                <a:t>           CLI</a:t>
+                <a:t>           </a:t>
               </a:r>
-              <a:endParaRPr lang="en-US" dirty="0"/>
+              <a:r>
+                <a:rPr lang="en-US" dirty="0" smtClean="0">
+                  <a:solidFill>
+                    <a:schemeClr val="tx1"/>
+                  </a:solidFill>
+                </a:rPr>
+                <a:t>CLI</a:t>
+              </a:r>
+              <a:endParaRPr lang="en-US" dirty="0">
+                <a:solidFill>
+                  <a:schemeClr val="tx1"/>
+                </a:solidFill>
+              </a:endParaRPr>
             </a:p>
           </p:txBody>
         </p:sp>
@@ -21965,12 +22998,10 @@
             <a:prstGeom prst="rect">
               <a:avLst/>
             </a:prstGeom>
-            <a:noFill/>
-            <a:ln w="9525">
-              <a:noFill/>
-              <a:miter lim="800000"/>
-              <a:headEnd/>
-              <a:tailEnd/>
+            <a:ln>
+              <a:solidFill>
+                <a:schemeClr val="tx1"/>
+              </a:solidFill>
             </a:ln>
           </p:spPr>
         </p:pic>
@@ -22103,7 +23134,7 @@
             </a:prstGeom>
             <a:ln>
               <a:solidFill>
-                <a:srgbClr val="FF0000"/>
+                <a:schemeClr val="tx1"/>
               </a:solidFill>
             </a:ln>
           </p:spPr>
@@ -22129,14 +23160,22 @@
             <a:p>
               <a:pPr algn="ctr"/>
               <a:r>
-                <a:rPr lang="en-US" dirty="0" smtClean="0"/>
+                <a:rPr lang="en-US" dirty="0" smtClean="0">
+                  <a:solidFill>
+                    <a:schemeClr val="tx1"/>
+                  </a:solidFill>
+                </a:rPr>
                 <a:t>Pocket</a:t>
               </a:r>
             </a:p>
             <a:p>
               <a:pPr algn="ctr"/>
               <a:r>
-                <a:rPr lang="en-US" dirty="0" smtClean="0"/>
+                <a:rPr lang="en-US" dirty="0" smtClean="0">
+                  <a:solidFill>
+                    <a:schemeClr val="tx1"/>
+                  </a:solidFill>
+                </a:rPr>
                 <a:t>……</a:t>
               </a:r>
             </a:p>
@@ -22172,7 +23211,7 @@
               </a:prstGeom>
               <a:ln>
                 <a:solidFill>
-                  <a:srgbClr val="FF0000"/>
+                  <a:schemeClr val="tx1"/>
                 </a:solidFill>
               </a:ln>
             </p:spPr>
@@ -22198,7 +23237,11 @@
               <a:p>
                 <a:pPr algn="ctr"/>
                 <a:r>
-                  <a:rPr lang="en-US" dirty="0" smtClean="0"/>
+                  <a:rPr lang="en-US" dirty="0" smtClean="0">
+                    <a:solidFill>
+                      <a:schemeClr val="tx1"/>
+                    </a:solidFill>
+                  </a:rPr>
                   <a:t>C1</a:t>
                 </a:r>
               </a:p>
@@ -22220,7 +23263,7 @@
               </a:prstGeom>
               <a:ln>
                 <a:solidFill>
-                  <a:srgbClr val="FF0000"/>
+                  <a:schemeClr val="tx1"/>
                 </a:solidFill>
               </a:ln>
               <a:scene3d>
@@ -22251,7 +23294,11 @@
               <a:lstStyle/>
               <a:p>
                 <a:pPr algn="ctr"/>
-                <a:endParaRPr lang="en-US" dirty="0" err="1" smtClean="0"/>
+                <a:endParaRPr lang="en-US" dirty="0" err="1" smtClean="0">
+                  <a:solidFill>
+                    <a:schemeClr val="tx1"/>
+                  </a:solidFill>
+                </a:endParaRPr>
               </a:p>
             </p:txBody>
           </p:sp>
@@ -22286,7 +23333,7 @@
               </a:prstGeom>
               <a:ln>
                 <a:solidFill>
-                  <a:srgbClr val="FF0000"/>
+                  <a:schemeClr val="tx1"/>
                 </a:solidFill>
               </a:ln>
             </p:spPr>
@@ -22312,7 +23359,11 @@
               <a:p>
                 <a:pPr algn="ctr"/>
                 <a:r>
-                  <a:rPr lang="en-US" dirty="0" smtClean="0"/>
+                  <a:rPr lang="en-US" dirty="0" smtClean="0">
+                    <a:solidFill>
+                      <a:schemeClr val="tx1"/>
+                    </a:solidFill>
+                  </a:rPr>
                   <a:t>C2</a:t>
                 </a:r>
               </a:p>
@@ -22334,7 +23385,7 @@
               </a:prstGeom>
               <a:ln>
                 <a:solidFill>
-                  <a:srgbClr val="FF0000"/>
+                  <a:schemeClr val="tx1"/>
                 </a:solidFill>
               </a:ln>
               <a:scene3d>
@@ -22365,7 +23416,11 @@
               <a:lstStyle/>
               <a:p>
                 <a:pPr algn="ctr"/>
-                <a:endParaRPr lang="en-US" dirty="0" err="1" smtClean="0"/>
+                <a:endParaRPr lang="en-US" dirty="0" err="1" smtClean="0">
+                  <a:solidFill>
+                    <a:schemeClr val="tx1"/>
+                  </a:solidFill>
+                </a:endParaRPr>
               </a:p>
             </p:txBody>
           </p:sp>
@@ -22400,7 +23455,7 @@
               </a:prstGeom>
               <a:ln>
                 <a:solidFill>
-                  <a:srgbClr val="FF0000"/>
+                  <a:schemeClr val="tx1"/>
                 </a:solidFill>
               </a:ln>
             </p:spPr>
@@ -22426,7 +23481,11 @@
               <a:p>
                 <a:pPr algn="ctr"/>
                 <a:r>
-                  <a:rPr lang="en-US" dirty="0" smtClean="0"/>
+                  <a:rPr lang="en-US" dirty="0" smtClean="0">
+                    <a:solidFill>
+                      <a:schemeClr val="tx1"/>
+                    </a:solidFill>
+                  </a:rPr>
                   <a:t>C3</a:t>
                 </a:r>
               </a:p>
@@ -22448,7 +23507,7 @@
               </a:prstGeom>
               <a:ln>
                 <a:solidFill>
-                  <a:srgbClr val="FF0000"/>
+                  <a:schemeClr val="tx1"/>
                 </a:solidFill>
               </a:ln>
               <a:scene3d>
@@ -22479,7 +23538,11 @@
               <a:lstStyle/>
               <a:p>
                 <a:pPr algn="ctr"/>
-                <a:endParaRPr lang="en-US" dirty="0" err="1" smtClean="0"/>
+                <a:endParaRPr lang="en-US" dirty="0" err="1" smtClean="0">
+                  <a:solidFill>
+                    <a:schemeClr val="tx1"/>
+                  </a:solidFill>
+                </a:endParaRPr>
               </a:p>
             </p:txBody>
           </p:sp>
@@ -22514,7 +23577,7 @@
               </a:prstGeom>
               <a:ln>
                 <a:solidFill>
-                  <a:srgbClr val="FF0000"/>
+                  <a:schemeClr val="tx1"/>
                 </a:solidFill>
               </a:ln>
             </p:spPr>
@@ -22540,7 +23603,11 @@
               <a:p>
                 <a:pPr algn="ctr"/>
                 <a:r>
-                  <a:rPr lang="en-US" dirty="0" smtClean="0"/>
+                  <a:rPr lang="en-US" dirty="0" smtClean="0">
+                    <a:solidFill>
+                      <a:schemeClr val="tx1"/>
+                    </a:solidFill>
+                  </a:rPr>
                   <a:t>C4</a:t>
                 </a:r>
               </a:p>
@@ -22562,7 +23629,7 @@
               </a:prstGeom>
               <a:ln>
                 <a:solidFill>
-                  <a:srgbClr val="FF0000"/>
+                  <a:schemeClr val="tx1"/>
                 </a:solidFill>
               </a:ln>
               <a:scene3d>
@@ -22593,7 +23660,11 @@
               <a:lstStyle/>
               <a:p>
                 <a:pPr algn="ctr"/>
-                <a:endParaRPr lang="en-US" dirty="0" err="1" smtClean="0"/>
+                <a:endParaRPr lang="en-US" dirty="0" err="1" smtClean="0">
+                  <a:solidFill>
+                    <a:schemeClr val="tx1"/>
+                  </a:solidFill>
+                </a:endParaRPr>
               </a:p>
             </p:txBody>
           </p:sp>
@@ -22628,7 +23699,7 @@
               </a:prstGeom>
               <a:ln>
                 <a:solidFill>
-                  <a:srgbClr val="FF0000"/>
+                  <a:schemeClr val="tx1"/>
                 </a:solidFill>
               </a:ln>
             </p:spPr>
@@ -22654,7 +23725,11 @@
               <a:p>
                 <a:pPr algn="ctr"/>
                 <a:r>
-                  <a:rPr lang="en-US" dirty="0" smtClean="0"/>
+                  <a:rPr lang="en-US" dirty="0" smtClean="0">
+                    <a:solidFill>
+                      <a:schemeClr val="tx1"/>
+                    </a:solidFill>
+                  </a:rPr>
                   <a:t>C5</a:t>
                 </a:r>
               </a:p>
@@ -22676,7 +23751,7 @@
               </a:prstGeom>
               <a:ln>
                 <a:solidFill>
-                  <a:srgbClr val="FF0000"/>
+                  <a:schemeClr val="tx1"/>
                 </a:solidFill>
               </a:ln>
               <a:scene3d>
@@ -22707,7 +23782,11 @@
               <a:lstStyle/>
               <a:p>
                 <a:pPr algn="ctr"/>
-                <a:endParaRPr lang="en-US" dirty="0" err="1" smtClean="0"/>
+                <a:endParaRPr lang="en-US" dirty="0" err="1" smtClean="0">
+                  <a:solidFill>
+                    <a:schemeClr val="tx1"/>
+                  </a:solidFill>
+                </a:endParaRPr>
               </a:p>
             </p:txBody>
           </p:sp>
@@ -22742,7 +23821,7 @@
               </a:prstGeom>
               <a:ln>
                 <a:solidFill>
-                  <a:srgbClr val="FF0000"/>
+                  <a:schemeClr val="tx1"/>
                 </a:solidFill>
               </a:ln>
             </p:spPr>
@@ -22768,7 +23847,11 @@
               <a:p>
                 <a:pPr algn="ctr"/>
                 <a:r>
-                  <a:rPr lang="en-US" dirty="0" smtClean="0"/>
+                  <a:rPr lang="en-US" dirty="0" smtClean="0">
+                    <a:solidFill>
+                      <a:schemeClr val="tx1"/>
+                    </a:solidFill>
+                  </a:rPr>
                   <a:t>C6</a:t>
                 </a:r>
               </a:p>
@@ -22790,7 +23873,7 @@
               </a:prstGeom>
               <a:ln>
                 <a:solidFill>
-                  <a:srgbClr val="FF0000"/>
+                  <a:schemeClr val="tx1"/>
                 </a:solidFill>
               </a:ln>
               <a:scene3d>
@@ -22821,7 +23904,11 @@
               <a:lstStyle/>
               <a:p>
                 <a:pPr algn="ctr"/>
-                <a:endParaRPr lang="en-US" dirty="0" err="1" smtClean="0"/>
+                <a:endParaRPr lang="en-US" dirty="0" err="1" smtClean="0">
+                  <a:solidFill>
+                    <a:schemeClr val="tx1"/>
+                  </a:solidFill>
+                </a:endParaRPr>
               </a:p>
             </p:txBody>
           </p:sp>
@@ -22848,6 +23935,11 @@
               <a:gd name="adj6" fmla="val -35148"/>
             </a:avLst>
           </a:prstGeom>
+          <a:ln>
+            <a:solidFill>
+              <a:schemeClr val="tx1"/>
+            </a:solidFill>
+          </a:ln>
         </p:spPr>
         <p:style>
           <a:lnRef idx="2">
@@ -22871,10 +23963,18 @@
           <a:p>
             <a:pPr algn="ctr"/>
             <a:r>
-              <a:rPr lang="en-US" dirty="0" smtClean="0"/>
+              <a:rPr lang="en-US" dirty="0" smtClean="0">
+                <a:solidFill>
+                  <a:schemeClr val="tx1"/>
+                </a:solidFill>
+              </a:rPr>
               <a:t>channel</a:t>
             </a:r>
-            <a:endParaRPr lang="en-US" dirty="0"/>
+            <a:endParaRPr lang="en-US" dirty="0">
+              <a:solidFill>
+                <a:schemeClr val="tx1"/>
+              </a:solidFill>
+            </a:endParaRPr>
           </a:p>
         </p:txBody>
       </p:sp>
@@ -24156,6 +25256,11 @@
                 <a:gd name="adj4" fmla="val 94514"/>
               </a:avLst>
             </a:prstGeom>
+            <a:ln>
+              <a:solidFill>
+                <a:schemeClr val="tx1"/>
+              </a:solidFill>
+            </a:ln>
           </p:spPr>
           <p:style>
             <a:lnRef idx="2">
@@ -24179,10 +25284,18 @@
             <a:p>
               <a:pPr algn="ctr"/>
               <a:r>
-                <a:rPr lang="en-US" dirty="0" smtClean="0"/>
+                <a:rPr lang="en-US" dirty="0" smtClean="0">
+                  <a:solidFill>
+                    <a:schemeClr val="tx1"/>
+                  </a:solidFill>
+                </a:rPr>
                 <a:t>list current loaded channels</a:t>
               </a:r>
-              <a:endParaRPr lang="en-US" dirty="0"/>
+              <a:endParaRPr lang="en-US" dirty="0">
+                <a:solidFill>
+                  <a:schemeClr val="tx1"/>
+                </a:solidFill>
+              </a:endParaRPr>
             </a:p>
           </p:txBody>
         </p:sp>
@@ -24205,6 +25318,11 @@
                 <a:alpha val="0"/>
               </a:schemeClr>
             </a:solidFill>
+            <a:ln>
+              <a:solidFill>
+                <a:schemeClr val="bg1"/>
+              </a:solidFill>
+            </a:ln>
           </p:spPr>
           <p:style>
             <a:lnRef idx="2">
@@ -24227,7 +25345,11 @@
             <a:lstStyle/>
             <a:p>
               <a:pPr algn="ctr"/>
-              <a:endParaRPr lang="en-US"/>
+              <a:endParaRPr lang="en-US">
+                <a:solidFill>
+                  <a:schemeClr val="tx1"/>
+                </a:solidFill>
+              </a:endParaRPr>
             </a:p>
           </p:txBody>
         </p:sp>
@@ -24265,6 +25387,11 @@
                 <a:gd name="adj4" fmla="val 100129"/>
               </a:avLst>
             </a:prstGeom>
+            <a:ln>
+              <a:solidFill>
+                <a:schemeClr val="tx1"/>
+              </a:solidFill>
+            </a:ln>
           </p:spPr>
           <p:style>
             <a:lnRef idx="2">
@@ -24288,10 +25415,18 @@
             <a:p>
               <a:pPr algn="ctr"/>
               <a:r>
-                <a:rPr lang="en-US" dirty="0" smtClean="0"/>
+                <a:rPr lang="en-US" dirty="0" smtClean="0">
+                  <a:solidFill>
+                    <a:schemeClr val="tx1"/>
+                  </a:solidFill>
+                </a:rPr>
                 <a:t>read statuses</a:t>
               </a:r>
-              <a:endParaRPr lang="en-US" dirty="0"/>
+              <a:endParaRPr lang="en-US" dirty="0">
+                <a:solidFill>
+                  <a:schemeClr val="tx1"/>
+                </a:solidFill>
+              </a:endParaRPr>
             </a:p>
           </p:txBody>
         </p:sp>
@@ -24314,6 +25449,11 @@
                 <a:alpha val="0"/>
               </a:schemeClr>
             </a:solidFill>
+            <a:ln>
+              <a:solidFill>
+                <a:schemeClr val="bg1"/>
+              </a:solidFill>
+            </a:ln>
           </p:spPr>
           <p:style>
             <a:lnRef idx="2">
@@ -24336,7 +25476,11 @@
             <a:lstStyle/>
             <a:p>
               <a:pPr algn="ctr"/>
-              <a:endParaRPr lang="en-US"/>
+              <a:endParaRPr lang="en-US">
+                <a:solidFill>
+                  <a:schemeClr val="tx1"/>
+                </a:solidFill>
+              </a:endParaRPr>
             </a:p>
           </p:txBody>
         </p:sp>
@@ -24374,6 +25518,11 @@
                 <a:gd name="adj4" fmla="val 97565"/>
               </a:avLst>
             </a:prstGeom>
+            <a:ln>
+              <a:solidFill>
+                <a:schemeClr val="tx1"/>
+              </a:solidFill>
+            </a:ln>
           </p:spPr>
           <p:style>
             <a:lnRef idx="2">
@@ -24397,10 +25546,18 @@
             <a:p>
               <a:pPr algn="ctr"/>
               <a:r>
-                <a:rPr lang="en-US" dirty="0" smtClean="0"/>
+                <a:rPr lang="en-US" dirty="0" smtClean="0">
+                  <a:solidFill>
+                    <a:schemeClr val="tx1"/>
+                  </a:solidFill>
+                </a:rPr>
                 <a:t>read statuses</a:t>
               </a:r>
-              <a:endParaRPr lang="en-US" dirty="0"/>
+              <a:endParaRPr lang="en-US" dirty="0">
+                <a:solidFill>
+                  <a:schemeClr val="tx1"/>
+                </a:solidFill>
+              </a:endParaRPr>
             </a:p>
           </p:txBody>
         </p:sp>
@@ -24423,6 +25580,11 @@
                 <a:alpha val="0"/>
               </a:schemeClr>
             </a:solidFill>
+            <a:ln>
+              <a:solidFill>
+                <a:schemeClr val="bg1"/>
+              </a:solidFill>
+            </a:ln>
           </p:spPr>
           <p:style>
             <a:lnRef idx="2">
@@ -24445,7 +25607,11 @@
             <a:lstStyle/>
             <a:p>
               <a:pPr algn="ctr"/>
-              <a:endParaRPr lang="en-US"/>
+              <a:endParaRPr lang="en-US">
+                <a:solidFill>
+                  <a:schemeClr val="tx1"/>
+                </a:solidFill>
+              </a:endParaRPr>
             </a:p>
           </p:txBody>
         </p:sp>
@@ -24483,6 +25649,11 @@
                 <a:gd name="adj4" fmla="val 101411"/>
               </a:avLst>
             </a:prstGeom>
+            <a:ln>
+              <a:solidFill>
+                <a:schemeClr val="tx1"/>
+              </a:solidFill>
+            </a:ln>
           </p:spPr>
           <p:style>
             <a:lnRef idx="2">
@@ -24506,10 +25677,18 @@
             <a:p>
               <a:pPr algn="ctr"/>
               <a:r>
-                <a:rPr lang="en-US" dirty="0" smtClean="0"/>
+                <a:rPr lang="en-US" dirty="0" smtClean="0">
+                  <a:solidFill>
+                    <a:schemeClr val="tx1"/>
+                  </a:solidFill>
+                </a:rPr>
                 <a:t>update a status</a:t>
               </a:r>
-              <a:endParaRPr lang="en-US" dirty="0"/>
+              <a:endParaRPr lang="en-US" dirty="0">
+                <a:solidFill>
+                  <a:schemeClr val="tx1"/>
+                </a:solidFill>
+              </a:endParaRPr>
             </a:p>
           </p:txBody>
         </p:sp>
@@ -24532,6 +25711,11 @@
                 <a:alpha val="0"/>
               </a:schemeClr>
             </a:solidFill>
+            <a:ln>
+              <a:solidFill>
+                <a:schemeClr val="bg1"/>
+              </a:solidFill>
+            </a:ln>
           </p:spPr>
           <p:style>
             <a:lnRef idx="2">
@@ -24554,7 +25738,11 @@
             <a:lstStyle/>
             <a:p>
               <a:pPr algn="ctr"/>
-              <a:endParaRPr lang="en-US"/>
+              <a:endParaRPr lang="en-US">
+                <a:solidFill>
+                  <a:schemeClr val="tx1"/>
+                </a:solidFill>
+              </a:endParaRPr>
             </a:p>
           </p:txBody>
         </p:sp>
@@ -24607,6 +25795,11 @@
           <a:prstGeom prst="irregularSeal1">
             <a:avLst/>
           </a:prstGeom>
+          <a:ln>
+            <a:solidFill>
+              <a:schemeClr val="tx1"/>
+            </a:solidFill>
+          </a:ln>
         </p:spPr>
         <p:style>
           <a:lnRef idx="2">
@@ -24630,10 +25823,18 @@
           <a:p>
             <a:pPr algn="ctr"/>
             <a:r>
-              <a:rPr lang="en-US" dirty="0" smtClean="0"/>
+              <a:rPr lang="en-US" dirty="0" smtClean="0">
+                <a:solidFill>
+                  <a:schemeClr val="tx1"/>
+                </a:solidFill>
+              </a:rPr>
               <a:t>1. Python Functions</a:t>
             </a:r>
-            <a:endParaRPr lang="en-US" dirty="0"/>
+            <a:endParaRPr lang="en-US" dirty="0">
+              <a:solidFill>
+                <a:schemeClr val="tx1"/>
+              </a:solidFill>
+            </a:endParaRPr>
           </a:p>
         </p:txBody>
       </p:sp>
@@ -24651,6 +25852,11 @@
           <a:prstGeom prst="irregularSeal1">
             <a:avLst/>
           </a:prstGeom>
+          <a:ln>
+            <a:solidFill>
+              <a:schemeClr val="tx1"/>
+            </a:solidFill>
+          </a:ln>
         </p:spPr>
         <p:style>
           <a:lnRef idx="2">
@@ -24674,10 +25880,18 @@
           <a:p>
             <a:pPr algn="ctr"/>
             <a:r>
-              <a:rPr lang="en-US" dirty="0" smtClean="0"/>
+              <a:rPr lang="en-US" dirty="0" smtClean="0">
+                <a:solidFill>
+                  <a:schemeClr val="tx1"/>
+                </a:solidFill>
+              </a:rPr>
               <a:t>2. STDIN STDOUT</a:t>
             </a:r>
-            <a:endParaRPr lang="en-US" dirty="0"/>
+            <a:endParaRPr lang="en-US" dirty="0">
+              <a:solidFill>
+                <a:schemeClr val="tx1"/>
+              </a:solidFill>
+            </a:endParaRPr>
           </a:p>
         </p:txBody>
       </p:sp>
@@ -26275,7 +27489,7 @@
             <a:spLocks noGrp="1"/>
           </p:cNvSpPr>
           <p:nvPr>
-            <p:ph idx="1"/>
+            <p:ph sz="quarter" idx="1"/>
           </p:nvPr>
         </p:nvSpPr>
         <p:spPr>
@@ -27314,6 +28528,11 @@
           <a:prstGeom prst="irregularSeal1">
             <a:avLst/>
           </a:prstGeom>
+          <a:ln>
+            <a:solidFill>
+              <a:schemeClr val="tx1"/>
+            </a:solidFill>
+          </a:ln>
         </p:spPr>
         <p:style>
           <a:lnRef idx="2">
@@ -27337,10 +28556,18 @@
           <a:p>
             <a:pPr algn="ctr"/>
             <a:r>
-              <a:rPr lang="en-US" dirty="0" smtClean="0"/>
+              <a:rPr lang="en-US" dirty="0" smtClean="0">
+                <a:solidFill>
+                  <a:schemeClr val="tx1"/>
+                </a:solidFill>
+              </a:rPr>
               <a:t>Original</a:t>
             </a:r>
-            <a:endParaRPr lang="en-US" dirty="0"/>
+            <a:endParaRPr lang="en-US" dirty="0">
+              <a:solidFill>
+                <a:schemeClr val="tx1"/>
+              </a:solidFill>
+            </a:endParaRPr>
           </a:p>
         </p:txBody>
       </p:sp>
@@ -27396,6 +28623,11 @@
               <a:gd name="adj3" fmla="val 16667"/>
             </a:avLst>
           </a:prstGeom>
+          <a:ln>
+            <a:solidFill>
+              <a:schemeClr val="tx1"/>
+            </a:solidFill>
+          </a:ln>
         </p:spPr>
         <p:style>
           <a:lnRef idx="2">
@@ -27419,10 +28651,18 @@
           <a:p>
             <a:pPr algn="ctr"/>
             <a:r>
-              <a:rPr lang="en-US" dirty="0" smtClean="0"/>
+              <a:rPr lang="en-US" dirty="0" smtClean="0">
+                <a:solidFill>
+                  <a:schemeClr val="tx1"/>
+                </a:solidFill>
+              </a:rPr>
               <a:t>Not informative for me</a:t>
             </a:r>
-            <a:endParaRPr lang="en-US" dirty="0"/>
+            <a:endParaRPr lang="en-US" dirty="0">
+              <a:solidFill>
+                <a:schemeClr val="tx1"/>
+              </a:solidFill>
+            </a:endParaRPr>
           </a:p>
         </p:txBody>
       </p:sp>
@@ -27444,6 +28684,11 @@
               <a:gd name="adj3" fmla="val 16667"/>
             </a:avLst>
           </a:prstGeom>
+          <a:ln>
+            <a:solidFill>
+              <a:schemeClr val="tx1"/>
+            </a:solidFill>
+          </a:ln>
         </p:spPr>
         <p:style>
           <a:lnRef idx="2">
@@ -27467,10 +28712,18 @@
           <a:p>
             <a:pPr algn="ctr"/>
             <a:r>
-              <a:rPr lang="en-US" dirty="0" smtClean="0"/>
+              <a:rPr lang="en-US" dirty="0" smtClean="0">
+                <a:solidFill>
+                  <a:schemeClr val="tx1"/>
+                </a:solidFill>
+              </a:rPr>
               <a:t>Sounds interesting</a:t>
             </a:r>
-            <a:endParaRPr lang="en-US" dirty="0"/>
+            <a:endParaRPr lang="en-US" dirty="0">
+              <a:solidFill>
+                <a:schemeClr val="tx1"/>
+              </a:solidFill>
+            </a:endParaRPr>
           </a:p>
         </p:txBody>
       </p:sp>
@@ -27492,6 +28745,11 @@
               <a:gd name="adj3" fmla="val 16667"/>
             </a:avLst>
           </a:prstGeom>
+          <a:ln>
+            <a:solidFill>
+              <a:schemeClr val="tx1"/>
+            </a:solidFill>
+          </a:ln>
         </p:spPr>
         <p:style>
           <a:lnRef idx="2">
@@ -27515,10 +28773,18 @@
           <a:p>
             <a:pPr algn="ctr"/>
             <a:r>
-              <a:rPr lang="en-US" dirty="0" smtClean="0"/>
+              <a:rPr lang="en-US" dirty="0" smtClean="0">
+                <a:solidFill>
+                  <a:schemeClr val="tx1"/>
+                </a:solidFill>
+              </a:rPr>
               <a:t>Not informative for me</a:t>
             </a:r>
-            <a:endParaRPr lang="en-US" dirty="0"/>
+            <a:endParaRPr lang="en-US" dirty="0">
+              <a:solidFill>
+                <a:schemeClr val="tx1"/>
+              </a:solidFill>
+            </a:endParaRPr>
           </a:p>
         </p:txBody>
       </p:sp>
@@ -27884,6 +29150,11 @@
           <a:prstGeom prst="irregularSeal1">
             <a:avLst/>
           </a:prstGeom>
+          <a:ln>
+            <a:solidFill>
+              <a:schemeClr val="tx1"/>
+            </a:solidFill>
+          </a:ln>
         </p:spPr>
         <p:style>
           <a:lnRef idx="2">
@@ -27907,10 +29178,18 @@
           <a:p>
             <a:pPr algn="ctr"/>
             <a:r>
-              <a:rPr lang="en-US" dirty="0" smtClean="0"/>
+              <a:rPr lang="en-US" dirty="0" smtClean="0">
+                <a:solidFill>
+                  <a:schemeClr val="tx1"/>
+                </a:solidFill>
+              </a:rPr>
               <a:t>Ranked !!!!!!</a:t>
             </a:r>
-            <a:endParaRPr lang="en-US" dirty="0"/>
+            <a:endParaRPr lang="en-US" dirty="0">
+              <a:solidFill>
+                <a:schemeClr val="tx1"/>
+              </a:solidFill>
+            </a:endParaRPr>
           </a:p>
         </p:txBody>
       </p:sp>
@@ -27966,6 +29245,11 @@
               <a:gd name="adj3" fmla="val 16667"/>
             </a:avLst>
           </a:prstGeom>
+          <a:ln>
+            <a:solidFill>
+              <a:schemeClr val="tx1"/>
+            </a:solidFill>
+          </a:ln>
         </p:spPr>
         <p:style>
           <a:lnRef idx="2">
@@ -27989,14 +29273,26 @@
           <a:p>
             <a:pPr algn="ctr"/>
             <a:r>
-              <a:rPr lang="en-US" dirty="0" err="1" smtClean="0"/>
+              <a:rPr lang="en-US" dirty="0" err="1" smtClean="0">
+                <a:solidFill>
+                  <a:schemeClr val="tx1"/>
+                </a:solidFill>
+              </a:rPr>
               <a:t>Recsys</a:t>
             </a:r>
             <a:r>
-              <a:rPr lang="en-US" dirty="0" smtClean="0"/>
+              <a:rPr lang="en-US" dirty="0" smtClean="0">
+                <a:solidFill>
+                  <a:schemeClr val="tx1"/>
+                </a:solidFill>
+              </a:rPr>
               <a:t> fits my recent interest!</a:t>
             </a:r>
-            <a:endParaRPr lang="en-US" dirty="0"/>
+            <a:endParaRPr lang="en-US" dirty="0">
+              <a:solidFill>
+                <a:schemeClr val="tx1"/>
+              </a:solidFill>
+            </a:endParaRPr>
           </a:p>
         </p:txBody>
       </p:sp>
@@ -28018,6 +29314,11 @@
               <a:gd name="adj3" fmla="val 16667"/>
             </a:avLst>
           </a:prstGeom>
+          <a:ln>
+            <a:solidFill>
+              <a:schemeClr val="tx1"/>
+            </a:solidFill>
+          </a:ln>
         </p:spPr>
         <p:style>
           <a:lnRef idx="2">
@@ -28041,10 +29342,18 @@
           <a:p>
             <a:pPr algn="ctr"/>
             <a:r>
-              <a:rPr lang="en-US" dirty="0" smtClean="0"/>
+              <a:rPr lang="en-US" dirty="0" smtClean="0">
+                <a:solidFill>
+                  <a:schemeClr val="tx1"/>
+                </a:solidFill>
+              </a:rPr>
               <a:t>Industrial news, I may want to follow the link and read further</a:t>
             </a:r>
-            <a:endParaRPr lang="en-US" dirty="0"/>
+            <a:endParaRPr lang="en-US" dirty="0">
+              <a:solidFill>
+                <a:schemeClr val="tx1"/>
+              </a:solidFill>
+            </a:endParaRPr>
           </a:p>
         </p:txBody>
       </p:sp>
@@ -28066,6 +29375,11 @@
               <a:gd name="adj3" fmla="val 16667"/>
             </a:avLst>
           </a:prstGeom>
+          <a:ln>
+            <a:solidFill>
+              <a:schemeClr val="tx1"/>
+            </a:solidFill>
+          </a:ln>
         </p:spPr>
         <p:style>
           <a:lnRef idx="2">
@@ -28089,10 +29403,18 @@
           <a:p>
             <a:pPr algn="ctr"/>
             <a:r>
-              <a:rPr lang="en-US" dirty="0" smtClean="0"/>
+              <a:rPr lang="en-US" dirty="0" smtClean="0">
+                <a:solidFill>
+                  <a:schemeClr val="tx1"/>
+                </a:solidFill>
+              </a:rPr>
               <a:t>Tweets from a renowned social network researcher</a:t>
             </a:r>
-            <a:endParaRPr lang="en-US" dirty="0"/>
+            <a:endParaRPr lang="en-US" dirty="0">
+              <a:solidFill>
+                <a:schemeClr val="tx1"/>
+              </a:solidFill>
+            </a:endParaRPr>
           </a:p>
         </p:txBody>
       </p:sp>
@@ -28402,9 +29724,9 @@
 </file>
 
 <file path=ppt/theme/theme1.xml><?xml version="1.0" encoding="utf-8"?>
-<a:theme xmlns:a="http://schemas.openxmlformats.org/drawingml/2006/main" name="Trek">
+<a:theme xmlns:a="http://schemas.openxmlformats.org/drawingml/2006/main" name="Origin">
   <a:themeElements>
-    <a:clrScheme name="Trek">
+    <a:clrScheme name="Grayscale">
       <a:dk1>
         <a:sysClr val="windowText" lastClr="000000"/>
       </a:dk1>
@@ -28412,48 +29734,86 @@
         <a:sysClr val="window" lastClr="FFFFFF"/>
       </a:lt1>
       <a:dk2>
-        <a:srgbClr val="4E3B30"/>
+        <a:srgbClr val="000000"/>
       </a:dk2>
       <a:lt2>
-        <a:srgbClr val="FBEEC9"/>
+        <a:srgbClr val="F8F8F8"/>
       </a:lt2>
       <a:accent1>
-        <a:srgbClr val="F0A22E"/>
+        <a:srgbClr val="DDDDDD"/>
       </a:accent1>
       <a:accent2>
-        <a:srgbClr val="A5644E"/>
+        <a:srgbClr val="B2B2B2"/>
       </a:accent2>
       <a:accent3>
-        <a:srgbClr val="B58B80"/>
+        <a:srgbClr val="969696"/>
       </a:accent3>
       <a:accent4>
-        <a:srgbClr val="C3986D"/>
+        <a:srgbClr val="808080"/>
       </a:accent4>
       <a:accent5>
-        <a:srgbClr val="A19574"/>
+        <a:srgbClr val="5F5F5F"/>
       </a:accent5>
       <a:accent6>
-        <a:srgbClr val="C17529"/>
+        <a:srgbClr val="4D4D4D"/>
       </a:accent6>
       <a:hlink>
-        <a:srgbClr val="AD1F1F"/>
+        <a:srgbClr val="5F5F5F"/>
       </a:hlink>
       <a:folHlink>
-        <a:srgbClr val="FFC42F"/>
+        <a:srgbClr val="919191"/>
       </a:folHlink>
     </a:clrScheme>
-    <a:fontScheme name="Trek">
+    <a:fontScheme name="Origin">
       <a:majorFont>
-        <a:latin typeface="Franklin Gothic Medium"/>
+        <a:latin typeface="Bookman Old Style"/>
         <a:ea typeface=""/>
         <a:cs typeface=""/>
-        <a:font script="Jpan" typeface="HG創英角ｺﾞｼｯｸUB"/>
+        <a:font script="Grek" typeface="Cambria"/>
+        <a:font script="Cyrl" typeface="Cambria"/>
+        <a:font script="Jpan" typeface="HG明朝E"/>
         <a:font script="Hang" typeface="돋움"/>
-        <a:font script="Hans" typeface="隶书"/>
-        <a:font script="Hant" typeface="微軟正黑體"/>
-        <a:font script="Arab" typeface="Tahoma"/>
-        <a:font script="Hebr" typeface="Aharoni"/>
-        <a:font script="Thai" typeface="LilyUPC"/>
+        <a:font script="Hans" typeface="宋体"/>
+        <a:font script="Hant" typeface="標楷體"/>
+        <a:font script="Arab" typeface="Times New Roman"/>
+        <a:font script="Hebr" typeface="Times New Roman"/>
+        <a:font script="Thai" typeface="Browallia New"/>
+        <a:font script="Ethi" typeface="Nyala"/>
+        <a:font script="Beng" typeface="Vrinda"/>
+        <a:font script="Gujr" typeface="Shruti"/>
+        <a:font script="Khmr" typeface="MoolBoran"/>
+        <a:font script="Knda" typeface="Tunga"/>
+        <a:font script="Guru" typeface="Raavi"/>
+        <a:font script="Cans" typeface="Euphemia"/>
+        <a:font script="Cher" typeface="Plantagenet Cherokee"/>
+        <a:font script="Yiii" typeface="Microsoft Yi Baiti"/>
+        <a:font script="Tibt" typeface="Microsoft Himalaya"/>
+        <a:font script="Thaa" typeface="MV Boli"/>
+        <a:font script="Deva" typeface="Mangal"/>
+        <a:font script="Telu" typeface="Gautami"/>
+        <a:font script="Taml" typeface="Latha"/>
+        <a:font script="Syrc" typeface="Estrangelo Edessa"/>
+        <a:font script="Orya" typeface="Kalinga"/>
+        <a:font script="Mlym" typeface="Kartika"/>
+        <a:font script="Laoo" typeface="DokChampa"/>
+        <a:font script="Sinh" typeface="Iskoola Pota"/>
+        <a:font script="Mong" typeface="Mongolian Baiti"/>
+        <a:font script="Viet" typeface="Times New Roman"/>
+        <a:font script="Uigh" typeface="Microsoft Uighur"/>
+      </a:majorFont>
+      <a:minorFont>
+        <a:latin typeface="Gill Sans MT"/>
+        <a:ea typeface=""/>
+        <a:cs typeface=""/>
+        <a:font script="Grek" typeface="Calibri"/>
+        <a:font script="Cyrl" typeface="Calibri"/>
+        <a:font script="Jpan" typeface="ＭＳ Ｐゴシック"/>
+        <a:font script="Hang" typeface="맑은 고딕"/>
+        <a:font script="Hans" typeface="华文新魏"/>
+        <a:font script="Hant" typeface="新細明體"/>
+        <a:font script="Arab" typeface="Arial"/>
+        <a:font script="Hebr" typeface="Arial"/>
+        <a:font script="Thai" typeface="Cordia New"/>
         <a:font script="Ethi" typeface="Nyala"/>
         <a:font script="Beng" typeface="Vrinda"/>
         <a:font script="Gujr" typeface="Shruti"/>
@@ -28476,43 +29836,9 @@
         <a:font script="Mong" typeface="Mongolian Baiti"/>
         <a:font script="Viet" typeface="Arial"/>
         <a:font script="Uigh" typeface="Microsoft Uighur"/>
-      </a:majorFont>
-      <a:minorFont>
-        <a:latin typeface="Franklin Gothic Book"/>
-        <a:ea typeface=""/>
-        <a:cs typeface=""/>
-        <a:font script="Jpan" typeface="HGｺﾞｼｯｸE"/>
-        <a:font script="Hang" typeface="돋움"/>
-        <a:font script="Hans" typeface="华文楷体"/>
-        <a:font script="Hant" typeface="微軟正黑體"/>
-        <a:font script="Arab" typeface="Tahoma"/>
-        <a:font script="Hebr" typeface="Aharoni"/>
-        <a:font script="Thai" typeface="LilyUPC"/>
-        <a:font script="Ethi" typeface="Nyala"/>
-        <a:font script="Beng" typeface="Vrinda"/>
-        <a:font script="Gujr" typeface="Shruti"/>
-        <a:font script="Khmr" typeface="DaunPenh"/>
-        <a:font script="Knda" typeface="Tunga"/>
-        <a:font script="Guru" typeface="Raavi"/>
-        <a:font script="Cans" typeface="Euphemia"/>
-        <a:font script="Cher" typeface="Plantagenet Cherokee"/>
-        <a:font script="Yiii" typeface="Microsoft Yi Baiti"/>
-        <a:font script="Tibt" typeface="Microsoft Himalaya"/>
-        <a:font script="Thaa" typeface="MV Boli"/>
-        <a:font script="Deva" typeface="Mangal"/>
-        <a:font script="Telu" typeface="Gautami"/>
-        <a:font script="Taml" typeface="Latha"/>
-        <a:font script="Syrc" typeface="Estrangelo Edessa"/>
-        <a:font script="Orya" typeface="Kalinga"/>
-        <a:font script="Mlym" typeface="Kartika"/>
-        <a:font script="Laoo" typeface="DokChampa"/>
-        <a:font script="Sinh" typeface="Iskoola Pota"/>
-        <a:font script="Mong" typeface="Mongolian Baiti"/>
-        <a:font script="Viet" typeface="Tahoma"/>
-        <a:font script="Uigh" typeface="Microsoft Uighur"/>
       </a:minorFont>
     </a:fontScheme>
-    <a:fmtScheme name="Trek">
+    <a:fmtScheme name="Origin">
       <a:fillStyleLst>
         <a:solidFill>
           <a:schemeClr val="phClr"/>
@@ -28521,75 +29847,91 @@
           <a:gsLst>
             <a:gs pos="0">
               <a:schemeClr val="phClr">
-                <a:tint val="30000"/>
-                <a:satMod val="250000"/>
+                <a:tint val="45000"/>
+                <a:satMod val="200000"/>
               </a:schemeClr>
             </a:gs>
-            <a:gs pos="72000">
+            <a:gs pos="30000">
               <a:schemeClr val="phClr">
-                <a:tint val="75000"/>
-                <a:satMod val="210000"/>
+                <a:tint val="61000"/>
+                <a:satMod val="200000"/>
+              </a:schemeClr>
+            </a:gs>
+            <a:gs pos="45000">
+              <a:schemeClr val="phClr">
+                <a:tint val="66000"/>
+                <a:satMod val="200000"/>
+              </a:schemeClr>
+            </a:gs>
+            <a:gs pos="55000">
+              <a:schemeClr val="phClr">
+                <a:tint val="66000"/>
+                <a:satMod val="200000"/>
+              </a:schemeClr>
+            </a:gs>
+            <a:gs pos="73000">
+              <a:schemeClr val="phClr">
+                <a:tint val="61000"/>
+                <a:satMod val="200000"/>
               </a:schemeClr>
             </a:gs>
             <a:gs pos="100000">
               <a:schemeClr val="phClr">
-                <a:tint val="85000"/>
-                <a:satMod val="210000"/>
+                <a:tint val="45000"/>
+                <a:satMod val="200000"/>
               </a:schemeClr>
             </a:gs>
           </a:gsLst>
-          <a:lin ang="5400000" scaled="1"/>
+          <a:lin ang="950000" scaled="1"/>
         </a:gradFill>
         <a:gradFill rotWithShape="1">
           <a:gsLst>
             <a:gs pos="0">
               <a:schemeClr val="phClr">
-                <a:tint val="75000"/>
-                <a:shade val="85000"/>
-                <a:satMod val="230000"/>
+                <a:shade val="63000"/>
               </a:schemeClr>
             </a:gs>
-            <a:gs pos="25000">
+            <a:gs pos="30000">
               <a:schemeClr val="phClr">
-                <a:tint val="90000"/>
-                <a:shade val="70000"/>
-                <a:satMod val="220000"/>
+                <a:shade val="90000"/>
+                <a:satMod val="110000"/>
               </a:schemeClr>
             </a:gs>
-            <a:gs pos="50000">
+            <a:gs pos="45000">
               <a:schemeClr val="phClr">
-                <a:tint val="90000"/>
-                <a:shade val="58000"/>
-                <a:satMod val="225000"/>
+                <a:shade val="100000"/>
+                <a:satMod val="118000"/>
               </a:schemeClr>
             </a:gs>
-            <a:gs pos="65000">
+            <a:gs pos="55000">
               <a:schemeClr val="phClr">
-                <a:tint val="90000"/>
-                <a:shade val="58000"/>
-                <a:satMod val="225000"/>
+                <a:shade val="100000"/>
+                <a:satMod val="118000"/>
               </a:schemeClr>
             </a:gs>
-            <a:gs pos="80000">
+            <a:gs pos="73000">
               <a:schemeClr val="phClr">
-                <a:tint val="90000"/>
-                <a:shade val="69000"/>
-                <a:satMod val="220000"/>
+                <a:shade val="90000"/>
+                <a:satMod val="110000"/>
               </a:schemeClr>
             </a:gs>
             <a:gs pos="100000">
               <a:schemeClr val="phClr">
-                <a:tint val="77000"/>
-                <a:shade val="80000"/>
-                <a:satMod val="230000"/>
+                <a:shade val="63000"/>
               </a:schemeClr>
             </a:gs>
           </a:gsLst>
-          <a:lin ang="5400000" scaled="1"/>
+          <a:lin ang="950000" scaled="1"/>
         </a:gradFill>
       </a:fillStyleLst>
       <a:lnStyleLst>
-        <a:ln w="10000" cap="flat" cmpd="sng" algn="ctr">
+        <a:ln w="9525" cap="flat" cmpd="sng" algn="ctr">
+          <a:solidFill>
+            <a:schemeClr val="phClr"/>
+          </a:solidFill>
+          <a:prstDash val="solid"/>
+        </a:ln>
+        <a:ln w="19050" cap="flat" cmpd="sng" algn="ctr">
           <a:solidFill>
             <a:schemeClr val="phClr"/>
           </a:solidFill>
@@ -28601,66 +29943,65 @@
           </a:solidFill>
           <a:prstDash val="solid"/>
         </a:ln>
-        <a:ln w="38100" cap="flat" cmpd="sng" algn="ctr">
-          <a:solidFill>
-            <a:schemeClr val="phClr"/>
-          </a:solidFill>
-          <a:prstDash val="solid"/>
-        </a:ln>
       </a:lnStyleLst>
       <a:effectStyleLst>
         <a:effectStyle>
           <a:effectLst>
-            <a:outerShdw blurRad="76200" dist="50800" dir="5400000" rotWithShape="0">
-              <a:srgbClr val="4E3B30">
-                <a:alpha val="60000"/>
+            <a:outerShdw blurRad="38100" dist="25400" dir="5400000" rotWithShape="0">
+              <a:srgbClr val="000000">
+                <a:alpha val="40000"/>
               </a:srgbClr>
             </a:outerShdw>
           </a:effectLst>
         </a:effectStyle>
         <a:effectStyle>
           <a:effectLst>
-            <a:outerShdw blurRad="76200" dist="50800" dir="5400000" rotWithShape="0">
-              <a:srgbClr val="4E3B30">
-                <a:alpha val="60000"/>
+            <a:outerShdw blurRad="50800" dist="43000" dir="5400000" rotWithShape="0">
+              <a:srgbClr val="000000">
+                <a:alpha val="40000"/>
               </a:srgbClr>
             </a:outerShdw>
           </a:effectLst>
           <a:scene3d>
-            <a:camera prst="orthographicFront">
+            <a:camera prst="orthographicFront" fov="0">
               <a:rot lat="0" lon="0" rev="0"/>
             </a:camera>
-            <a:lightRig rig="threePt" dir="tl">
+            <a:lightRig rig="balanced" dir="t">
               <a:rot lat="0" lon="0" rev="0"/>
             </a:lightRig>
           </a:scene3d>
-          <a:sp3d prstMaterial="metal">
-            <a:bevelT w="10000" h="10000"/>
+          <a:sp3d prstMaterial="matte">
+            <a:bevelT w="0" h="0"/>
+            <a:contourClr>
+              <a:schemeClr val="phClr">
+                <a:tint val="100000"/>
+                <a:shade val="100000"/>
+                <a:hueMod val="100000"/>
+                <a:satMod val="100000"/>
+              </a:schemeClr>
+            </a:contourClr>
           </a:sp3d>
         </a:effectStyle>
         <a:effectStyle>
           <a:effectLst>
-            <a:outerShdw blurRad="76200" dist="50800" dir="5400000" rotWithShape="0">
-              <a:srgbClr val="4E3B30">
-                <a:alpha val="60000"/>
+            <a:outerShdw blurRad="50800" dist="25400" dir="5400000" rotWithShape="0">
+              <a:srgbClr val="000000">
+                <a:alpha val="50000"/>
               </a:srgbClr>
             </a:outerShdw>
           </a:effectLst>
           <a:scene3d>
-            <a:camera prst="obliqueTopLeft" fov="600000">
+            <a:camera prst="orthographicFront" fov="0">
               <a:rot lat="0" lon="0" rev="0"/>
             </a:camera>
-            <a:lightRig rig="balanced" dir="t">
-              <a:rot lat="0" lon="0" rev="19200000"/>
+            <a:lightRig rig="soft" dir="t">
+              <a:rot lat="0" lon="0" rev="2700000"/>
             </a:lightRig>
           </a:scene3d>
-          <a:sp3d contourW="12700" prstMaterial="matte">
-            <a:bevelT w="60000" h="50800"/>
+          <a:sp3d prstMaterial="matte">
+            <a:bevelT w="50800" h="50800"/>
             <a:contourClr>
-              <a:schemeClr val="phClr">
-                <a:shade val="60000"/>
-                <a:satMod val="110000"/>
-              </a:schemeClr>
+              <a:schemeClr val="phClr"/>
             </a:contourClr>
           </a:sp3d>
         </a:effectStyle>
@@ -28669,37 +30010,42 @@
         <a:solidFill>
           <a:schemeClr val="phClr"/>
         </a:solidFill>
+        <a:gradFill rotWithShape="1">
+          <a:gsLst>
+            <a:gs pos="0">
+              <a:schemeClr val="phClr">
+                <a:shade val="60000"/>
+                <a:satMod val="300000"/>
+              </a:schemeClr>
+            </a:gs>
+            <a:gs pos="30000">
+              <a:schemeClr val="phClr">
+                <a:shade val="80000"/>
+                <a:satMod val="230000"/>
+              </a:schemeClr>
+            </a:gs>
+            <a:gs pos="100000">
+              <a:schemeClr val="phClr">
+                <a:tint val="97000"/>
+                <a:satMod val="220000"/>
+              </a:schemeClr>
+            </a:gs>
+          </a:gsLst>
+          <a:lin ang="16200000" scaled="1"/>
+        </a:gradFill>
         <a:blipFill>
           <a:blip xmlns:r="http://schemas.openxmlformats.org/officeDocument/2006/relationships" r:embed="rId1">
             <a:duotone>
               <a:schemeClr val="phClr">
-                <a:shade val="90000"/>
-                <a:satMod val="150000"/>
+                <a:shade val="6000"/>
+                <a:satMod val="120000"/>
               </a:schemeClr>
               <a:schemeClr val="phClr">
-                <a:tint val="88000"/>
-                <a:satMod val="105000"/>
+                <a:tint val="90000"/>
               </a:schemeClr>
             </a:duotone>
           </a:blip>
-          <a:tile tx="0" ty="0" sx="95000" sy="95000" flip="none" algn="t"/>
-        </a:blipFill>
-        <a:blipFill>
-          <a:blip xmlns:r="http://schemas.openxmlformats.org/officeDocument/2006/relationships" r:embed="rId2">
-            <a:duotone>
-              <a:schemeClr val="phClr">
-                <a:shade val="30000"/>
-                <a:satMod val="455000"/>
-              </a:schemeClr>
-              <a:schemeClr val="phClr">
-                <a:tint val="95000"/>
-                <a:satMod val="120000"/>
-              </a:schemeClr>
-            </a:duotone>
-          </a:blip>
-          <a:stretch>
-            <a:fillRect/>
-          </a:stretch>
+          <a:tile tx="0" ty="0" sx="35000" sy="40000" flip="x" algn="tl"/>
         </a:blipFill>
       </a:bgFillStyleLst>
     </a:fmtScheme>
@@ -28990,4 +30336,287 @@
   <a:objectDefaults/>
   <a:extraClrSchemeLst/>
 </a:theme>
+</file>
+
+<file path=ppt/theme/theme3.xml><?xml version="1.0" encoding="utf-8"?>
+<a:theme xmlns:a="http://schemas.openxmlformats.org/drawingml/2006/main" name="Office Theme">
+  <a:themeElements>
+    <a:clrScheme name="Office">
+      <a:dk1>
+        <a:sysClr val="windowText" lastClr="000000"/>
+      </a:dk1>
+      <a:lt1>
+        <a:sysClr val="window" lastClr="FFFFFF"/>
+      </a:lt1>
+      <a:dk2>
+        <a:srgbClr val="1F497D"/>
+      </a:dk2>
+      <a:lt2>
+        <a:srgbClr val="EEECE1"/>
+      </a:lt2>
+      <a:accent1>
+        <a:srgbClr val="4F81BD"/>
+      </a:accent1>
+      <a:accent2>
+        <a:srgbClr val="C0504D"/>
+      </a:accent2>
+      <a:accent3>
+        <a:srgbClr val="9BBB59"/>
+      </a:accent3>
+      <a:accent4>
+        <a:srgbClr val="8064A2"/>
+      </a:accent4>
+      <a:accent5>
+        <a:srgbClr val="4BACC6"/>
+      </a:accent5>
+      <a:accent6>
+        <a:srgbClr val="F79646"/>
+      </a:accent6>
+      <a:hlink>
+        <a:srgbClr val="0000FF"/>
+      </a:hlink>
+      <a:folHlink>
+        <a:srgbClr val="800080"/>
+      </a:folHlink>
+    </a:clrScheme>
+    <a:fontScheme name="Office">
+      <a:majorFont>
+        <a:latin typeface="Calibri"/>
+        <a:ea typeface=""/>
+        <a:cs typeface=""/>
+        <a:font script="Jpan" typeface="ＭＳ Ｐゴシック"/>
+        <a:font script="Hang" typeface="맑은 고딕"/>
+        <a:font script="Hans" typeface="宋体"/>
+        <a:font script="Hant" typeface="新細明體"/>
+        <a:font script="Arab" typeface="Times New Roman"/>
+        <a:font script="Hebr" typeface="Times New Roman"/>
+        <a:font script="Thai" typeface="Angsana New"/>
+        <a:font script="Ethi" typeface="Nyala"/>
+        <a:font script="Beng" typeface="Vrinda"/>
+        <a:font script="Gujr" typeface="Shruti"/>
+        <a:font script="Khmr" typeface="MoolBoran"/>
+        <a:font script="Knda" typeface="Tunga"/>
+        <a:font script="Guru" typeface="Raavi"/>
+        <a:font script="Cans" typeface="Euphemia"/>
+        <a:font script="Cher" typeface="Plantagenet Cherokee"/>
+        <a:font script="Yiii" typeface="Microsoft Yi Baiti"/>
+        <a:font script="Tibt" typeface="Microsoft Himalaya"/>
+        <a:font script="Thaa" typeface="MV Boli"/>
+        <a:font script="Deva" typeface="Mangal"/>
+        <a:font script="Telu" typeface="Gautami"/>
+        <a:font script="Taml" typeface="Latha"/>
+        <a:font script="Syrc" typeface="Estrangelo Edessa"/>
+        <a:font script="Orya" typeface="Kalinga"/>
+        <a:font script="Mlym" typeface="Kartika"/>
+        <a:font script="Laoo" typeface="DokChampa"/>
+        <a:font script="Sinh" typeface="Iskoola Pota"/>
+        <a:font script="Mong" typeface="Mongolian Baiti"/>
+        <a:font script="Viet" typeface="Times New Roman"/>
+        <a:font script="Uigh" typeface="Microsoft Uighur"/>
+      </a:majorFont>
+      <a:minorFont>
+        <a:latin typeface="Calibri"/>
+        <a:ea typeface=""/>
+        <a:cs typeface=""/>
+        <a:font script="Jpan" typeface="ＭＳ Ｐゴシック"/>
+        <a:font script="Hang" typeface="맑은 고딕"/>
+        <a:font script="Hans" typeface="宋体"/>
+        <a:font script="Hant" typeface="新細明體"/>
+        <a:font script="Arab" typeface="Arial"/>
+        <a:font script="Hebr" typeface="Arial"/>
+        <a:font script="Thai" typeface="Cordia New"/>
+        <a:font script="Ethi" typeface="Nyala"/>
+        <a:font script="Beng" typeface="Vrinda"/>
+        <a:font script="Gujr" typeface="Shruti"/>
+        <a:font script="Khmr" typeface="DaunPenh"/>
+        <a:font script="Knda" typeface="Tunga"/>
+        <a:font script="Guru" typeface="Raavi"/>
+        <a:font script="Cans" typeface="Euphemia"/>
+        <a:font script="Cher" typeface="Plantagenet Cherokee"/>
+        <a:font script="Yiii" typeface="Microsoft Yi Baiti"/>
+        <a:font script="Tibt" typeface="Microsoft Himalaya"/>
+        <a:font script="Thaa" typeface="MV Boli"/>
+        <a:font script="Deva" typeface="Mangal"/>
+        <a:font script="Telu" typeface="Gautami"/>
+        <a:font script="Taml" typeface="Latha"/>
+        <a:font script="Syrc" typeface="Estrangelo Edessa"/>
+        <a:font script="Orya" typeface="Kalinga"/>
+        <a:font script="Mlym" typeface="Kartika"/>
+        <a:font script="Laoo" typeface="DokChampa"/>
+        <a:font script="Sinh" typeface="Iskoola Pota"/>
+        <a:font script="Mong" typeface="Mongolian Baiti"/>
+        <a:font script="Viet" typeface="Arial"/>
+        <a:font script="Uigh" typeface="Microsoft Uighur"/>
+      </a:minorFont>
+    </a:fontScheme>
+    <a:fmtScheme name="Office">
+      <a:fillStyleLst>
+        <a:solidFill>
+          <a:schemeClr val="phClr"/>
+        </a:solidFill>
+        <a:gradFill rotWithShape="1">
+          <a:gsLst>
+            <a:gs pos="0">
+              <a:schemeClr val="phClr">
+                <a:tint val="50000"/>
+                <a:satMod val="300000"/>
+              </a:schemeClr>
+            </a:gs>
+            <a:gs pos="35000">
+              <a:schemeClr val="phClr">
+                <a:tint val="37000"/>
+                <a:satMod val="300000"/>
+              </a:schemeClr>
+            </a:gs>
+            <a:gs pos="100000">
+              <a:schemeClr val="phClr">
+                <a:tint val="15000"/>
+                <a:satMod val="350000"/>
+              </a:schemeClr>
+            </a:gs>
+          </a:gsLst>
+          <a:lin ang="16200000" scaled="1"/>
+        </a:gradFill>
+        <a:gradFill rotWithShape="1">
+          <a:gsLst>
+            <a:gs pos="0">
+              <a:schemeClr val="phClr">
+                <a:shade val="51000"/>
+                <a:satMod val="130000"/>
+              </a:schemeClr>
+            </a:gs>
+            <a:gs pos="80000">
+              <a:schemeClr val="phClr">
+                <a:shade val="93000"/>
+                <a:satMod val="130000"/>
+              </a:schemeClr>
+            </a:gs>
+            <a:gs pos="100000">
+              <a:schemeClr val="phClr">
+                <a:shade val="94000"/>
+                <a:satMod val="135000"/>
+              </a:schemeClr>
+            </a:gs>
+          </a:gsLst>
+          <a:lin ang="16200000" scaled="0"/>
+        </a:gradFill>
+      </a:fillStyleLst>
+      <a:lnStyleLst>
+        <a:ln w="9525" cap="flat" cmpd="sng" algn="ctr">
+          <a:solidFill>
+            <a:schemeClr val="phClr">
+              <a:shade val="95000"/>
+              <a:satMod val="105000"/>
+            </a:schemeClr>
+          </a:solidFill>
+          <a:prstDash val="solid"/>
+        </a:ln>
+        <a:ln w="25400" cap="flat" cmpd="sng" algn="ctr">
+          <a:solidFill>
+            <a:schemeClr val="phClr"/>
+          </a:solidFill>
+          <a:prstDash val="solid"/>
+        </a:ln>
+        <a:ln w="38100" cap="flat" cmpd="sng" algn="ctr">
+          <a:solidFill>
+            <a:schemeClr val="phClr"/>
+          </a:solidFill>
+          <a:prstDash val="solid"/>
+        </a:ln>
+      </a:lnStyleLst>
+      <a:effectStyleLst>
+        <a:effectStyle>
+          <a:effectLst>
+            <a:outerShdw blurRad="40000" dist="20000" dir="5400000" rotWithShape="0">
+              <a:srgbClr val="000000">
+                <a:alpha val="38000"/>
+              </a:srgbClr>
+            </a:outerShdw>
+          </a:effectLst>
+        </a:effectStyle>
+        <a:effectStyle>
+          <a:effectLst>
+            <a:outerShdw blurRad="40000" dist="23000" dir="5400000" rotWithShape="0">
+              <a:srgbClr val="000000">
+                <a:alpha val="35000"/>
+              </a:srgbClr>
+            </a:outerShdw>
+          </a:effectLst>
+        </a:effectStyle>
+        <a:effectStyle>
+          <a:effectLst>
+            <a:outerShdw blurRad="40000" dist="23000" dir="5400000" rotWithShape="0">
+              <a:srgbClr val="000000">
+                <a:alpha val="35000"/>
+              </a:srgbClr>
+            </a:outerShdw>
+          </a:effectLst>
+          <a:scene3d>
+            <a:camera prst="orthographicFront">
+              <a:rot lat="0" lon="0" rev="0"/>
+            </a:camera>
+            <a:lightRig rig="threePt" dir="t">
+              <a:rot lat="0" lon="0" rev="1200000"/>
+            </a:lightRig>
+          </a:scene3d>
+          <a:sp3d>
+            <a:bevelT w="63500" h="25400"/>
+          </a:sp3d>
+        </a:effectStyle>
+      </a:effectStyleLst>
+      <a:bgFillStyleLst>
+        <a:solidFill>
+          <a:schemeClr val="phClr"/>
+        </a:solidFill>
+        <a:gradFill rotWithShape="1">
+          <a:gsLst>
+            <a:gs pos="0">
+              <a:schemeClr val="phClr">
+                <a:tint val="40000"/>
+                <a:satMod val="350000"/>
+              </a:schemeClr>
+            </a:gs>
+            <a:gs pos="40000">
+              <a:schemeClr val="phClr">
+                <a:tint val="45000"/>
+                <a:shade val="99000"/>
+                <a:satMod val="350000"/>
+              </a:schemeClr>
+            </a:gs>
+            <a:gs pos="100000">
+              <a:schemeClr val="phClr">
+                <a:shade val="20000"/>
+                <a:satMod val="255000"/>
+              </a:schemeClr>
+            </a:gs>
+          </a:gsLst>
+          <a:path path="circle">
+            <a:fillToRect l="50000" t="-80000" r="50000" b="180000"/>
+          </a:path>
+        </a:gradFill>
+        <a:gradFill rotWithShape="1">
+          <a:gsLst>
+            <a:gs pos="0">
+              <a:schemeClr val="phClr">
+                <a:tint val="80000"/>
+                <a:satMod val="300000"/>
+              </a:schemeClr>
+            </a:gs>
+            <a:gs pos="100000">
+              <a:schemeClr val="phClr">
+                <a:shade val="30000"/>
+                <a:satMod val="200000"/>
+              </a:schemeClr>
+            </a:gs>
+          </a:gsLst>
+          <a:path path="circle">
+            <a:fillToRect l="50000" t="50000" r="50000" b="50000"/>
+          </a:path>
+        </a:gradFill>
+      </a:bgFillStyleLst>
+    </a:fmtScheme>
+  </a:themeElements>
+  <a:objectDefaults/>
+  <a:extraClrSchemeLst/>
+</a:theme>
 </file>
--- a/doc/presentation/presentation-white.pptx
+++ b/doc/presentation/presentation-white.pptx
@@ -221,7 +221,8 @@
           <a:p>
             <a:fld id="{0A89F75F-57AD-414A-BF17-74E824D26AF7}" type="datetimeFigureOut">
               <a:rPr lang="en-US" smtClean="0"/>
-              <a:t>12/9/2012</a:t>
+              <a:pPr/>
+              <a:t>12/15/2012</a:t>
             </a:fld>
             <a:endParaRPr lang="en-US"/>
           </a:p>
@@ -287,6 +288,7 @@
           <a:p>
             <a:fld id="{947122AD-DABD-4B5A-925D-3C7FB4A79E40}" type="slidenum">
               <a:rPr lang="en-US" smtClean="0"/>
+              <a:pPr/>
               <a:t>‹#›</a:t>
             </a:fld>
             <a:endParaRPr lang="en-US"/>
@@ -382,7 +384,7 @@
             <a:fld id="{52FD53E6-0DE3-42C8-ACC7-B067ECAD855F}" type="datetimeFigureOut">
               <a:rPr lang="en-US" smtClean="0"/>
               <a:pPr/>
-              <a:t>12/8/2012</a:t>
+              <a:t>12/15/2012</a:t>
             </a:fld>
             <a:endParaRPr lang="en-US"/>
           </a:p>
@@ -792,7 +794,7 @@
             <a:fld id="{1D8BD707-D9CF-40AE-B4C6-C98DA3205C09}" type="datetimeFigureOut">
               <a:rPr lang="en-US" smtClean="0"/>
               <a:pPr/>
-              <a:t>12/8/2012</a:t>
+              <a:t>12/15/2012</a:t>
             </a:fld>
             <a:endParaRPr lang="en-US"/>
           </a:p>
@@ -1153,7 +1155,7 @@
             <a:fld id="{1D8BD707-D9CF-40AE-B4C6-C98DA3205C09}" type="datetimeFigureOut">
               <a:rPr lang="en-US" smtClean="0"/>
               <a:pPr/>
-              <a:t>12/8/2012</a:t>
+              <a:t>12/15/2012</a:t>
             </a:fld>
             <a:endParaRPr lang="en-US"/>
           </a:p>
@@ -1330,7 +1332,7 @@
             <a:fld id="{1D8BD707-D9CF-40AE-B4C6-C98DA3205C09}" type="datetimeFigureOut">
               <a:rPr lang="en-US" smtClean="0"/>
               <a:pPr/>
-              <a:t>12/8/2012</a:t>
+              <a:t>12/15/2012</a:t>
             </a:fld>
             <a:endParaRPr lang="en-US"/>
           </a:p>
@@ -1567,7 +1569,7 @@
             <a:fld id="{1D8BD707-D9CF-40AE-B4C6-C98DA3205C09}" type="datetimeFigureOut">
               <a:rPr lang="en-US" smtClean="0"/>
               <a:pPr/>
-              <a:t>12/8/2012</a:t>
+              <a:t>12/15/2012</a:t>
             </a:fld>
             <a:endParaRPr lang="en-US"/>
           </a:p>
@@ -1838,7 +1840,7 @@
             <a:fld id="{1D8BD707-D9CF-40AE-B4C6-C98DA3205C09}" type="datetimeFigureOut">
               <a:rPr lang="en-US" smtClean="0"/>
               <a:pPr/>
-              <a:t>12/8/2012</a:t>
+              <a:t>12/15/2012</a:t>
             </a:fld>
             <a:endParaRPr lang="en-US"/>
           </a:p>
@@ -2060,7 +2062,7 @@
             <a:fld id="{1D8BD707-D9CF-40AE-B4C6-C98DA3205C09}" type="datetimeFigureOut">
               <a:rPr lang="en-US" smtClean="0"/>
               <a:pPr/>
-              <a:t>12/8/2012</a:t>
+              <a:t>12/15/2012</a:t>
             </a:fld>
             <a:endParaRPr lang="en-US"/>
           </a:p>
@@ -2414,7 +2416,7 @@
             <a:fld id="{1D8BD707-D9CF-40AE-B4C6-C98DA3205C09}" type="datetimeFigureOut">
               <a:rPr lang="en-US" smtClean="0"/>
               <a:pPr/>
-              <a:t>12/8/2012</a:t>
+              <a:t>12/15/2012</a:t>
             </a:fld>
             <a:endParaRPr lang="en-US"/>
           </a:p>
@@ -2648,7 +2650,7 @@
             <a:fld id="{1D8BD707-D9CF-40AE-B4C6-C98DA3205C09}" type="datetimeFigureOut">
               <a:rPr lang="en-US" smtClean="0"/>
               <a:pPr/>
-              <a:t>12/8/2012</a:t>
+              <a:t>12/15/2012</a:t>
             </a:fld>
             <a:endParaRPr lang="en-US"/>
           </a:p>
@@ -2790,7 +2792,7 @@
             <a:fld id="{1D8BD707-D9CF-40AE-B4C6-C98DA3205C09}" type="datetimeFigureOut">
               <a:rPr lang="en-US" smtClean="0"/>
               <a:pPr/>
-              <a:t>12/8/2012</a:t>
+              <a:t>12/15/2012</a:t>
             </a:fld>
             <a:endParaRPr lang="en-US"/>
           </a:p>
@@ -3069,7 +3071,7 @@
             <a:fld id="{1D8BD707-D9CF-40AE-B4C6-C98DA3205C09}" type="datetimeFigureOut">
               <a:rPr lang="en-US" smtClean="0"/>
               <a:pPr/>
-              <a:t>12/8/2012</a:t>
+              <a:t>12/15/2012</a:t>
             </a:fld>
             <a:endParaRPr lang="en-US"/>
           </a:p>
@@ -3478,7 +3480,7 @@
             <a:fld id="{1D8BD707-D9CF-40AE-B4C6-C98DA3205C09}" type="datetimeFigureOut">
               <a:rPr lang="en-US" smtClean="0"/>
               <a:pPr/>
-              <a:t>12/8/2012</a:t>
+              <a:t>12/15/2012</a:t>
             </a:fld>
             <a:endParaRPr lang="en-US"/>
           </a:p>
@@ -3818,7 +3820,7 @@
             <a:fld id="{1D8BD707-D9CF-40AE-B4C6-C98DA3205C09}" type="datetimeFigureOut">
               <a:rPr lang="en-US" smtClean="0"/>
               <a:pPr/>
-              <a:t>12/8/2012</a:t>
+              <a:t>12/15/2012</a:t>
             </a:fld>
             <a:endParaRPr lang="en-US"/>
           </a:p>
@@ -12527,28 +12529,279 @@
       </p:grpSpPr>
       <p:grpSp>
         <p:nvGrpSpPr>
-          <p:cNvPr id="235" name="Group 234"/>
+          <p:cNvPr id="87" name="Group 86"/>
           <p:cNvGrpSpPr/>
           <p:nvPr/>
         </p:nvGrpSpPr>
         <p:grpSpPr>
           <a:xfrm>
-            <a:off x="4581525" y="2971800"/>
-            <a:ext cx="3971925" cy="1543050"/>
-            <a:chOff x="4581525" y="2971800"/>
-            <a:chExt cx="3971925" cy="1543050"/>
+            <a:off x="-1" y="0"/>
+            <a:ext cx="9144001" cy="6858000"/>
+            <a:chOff x="762000" y="609600"/>
+            <a:chExt cx="7791450" cy="5581650"/>
           </a:xfrm>
         </p:grpSpPr>
+        <p:grpSp>
+          <p:nvGrpSpPr>
+            <p:cNvPr id="235" name="Group 234"/>
+            <p:cNvGrpSpPr/>
+            <p:nvPr/>
+          </p:nvGrpSpPr>
+          <p:grpSpPr>
+            <a:xfrm>
+              <a:off x="4581525" y="2971800"/>
+              <a:ext cx="3971925" cy="1543050"/>
+              <a:chOff x="4581525" y="2971800"/>
+              <a:chExt cx="3971925" cy="1543050"/>
+            </a:xfrm>
+          </p:grpSpPr>
+          <p:pic>
+            <p:nvPicPr>
+              <p:cNvPr id="31" name="Picture 30"/>
+              <p:cNvPicPr>
+                <a:picLocks noChangeAspect="1" noChangeArrowheads="1"/>
+              </p:cNvPicPr>
+              <p:nvPr/>
+            </p:nvPicPr>
+            <p:blipFill>
+              <a:blip r:embed="rId2" cstate="print"/>
+              <a:srcRect/>
+              <a:stretch>
+                <a:fillRect/>
+              </a:stretch>
+            </p:blipFill>
+            <p:spPr bwMode="auto">
+              <a:xfrm>
+                <a:off x="6629400" y="3352800"/>
+                <a:ext cx="552450" cy="552450"/>
+              </a:xfrm>
+              <a:prstGeom prst="rect">
+                <a:avLst/>
+              </a:prstGeom>
+              <a:noFill/>
+              <a:ln w="9525">
+                <a:noFill/>
+                <a:miter lim="800000"/>
+                <a:headEnd/>
+                <a:tailEnd/>
+              </a:ln>
+            </p:spPr>
+          </p:pic>
+          <p:pic>
+            <p:nvPicPr>
+              <p:cNvPr id="33" name="Picture 32"/>
+              <p:cNvPicPr>
+                <a:picLocks noChangeAspect="1" noChangeArrowheads="1"/>
+              </p:cNvPicPr>
+              <p:nvPr/>
+            </p:nvPicPr>
+            <p:blipFill>
+              <a:blip r:embed="rId2" cstate="print"/>
+              <a:srcRect/>
+              <a:stretch>
+                <a:fillRect/>
+              </a:stretch>
+            </p:blipFill>
+            <p:spPr bwMode="auto">
+              <a:xfrm>
+                <a:off x="8001000" y="3505200"/>
+                <a:ext cx="552450" cy="552450"/>
+              </a:xfrm>
+              <a:prstGeom prst="rect">
+                <a:avLst/>
+              </a:prstGeom>
+              <a:noFill/>
+              <a:ln w="9525">
+                <a:noFill/>
+                <a:miter lim="800000"/>
+                <a:headEnd/>
+                <a:tailEnd/>
+              </a:ln>
+            </p:spPr>
+          </p:pic>
+          <p:pic>
+            <p:nvPicPr>
+              <p:cNvPr id="34" name="Picture 33"/>
+              <p:cNvPicPr>
+                <a:picLocks noChangeAspect="1" noChangeArrowheads="1"/>
+              </p:cNvPicPr>
+              <p:nvPr/>
+            </p:nvPicPr>
+            <p:blipFill>
+              <a:blip r:embed="rId2" cstate="print"/>
+              <a:srcRect/>
+              <a:stretch>
+                <a:fillRect/>
+              </a:stretch>
+            </p:blipFill>
+            <p:spPr bwMode="auto">
+              <a:xfrm>
+                <a:off x="7239000" y="3962400"/>
+                <a:ext cx="552450" cy="552450"/>
+              </a:xfrm>
+              <a:prstGeom prst="rect">
+                <a:avLst/>
+              </a:prstGeom>
+              <a:noFill/>
+              <a:ln w="9525">
+                <a:noFill/>
+                <a:miter lim="800000"/>
+                <a:headEnd/>
+                <a:tailEnd/>
+              </a:ln>
+            </p:spPr>
+          </p:pic>
+          <p:pic>
+            <p:nvPicPr>
+              <p:cNvPr id="35" name="Picture 34"/>
+              <p:cNvPicPr>
+                <a:picLocks noChangeAspect="1" noChangeArrowheads="1"/>
+              </p:cNvPicPr>
+              <p:nvPr/>
+            </p:nvPicPr>
+            <p:blipFill>
+              <a:blip r:embed="rId2" cstate="print"/>
+              <a:srcRect/>
+              <a:stretch>
+                <a:fillRect/>
+              </a:stretch>
+            </p:blipFill>
+            <p:spPr bwMode="auto">
+              <a:xfrm>
+                <a:off x="7315200" y="2971800"/>
+                <a:ext cx="552450" cy="552450"/>
+              </a:xfrm>
+              <a:prstGeom prst="rect">
+                <a:avLst/>
+              </a:prstGeom>
+              <a:noFill/>
+              <a:ln w="9525">
+                <a:noFill/>
+                <a:miter lim="800000"/>
+                <a:headEnd/>
+                <a:tailEnd/>
+              </a:ln>
+            </p:spPr>
+          </p:pic>
+          <p:cxnSp>
+            <p:nvCxnSpPr>
+              <p:cNvPr id="85" name="Straight Arrow Connector 84"/>
+              <p:cNvCxnSpPr>
+                <a:stCxn id="31" idx="1"/>
+                <a:endCxn id="3081" idx="3"/>
+              </p:cNvCxnSpPr>
+              <p:nvPr/>
+            </p:nvCxnSpPr>
+            <p:spPr>
+              <a:xfrm flipH="1" flipV="1">
+                <a:off x="4581525" y="3486150"/>
+                <a:ext cx="2047875" cy="142875"/>
+              </a:xfrm>
+              <a:prstGeom prst="straightConnector1">
+                <a:avLst/>
+              </a:prstGeom>
+              <a:ln>
+                <a:tailEnd type="arrow"/>
+              </a:ln>
+            </p:spPr>
+            <p:style>
+              <a:lnRef idx="2">
+                <a:schemeClr val="dk1"/>
+              </a:lnRef>
+              <a:fillRef idx="0">
+                <a:schemeClr val="dk1"/>
+              </a:fillRef>
+              <a:effectRef idx="1">
+                <a:schemeClr val="dk1"/>
+              </a:effectRef>
+              <a:fontRef idx="minor">
+                <a:schemeClr val="tx1"/>
+              </a:fontRef>
+            </p:style>
+          </p:cxnSp>
+          <p:cxnSp>
+            <p:nvCxnSpPr>
+              <p:cNvPr id="88" name="Straight Arrow Connector 87"/>
+              <p:cNvCxnSpPr>
+                <a:stCxn id="34" idx="1"/>
+                <a:endCxn id="3081" idx="3"/>
+              </p:cNvCxnSpPr>
+              <p:nvPr/>
+            </p:nvCxnSpPr>
+            <p:spPr>
+              <a:xfrm flipH="1" flipV="1">
+                <a:off x="4581525" y="3486150"/>
+                <a:ext cx="2657475" cy="752475"/>
+              </a:xfrm>
+              <a:prstGeom prst="straightConnector1">
+                <a:avLst/>
+              </a:prstGeom>
+              <a:ln>
+                <a:tailEnd type="arrow"/>
+              </a:ln>
+            </p:spPr>
+            <p:style>
+              <a:lnRef idx="2">
+                <a:schemeClr val="dk1"/>
+              </a:lnRef>
+              <a:fillRef idx="0">
+                <a:schemeClr val="dk1"/>
+              </a:fillRef>
+              <a:effectRef idx="1">
+                <a:schemeClr val="dk1"/>
+              </a:effectRef>
+              <a:fontRef idx="minor">
+                <a:schemeClr val="tx1"/>
+              </a:fontRef>
+            </p:style>
+          </p:cxnSp>
+          <p:cxnSp>
+            <p:nvCxnSpPr>
+              <p:cNvPr id="91" name="Straight Arrow Connector 90"/>
+              <p:cNvCxnSpPr>
+                <a:stCxn id="35" idx="1"/>
+                <a:endCxn id="3081" idx="3"/>
+              </p:cNvCxnSpPr>
+              <p:nvPr/>
+            </p:nvCxnSpPr>
+            <p:spPr>
+              <a:xfrm flipH="1">
+                <a:off x="4581525" y="3248025"/>
+                <a:ext cx="2733675" cy="238125"/>
+              </a:xfrm>
+              <a:prstGeom prst="straightConnector1">
+                <a:avLst/>
+              </a:prstGeom>
+              <a:ln>
+                <a:tailEnd type="arrow"/>
+              </a:ln>
+            </p:spPr>
+            <p:style>
+              <a:lnRef idx="2">
+                <a:schemeClr val="dk1"/>
+              </a:lnRef>
+              <a:fillRef idx="0">
+                <a:schemeClr val="dk1"/>
+              </a:fillRef>
+              <a:effectRef idx="1">
+                <a:schemeClr val="dk1"/>
+              </a:effectRef>
+              <a:fontRef idx="minor">
+                <a:schemeClr val="tx1"/>
+              </a:fontRef>
+            </p:style>
+          </p:cxnSp>
+        </p:grpSp>
         <p:pic>
           <p:nvPicPr>
-            <p:cNvPr id="31" name="Picture 30"/>
+            <p:cNvPr id="3081" name="Picture 9"/>
             <p:cNvPicPr>
               <a:picLocks noChangeAspect="1" noChangeArrowheads="1"/>
             </p:cNvPicPr>
             <p:nvPr/>
           </p:nvPicPr>
           <p:blipFill>
-            <a:blip r:embed="rId2" cstate="print"/>
+            <a:blip r:embed="rId3" cstate="print"/>
             <a:srcRect/>
             <a:stretch>
               <a:fillRect/>
@@ -12556,8 +12809,1873 @@
           </p:blipFill>
           <p:spPr bwMode="auto">
             <a:xfrm>
-              <a:off x="6629400" y="3352800"/>
-              <a:ext cx="552450" cy="552450"/>
+              <a:off x="3810000" y="3124200"/>
+              <a:ext cx="771525" cy="723900"/>
+            </a:xfrm>
+            <a:prstGeom prst="rect">
+              <a:avLst/>
+            </a:prstGeom>
+            <a:noFill/>
+            <a:ln w="9525">
+              <a:noFill/>
+              <a:miter lim="800000"/>
+              <a:headEnd/>
+              <a:tailEnd/>
+            </a:ln>
+          </p:spPr>
+        </p:pic>
+        <p:grpSp>
+          <p:nvGrpSpPr>
+            <p:cNvPr id="218" name="Group 217"/>
+            <p:cNvGrpSpPr/>
+            <p:nvPr/>
+          </p:nvGrpSpPr>
+          <p:grpSpPr>
+            <a:xfrm>
+              <a:off x="1905000" y="1143000"/>
+              <a:ext cx="1905000" cy="2343150"/>
+              <a:chOff x="1905000" y="1143000"/>
+              <a:chExt cx="1905000" cy="2343150"/>
+            </a:xfrm>
+          </p:grpSpPr>
+          <p:pic>
+            <p:nvPicPr>
+              <p:cNvPr id="5" name="Picture 4"/>
+              <p:cNvPicPr>
+                <a:picLocks noChangeAspect="1" noChangeArrowheads="1"/>
+              </p:cNvPicPr>
+              <p:nvPr/>
+            </p:nvPicPr>
+            <p:blipFill>
+              <a:blip r:embed="rId4" cstate="print"/>
+              <a:srcRect/>
+              <a:stretch>
+                <a:fillRect/>
+              </a:stretch>
+            </p:blipFill>
+            <p:spPr bwMode="auto">
+              <a:xfrm>
+                <a:off x="1981200" y="1143000"/>
+                <a:ext cx="533400" cy="533400"/>
+              </a:xfrm>
+              <a:prstGeom prst="rect">
+                <a:avLst/>
+              </a:prstGeom>
+              <a:noFill/>
+              <a:ln w="9525">
+                <a:noFill/>
+                <a:miter lim="800000"/>
+                <a:headEnd/>
+                <a:tailEnd/>
+              </a:ln>
+            </p:spPr>
+          </p:pic>
+          <p:pic>
+            <p:nvPicPr>
+              <p:cNvPr id="15" name="Picture 14"/>
+              <p:cNvPicPr>
+                <a:picLocks noChangeAspect="1" noChangeArrowheads="1"/>
+              </p:cNvPicPr>
+              <p:nvPr/>
+            </p:nvPicPr>
+            <p:blipFill>
+              <a:blip r:embed="rId4" cstate="print"/>
+              <a:srcRect/>
+              <a:stretch>
+                <a:fillRect/>
+              </a:stretch>
+            </p:blipFill>
+            <p:spPr bwMode="auto">
+              <a:xfrm>
+                <a:off x="1905000" y="2133600"/>
+                <a:ext cx="533400" cy="533400"/>
+              </a:xfrm>
+              <a:prstGeom prst="rect">
+                <a:avLst/>
+              </a:prstGeom>
+              <a:noFill/>
+              <a:ln w="9525">
+                <a:noFill/>
+                <a:miter lim="800000"/>
+                <a:headEnd/>
+                <a:tailEnd/>
+              </a:ln>
+            </p:spPr>
+          </p:pic>
+          <p:pic>
+            <p:nvPicPr>
+              <p:cNvPr id="16" name="Picture 15"/>
+              <p:cNvPicPr>
+                <a:picLocks noChangeAspect="1" noChangeArrowheads="1"/>
+              </p:cNvPicPr>
+              <p:nvPr/>
+            </p:nvPicPr>
+            <p:blipFill>
+              <a:blip r:embed="rId4" cstate="print"/>
+              <a:srcRect/>
+              <a:stretch>
+                <a:fillRect/>
+              </a:stretch>
+            </p:blipFill>
+            <p:spPr bwMode="auto">
+              <a:xfrm>
+                <a:off x="2819400" y="1905000"/>
+                <a:ext cx="533400" cy="533400"/>
+              </a:xfrm>
+              <a:prstGeom prst="rect">
+                <a:avLst/>
+              </a:prstGeom>
+              <a:noFill/>
+              <a:ln w="9525">
+                <a:noFill/>
+                <a:miter lim="800000"/>
+                <a:headEnd/>
+                <a:tailEnd/>
+              </a:ln>
+            </p:spPr>
+          </p:pic>
+          <p:pic>
+            <p:nvPicPr>
+              <p:cNvPr id="17" name="Picture 16"/>
+              <p:cNvPicPr>
+                <a:picLocks noChangeAspect="1" noChangeArrowheads="1"/>
+              </p:cNvPicPr>
+              <p:nvPr/>
+            </p:nvPicPr>
+            <p:blipFill>
+              <a:blip r:embed="rId4" cstate="print"/>
+              <a:srcRect/>
+              <a:stretch>
+                <a:fillRect/>
+              </a:stretch>
+            </p:blipFill>
+            <p:spPr bwMode="auto">
+              <a:xfrm>
+                <a:off x="2819400" y="1295400"/>
+                <a:ext cx="533400" cy="533400"/>
+              </a:xfrm>
+              <a:prstGeom prst="rect">
+                <a:avLst/>
+              </a:prstGeom>
+              <a:noFill/>
+              <a:ln w="9525">
+                <a:noFill/>
+                <a:miter lim="800000"/>
+                <a:headEnd/>
+                <a:tailEnd/>
+              </a:ln>
+            </p:spPr>
+          </p:pic>
+          <p:cxnSp>
+            <p:nvCxnSpPr>
+              <p:cNvPr id="45" name="Straight Arrow Connector 44"/>
+              <p:cNvCxnSpPr>
+                <a:stCxn id="5" idx="2"/>
+                <a:endCxn id="16" idx="1"/>
+              </p:cNvCxnSpPr>
+              <p:nvPr/>
+            </p:nvCxnSpPr>
+            <p:spPr>
+              <a:xfrm>
+                <a:off x="2247900" y="1676400"/>
+                <a:ext cx="571500" cy="495300"/>
+              </a:xfrm>
+              <a:prstGeom prst="straightConnector1">
+                <a:avLst/>
+              </a:prstGeom>
+              <a:ln>
+                <a:headEnd type="arrow"/>
+                <a:tailEnd type="arrow"/>
+              </a:ln>
+            </p:spPr>
+            <p:style>
+              <a:lnRef idx="2">
+                <a:schemeClr val="dk1"/>
+              </a:lnRef>
+              <a:fillRef idx="0">
+                <a:schemeClr val="dk1"/>
+              </a:fillRef>
+              <a:effectRef idx="1">
+                <a:schemeClr val="dk1"/>
+              </a:effectRef>
+              <a:fontRef idx="minor">
+                <a:schemeClr val="tx1"/>
+              </a:fontRef>
+            </p:style>
+          </p:cxnSp>
+          <p:cxnSp>
+            <p:nvCxnSpPr>
+              <p:cNvPr id="47" name="Straight Arrow Connector 46"/>
+              <p:cNvCxnSpPr>
+                <a:stCxn id="5" idx="3"/>
+                <a:endCxn id="17" idx="1"/>
+              </p:cNvCxnSpPr>
+              <p:nvPr/>
+            </p:nvCxnSpPr>
+            <p:spPr>
+              <a:xfrm>
+                <a:off x="2514600" y="1409700"/>
+                <a:ext cx="304800" cy="152400"/>
+              </a:xfrm>
+              <a:prstGeom prst="straightConnector1">
+                <a:avLst/>
+              </a:prstGeom>
+              <a:ln>
+                <a:headEnd type="arrow"/>
+                <a:tailEnd type="arrow"/>
+              </a:ln>
+            </p:spPr>
+            <p:style>
+              <a:lnRef idx="2">
+                <a:schemeClr val="dk1"/>
+              </a:lnRef>
+              <a:fillRef idx="0">
+                <a:schemeClr val="dk1"/>
+              </a:fillRef>
+              <a:effectRef idx="1">
+                <a:schemeClr val="dk1"/>
+              </a:effectRef>
+              <a:fontRef idx="minor">
+                <a:schemeClr val="tx1"/>
+              </a:fontRef>
+            </p:style>
+          </p:cxnSp>
+          <p:cxnSp>
+            <p:nvCxnSpPr>
+              <p:cNvPr id="63" name="Straight Arrow Connector 62"/>
+              <p:cNvCxnSpPr>
+                <a:stCxn id="5" idx="2"/>
+                <a:endCxn id="15" idx="0"/>
+              </p:cNvCxnSpPr>
+              <p:nvPr/>
+            </p:nvCxnSpPr>
+            <p:spPr>
+              <a:xfrm flipH="1">
+                <a:off x="2171700" y="1676400"/>
+                <a:ext cx="76200" cy="457200"/>
+              </a:xfrm>
+              <a:prstGeom prst="straightConnector1">
+                <a:avLst/>
+              </a:prstGeom>
+              <a:ln>
+                <a:headEnd type="arrow"/>
+                <a:tailEnd type="arrow"/>
+              </a:ln>
+            </p:spPr>
+            <p:style>
+              <a:lnRef idx="2">
+                <a:schemeClr val="dk1"/>
+              </a:lnRef>
+              <a:fillRef idx="0">
+                <a:schemeClr val="dk1"/>
+              </a:fillRef>
+              <a:effectRef idx="1">
+                <a:schemeClr val="dk1"/>
+              </a:effectRef>
+              <a:fontRef idx="minor">
+                <a:schemeClr val="tx1"/>
+              </a:fontRef>
+            </p:style>
+          </p:cxnSp>
+          <p:cxnSp>
+            <p:nvCxnSpPr>
+              <p:cNvPr id="155" name="Straight Arrow Connector 154"/>
+              <p:cNvCxnSpPr>
+                <a:stCxn id="16" idx="2"/>
+                <a:endCxn id="3081" idx="1"/>
+              </p:cNvCxnSpPr>
+              <p:nvPr/>
+            </p:nvCxnSpPr>
+            <p:spPr>
+              <a:xfrm>
+                <a:off x="3086100" y="2438400"/>
+                <a:ext cx="723900" cy="1047750"/>
+              </a:xfrm>
+              <a:prstGeom prst="straightConnector1">
+                <a:avLst/>
+              </a:prstGeom>
+              <a:ln>
+                <a:headEnd type="arrow"/>
+                <a:tailEnd type="arrow"/>
+              </a:ln>
+            </p:spPr>
+            <p:style>
+              <a:lnRef idx="2">
+                <a:schemeClr val="dk1"/>
+              </a:lnRef>
+              <a:fillRef idx="0">
+                <a:schemeClr val="dk1"/>
+              </a:fillRef>
+              <a:effectRef idx="1">
+                <a:schemeClr val="dk1"/>
+              </a:effectRef>
+              <a:fontRef idx="minor">
+                <a:schemeClr val="tx1"/>
+              </a:fontRef>
+            </p:style>
+          </p:cxnSp>
+        </p:grpSp>
+        <p:grpSp>
+          <p:nvGrpSpPr>
+            <p:cNvPr id="217" name="Group 216"/>
+            <p:cNvGrpSpPr/>
+            <p:nvPr/>
+          </p:nvGrpSpPr>
+          <p:grpSpPr>
+            <a:xfrm>
+              <a:off x="762000" y="2895600"/>
+              <a:ext cx="3048000" cy="1524000"/>
+              <a:chOff x="762000" y="2895600"/>
+              <a:chExt cx="3048000" cy="1524000"/>
+            </a:xfrm>
+          </p:grpSpPr>
+          <p:pic>
+            <p:nvPicPr>
+              <p:cNvPr id="23" name="Picture 22"/>
+              <p:cNvPicPr>
+                <a:picLocks noChangeAspect="1" noChangeArrowheads="1"/>
+              </p:cNvPicPr>
+              <p:nvPr/>
+            </p:nvPicPr>
+            <p:blipFill>
+              <a:blip r:embed="rId5" cstate="print"/>
+              <a:srcRect/>
+              <a:stretch>
+                <a:fillRect/>
+              </a:stretch>
+            </p:blipFill>
+            <p:spPr bwMode="auto">
+              <a:xfrm>
+                <a:off x="762000" y="3200400"/>
+                <a:ext cx="533400" cy="533400"/>
+              </a:xfrm>
+              <a:prstGeom prst="rect">
+                <a:avLst/>
+              </a:prstGeom>
+              <a:noFill/>
+              <a:ln w="9525">
+                <a:noFill/>
+                <a:miter lim="800000"/>
+                <a:headEnd/>
+                <a:tailEnd/>
+              </a:ln>
+            </p:spPr>
+          </p:pic>
+          <p:pic>
+            <p:nvPicPr>
+              <p:cNvPr id="24" name="Picture 23"/>
+              <p:cNvPicPr>
+                <a:picLocks noChangeAspect="1" noChangeArrowheads="1"/>
+              </p:cNvPicPr>
+              <p:nvPr/>
+            </p:nvPicPr>
+            <p:blipFill>
+              <a:blip r:embed="rId5" cstate="print"/>
+              <a:srcRect/>
+              <a:stretch>
+                <a:fillRect/>
+              </a:stretch>
+            </p:blipFill>
+            <p:spPr bwMode="auto">
+              <a:xfrm>
+                <a:off x="1066800" y="3886200"/>
+                <a:ext cx="533400" cy="533400"/>
+              </a:xfrm>
+              <a:prstGeom prst="rect">
+                <a:avLst/>
+              </a:prstGeom>
+              <a:noFill/>
+              <a:ln w="9525">
+                <a:noFill/>
+                <a:miter lim="800000"/>
+                <a:headEnd/>
+                <a:tailEnd/>
+              </a:ln>
+            </p:spPr>
+          </p:pic>
+          <p:pic>
+            <p:nvPicPr>
+              <p:cNvPr id="25" name="Picture 24"/>
+              <p:cNvPicPr>
+                <a:picLocks noChangeAspect="1" noChangeArrowheads="1"/>
+              </p:cNvPicPr>
+              <p:nvPr/>
+            </p:nvPicPr>
+            <p:blipFill>
+              <a:blip r:embed="rId5" cstate="print"/>
+              <a:srcRect/>
+              <a:stretch>
+                <a:fillRect/>
+              </a:stretch>
+            </p:blipFill>
+            <p:spPr bwMode="auto">
+              <a:xfrm>
+                <a:off x="1981200" y="3733800"/>
+                <a:ext cx="533400" cy="533400"/>
+              </a:xfrm>
+              <a:prstGeom prst="rect">
+                <a:avLst/>
+              </a:prstGeom>
+              <a:noFill/>
+              <a:ln w="9525">
+                <a:noFill/>
+                <a:miter lim="800000"/>
+                <a:headEnd/>
+                <a:tailEnd/>
+              </a:ln>
+            </p:spPr>
+          </p:pic>
+          <p:pic>
+            <p:nvPicPr>
+              <p:cNvPr id="26" name="Picture 25"/>
+              <p:cNvPicPr>
+                <a:picLocks noChangeAspect="1" noChangeArrowheads="1"/>
+              </p:cNvPicPr>
+              <p:nvPr/>
+            </p:nvPicPr>
+            <p:blipFill>
+              <a:blip r:embed="rId5" cstate="print"/>
+              <a:srcRect/>
+              <a:stretch>
+                <a:fillRect/>
+              </a:stretch>
+            </p:blipFill>
+            <p:spPr bwMode="auto">
+              <a:xfrm>
+                <a:off x="2133600" y="2971800"/>
+                <a:ext cx="533400" cy="533400"/>
+              </a:xfrm>
+              <a:prstGeom prst="rect">
+                <a:avLst/>
+              </a:prstGeom>
+              <a:noFill/>
+              <a:ln w="9525">
+                <a:noFill/>
+                <a:miter lim="800000"/>
+                <a:headEnd/>
+                <a:tailEnd/>
+              </a:ln>
+            </p:spPr>
+          </p:pic>
+          <p:pic>
+            <p:nvPicPr>
+              <p:cNvPr id="30" name="Picture 29"/>
+              <p:cNvPicPr>
+                <a:picLocks noChangeAspect="1" noChangeArrowheads="1"/>
+              </p:cNvPicPr>
+              <p:nvPr/>
+            </p:nvPicPr>
+            <p:blipFill>
+              <a:blip r:embed="rId5" cstate="print"/>
+              <a:srcRect/>
+              <a:stretch>
+                <a:fillRect/>
+              </a:stretch>
+            </p:blipFill>
+            <p:spPr bwMode="auto">
+              <a:xfrm>
+                <a:off x="1447800" y="2895600"/>
+                <a:ext cx="533400" cy="533400"/>
+              </a:xfrm>
+              <a:prstGeom prst="rect">
+                <a:avLst/>
+              </a:prstGeom>
+              <a:noFill/>
+              <a:ln w="9525">
+                <a:noFill/>
+                <a:miter lim="800000"/>
+                <a:headEnd/>
+                <a:tailEnd/>
+              </a:ln>
+            </p:spPr>
+          </p:pic>
+          <p:cxnSp>
+            <p:nvCxnSpPr>
+              <p:cNvPr id="57" name="Straight Arrow Connector 56"/>
+              <p:cNvCxnSpPr>
+                <a:stCxn id="26" idx="2"/>
+                <a:endCxn id="25" idx="0"/>
+              </p:cNvCxnSpPr>
+              <p:nvPr/>
+            </p:nvCxnSpPr>
+            <p:spPr>
+              <a:xfrm flipH="1">
+                <a:off x="2247900" y="3505200"/>
+                <a:ext cx="152400" cy="228600"/>
+              </a:xfrm>
+              <a:prstGeom prst="straightConnector1">
+                <a:avLst/>
+              </a:prstGeom>
+              <a:ln>
+                <a:headEnd type="arrow"/>
+                <a:tailEnd type="arrow"/>
+              </a:ln>
+            </p:spPr>
+            <p:style>
+              <a:lnRef idx="2">
+                <a:schemeClr val="dk1"/>
+              </a:lnRef>
+              <a:fillRef idx="0">
+                <a:schemeClr val="dk1"/>
+              </a:fillRef>
+              <a:effectRef idx="1">
+                <a:schemeClr val="dk1"/>
+              </a:effectRef>
+              <a:fontRef idx="minor">
+                <a:schemeClr val="tx1"/>
+              </a:fontRef>
+            </p:style>
+          </p:cxnSp>
+          <p:cxnSp>
+            <p:nvCxnSpPr>
+              <p:cNvPr id="60" name="Straight Arrow Connector 59"/>
+              <p:cNvCxnSpPr>
+                <a:stCxn id="30" idx="2"/>
+                <a:endCxn id="25" idx="1"/>
+              </p:cNvCxnSpPr>
+              <p:nvPr/>
+            </p:nvCxnSpPr>
+            <p:spPr>
+              <a:xfrm>
+                <a:off x="1714500" y="3429000"/>
+                <a:ext cx="266700" cy="571500"/>
+              </a:xfrm>
+              <a:prstGeom prst="straightConnector1">
+                <a:avLst/>
+              </a:prstGeom>
+              <a:ln>
+                <a:headEnd type="arrow"/>
+                <a:tailEnd type="arrow"/>
+              </a:ln>
+            </p:spPr>
+            <p:style>
+              <a:lnRef idx="2">
+                <a:schemeClr val="dk1"/>
+              </a:lnRef>
+              <a:fillRef idx="0">
+                <a:schemeClr val="dk1"/>
+              </a:fillRef>
+              <a:effectRef idx="1">
+                <a:schemeClr val="dk1"/>
+              </a:effectRef>
+              <a:fontRef idx="minor">
+                <a:schemeClr val="tx1"/>
+              </a:fontRef>
+            </p:style>
+          </p:cxnSp>
+          <p:cxnSp>
+            <p:nvCxnSpPr>
+              <p:cNvPr id="158" name="Straight Arrow Connector 157"/>
+              <p:cNvCxnSpPr>
+                <a:stCxn id="26" idx="3"/>
+                <a:endCxn id="3081" idx="1"/>
+              </p:cNvCxnSpPr>
+              <p:nvPr/>
+            </p:nvCxnSpPr>
+            <p:spPr>
+              <a:xfrm>
+                <a:off x="2667000" y="3238500"/>
+                <a:ext cx="1143000" cy="247650"/>
+              </a:xfrm>
+              <a:prstGeom prst="straightConnector1">
+                <a:avLst/>
+              </a:prstGeom>
+              <a:ln>
+                <a:headEnd type="arrow"/>
+                <a:tailEnd type="arrow"/>
+              </a:ln>
+            </p:spPr>
+            <p:style>
+              <a:lnRef idx="2">
+                <a:schemeClr val="dk1"/>
+              </a:lnRef>
+              <a:fillRef idx="0">
+                <a:schemeClr val="dk1"/>
+              </a:fillRef>
+              <a:effectRef idx="1">
+                <a:schemeClr val="dk1"/>
+              </a:effectRef>
+              <a:fontRef idx="minor">
+                <a:schemeClr val="tx1"/>
+              </a:fontRef>
+            </p:style>
+          </p:cxnSp>
+        </p:grpSp>
+        <p:grpSp>
+          <p:nvGrpSpPr>
+            <p:cNvPr id="224" name="Group 223"/>
+            <p:cNvGrpSpPr/>
+            <p:nvPr/>
+          </p:nvGrpSpPr>
+          <p:grpSpPr>
+            <a:xfrm>
+              <a:off x="1828800" y="3848100"/>
+              <a:ext cx="2366963" cy="2175510"/>
+              <a:chOff x="1828800" y="3848100"/>
+              <a:chExt cx="2366963" cy="2175510"/>
+            </a:xfrm>
+          </p:grpSpPr>
+          <p:pic>
+            <p:nvPicPr>
+              <p:cNvPr id="6" name="Picture 5"/>
+              <p:cNvPicPr>
+                <a:picLocks noChangeAspect="1" noChangeArrowheads="1"/>
+              </p:cNvPicPr>
+              <p:nvPr/>
+            </p:nvPicPr>
+            <p:blipFill>
+              <a:blip r:embed="rId6" cstate="print"/>
+              <a:srcRect/>
+              <a:stretch>
+                <a:fillRect/>
+              </a:stretch>
+            </p:blipFill>
+            <p:spPr bwMode="auto">
+              <a:xfrm>
+                <a:off x="3429000" y="4953000"/>
+                <a:ext cx="533400" cy="537210"/>
+              </a:xfrm>
+              <a:prstGeom prst="rect">
+                <a:avLst/>
+              </a:prstGeom>
+              <a:noFill/>
+              <a:ln w="9525">
+                <a:noFill/>
+                <a:miter lim="800000"/>
+                <a:headEnd/>
+                <a:tailEnd/>
+              </a:ln>
+            </p:spPr>
+          </p:pic>
+          <p:pic>
+            <p:nvPicPr>
+              <p:cNvPr id="19" name="Picture 18"/>
+              <p:cNvPicPr>
+                <a:picLocks noChangeAspect="1" noChangeArrowheads="1"/>
+              </p:cNvPicPr>
+              <p:nvPr/>
+            </p:nvPicPr>
+            <p:blipFill>
+              <a:blip r:embed="rId6" cstate="print"/>
+              <a:srcRect/>
+              <a:stretch>
+                <a:fillRect/>
+              </a:stretch>
+            </p:blipFill>
+            <p:spPr bwMode="auto">
+              <a:xfrm>
+                <a:off x="2590800" y="4800600"/>
+                <a:ext cx="533400" cy="537210"/>
+              </a:xfrm>
+              <a:prstGeom prst="rect">
+                <a:avLst/>
+              </a:prstGeom>
+              <a:noFill/>
+              <a:ln w="9525">
+                <a:noFill/>
+                <a:miter lim="800000"/>
+                <a:headEnd/>
+                <a:tailEnd/>
+              </a:ln>
+            </p:spPr>
+          </p:pic>
+          <p:pic>
+            <p:nvPicPr>
+              <p:cNvPr id="20" name="Picture 19"/>
+              <p:cNvPicPr>
+                <a:picLocks noChangeAspect="1" noChangeArrowheads="1"/>
+              </p:cNvPicPr>
+              <p:nvPr/>
+            </p:nvPicPr>
+            <p:blipFill>
+              <a:blip r:embed="rId6" cstate="print"/>
+              <a:srcRect/>
+              <a:stretch>
+                <a:fillRect/>
+              </a:stretch>
+            </p:blipFill>
+            <p:spPr bwMode="auto">
+              <a:xfrm>
+                <a:off x="2362200" y="5486400"/>
+                <a:ext cx="533400" cy="537210"/>
+              </a:xfrm>
+              <a:prstGeom prst="rect">
+                <a:avLst/>
+              </a:prstGeom>
+              <a:noFill/>
+              <a:ln w="9525">
+                <a:noFill/>
+                <a:miter lim="800000"/>
+                <a:headEnd/>
+                <a:tailEnd/>
+              </a:ln>
+            </p:spPr>
+          </p:pic>
+          <p:pic>
+            <p:nvPicPr>
+              <p:cNvPr id="22" name="Picture 21"/>
+              <p:cNvPicPr>
+                <a:picLocks noChangeAspect="1" noChangeArrowheads="1"/>
+              </p:cNvPicPr>
+              <p:nvPr/>
+            </p:nvPicPr>
+            <p:blipFill>
+              <a:blip r:embed="rId6" cstate="print"/>
+              <a:srcRect/>
+              <a:stretch>
+                <a:fillRect/>
+              </a:stretch>
+            </p:blipFill>
+            <p:spPr bwMode="auto">
+              <a:xfrm>
+                <a:off x="1828800" y="4495800"/>
+                <a:ext cx="533400" cy="537210"/>
+              </a:xfrm>
+              <a:prstGeom prst="rect">
+                <a:avLst/>
+              </a:prstGeom>
+              <a:noFill/>
+              <a:ln w="9525">
+                <a:noFill/>
+                <a:miter lim="800000"/>
+                <a:headEnd/>
+                <a:tailEnd/>
+              </a:ln>
+            </p:spPr>
+          </p:pic>
+          <p:cxnSp>
+            <p:nvCxnSpPr>
+              <p:cNvPr id="94" name="Straight Arrow Connector 93"/>
+              <p:cNvCxnSpPr>
+                <a:stCxn id="22" idx="2"/>
+              </p:cNvCxnSpPr>
+              <p:nvPr/>
+            </p:nvCxnSpPr>
+            <p:spPr>
+              <a:xfrm>
+                <a:off x="2095500" y="5033010"/>
+                <a:ext cx="266700" cy="529590"/>
+              </a:xfrm>
+              <a:prstGeom prst="straightConnector1">
+                <a:avLst/>
+              </a:prstGeom>
+              <a:ln>
+                <a:headEnd type="arrow"/>
+                <a:tailEnd type="arrow"/>
+              </a:ln>
+            </p:spPr>
+            <p:style>
+              <a:lnRef idx="2">
+                <a:schemeClr val="dk1"/>
+              </a:lnRef>
+              <a:fillRef idx="0">
+                <a:schemeClr val="dk1"/>
+              </a:fillRef>
+              <a:effectRef idx="1">
+                <a:schemeClr val="dk1"/>
+              </a:effectRef>
+              <a:fontRef idx="minor">
+                <a:schemeClr val="tx1"/>
+              </a:fontRef>
+            </p:style>
+          </p:cxnSp>
+          <p:cxnSp>
+            <p:nvCxnSpPr>
+              <p:cNvPr id="97" name="Straight Arrow Connector 96"/>
+              <p:cNvCxnSpPr>
+                <a:stCxn id="22" idx="3"/>
+                <a:endCxn id="19" idx="1"/>
+              </p:cNvCxnSpPr>
+              <p:nvPr/>
+            </p:nvCxnSpPr>
+            <p:spPr>
+              <a:xfrm>
+                <a:off x="2362200" y="4764405"/>
+                <a:ext cx="228600" cy="304800"/>
+              </a:xfrm>
+              <a:prstGeom prst="straightConnector1">
+                <a:avLst/>
+              </a:prstGeom>
+              <a:ln>
+                <a:headEnd type="arrow"/>
+                <a:tailEnd type="arrow"/>
+              </a:ln>
+            </p:spPr>
+            <p:style>
+              <a:lnRef idx="2">
+                <a:schemeClr val="dk1"/>
+              </a:lnRef>
+              <a:fillRef idx="0">
+                <a:schemeClr val="dk1"/>
+              </a:fillRef>
+              <a:effectRef idx="1">
+                <a:schemeClr val="dk1"/>
+              </a:effectRef>
+              <a:fontRef idx="minor">
+                <a:schemeClr val="tx1"/>
+              </a:fontRef>
+            </p:style>
+          </p:cxnSp>
+          <p:cxnSp>
+            <p:nvCxnSpPr>
+              <p:cNvPr id="100" name="Straight Arrow Connector 99"/>
+              <p:cNvCxnSpPr>
+                <a:stCxn id="19" idx="2"/>
+                <a:endCxn id="20" idx="0"/>
+              </p:cNvCxnSpPr>
+              <p:nvPr/>
+            </p:nvCxnSpPr>
+            <p:spPr>
+              <a:xfrm flipH="1">
+                <a:off x="2628900" y="5337810"/>
+                <a:ext cx="228600" cy="148590"/>
+              </a:xfrm>
+              <a:prstGeom prst="straightConnector1">
+                <a:avLst/>
+              </a:prstGeom>
+              <a:ln>
+                <a:headEnd type="arrow"/>
+                <a:tailEnd type="arrow"/>
+              </a:ln>
+            </p:spPr>
+            <p:style>
+              <a:lnRef idx="2">
+                <a:schemeClr val="dk1"/>
+              </a:lnRef>
+              <a:fillRef idx="0">
+                <a:schemeClr val="dk1"/>
+              </a:fillRef>
+              <a:effectRef idx="1">
+                <a:schemeClr val="dk1"/>
+              </a:effectRef>
+              <a:fontRef idx="minor">
+                <a:schemeClr val="tx1"/>
+              </a:fontRef>
+            </p:style>
+          </p:cxnSp>
+          <p:cxnSp>
+            <p:nvCxnSpPr>
+              <p:cNvPr id="106" name="Straight Arrow Connector 105"/>
+              <p:cNvCxnSpPr>
+                <a:stCxn id="19" idx="3"/>
+                <a:endCxn id="6" idx="1"/>
+              </p:cNvCxnSpPr>
+              <p:nvPr/>
+            </p:nvCxnSpPr>
+            <p:spPr>
+              <a:xfrm>
+                <a:off x="3124200" y="5069205"/>
+                <a:ext cx="304800" cy="152400"/>
+              </a:xfrm>
+              <a:prstGeom prst="straightConnector1">
+                <a:avLst/>
+              </a:prstGeom>
+              <a:ln>
+                <a:headEnd type="arrow"/>
+                <a:tailEnd type="arrow"/>
+              </a:ln>
+            </p:spPr>
+            <p:style>
+              <a:lnRef idx="2">
+                <a:schemeClr val="dk1"/>
+              </a:lnRef>
+              <a:fillRef idx="0">
+                <a:schemeClr val="dk1"/>
+              </a:fillRef>
+              <a:effectRef idx="1">
+                <a:schemeClr val="dk1"/>
+              </a:effectRef>
+              <a:fontRef idx="minor">
+                <a:schemeClr val="tx1"/>
+              </a:fontRef>
+            </p:style>
+          </p:cxnSp>
+          <p:cxnSp>
+            <p:nvCxnSpPr>
+              <p:cNvPr id="161" name="Straight Arrow Connector 160"/>
+              <p:cNvCxnSpPr>
+                <a:stCxn id="19" idx="0"/>
+                <a:endCxn id="3081" idx="2"/>
+              </p:cNvCxnSpPr>
+              <p:nvPr/>
+            </p:nvCxnSpPr>
+            <p:spPr>
+              <a:xfrm flipV="1">
+                <a:off x="2857500" y="3848100"/>
+                <a:ext cx="1338263" cy="952500"/>
+              </a:xfrm>
+              <a:prstGeom prst="straightConnector1">
+                <a:avLst/>
+              </a:prstGeom>
+              <a:ln>
+                <a:headEnd type="arrow"/>
+                <a:tailEnd type="arrow"/>
+              </a:ln>
+            </p:spPr>
+            <p:style>
+              <a:lnRef idx="2">
+                <a:schemeClr val="dk1"/>
+              </a:lnRef>
+              <a:fillRef idx="0">
+                <a:schemeClr val="dk1"/>
+              </a:fillRef>
+              <a:effectRef idx="1">
+                <a:schemeClr val="dk1"/>
+              </a:effectRef>
+              <a:fontRef idx="minor">
+                <a:schemeClr val="tx1"/>
+              </a:fontRef>
+            </p:style>
+          </p:cxnSp>
+        </p:grpSp>
+        <p:grpSp>
+          <p:nvGrpSpPr>
+            <p:cNvPr id="222" name="Group 221"/>
+            <p:cNvGrpSpPr/>
+            <p:nvPr/>
+          </p:nvGrpSpPr>
+          <p:grpSpPr>
+            <a:xfrm>
+              <a:off x="4195763" y="3848100"/>
+              <a:ext cx="1515558" cy="1943100"/>
+              <a:chOff x="4195763" y="3848100"/>
+              <a:chExt cx="1515558" cy="1943100"/>
+            </a:xfrm>
+          </p:grpSpPr>
+          <p:pic>
+            <p:nvPicPr>
+              <p:cNvPr id="3074" name="Picture 2"/>
+              <p:cNvPicPr>
+                <a:picLocks noChangeAspect="1" noChangeArrowheads="1"/>
+              </p:cNvPicPr>
+              <p:nvPr/>
+            </p:nvPicPr>
+            <p:blipFill>
+              <a:blip r:embed="rId7" cstate="print"/>
+              <a:srcRect/>
+              <a:stretch>
+                <a:fillRect/>
+              </a:stretch>
+            </p:blipFill>
+            <p:spPr bwMode="auto">
+              <a:xfrm>
+                <a:off x="5181600" y="5257800"/>
+                <a:ext cx="529721" cy="533400"/>
+              </a:xfrm>
+              <a:prstGeom prst="rect">
+                <a:avLst/>
+              </a:prstGeom>
+              <a:noFill/>
+              <a:ln w="9525">
+                <a:noFill/>
+                <a:miter lim="800000"/>
+                <a:headEnd/>
+                <a:tailEnd/>
+              </a:ln>
+            </p:spPr>
+          </p:pic>
+          <p:cxnSp>
+            <p:nvCxnSpPr>
+              <p:cNvPr id="167" name="Straight Arrow Connector 166"/>
+              <p:cNvCxnSpPr>
+                <a:stCxn id="3074" idx="1"/>
+                <a:endCxn id="3081" idx="2"/>
+              </p:cNvCxnSpPr>
+              <p:nvPr/>
+            </p:nvCxnSpPr>
+            <p:spPr>
+              <a:xfrm flipH="1" flipV="1">
+                <a:off x="4195763" y="3848100"/>
+                <a:ext cx="985837" cy="1676400"/>
+              </a:xfrm>
+              <a:prstGeom prst="straightConnector1">
+                <a:avLst/>
+              </a:prstGeom>
+              <a:ln>
+                <a:headEnd type="arrow"/>
+                <a:tailEnd type="arrow"/>
+              </a:ln>
+            </p:spPr>
+            <p:style>
+              <a:lnRef idx="2">
+                <a:schemeClr val="dk1"/>
+              </a:lnRef>
+              <a:fillRef idx="0">
+                <a:schemeClr val="dk1"/>
+              </a:fillRef>
+              <a:effectRef idx="1">
+                <a:schemeClr val="dk1"/>
+              </a:effectRef>
+              <a:fontRef idx="minor">
+                <a:schemeClr val="tx1"/>
+              </a:fontRef>
+            </p:style>
+          </p:cxnSp>
+        </p:grpSp>
+        <p:grpSp>
+          <p:nvGrpSpPr>
+            <p:cNvPr id="223" name="Group 222"/>
+            <p:cNvGrpSpPr/>
+            <p:nvPr/>
+          </p:nvGrpSpPr>
+          <p:grpSpPr>
+            <a:xfrm>
+              <a:off x="4195763" y="3848100"/>
+              <a:ext cx="604837" cy="2019300"/>
+              <a:chOff x="4195763" y="3848100"/>
+              <a:chExt cx="604837" cy="2019300"/>
+            </a:xfrm>
+          </p:grpSpPr>
+          <p:pic>
+            <p:nvPicPr>
+              <p:cNvPr id="3076" name="Picture 4"/>
+              <p:cNvPicPr>
+                <a:picLocks noChangeAspect="1" noChangeArrowheads="1"/>
+              </p:cNvPicPr>
+              <p:nvPr/>
+            </p:nvPicPr>
+            <p:blipFill>
+              <a:blip r:embed="rId8" cstate="print"/>
+              <a:srcRect/>
+              <a:stretch>
+                <a:fillRect/>
+              </a:stretch>
+            </p:blipFill>
+            <p:spPr bwMode="auto">
+              <a:xfrm>
+                <a:off x="4267200" y="5334000"/>
+                <a:ext cx="533400" cy="533400"/>
+              </a:xfrm>
+              <a:prstGeom prst="rect">
+                <a:avLst/>
+              </a:prstGeom>
+              <a:noFill/>
+              <a:ln w="9525">
+                <a:noFill/>
+                <a:miter lim="800000"/>
+                <a:headEnd/>
+                <a:tailEnd/>
+              </a:ln>
+            </p:spPr>
+          </p:pic>
+          <p:cxnSp>
+            <p:nvCxnSpPr>
+              <p:cNvPr id="174" name="Straight Arrow Connector 173"/>
+              <p:cNvCxnSpPr>
+                <a:stCxn id="3076" idx="0"/>
+                <a:endCxn id="3081" idx="2"/>
+              </p:cNvCxnSpPr>
+              <p:nvPr/>
+            </p:nvCxnSpPr>
+            <p:spPr>
+              <a:xfrm flipH="1" flipV="1">
+                <a:off x="4195763" y="3848100"/>
+                <a:ext cx="338137" cy="1485900"/>
+              </a:xfrm>
+              <a:prstGeom prst="straightConnector1">
+                <a:avLst/>
+              </a:prstGeom>
+              <a:ln>
+                <a:tailEnd type="arrow"/>
+              </a:ln>
+            </p:spPr>
+            <p:style>
+              <a:lnRef idx="2">
+                <a:schemeClr val="dk1"/>
+              </a:lnRef>
+              <a:fillRef idx="0">
+                <a:schemeClr val="dk1"/>
+              </a:fillRef>
+              <a:effectRef idx="1">
+                <a:schemeClr val="dk1"/>
+              </a:effectRef>
+              <a:fontRef idx="minor">
+                <a:schemeClr val="tx1"/>
+              </a:fontRef>
+            </p:style>
+          </p:cxnSp>
+        </p:grpSp>
+        <p:grpSp>
+          <p:nvGrpSpPr>
+            <p:cNvPr id="219" name="Group 218"/>
+            <p:cNvGrpSpPr/>
+            <p:nvPr/>
+          </p:nvGrpSpPr>
+          <p:grpSpPr>
+            <a:xfrm>
+              <a:off x="3505200" y="609600"/>
+              <a:ext cx="2143125" cy="2514600"/>
+              <a:chOff x="3505200" y="609600"/>
+              <a:chExt cx="2143125" cy="2514600"/>
+            </a:xfrm>
+          </p:grpSpPr>
+          <p:pic>
+            <p:nvPicPr>
+              <p:cNvPr id="9" name="Picture 8"/>
+              <p:cNvPicPr>
+                <a:picLocks noChangeAspect="1" noChangeArrowheads="1"/>
+              </p:cNvPicPr>
+              <p:nvPr/>
+            </p:nvPicPr>
+            <p:blipFill>
+              <a:blip r:embed="rId9" cstate="print"/>
+              <a:srcRect/>
+              <a:stretch>
+                <a:fillRect/>
+              </a:stretch>
+            </p:blipFill>
+            <p:spPr bwMode="auto">
+              <a:xfrm>
+                <a:off x="3505200" y="914400"/>
+                <a:ext cx="542925" cy="542925"/>
+              </a:xfrm>
+              <a:prstGeom prst="rect">
+                <a:avLst/>
+              </a:prstGeom>
+              <a:noFill/>
+              <a:ln w="9525">
+                <a:noFill/>
+                <a:miter lim="800000"/>
+                <a:headEnd/>
+                <a:tailEnd/>
+              </a:ln>
+            </p:spPr>
+          </p:pic>
+          <p:pic>
+            <p:nvPicPr>
+              <p:cNvPr id="36" name="Picture 35"/>
+              <p:cNvPicPr>
+                <a:picLocks noChangeAspect="1" noChangeArrowheads="1"/>
+              </p:cNvPicPr>
+              <p:nvPr/>
+            </p:nvPicPr>
+            <p:blipFill>
+              <a:blip r:embed="rId9" cstate="print"/>
+              <a:srcRect/>
+              <a:stretch>
+                <a:fillRect/>
+              </a:stretch>
+            </p:blipFill>
+            <p:spPr bwMode="auto">
+              <a:xfrm>
+                <a:off x="4114800" y="1447800"/>
+                <a:ext cx="542925" cy="542925"/>
+              </a:xfrm>
+              <a:prstGeom prst="rect">
+                <a:avLst/>
+              </a:prstGeom>
+              <a:noFill/>
+              <a:ln w="9525">
+                <a:noFill/>
+                <a:miter lim="800000"/>
+                <a:headEnd/>
+                <a:tailEnd/>
+              </a:ln>
+            </p:spPr>
+          </p:pic>
+          <p:pic>
+            <p:nvPicPr>
+              <p:cNvPr id="37" name="Picture 36"/>
+              <p:cNvPicPr>
+                <a:picLocks noChangeAspect="1" noChangeArrowheads="1"/>
+              </p:cNvPicPr>
+              <p:nvPr/>
+            </p:nvPicPr>
+            <p:blipFill>
+              <a:blip r:embed="rId9" cstate="print"/>
+              <a:srcRect/>
+              <a:stretch>
+                <a:fillRect/>
+              </a:stretch>
+            </p:blipFill>
+            <p:spPr bwMode="auto">
+              <a:xfrm>
+                <a:off x="4267200" y="609600"/>
+                <a:ext cx="542925" cy="542925"/>
+              </a:xfrm>
+              <a:prstGeom prst="rect">
+                <a:avLst/>
+              </a:prstGeom>
+              <a:noFill/>
+              <a:ln w="9525">
+                <a:noFill/>
+                <a:miter lim="800000"/>
+                <a:headEnd/>
+                <a:tailEnd/>
+              </a:ln>
+            </p:spPr>
+          </p:pic>
+          <p:pic>
+            <p:nvPicPr>
+              <p:cNvPr id="38" name="Picture 37"/>
+              <p:cNvPicPr>
+                <a:picLocks noChangeAspect="1" noChangeArrowheads="1"/>
+              </p:cNvPicPr>
+              <p:nvPr/>
+            </p:nvPicPr>
+            <p:blipFill>
+              <a:blip r:embed="rId9" cstate="print"/>
+              <a:srcRect/>
+              <a:stretch>
+                <a:fillRect/>
+              </a:stretch>
+            </p:blipFill>
+            <p:spPr bwMode="auto">
+              <a:xfrm>
+                <a:off x="5105400" y="1295400"/>
+                <a:ext cx="542925" cy="542925"/>
+              </a:xfrm>
+              <a:prstGeom prst="rect">
+                <a:avLst/>
+              </a:prstGeom>
+              <a:noFill/>
+              <a:ln w="9525">
+                <a:noFill/>
+                <a:miter lim="800000"/>
+                <a:headEnd/>
+                <a:tailEnd/>
+              </a:ln>
+            </p:spPr>
+          </p:pic>
+          <p:pic>
+            <p:nvPicPr>
+              <p:cNvPr id="39" name="Picture 38"/>
+              <p:cNvPicPr>
+                <a:picLocks noChangeAspect="1" noChangeArrowheads="1"/>
+              </p:cNvPicPr>
+              <p:nvPr/>
+            </p:nvPicPr>
+            <p:blipFill>
+              <a:blip r:embed="rId9" cstate="print"/>
+              <a:srcRect/>
+              <a:stretch>
+                <a:fillRect/>
+              </a:stretch>
+            </p:blipFill>
+            <p:spPr bwMode="auto">
+              <a:xfrm>
+                <a:off x="5105400" y="1981200"/>
+                <a:ext cx="542925" cy="542925"/>
+              </a:xfrm>
+              <a:prstGeom prst="rect">
+                <a:avLst/>
+              </a:prstGeom>
+              <a:noFill/>
+              <a:ln w="9525">
+                <a:noFill/>
+                <a:miter lim="800000"/>
+                <a:headEnd/>
+                <a:tailEnd/>
+              </a:ln>
+            </p:spPr>
+          </p:pic>
+          <p:cxnSp>
+            <p:nvCxnSpPr>
+              <p:cNvPr id="66" name="Straight Arrow Connector 65"/>
+              <p:cNvCxnSpPr>
+                <a:stCxn id="9" idx="2"/>
+                <a:endCxn id="36" idx="1"/>
+              </p:cNvCxnSpPr>
+              <p:nvPr/>
+            </p:nvCxnSpPr>
+            <p:spPr>
+              <a:xfrm>
+                <a:off x="3776663" y="1457325"/>
+                <a:ext cx="338137" cy="261938"/>
+              </a:xfrm>
+              <a:prstGeom prst="straightConnector1">
+                <a:avLst/>
+              </a:prstGeom>
+              <a:ln>
+                <a:headEnd type="arrow"/>
+                <a:tailEnd type="arrow"/>
+              </a:ln>
+            </p:spPr>
+            <p:style>
+              <a:lnRef idx="2">
+                <a:schemeClr val="dk1"/>
+              </a:lnRef>
+              <a:fillRef idx="0">
+                <a:schemeClr val="dk1"/>
+              </a:fillRef>
+              <a:effectRef idx="1">
+                <a:schemeClr val="dk1"/>
+              </a:effectRef>
+              <a:fontRef idx="minor">
+                <a:schemeClr val="tx1"/>
+              </a:fontRef>
+            </p:style>
+          </p:cxnSp>
+          <p:cxnSp>
+            <p:nvCxnSpPr>
+              <p:cNvPr id="76" name="Straight Arrow Connector 75"/>
+              <p:cNvCxnSpPr>
+                <a:stCxn id="38" idx="1"/>
+                <a:endCxn id="36" idx="3"/>
+              </p:cNvCxnSpPr>
+              <p:nvPr/>
+            </p:nvCxnSpPr>
+            <p:spPr>
+              <a:xfrm flipH="1">
+                <a:off x="4657725" y="1566863"/>
+                <a:ext cx="447675" cy="152400"/>
+              </a:xfrm>
+              <a:prstGeom prst="straightConnector1">
+                <a:avLst/>
+              </a:prstGeom>
+              <a:ln>
+                <a:headEnd type="arrow"/>
+                <a:tailEnd type="arrow"/>
+              </a:ln>
+            </p:spPr>
+            <p:style>
+              <a:lnRef idx="2">
+                <a:schemeClr val="dk1"/>
+              </a:lnRef>
+              <a:fillRef idx="0">
+                <a:schemeClr val="dk1"/>
+              </a:fillRef>
+              <a:effectRef idx="1">
+                <a:schemeClr val="dk1"/>
+              </a:effectRef>
+              <a:fontRef idx="minor">
+                <a:schemeClr val="tx1"/>
+              </a:fontRef>
+            </p:style>
+          </p:cxnSp>
+          <p:cxnSp>
+            <p:nvCxnSpPr>
+              <p:cNvPr id="79" name="Straight Arrow Connector 78"/>
+              <p:cNvCxnSpPr>
+                <a:stCxn id="36" idx="3"/>
+                <a:endCxn id="39" idx="1"/>
+              </p:cNvCxnSpPr>
+              <p:nvPr/>
+            </p:nvCxnSpPr>
+            <p:spPr>
+              <a:xfrm>
+                <a:off x="4657725" y="1719263"/>
+                <a:ext cx="447675" cy="533400"/>
+              </a:xfrm>
+              <a:prstGeom prst="straightConnector1">
+                <a:avLst/>
+              </a:prstGeom>
+              <a:ln>
+                <a:headEnd type="arrow"/>
+                <a:tailEnd type="arrow"/>
+              </a:ln>
+            </p:spPr>
+            <p:style>
+              <a:lnRef idx="2">
+                <a:schemeClr val="dk1"/>
+              </a:lnRef>
+              <a:fillRef idx="0">
+                <a:schemeClr val="dk1"/>
+              </a:fillRef>
+              <a:effectRef idx="1">
+                <a:schemeClr val="dk1"/>
+              </a:effectRef>
+              <a:fontRef idx="minor">
+                <a:schemeClr val="tx1"/>
+              </a:fontRef>
+            </p:style>
+          </p:cxnSp>
+          <p:cxnSp>
+            <p:nvCxnSpPr>
+              <p:cNvPr id="180" name="Straight Arrow Connector 179"/>
+              <p:cNvCxnSpPr>
+                <a:stCxn id="36" idx="2"/>
+                <a:endCxn id="3081" idx="0"/>
+              </p:cNvCxnSpPr>
+              <p:nvPr/>
+            </p:nvCxnSpPr>
+            <p:spPr>
+              <a:xfrm flipH="1">
+                <a:off x="4195763" y="1990725"/>
+                <a:ext cx="190500" cy="1133475"/>
+              </a:xfrm>
+              <a:prstGeom prst="straightConnector1">
+                <a:avLst/>
+              </a:prstGeom>
+              <a:ln>
+                <a:headEnd type="arrow"/>
+                <a:tailEnd type="arrow"/>
+              </a:ln>
+            </p:spPr>
+            <p:style>
+              <a:lnRef idx="2">
+                <a:schemeClr val="dk1"/>
+              </a:lnRef>
+              <a:fillRef idx="0">
+                <a:schemeClr val="dk1"/>
+              </a:fillRef>
+              <a:effectRef idx="1">
+                <a:schemeClr val="dk1"/>
+              </a:effectRef>
+              <a:fontRef idx="minor">
+                <a:schemeClr val="tx1"/>
+              </a:fontRef>
+            </p:style>
+          </p:cxnSp>
+        </p:grpSp>
+        <p:grpSp>
+          <p:nvGrpSpPr>
+            <p:cNvPr id="236" name="Group 235"/>
+            <p:cNvGrpSpPr/>
+            <p:nvPr/>
+          </p:nvGrpSpPr>
+          <p:grpSpPr>
+            <a:xfrm>
+              <a:off x="4195763" y="3848100"/>
+              <a:ext cx="2757487" cy="2343150"/>
+              <a:chOff x="4195763" y="3848100"/>
+              <a:chExt cx="2757487" cy="2343150"/>
+            </a:xfrm>
+          </p:grpSpPr>
+          <p:pic>
+            <p:nvPicPr>
+              <p:cNvPr id="4" name="Picture 3"/>
+              <p:cNvPicPr>
+                <a:picLocks noChangeAspect="1" noChangeArrowheads="1"/>
+              </p:cNvPicPr>
+              <p:nvPr/>
+            </p:nvPicPr>
+            <p:blipFill>
+              <a:blip r:embed="rId10" cstate="print"/>
+              <a:srcRect/>
+              <a:stretch>
+                <a:fillRect/>
+              </a:stretch>
+            </p:blipFill>
+            <p:spPr bwMode="auto">
+              <a:xfrm>
+                <a:off x="6096000" y="4953000"/>
+                <a:ext cx="476250" cy="476250"/>
+              </a:xfrm>
+              <a:prstGeom prst="rect">
+                <a:avLst/>
+              </a:prstGeom>
+              <a:noFill/>
+              <a:ln w="9525">
+                <a:noFill/>
+                <a:miter lim="800000"/>
+                <a:headEnd/>
+                <a:tailEnd/>
+              </a:ln>
+            </p:spPr>
+          </p:pic>
+          <p:pic>
+            <p:nvPicPr>
+              <p:cNvPr id="12" name="Picture 11"/>
+              <p:cNvPicPr>
+                <a:picLocks noChangeAspect="1" noChangeArrowheads="1"/>
+              </p:cNvPicPr>
+              <p:nvPr/>
+            </p:nvPicPr>
+            <p:blipFill>
+              <a:blip r:embed="rId10" cstate="print"/>
+              <a:srcRect/>
+              <a:stretch>
+                <a:fillRect/>
+              </a:stretch>
+            </p:blipFill>
+            <p:spPr bwMode="auto">
+              <a:xfrm>
+                <a:off x="6477000" y="4419600"/>
+                <a:ext cx="476250" cy="476250"/>
+              </a:xfrm>
+              <a:prstGeom prst="rect">
+                <a:avLst/>
+              </a:prstGeom>
+              <a:noFill/>
+              <a:ln w="9525">
+                <a:noFill/>
+                <a:miter lim="800000"/>
+                <a:headEnd/>
+                <a:tailEnd/>
+              </a:ln>
+            </p:spPr>
+          </p:pic>
+          <p:pic>
+            <p:nvPicPr>
+              <p:cNvPr id="13" name="Picture 12"/>
+              <p:cNvPicPr>
+                <a:picLocks noChangeAspect="1" noChangeArrowheads="1"/>
+              </p:cNvPicPr>
+              <p:nvPr/>
+            </p:nvPicPr>
+            <p:blipFill>
+              <a:blip r:embed="rId10" cstate="print"/>
+              <a:srcRect/>
+              <a:stretch>
+                <a:fillRect/>
+              </a:stretch>
+            </p:blipFill>
+            <p:spPr bwMode="auto">
+              <a:xfrm>
+                <a:off x="6172200" y="5715000"/>
+                <a:ext cx="476250" cy="476250"/>
+              </a:xfrm>
+              <a:prstGeom prst="rect">
+                <a:avLst/>
+              </a:prstGeom>
+              <a:noFill/>
+              <a:ln w="9525">
+                <a:noFill/>
+                <a:miter lim="800000"/>
+                <a:headEnd/>
+                <a:tailEnd/>
+              </a:ln>
+            </p:spPr>
+          </p:pic>
+          <p:pic>
+            <p:nvPicPr>
+              <p:cNvPr id="14" name="Picture 13"/>
+              <p:cNvPicPr>
+                <a:picLocks noChangeAspect="1" noChangeArrowheads="1"/>
+              </p:cNvPicPr>
+              <p:nvPr/>
+            </p:nvPicPr>
+            <p:blipFill>
+              <a:blip r:embed="rId10" cstate="print"/>
+              <a:srcRect/>
+              <a:stretch>
+                <a:fillRect/>
+              </a:stretch>
+            </p:blipFill>
+            <p:spPr bwMode="auto">
+              <a:xfrm>
+                <a:off x="5486400" y="4419600"/>
+                <a:ext cx="476250" cy="476250"/>
+              </a:xfrm>
+              <a:prstGeom prst="rect">
+                <a:avLst/>
+              </a:prstGeom>
+              <a:noFill/>
+              <a:ln w="9525">
+                <a:noFill/>
+                <a:miter lim="800000"/>
+                <a:headEnd/>
+                <a:tailEnd/>
+              </a:ln>
+            </p:spPr>
+          </p:pic>
+          <p:cxnSp>
+            <p:nvCxnSpPr>
+              <p:cNvPr id="54" name="Straight Arrow Connector 53"/>
+              <p:cNvCxnSpPr>
+                <a:stCxn id="4" idx="2"/>
+                <a:endCxn id="13" idx="0"/>
+              </p:cNvCxnSpPr>
+              <p:nvPr/>
+            </p:nvCxnSpPr>
+            <p:spPr>
+              <a:xfrm>
+                <a:off x="6334125" y="5429250"/>
+                <a:ext cx="76200" cy="285750"/>
+              </a:xfrm>
+              <a:prstGeom prst="straightConnector1">
+                <a:avLst/>
+              </a:prstGeom>
+              <a:ln>
+                <a:headEnd type="arrow"/>
+                <a:tailEnd type="arrow"/>
+              </a:ln>
+            </p:spPr>
+            <p:style>
+              <a:lnRef idx="2">
+                <a:schemeClr val="dk1"/>
+              </a:lnRef>
+              <a:fillRef idx="0">
+                <a:schemeClr val="dk1"/>
+              </a:fillRef>
+              <a:effectRef idx="1">
+                <a:schemeClr val="dk1"/>
+              </a:effectRef>
+              <a:fontRef idx="minor">
+                <a:schemeClr val="tx1"/>
+              </a:fontRef>
+            </p:style>
+          </p:cxnSp>
+          <p:cxnSp>
+            <p:nvCxnSpPr>
+              <p:cNvPr id="70" name="Straight Arrow Connector 69"/>
+              <p:cNvCxnSpPr>
+                <a:stCxn id="14" idx="2"/>
+                <a:endCxn id="4" idx="1"/>
+              </p:cNvCxnSpPr>
+              <p:nvPr/>
+            </p:nvCxnSpPr>
+            <p:spPr>
+              <a:xfrm>
+                <a:off x="5724525" y="4895850"/>
+                <a:ext cx="371475" cy="295275"/>
+              </a:xfrm>
+              <a:prstGeom prst="straightConnector1">
+                <a:avLst/>
+              </a:prstGeom>
+              <a:ln>
+                <a:headEnd type="arrow"/>
+                <a:tailEnd type="arrow"/>
+              </a:ln>
+            </p:spPr>
+            <p:style>
+              <a:lnRef idx="2">
+                <a:schemeClr val="dk1"/>
+              </a:lnRef>
+              <a:fillRef idx="0">
+                <a:schemeClr val="dk1"/>
+              </a:fillRef>
+              <a:effectRef idx="1">
+                <a:schemeClr val="dk1"/>
+              </a:effectRef>
+              <a:fontRef idx="minor">
+                <a:schemeClr val="tx1"/>
+              </a:fontRef>
+            </p:style>
+          </p:cxnSp>
+          <p:cxnSp>
+            <p:nvCxnSpPr>
+              <p:cNvPr id="189" name="Straight Arrow Connector 188"/>
+              <p:cNvCxnSpPr>
+                <a:stCxn id="14" idx="1"/>
+                <a:endCxn id="3081" idx="2"/>
+              </p:cNvCxnSpPr>
+              <p:nvPr/>
+            </p:nvCxnSpPr>
+            <p:spPr>
+              <a:xfrm flipH="1" flipV="1">
+                <a:off x="4195763" y="3848100"/>
+                <a:ext cx="1290637" cy="809625"/>
+              </a:xfrm>
+              <a:prstGeom prst="straightConnector1">
+                <a:avLst/>
+              </a:prstGeom>
+              <a:ln>
+                <a:headEnd type="arrow"/>
+                <a:tailEnd type="arrow"/>
+              </a:ln>
+            </p:spPr>
+            <p:style>
+              <a:lnRef idx="2">
+                <a:schemeClr val="dk1"/>
+              </a:lnRef>
+              <a:fillRef idx="0">
+                <a:schemeClr val="dk1"/>
+              </a:fillRef>
+              <a:effectRef idx="1">
+                <a:schemeClr val="dk1"/>
+              </a:effectRef>
+              <a:fontRef idx="minor">
+                <a:schemeClr val="tx1"/>
+              </a:fontRef>
+            </p:style>
+          </p:cxnSp>
+        </p:grpSp>
+        <p:grpSp>
+          <p:nvGrpSpPr>
+            <p:cNvPr id="250" name="Group 249"/>
+            <p:cNvGrpSpPr/>
+            <p:nvPr/>
+          </p:nvGrpSpPr>
+          <p:grpSpPr>
+            <a:xfrm>
+              <a:off x="4581525" y="1219200"/>
+              <a:ext cx="3267075" cy="2266950"/>
+              <a:chOff x="4581525" y="1219200"/>
+              <a:chExt cx="3267075" cy="2266950"/>
+            </a:xfrm>
+          </p:grpSpPr>
+          <p:pic>
+            <p:nvPicPr>
+              <p:cNvPr id="3083" name="Picture 11"/>
+              <p:cNvPicPr>
+                <a:picLocks noChangeAspect="1" noChangeArrowheads="1"/>
+              </p:cNvPicPr>
+              <p:nvPr/>
+            </p:nvPicPr>
+            <p:blipFill>
+              <a:blip r:embed="rId11" cstate="print"/>
+              <a:srcRect/>
+              <a:stretch>
+                <a:fillRect/>
+              </a:stretch>
+            </p:blipFill>
+            <p:spPr bwMode="auto">
+              <a:xfrm>
+                <a:off x="7239000" y="1447800"/>
+                <a:ext cx="609600" cy="609600"/>
+              </a:xfrm>
+              <a:prstGeom prst="rect">
+                <a:avLst/>
+              </a:prstGeom>
+              <a:noFill/>
+              <a:ln w="9525">
+                <a:noFill/>
+                <a:miter lim="800000"/>
+                <a:headEnd/>
+                <a:tailEnd/>
+              </a:ln>
+            </p:spPr>
+          </p:pic>
+          <p:pic>
+            <p:nvPicPr>
+              <p:cNvPr id="239" name="Picture 11"/>
+              <p:cNvPicPr>
+                <a:picLocks noChangeAspect="1" noChangeArrowheads="1"/>
+              </p:cNvPicPr>
+              <p:nvPr/>
+            </p:nvPicPr>
+            <p:blipFill>
+              <a:blip r:embed="rId11" cstate="print"/>
+              <a:srcRect/>
+              <a:stretch>
+                <a:fillRect/>
+              </a:stretch>
+            </p:blipFill>
+            <p:spPr bwMode="auto">
+              <a:xfrm>
+                <a:off x="5943600" y="1219200"/>
+                <a:ext cx="609600" cy="609600"/>
+              </a:xfrm>
+              <a:prstGeom prst="rect">
+                <a:avLst/>
+              </a:prstGeom>
+              <a:noFill/>
+              <a:ln w="9525">
+                <a:noFill/>
+                <a:miter lim="800000"/>
+                <a:headEnd/>
+                <a:tailEnd/>
+              </a:ln>
+            </p:spPr>
+          </p:pic>
+          <p:pic>
+            <p:nvPicPr>
+              <p:cNvPr id="240" name="Picture 11"/>
+              <p:cNvPicPr>
+                <a:picLocks noChangeAspect="1" noChangeArrowheads="1"/>
+              </p:cNvPicPr>
+              <p:nvPr/>
+            </p:nvPicPr>
+            <p:blipFill>
+              <a:blip r:embed="rId11" cstate="print"/>
+              <a:srcRect/>
+              <a:stretch>
+                <a:fillRect/>
+              </a:stretch>
+            </p:blipFill>
+            <p:spPr bwMode="auto">
+              <a:xfrm>
+                <a:off x="6400800" y="1981200"/>
+                <a:ext cx="609600" cy="609600"/>
+              </a:xfrm>
+              <a:prstGeom prst="rect">
+                <a:avLst/>
+              </a:prstGeom>
+              <a:noFill/>
+              <a:ln w="9525">
+                <a:noFill/>
+                <a:miter lim="800000"/>
+                <a:headEnd/>
+                <a:tailEnd/>
+              </a:ln>
+            </p:spPr>
+          </p:pic>
+          <p:cxnSp>
+            <p:nvCxnSpPr>
+              <p:cNvPr id="244" name="Straight Arrow Connector 243"/>
+              <p:cNvCxnSpPr>
+                <a:stCxn id="240" idx="2"/>
+                <a:endCxn id="3081" idx="3"/>
+              </p:cNvCxnSpPr>
+              <p:nvPr/>
+            </p:nvCxnSpPr>
+            <p:spPr>
+              <a:xfrm flipH="1">
+                <a:off x="4581525" y="2590800"/>
+                <a:ext cx="2124075" cy="895350"/>
+              </a:xfrm>
+              <a:prstGeom prst="straightConnector1">
+                <a:avLst/>
+              </a:prstGeom>
+              <a:ln>
+                <a:headEnd type="arrow"/>
+                <a:tailEnd type="arrow"/>
+              </a:ln>
+            </p:spPr>
+            <p:style>
+              <a:lnRef idx="2">
+                <a:schemeClr val="dk1"/>
+              </a:lnRef>
+              <a:fillRef idx="0">
+                <a:schemeClr val="dk1"/>
+              </a:fillRef>
+              <a:effectRef idx="1">
+                <a:schemeClr val="dk1"/>
+              </a:effectRef>
+              <a:fontRef idx="minor">
+                <a:schemeClr val="tx1"/>
+              </a:fontRef>
+            </p:style>
+          </p:cxnSp>
+          <p:cxnSp>
+            <p:nvCxnSpPr>
+              <p:cNvPr id="247" name="Straight Arrow Connector 246"/>
+              <p:cNvCxnSpPr>
+                <a:stCxn id="3083" idx="2"/>
+                <a:endCxn id="240" idx="3"/>
+              </p:cNvCxnSpPr>
+              <p:nvPr/>
+            </p:nvCxnSpPr>
+            <p:spPr>
+              <a:xfrm flipH="1">
+                <a:off x="7010400" y="2057400"/>
+                <a:ext cx="533400" cy="228600"/>
+              </a:xfrm>
+              <a:prstGeom prst="straightConnector1">
+                <a:avLst/>
+              </a:prstGeom>
+              <a:ln>
+                <a:headEnd type="arrow"/>
+                <a:tailEnd type="arrow"/>
+              </a:ln>
+            </p:spPr>
+            <p:style>
+              <a:lnRef idx="2">
+                <a:schemeClr val="dk1"/>
+              </a:lnRef>
+              <a:fillRef idx="0">
+                <a:schemeClr val="dk1"/>
+              </a:fillRef>
+              <a:effectRef idx="1">
+                <a:schemeClr val="dk1"/>
+              </a:effectRef>
+              <a:fontRef idx="minor">
+                <a:schemeClr val="tx1"/>
+              </a:fontRef>
+            </p:style>
+          </p:cxnSp>
+        </p:grpSp>
+        <p:pic>
+          <p:nvPicPr>
+            <p:cNvPr id="3084" name="Picture 12"/>
+            <p:cNvPicPr>
+              <a:picLocks noChangeAspect="1" noChangeArrowheads="1"/>
+            </p:cNvPicPr>
+            <p:nvPr/>
+          </p:nvPicPr>
+          <p:blipFill>
+            <a:blip r:embed="rId12" cstate="print"/>
+            <a:srcRect/>
+            <a:stretch>
+              <a:fillRect/>
+            </a:stretch>
+          </p:blipFill>
+          <p:spPr bwMode="auto">
+            <a:xfrm>
+              <a:off x="3886200" y="2362201"/>
+              <a:ext cx="838200" cy="380999"/>
             </a:xfrm>
             <a:prstGeom prst="rect">
               <a:avLst/>
@@ -12573,14 +14691,14 @@
         </p:pic>
         <p:pic>
           <p:nvPicPr>
-            <p:cNvPr id="33" name="Picture 32"/>
+            <p:cNvPr id="3085" name="Picture 13"/>
             <p:cNvPicPr>
               <a:picLocks noChangeAspect="1" noChangeArrowheads="1"/>
             </p:cNvPicPr>
             <p:nvPr/>
           </p:nvPicPr>
           <p:blipFill>
-            <a:blip r:embed="rId2" cstate="print"/>
+            <a:blip r:embed="rId12" cstate="print"/>
             <a:srcRect/>
             <a:stretch>
               <a:fillRect/>
@@ -12588,8 +14706,8 @@
           </p:blipFill>
           <p:spPr bwMode="auto">
             <a:xfrm>
-              <a:off x="8001000" y="3505200"/>
-              <a:ext cx="552450" cy="552450"/>
+              <a:off x="5181600" y="2819400"/>
+              <a:ext cx="914400" cy="333375"/>
             </a:xfrm>
             <a:prstGeom prst="rect">
               <a:avLst/>
@@ -12603,2168 +14721,7 @@
             </a:ln>
           </p:spPr>
         </p:pic>
-        <p:pic>
-          <p:nvPicPr>
-            <p:cNvPr id="34" name="Picture 33"/>
-            <p:cNvPicPr>
-              <a:picLocks noChangeAspect="1" noChangeArrowheads="1"/>
-            </p:cNvPicPr>
-            <p:nvPr/>
-          </p:nvPicPr>
-          <p:blipFill>
-            <a:blip r:embed="rId2" cstate="print"/>
-            <a:srcRect/>
-            <a:stretch>
-              <a:fillRect/>
-            </a:stretch>
-          </p:blipFill>
-          <p:spPr bwMode="auto">
-            <a:xfrm>
-              <a:off x="7239000" y="3962400"/>
-              <a:ext cx="552450" cy="552450"/>
-            </a:xfrm>
-            <a:prstGeom prst="rect">
-              <a:avLst/>
-            </a:prstGeom>
-            <a:noFill/>
-            <a:ln w="9525">
-              <a:noFill/>
-              <a:miter lim="800000"/>
-              <a:headEnd/>
-              <a:tailEnd/>
-            </a:ln>
-          </p:spPr>
-        </p:pic>
-        <p:pic>
-          <p:nvPicPr>
-            <p:cNvPr id="35" name="Picture 34"/>
-            <p:cNvPicPr>
-              <a:picLocks noChangeAspect="1" noChangeArrowheads="1"/>
-            </p:cNvPicPr>
-            <p:nvPr/>
-          </p:nvPicPr>
-          <p:blipFill>
-            <a:blip r:embed="rId2" cstate="print"/>
-            <a:srcRect/>
-            <a:stretch>
-              <a:fillRect/>
-            </a:stretch>
-          </p:blipFill>
-          <p:spPr bwMode="auto">
-            <a:xfrm>
-              <a:off x="7315200" y="2971800"/>
-              <a:ext cx="552450" cy="552450"/>
-            </a:xfrm>
-            <a:prstGeom prst="rect">
-              <a:avLst/>
-            </a:prstGeom>
-            <a:noFill/>
-            <a:ln w="9525">
-              <a:noFill/>
-              <a:miter lim="800000"/>
-              <a:headEnd/>
-              <a:tailEnd/>
-            </a:ln>
-          </p:spPr>
-        </p:pic>
-        <p:cxnSp>
-          <p:nvCxnSpPr>
-            <p:cNvPr id="85" name="Straight Arrow Connector 84"/>
-            <p:cNvCxnSpPr>
-              <a:stCxn id="31" idx="1"/>
-              <a:endCxn id="3081" idx="3"/>
-            </p:cNvCxnSpPr>
-            <p:nvPr/>
-          </p:nvCxnSpPr>
-          <p:spPr>
-            <a:xfrm flipH="1" flipV="1">
-              <a:off x="4581525" y="3486150"/>
-              <a:ext cx="2047875" cy="142875"/>
-            </a:xfrm>
-            <a:prstGeom prst="straightConnector1">
-              <a:avLst/>
-            </a:prstGeom>
-            <a:ln>
-              <a:tailEnd type="arrow"/>
-            </a:ln>
-          </p:spPr>
-          <p:style>
-            <a:lnRef idx="2">
-              <a:schemeClr val="dk1"/>
-            </a:lnRef>
-            <a:fillRef idx="0">
-              <a:schemeClr val="dk1"/>
-            </a:fillRef>
-            <a:effectRef idx="1">
-              <a:schemeClr val="dk1"/>
-            </a:effectRef>
-            <a:fontRef idx="minor">
-              <a:schemeClr val="tx1"/>
-            </a:fontRef>
-          </p:style>
-        </p:cxnSp>
-        <p:cxnSp>
-          <p:nvCxnSpPr>
-            <p:cNvPr id="88" name="Straight Arrow Connector 87"/>
-            <p:cNvCxnSpPr>
-              <a:stCxn id="34" idx="1"/>
-              <a:endCxn id="3081" idx="3"/>
-            </p:cNvCxnSpPr>
-            <p:nvPr/>
-          </p:nvCxnSpPr>
-          <p:spPr>
-            <a:xfrm flipH="1" flipV="1">
-              <a:off x="4581525" y="3486150"/>
-              <a:ext cx="2657475" cy="752475"/>
-            </a:xfrm>
-            <a:prstGeom prst="straightConnector1">
-              <a:avLst/>
-            </a:prstGeom>
-            <a:ln>
-              <a:tailEnd type="arrow"/>
-            </a:ln>
-          </p:spPr>
-          <p:style>
-            <a:lnRef idx="2">
-              <a:schemeClr val="dk1"/>
-            </a:lnRef>
-            <a:fillRef idx="0">
-              <a:schemeClr val="dk1"/>
-            </a:fillRef>
-            <a:effectRef idx="1">
-              <a:schemeClr val="dk1"/>
-            </a:effectRef>
-            <a:fontRef idx="minor">
-              <a:schemeClr val="tx1"/>
-            </a:fontRef>
-          </p:style>
-        </p:cxnSp>
-        <p:cxnSp>
-          <p:nvCxnSpPr>
-            <p:cNvPr id="91" name="Straight Arrow Connector 90"/>
-            <p:cNvCxnSpPr>
-              <a:stCxn id="35" idx="1"/>
-              <a:endCxn id="3081" idx="3"/>
-            </p:cNvCxnSpPr>
-            <p:nvPr/>
-          </p:nvCxnSpPr>
-          <p:spPr>
-            <a:xfrm flipH="1">
-              <a:off x="4581525" y="3248025"/>
-              <a:ext cx="2733675" cy="238125"/>
-            </a:xfrm>
-            <a:prstGeom prst="straightConnector1">
-              <a:avLst/>
-            </a:prstGeom>
-            <a:ln>
-              <a:tailEnd type="arrow"/>
-            </a:ln>
-          </p:spPr>
-          <p:style>
-            <a:lnRef idx="2">
-              <a:schemeClr val="dk1"/>
-            </a:lnRef>
-            <a:fillRef idx="0">
-              <a:schemeClr val="dk1"/>
-            </a:fillRef>
-            <a:effectRef idx="1">
-              <a:schemeClr val="dk1"/>
-            </a:effectRef>
-            <a:fontRef idx="minor">
-              <a:schemeClr val="tx1"/>
-            </a:fontRef>
-          </p:style>
-        </p:cxnSp>
       </p:grpSp>
-      <p:sp>
-        <p:nvSpPr>
-          <p:cNvPr id="3078" name="AutoShape 6" descr="data:image/jpeg;base64,/9j/4AAQSkZJRgABAQAAAQABAAD/2wCEAAkGBhQREBUUExQWFBUVFh8aFxgWFBoXFhUcGxUWGB8XGB0aHiYqGCAlGhkdKy8gJicpOCwtHh8xNTAqNSYsLCoBCQoKDQsNGQ4OGTUkHyQ1LDY1NTU0NTQ0NS80NTU0NDU1NDI0NTQ1NTIsNC0sNDUyNTU0LCw1NDQ0NSo0NCw0Kv/AABEIAEwAUQMBIgACEQEDEQH/xAAbAAACAwEBAQAAAAAAAAAAAAAABgMEBQcCAf/EAD4QAAIABAMFBQQGCQUAAAAAAAECAAMEERIhMQUGQVFxEyJhgZEyYnKhFCNSgrHwB0JjkqKy0eHxFRczU1T/xAAbAQACAgMBAAAAAAAAAAAAAAACBAMFAAEGB//EACwRAAIBAwEGBgEFAAAAAAAAAAECAAMEERIFITFBUWETFCJxwfDRMoGRoeH/2gAMAwEAAhEDEQA/AO4wQQu1O03qnMqQ2CUptMnD2m92UeHxenOIatZaQy3Ph3hKpaaddtqVKOEktM4S0BeYfujQeJsIXG/SOhqhSqqLNJsqzpwQsRYYQUV1xXyw4r+cTb0V0vZuzaibKAlkSzhbVjMbuKzHVjiYHyMLO6241M1AKiukYpj2dLlhNlILdkiMCCrEAE2ObMbxF4hK6mbA7f7+IWADgDMe/ptX/wCeUelSb+V5Yjnu9Oxq6tri1S8ukpUUCSs2V9JlFuLTACEDXvZmOQsBxjp8moOAFwFNrsL3Ayzz425wgb/7wVspJEyQs3s5rG4lAXVMsNyVPeIzseg0JO0LO2lGye+PjBguyouphGncnZdRTUxlVE5J9nJlOmLOWQCAQxNrEsAAT3QufCGCEnZcuop5UmYBhaYmJ5LDCjMBdlsB9W9swQBoQRlm17M2mlRLDp0YH2lI1VhwP9joYNKwZzTbcw5fiZp9IYcDLcEEETwYQQQRkyLW+G1ioWnQ2aYLuRqsvSw5Fjlfli8Ik2XLEuUqgAZcIWqup7WqnTP2hRfhl3T+YMfON2nn90dI424vtd25J3LuHzLFaWKYE87w7FlVQlmoJMmQxmmXlgmMo7pfiwXM4dDfO8ZW/uya6ppVanGYcHsr2OGxzcgi5J4A5X45xr7RmfVNyyv0xLf5Xhkp5oKxb7LqC4Jdt+nlFbhMDT1ibsKmqZVE0mo/5GkzGRcWIp7S9niub2uhGZ1I4Q3UE4NLUjSwt0tFGsng1IA/UlG/hjZbD0RooqWlXCd5eAvYr4Z6jlyg/O0aF06ucA/fmaFMmmMS9tucMUkDXtR+Bv8AK8YBq/olV2gyltYTRwwnR/uG/wB28WwWZ8cywIFlUG+G+pJ4k+Gg6xmbWbETxFrfn1imv9or4wq0TwIx36/zGqVL04aP0EYu6FYZlIlzdpZMsn4DYH920bUddTcVEDjnEGGkkQgggg5qcp2a/dHiSfViY3aadYRhTJfZTpss/qTXHkWLD+FhGjTTo8wu0ZKrdcmXa4Imv2lxY5g5dY+Sp01BZGW3DECSPQ5xXlzImDQvQvbm1JNJsZmNTV/1CTSWwg53ZjdmOpP+NBwEeZ80kHCbHgSLgHpxivPqlRbsbD5k8gOJ8IqMHme1eWn2Qe+3xMPZ6DPmeEReJVqHW7QgoHCeZ+3cJwOhL8pZD+drgjzHnFSqrvtI6jmcFs+dnJ+UW3wy1OFbAZ2UZn+piDZ+wJ1UomsyIpzRTc5faIGp6nyEO0KRrn0jh3gsQo3xg3Be8ucOAnfiiQ0wrbuP9DBlTrXmTCVmKbyySAAhvmpy4ix5w0x6Ds9lNuqg5wMH3lVW/WTCCCCHpDELfvZZlzlqFHdmWV/Bh7J8xl1A5xjU9RHUKyjSbLaW4xKwsR+fxjl+2tjzKOZha5QnuTODe63JvDjwjldsWB1Gsg3HjLC3qgjSZoSamLC1EL8qqiwtXHKtQjuZrs6khiBcaHlfW3pHl6mMw1cRPVwIomZmWqqsABJNgI80O25tNhDJ9WxyV3RSl/HF3R8WQ5iM5QZrhApYavY4bC/Fs7XPIE6wySw4WyinQchKZierlwT1tDQ8OkPWf2+8IJBMtisSehI7ym4IPDmDyMbm7dcXllHN3lHCSdWW11Y9VyPiGhfDADIAdBYR4otqNJqCyLjHZEzBezYUdc15kB2y46QxsW88vdHJwrfRIq9LUm7iI9QRS/1qT/2L6wR6FrXrKrSekuxFU0qTEKOoZWyIYXBiWCC4zUSNp/o6zJp5lvcmXI6BhmPMGMCp3Yq5eslm8UKuD6G/yEdWgisrbLt6pzjHtGFuHXvOSS9iVTGwp5vmmEerECNWi3CqJh+sKyR1xt6DIepjo0ER09kW6HJyZs3LnhEqo3TemykK01XC4iWUOGXFn3iowkHQaWOt4mO7VQJeLEha1+zF8/dDnj42tDfBBPsi0qOWZeP9e00LmoBgTms2uC3xHCRqGyZTyI1B8ImoJjIrzbd9xglqdczkCObNYnkAORhs3j2Mk5A5ury81ZcN9Dl3gcog3f2Ii2mks7i4XFay8LqFAFzz1ikOwHWsFRvT1546RrzSlMkb5m/7fj7cEOMEdR5al0iPiv1n/9k="/>
-          <p:cNvSpPr>
-            <a:spLocks noChangeAspect="1" noChangeArrowheads="1"/>
-          </p:cNvSpPr>
-          <p:nvPr/>
-        </p:nvSpPr>
-        <p:spPr bwMode="auto">
-          <a:xfrm>
-            <a:off x="155575" y="-342900"/>
-            <a:ext cx="771525" cy="723900"/>
-          </a:xfrm>
-          <a:prstGeom prst="rect">
-            <a:avLst/>
-          </a:prstGeom>
-          <a:noFill/>
-        </p:spPr>
-        <p:txBody>
-          <a:bodyPr vert="horz" wrap="square" lIns="91440" tIns="45720" rIns="91440" bIns="45720" numCol="1" anchor="t" anchorCtr="0" compatLnSpc="1">
-            <a:prstTxWarp prst="textNoShape">
-              <a:avLst/>
-            </a:prstTxWarp>
-          </a:bodyPr>
-          <a:lstStyle/>
-          <a:p>
-            <a:endParaRPr lang="en-US"/>
-          </a:p>
-        </p:txBody>
-      </p:sp>
-      <p:sp>
-        <p:nvSpPr>
-          <p:cNvPr id="3080" name="AutoShape 8" descr="data:image/jpeg;base64,/9j/4AAQSkZJRgABAQAAAQABAAD/2wCEAAkGBhQREBUUExQWFBUVFh8aFxgWFBoXFhUcGxUWGB8XGB0aHiYqGCAlGhkdKy8gJicpOCwtHh8xNTAqNSYsLCoBCQoKDQsNGQ4OGTUkHyQ1LDY1NTU0NTQ0NS80NTU0NDU1NDI0NTQ1NTIsNC0sNDUyNTU0LCw1NDQ0NSo0NCw0Kv/AABEIAEwAUQMBIgACEQEDEQH/xAAbAAACAwEBAQAAAAAAAAAAAAAABgMEBQcCAf/EAD4QAAIABAMFBQQGCQUAAAAAAAECAAMEERIhMQUGQVFxEyJhgZEyYnKhFCNSgrHwB0JjkqKy0eHxFRczU1T/xAAbAQACAgMBAAAAAAAAAAAAAAACBAMFAAEGB//EACwRAAIBAwEGBgEFAAAAAAAAAAECAAMEERIFITFBUWETFCJxwfDRMoGRoeH/2gAMAwEAAhEDEQA/AO4wQQu1O03qnMqQ2CUptMnD2m92UeHxenOIatZaQy3Ph3hKpaaddtqVKOEktM4S0BeYfujQeJsIXG/SOhqhSqqLNJsqzpwQsRYYQUV1xXyw4r+cTb0V0vZuzaibKAlkSzhbVjMbuKzHVjiYHyMLO6241M1AKiukYpj2dLlhNlILdkiMCCrEAE2ObMbxF4hK6mbA7f7+IWADgDMe/ptX/wCeUelSb+V5Yjnu9Oxq6tri1S8ukpUUCSs2V9JlFuLTACEDXvZmOQsBxjp8moOAFwFNrsL3Ayzz425wgb/7wVspJEyQs3s5rG4lAXVMsNyVPeIzseg0JO0LO2lGye+PjBguyouphGncnZdRTUxlVE5J9nJlOmLOWQCAQxNrEsAAT3QufCGCEnZcuop5UmYBhaYmJ5LDCjMBdlsB9W9swQBoQRlm17M2mlRLDp0YH2lI1VhwP9joYNKwZzTbcw5fiZp9IYcDLcEEETwYQQQRkyLW+G1ioWnQ2aYLuRqsvSw5Fjlfli8Ik2XLEuUqgAZcIWqup7WqnTP2hRfhl3T+YMfON2nn90dI424vtd25J3LuHzLFaWKYE87w7FlVQlmoJMmQxmmXlgmMo7pfiwXM4dDfO8ZW/uya6ppVanGYcHsr2OGxzcgi5J4A5X45xr7RmfVNyyv0xLf5Xhkp5oKxb7LqC4Jdt+nlFbhMDT1ibsKmqZVE0mo/5GkzGRcWIp7S9niub2uhGZ1I4Q3UE4NLUjSwt0tFGsng1IA/UlG/hjZbD0RooqWlXCd5eAvYr4Z6jlyg/O0aF06ucA/fmaFMmmMS9tucMUkDXtR+Bv8AK8YBq/olV2gyltYTRwwnR/uG/wB28WwWZ8cywIFlUG+G+pJ4k+Gg6xmbWbETxFrfn1imv9or4wq0TwIx36/zGqVL04aP0EYu6FYZlIlzdpZMsn4DYH920bUddTcVEDjnEGGkkQgggg5qcp2a/dHiSfViY3aadYRhTJfZTpss/qTXHkWLD+FhGjTTo8wu0ZKrdcmXa4Imv2lxY5g5dY+Sp01BZGW3DECSPQ5xXlzImDQvQvbm1JNJsZmNTV/1CTSWwg53ZjdmOpP+NBwEeZ80kHCbHgSLgHpxivPqlRbsbD5k8gOJ8IqMHme1eWn2Qe+3xMPZ6DPmeEReJVqHW7QgoHCeZ+3cJwOhL8pZD+drgjzHnFSqrvtI6jmcFs+dnJ+UW3wy1OFbAZ2UZn+piDZ+wJ1UomsyIpzRTc5faIGp6nyEO0KRrn0jh3gsQo3xg3Be8ucOAnfiiQ0wrbuP9DBlTrXmTCVmKbyySAAhvmpy4ix5w0x6Ds9lNuqg5wMH3lVW/WTCCCCHpDELfvZZlzlqFHdmWV/Bh7J8xl1A5xjU9RHUKyjSbLaW4xKwsR+fxjl+2tjzKOZha5QnuTODe63JvDjwjldsWB1Gsg3HjLC3qgjSZoSamLC1EL8qqiwtXHKtQjuZrs6khiBcaHlfW3pHl6mMw1cRPVwIomZmWqqsABJNgI80O25tNhDJ9WxyV3RSl/HF3R8WQ5iM5QZrhApYavY4bC/Fs7XPIE6wySw4WyinQchKZierlwT1tDQ8OkPWf2+8IJBMtisSehI7ym4IPDmDyMbm7dcXllHN3lHCSdWW11Y9VyPiGhfDADIAdBYR4otqNJqCyLjHZEzBezYUdc15kB2y46QxsW88vdHJwrfRIq9LUm7iI9QRS/1qT/2L6wR6FrXrKrSekuxFU0qTEKOoZWyIYXBiWCC4zUSNp/o6zJp5lvcmXI6BhmPMGMCp3Yq5eslm8UKuD6G/yEdWgisrbLt6pzjHtGFuHXvOSS9iVTGwp5vmmEerECNWi3CqJh+sKyR1xt6DIepjo0ER09kW6HJyZs3LnhEqo3TemykK01XC4iWUOGXFn3iowkHQaWOt4mO7VQJeLEha1+zF8/dDnj42tDfBBPsi0qOWZeP9e00LmoBgTms2uC3xHCRqGyZTyI1B8ImoJjIrzbd9xglqdczkCObNYnkAORhs3j2Mk5A5ury81ZcN9Dl3gcog3f2Ii2mks7i4XFay8LqFAFzz1ikOwHWsFRvT1546RrzSlMkb5m/7fj7cEOMEdR5al0iPiv1n/9k="/>
-          <p:cNvSpPr>
-            <a:spLocks noChangeAspect="1" noChangeArrowheads="1"/>
-          </p:cNvSpPr>
-          <p:nvPr/>
-        </p:nvSpPr>
-        <p:spPr bwMode="auto">
-          <a:xfrm>
-            <a:off x="155575" y="-342900"/>
-            <a:ext cx="771525" cy="723900"/>
-          </a:xfrm>
-          <a:prstGeom prst="rect">
-            <a:avLst/>
-          </a:prstGeom>
-          <a:noFill/>
-        </p:spPr>
-        <p:txBody>
-          <a:bodyPr vert="horz" wrap="square" lIns="91440" tIns="45720" rIns="91440" bIns="45720" numCol="1" anchor="t" anchorCtr="0" compatLnSpc="1">
-            <a:prstTxWarp prst="textNoShape">
-              <a:avLst/>
-            </a:prstTxWarp>
-          </a:bodyPr>
-          <a:lstStyle/>
-          <a:p>
-            <a:endParaRPr lang="en-US"/>
-          </a:p>
-        </p:txBody>
-      </p:sp>
-      <p:pic>
-        <p:nvPicPr>
-          <p:cNvPr id="3081" name="Picture 9"/>
-          <p:cNvPicPr>
-            <a:picLocks noChangeAspect="1" noChangeArrowheads="1"/>
-          </p:cNvPicPr>
-          <p:nvPr/>
-        </p:nvPicPr>
-        <p:blipFill>
-          <a:blip r:embed="rId3" cstate="print"/>
-          <a:srcRect/>
-          <a:stretch>
-            <a:fillRect/>
-          </a:stretch>
-        </p:blipFill>
-        <p:spPr bwMode="auto">
-          <a:xfrm>
-            <a:off x="3810000" y="3124200"/>
-            <a:ext cx="771525" cy="723900"/>
-          </a:xfrm>
-          <a:prstGeom prst="rect">
-            <a:avLst/>
-          </a:prstGeom>
-          <a:noFill/>
-          <a:ln w="9525">
-            <a:noFill/>
-            <a:miter lim="800000"/>
-            <a:headEnd/>
-            <a:tailEnd/>
-          </a:ln>
-        </p:spPr>
-      </p:pic>
-      <p:grpSp>
-        <p:nvGrpSpPr>
-          <p:cNvPr id="218" name="Group 217"/>
-          <p:cNvGrpSpPr/>
-          <p:nvPr/>
-        </p:nvGrpSpPr>
-        <p:grpSpPr>
-          <a:xfrm>
-            <a:off x="1905000" y="1143000"/>
-            <a:ext cx="1905000" cy="2343150"/>
-            <a:chOff x="1905000" y="1143000"/>
-            <a:chExt cx="1905000" cy="2343150"/>
-          </a:xfrm>
-        </p:grpSpPr>
-        <p:pic>
-          <p:nvPicPr>
-            <p:cNvPr id="5" name="Picture 4"/>
-            <p:cNvPicPr>
-              <a:picLocks noChangeAspect="1" noChangeArrowheads="1"/>
-            </p:cNvPicPr>
-            <p:nvPr/>
-          </p:nvPicPr>
-          <p:blipFill>
-            <a:blip r:embed="rId4" cstate="print"/>
-            <a:srcRect/>
-            <a:stretch>
-              <a:fillRect/>
-            </a:stretch>
-          </p:blipFill>
-          <p:spPr bwMode="auto">
-            <a:xfrm>
-              <a:off x="1981200" y="1143000"/>
-              <a:ext cx="533400" cy="533400"/>
-            </a:xfrm>
-            <a:prstGeom prst="rect">
-              <a:avLst/>
-            </a:prstGeom>
-            <a:noFill/>
-            <a:ln w="9525">
-              <a:noFill/>
-              <a:miter lim="800000"/>
-              <a:headEnd/>
-              <a:tailEnd/>
-            </a:ln>
-          </p:spPr>
-        </p:pic>
-        <p:pic>
-          <p:nvPicPr>
-            <p:cNvPr id="15" name="Picture 14"/>
-            <p:cNvPicPr>
-              <a:picLocks noChangeAspect="1" noChangeArrowheads="1"/>
-            </p:cNvPicPr>
-            <p:nvPr/>
-          </p:nvPicPr>
-          <p:blipFill>
-            <a:blip r:embed="rId4" cstate="print"/>
-            <a:srcRect/>
-            <a:stretch>
-              <a:fillRect/>
-            </a:stretch>
-          </p:blipFill>
-          <p:spPr bwMode="auto">
-            <a:xfrm>
-              <a:off x="1905000" y="2133600"/>
-              <a:ext cx="533400" cy="533400"/>
-            </a:xfrm>
-            <a:prstGeom prst="rect">
-              <a:avLst/>
-            </a:prstGeom>
-            <a:noFill/>
-            <a:ln w="9525">
-              <a:noFill/>
-              <a:miter lim="800000"/>
-              <a:headEnd/>
-              <a:tailEnd/>
-            </a:ln>
-          </p:spPr>
-        </p:pic>
-        <p:pic>
-          <p:nvPicPr>
-            <p:cNvPr id="16" name="Picture 15"/>
-            <p:cNvPicPr>
-              <a:picLocks noChangeAspect="1" noChangeArrowheads="1"/>
-            </p:cNvPicPr>
-            <p:nvPr/>
-          </p:nvPicPr>
-          <p:blipFill>
-            <a:blip r:embed="rId4" cstate="print"/>
-            <a:srcRect/>
-            <a:stretch>
-              <a:fillRect/>
-            </a:stretch>
-          </p:blipFill>
-          <p:spPr bwMode="auto">
-            <a:xfrm>
-              <a:off x="2819400" y="1905000"/>
-              <a:ext cx="533400" cy="533400"/>
-            </a:xfrm>
-            <a:prstGeom prst="rect">
-              <a:avLst/>
-            </a:prstGeom>
-            <a:noFill/>
-            <a:ln w="9525">
-              <a:noFill/>
-              <a:miter lim="800000"/>
-              <a:headEnd/>
-              <a:tailEnd/>
-            </a:ln>
-          </p:spPr>
-        </p:pic>
-        <p:pic>
-          <p:nvPicPr>
-            <p:cNvPr id="17" name="Picture 16"/>
-            <p:cNvPicPr>
-              <a:picLocks noChangeAspect="1" noChangeArrowheads="1"/>
-            </p:cNvPicPr>
-            <p:nvPr/>
-          </p:nvPicPr>
-          <p:blipFill>
-            <a:blip r:embed="rId4" cstate="print"/>
-            <a:srcRect/>
-            <a:stretch>
-              <a:fillRect/>
-            </a:stretch>
-          </p:blipFill>
-          <p:spPr bwMode="auto">
-            <a:xfrm>
-              <a:off x="2819400" y="1295400"/>
-              <a:ext cx="533400" cy="533400"/>
-            </a:xfrm>
-            <a:prstGeom prst="rect">
-              <a:avLst/>
-            </a:prstGeom>
-            <a:noFill/>
-            <a:ln w="9525">
-              <a:noFill/>
-              <a:miter lim="800000"/>
-              <a:headEnd/>
-              <a:tailEnd/>
-            </a:ln>
-          </p:spPr>
-        </p:pic>
-        <p:cxnSp>
-          <p:nvCxnSpPr>
-            <p:cNvPr id="45" name="Straight Arrow Connector 44"/>
-            <p:cNvCxnSpPr>
-              <a:stCxn id="5" idx="2"/>
-              <a:endCxn id="16" idx="1"/>
-            </p:cNvCxnSpPr>
-            <p:nvPr/>
-          </p:nvCxnSpPr>
-          <p:spPr>
-            <a:xfrm>
-              <a:off x="2247900" y="1676400"/>
-              <a:ext cx="571500" cy="495300"/>
-            </a:xfrm>
-            <a:prstGeom prst="straightConnector1">
-              <a:avLst/>
-            </a:prstGeom>
-            <a:ln>
-              <a:headEnd type="arrow"/>
-              <a:tailEnd type="arrow"/>
-            </a:ln>
-          </p:spPr>
-          <p:style>
-            <a:lnRef idx="2">
-              <a:schemeClr val="dk1"/>
-            </a:lnRef>
-            <a:fillRef idx="0">
-              <a:schemeClr val="dk1"/>
-            </a:fillRef>
-            <a:effectRef idx="1">
-              <a:schemeClr val="dk1"/>
-            </a:effectRef>
-            <a:fontRef idx="minor">
-              <a:schemeClr val="tx1"/>
-            </a:fontRef>
-          </p:style>
-        </p:cxnSp>
-        <p:cxnSp>
-          <p:nvCxnSpPr>
-            <p:cNvPr id="47" name="Straight Arrow Connector 46"/>
-            <p:cNvCxnSpPr>
-              <a:stCxn id="5" idx="3"/>
-              <a:endCxn id="17" idx="1"/>
-            </p:cNvCxnSpPr>
-            <p:nvPr/>
-          </p:nvCxnSpPr>
-          <p:spPr>
-            <a:xfrm>
-              <a:off x="2514600" y="1409700"/>
-              <a:ext cx="304800" cy="152400"/>
-            </a:xfrm>
-            <a:prstGeom prst="straightConnector1">
-              <a:avLst/>
-            </a:prstGeom>
-            <a:ln>
-              <a:headEnd type="arrow"/>
-              <a:tailEnd type="arrow"/>
-            </a:ln>
-          </p:spPr>
-          <p:style>
-            <a:lnRef idx="2">
-              <a:schemeClr val="dk1"/>
-            </a:lnRef>
-            <a:fillRef idx="0">
-              <a:schemeClr val="dk1"/>
-            </a:fillRef>
-            <a:effectRef idx="1">
-              <a:schemeClr val="dk1"/>
-            </a:effectRef>
-            <a:fontRef idx="minor">
-              <a:schemeClr val="tx1"/>
-            </a:fontRef>
-          </p:style>
-        </p:cxnSp>
-        <p:cxnSp>
-          <p:nvCxnSpPr>
-            <p:cNvPr id="63" name="Straight Arrow Connector 62"/>
-            <p:cNvCxnSpPr>
-              <a:stCxn id="5" idx="2"/>
-              <a:endCxn id="15" idx="0"/>
-            </p:cNvCxnSpPr>
-            <p:nvPr/>
-          </p:nvCxnSpPr>
-          <p:spPr>
-            <a:xfrm flipH="1">
-              <a:off x="2171700" y="1676400"/>
-              <a:ext cx="76200" cy="457200"/>
-            </a:xfrm>
-            <a:prstGeom prst="straightConnector1">
-              <a:avLst/>
-            </a:prstGeom>
-            <a:ln>
-              <a:headEnd type="arrow"/>
-              <a:tailEnd type="arrow"/>
-            </a:ln>
-          </p:spPr>
-          <p:style>
-            <a:lnRef idx="2">
-              <a:schemeClr val="dk1"/>
-            </a:lnRef>
-            <a:fillRef idx="0">
-              <a:schemeClr val="dk1"/>
-            </a:fillRef>
-            <a:effectRef idx="1">
-              <a:schemeClr val="dk1"/>
-            </a:effectRef>
-            <a:fontRef idx="minor">
-              <a:schemeClr val="tx1"/>
-            </a:fontRef>
-          </p:style>
-        </p:cxnSp>
-        <p:cxnSp>
-          <p:nvCxnSpPr>
-            <p:cNvPr id="155" name="Straight Arrow Connector 154"/>
-            <p:cNvCxnSpPr>
-              <a:stCxn id="16" idx="2"/>
-              <a:endCxn id="3081" idx="1"/>
-            </p:cNvCxnSpPr>
-            <p:nvPr/>
-          </p:nvCxnSpPr>
-          <p:spPr>
-            <a:xfrm>
-              <a:off x="3086100" y="2438400"/>
-              <a:ext cx="723900" cy="1047750"/>
-            </a:xfrm>
-            <a:prstGeom prst="straightConnector1">
-              <a:avLst/>
-            </a:prstGeom>
-            <a:ln>
-              <a:headEnd type="arrow"/>
-              <a:tailEnd type="arrow"/>
-            </a:ln>
-          </p:spPr>
-          <p:style>
-            <a:lnRef idx="2">
-              <a:schemeClr val="dk1"/>
-            </a:lnRef>
-            <a:fillRef idx="0">
-              <a:schemeClr val="dk1"/>
-            </a:fillRef>
-            <a:effectRef idx="1">
-              <a:schemeClr val="dk1"/>
-            </a:effectRef>
-            <a:fontRef idx="minor">
-              <a:schemeClr val="tx1"/>
-            </a:fontRef>
-          </p:style>
-        </p:cxnSp>
-      </p:grpSp>
-      <p:grpSp>
-        <p:nvGrpSpPr>
-          <p:cNvPr id="217" name="Group 216"/>
-          <p:cNvGrpSpPr/>
-          <p:nvPr/>
-        </p:nvGrpSpPr>
-        <p:grpSpPr>
-          <a:xfrm>
-            <a:off x="762000" y="2895600"/>
-            <a:ext cx="3048000" cy="1524000"/>
-            <a:chOff x="762000" y="2895600"/>
-            <a:chExt cx="3048000" cy="1524000"/>
-          </a:xfrm>
-        </p:grpSpPr>
-        <p:pic>
-          <p:nvPicPr>
-            <p:cNvPr id="23" name="Picture 22"/>
-            <p:cNvPicPr>
-              <a:picLocks noChangeAspect="1" noChangeArrowheads="1"/>
-            </p:cNvPicPr>
-            <p:nvPr/>
-          </p:nvPicPr>
-          <p:blipFill>
-            <a:blip r:embed="rId5" cstate="print"/>
-            <a:srcRect/>
-            <a:stretch>
-              <a:fillRect/>
-            </a:stretch>
-          </p:blipFill>
-          <p:spPr bwMode="auto">
-            <a:xfrm>
-              <a:off x="762000" y="3200400"/>
-              <a:ext cx="533400" cy="533400"/>
-            </a:xfrm>
-            <a:prstGeom prst="rect">
-              <a:avLst/>
-            </a:prstGeom>
-            <a:noFill/>
-            <a:ln w="9525">
-              <a:noFill/>
-              <a:miter lim="800000"/>
-              <a:headEnd/>
-              <a:tailEnd/>
-            </a:ln>
-          </p:spPr>
-        </p:pic>
-        <p:pic>
-          <p:nvPicPr>
-            <p:cNvPr id="24" name="Picture 23"/>
-            <p:cNvPicPr>
-              <a:picLocks noChangeAspect="1" noChangeArrowheads="1"/>
-            </p:cNvPicPr>
-            <p:nvPr/>
-          </p:nvPicPr>
-          <p:blipFill>
-            <a:blip r:embed="rId5" cstate="print"/>
-            <a:srcRect/>
-            <a:stretch>
-              <a:fillRect/>
-            </a:stretch>
-          </p:blipFill>
-          <p:spPr bwMode="auto">
-            <a:xfrm>
-              <a:off x="1066800" y="3886200"/>
-              <a:ext cx="533400" cy="533400"/>
-            </a:xfrm>
-            <a:prstGeom prst="rect">
-              <a:avLst/>
-            </a:prstGeom>
-            <a:noFill/>
-            <a:ln w="9525">
-              <a:noFill/>
-              <a:miter lim="800000"/>
-              <a:headEnd/>
-              <a:tailEnd/>
-            </a:ln>
-          </p:spPr>
-        </p:pic>
-        <p:pic>
-          <p:nvPicPr>
-            <p:cNvPr id="25" name="Picture 24"/>
-            <p:cNvPicPr>
-              <a:picLocks noChangeAspect="1" noChangeArrowheads="1"/>
-            </p:cNvPicPr>
-            <p:nvPr/>
-          </p:nvPicPr>
-          <p:blipFill>
-            <a:blip r:embed="rId5" cstate="print"/>
-            <a:srcRect/>
-            <a:stretch>
-              <a:fillRect/>
-            </a:stretch>
-          </p:blipFill>
-          <p:spPr bwMode="auto">
-            <a:xfrm>
-              <a:off x="1981200" y="3733800"/>
-              <a:ext cx="533400" cy="533400"/>
-            </a:xfrm>
-            <a:prstGeom prst="rect">
-              <a:avLst/>
-            </a:prstGeom>
-            <a:noFill/>
-            <a:ln w="9525">
-              <a:noFill/>
-              <a:miter lim="800000"/>
-              <a:headEnd/>
-              <a:tailEnd/>
-            </a:ln>
-          </p:spPr>
-        </p:pic>
-        <p:pic>
-          <p:nvPicPr>
-            <p:cNvPr id="26" name="Picture 25"/>
-            <p:cNvPicPr>
-              <a:picLocks noChangeAspect="1" noChangeArrowheads="1"/>
-            </p:cNvPicPr>
-            <p:nvPr/>
-          </p:nvPicPr>
-          <p:blipFill>
-            <a:blip r:embed="rId5" cstate="print"/>
-            <a:srcRect/>
-            <a:stretch>
-              <a:fillRect/>
-            </a:stretch>
-          </p:blipFill>
-          <p:spPr bwMode="auto">
-            <a:xfrm>
-              <a:off x="2133600" y="2971800"/>
-              <a:ext cx="533400" cy="533400"/>
-            </a:xfrm>
-            <a:prstGeom prst="rect">
-              <a:avLst/>
-            </a:prstGeom>
-            <a:noFill/>
-            <a:ln w="9525">
-              <a:noFill/>
-              <a:miter lim="800000"/>
-              <a:headEnd/>
-              <a:tailEnd/>
-            </a:ln>
-          </p:spPr>
-        </p:pic>
-        <p:pic>
-          <p:nvPicPr>
-            <p:cNvPr id="30" name="Picture 29"/>
-            <p:cNvPicPr>
-              <a:picLocks noChangeAspect="1" noChangeArrowheads="1"/>
-            </p:cNvPicPr>
-            <p:nvPr/>
-          </p:nvPicPr>
-          <p:blipFill>
-            <a:blip r:embed="rId5" cstate="print"/>
-            <a:srcRect/>
-            <a:stretch>
-              <a:fillRect/>
-            </a:stretch>
-          </p:blipFill>
-          <p:spPr bwMode="auto">
-            <a:xfrm>
-              <a:off x="1447800" y="2895600"/>
-              <a:ext cx="533400" cy="533400"/>
-            </a:xfrm>
-            <a:prstGeom prst="rect">
-              <a:avLst/>
-            </a:prstGeom>
-            <a:noFill/>
-            <a:ln w="9525">
-              <a:noFill/>
-              <a:miter lim="800000"/>
-              <a:headEnd/>
-              <a:tailEnd/>
-            </a:ln>
-          </p:spPr>
-        </p:pic>
-        <p:cxnSp>
-          <p:nvCxnSpPr>
-            <p:cNvPr id="57" name="Straight Arrow Connector 56"/>
-            <p:cNvCxnSpPr>
-              <a:stCxn id="26" idx="2"/>
-              <a:endCxn id="25" idx="0"/>
-            </p:cNvCxnSpPr>
-            <p:nvPr/>
-          </p:nvCxnSpPr>
-          <p:spPr>
-            <a:xfrm flipH="1">
-              <a:off x="2247900" y="3505200"/>
-              <a:ext cx="152400" cy="228600"/>
-            </a:xfrm>
-            <a:prstGeom prst="straightConnector1">
-              <a:avLst/>
-            </a:prstGeom>
-            <a:ln>
-              <a:headEnd type="arrow"/>
-              <a:tailEnd type="arrow"/>
-            </a:ln>
-          </p:spPr>
-          <p:style>
-            <a:lnRef idx="2">
-              <a:schemeClr val="dk1"/>
-            </a:lnRef>
-            <a:fillRef idx="0">
-              <a:schemeClr val="dk1"/>
-            </a:fillRef>
-            <a:effectRef idx="1">
-              <a:schemeClr val="dk1"/>
-            </a:effectRef>
-            <a:fontRef idx="minor">
-              <a:schemeClr val="tx1"/>
-            </a:fontRef>
-          </p:style>
-        </p:cxnSp>
-        <p:cxnSp>
-          <p:nvCxnSpPr>
-            <p:cNvPr id="60" name="Straight Arrow Connector 59"/>
-            <p:cNvCxnSpPr>
-              <a:stCxn id="30" idx="2"/>
-              <a:endCxn id="25" idx="1"/>
-            </p:cNvCxnSpPr>
-            <p:nvPr/>
-          </p:nvCxnSpPr>
-          <p:spPr>
-            <a:xfrm>
-              <a:off x="1714500" y="3429000"/>
-              <a:ext cx="266700" cy="571500"/>
-            </a:xfrm>
-            <a:prstGeom prst="straightConnector1">
-              <a:avLst/>
-            </a:prstGeom>
-            <a:ln>
-              <a:headEnd type="arrow"/>
-              <a:tailEnd type="arrow"/>
-            </a:ln>
-          </p:spPr>
-          <p:style>
-            <a:lnRef idx="2">
-              <a:schemeClr val="dk1"/>
-            </a:lnRef>
-            <a:fillRef idx="0">
-              <a:schemeClr val="dk1"/>
-            </a:fillRef>
-            <a:effectRef idx="1">
-              <a:schemeClr val="dk1"/>
-            </a:effectRef>
-            <a:fontRef idx="minor">
-              <a:schemeClr val="tx1"/>
-            </a:fontRef>
-          </p:style>
-        </p:cxnSp>
-        <p:cxnSp>
-          <p:nvCxnSpPr>
-            <p:cNvPr id="158" name="Straight Arrow Connector 157"/>
-            <p:cNvCxnSpPr>
-              <a:stCxn id="26" idx="3"/>
-              <a:endCxn id="3081" idx="1"/>
-            </p:cNvCxnSpPr>
-            <p:nvPr/>
-          </p:nvCxnSpPr>
-          <p:spPr>
-            <a:xfrm>
-              <a:off x="2667000" y="3238500"/>
-              <a:ext cx="1143000" cy="247650"/>
-            </a:xfrm>
-            <a:prstGeom prst="straightConnector1">
-              <a:avLst/>
-            </a:prstGeom>
-            <a:ln>
-              <a:headEnd type="arrow"/>
-              <a:tailEnd type="arrow"/>
-            </a:ln>
-          </p:spPr>
-          <p:style>
-            <a:lnRef idx="2">
-              <a:schemeClr val="dk1"/>
-            </a:lnRef>
-            <a:fillRef idx="0">
-              <a:schemeClr val="dk1"/>
-            </a:fillRef>
-            <a:effectRef idx="1">
-              <a:schemeClr val="dk1"/>
-            </a:effectRef>
-            <a:fontRef idx="minor">
-              <a:schemeClr val="tx1"/>
-            </a:fontRef>
-          </p:style>
-        </p:cxnSp>
-      </p:grpSp>
-      <p:grpSp>
-        <p:nvGrpSpPr>
-          <p:cNvPr id="224" name="Group 223"/>
-          <p:cNvGrpSpPr/>
-          <p:nvPr/>
-        </p:nvGrpSpPr>
-        <p:grpSpPr>
-          <a:xfrm>
-            <a:off x="1828800" y="3848100"/>
-            <a:ext cx="2366963" cy="2175510"/>
-            <a:chOff x="1828800" y="3848100"/>
-            <a:chExt cx="2366963" cy="2175510"/>
-          </a:xfrm>
-        </p:grpSpPr>
-        <p:pic>
-          <p:nvPicPr>
-            <p:cNvPr id="6" name="Picture 5"/>
-            <p:cNvPicPr>
-              <a:picLocks noChangeAspect="1" noChangeArrowheads="1"/>
-            </p:cNvPicPr>
-            <p:nvPr/>
-          </p:nvPicPr>
-          <p:blipFill>
-            <a:blip r:embed="rId6" cstate="print"/>
-            <a:srcRect/>
-            <a:stretch>
-              <a:fillRect/>
-            </a:stretch>
-          </p:blipFill>
-          <p:spPr bwMode="auto">
-            <a:xfrm>
-              <a:off x="3429000" y="4953000"/>
-              <a:ext cx="533400" cy="537210"/>
-            </a:xfrm>
-            <a:prstGeom prst="rect">
-              <a:avLst/>
-            </a:prstGeom>
-            <a:noFill/>
-            <a:ln w="9525">
-              <a:noFill/>
-              <a:miter lim="800000"/>
-              <a:headEnd/>
-              <a:tailEnd/>
-            </a:ln>
-          </p:spPr>
-        </p:pic>
-        <p:pic>
-          <p:nvPicPr>
-            <p:cNvPr id="19" name="Picture 18"/>
-            <p:cNvPicPr>
-              <a:picLocks noChangeAspect="1" noChangeArrowheads="1"/>
-            </p:cNvPicPr>
-            <p:nvPr/>
-          </p:nvPicPr>
-          <p:blipFill>
-            <a:blip r:embed="rId6" cstate="print"/>
-            <a:srcRect/>
-            <a:stretch>
-              <a:fillRect/>
-            </a:stretch>
-          </p:blipFill>
-          <p:spPr bwMode="auto">
-            <a:xfrm>
-              <a:off x="2590800" y="4800600"/>
-              <a:ext cx="533400" cy="537210"/>
-            </a:xfrm>
-            <a:prstGeom prst="rect">
-              <a:avLst/>
-            </a:prstGeom>
-            <a:noFill/>
-            <a:ln w="9525">
-              <a:noFill/>
-              <a:miter lim="800000"/>
-              <a:headEnd/>
-              <a:tailEnd/>
-            </a:ln>
-          </p:spPr>
-        </p:pic>
-        <p:pic>
-          <p:nvPicPr>
-            <p:cNvPr id="20" name="Picture 19"/>
-            <p:cNvPicPr>
-              <a:picLocks noChangeAspect="1" noChangeArrowheads="1"/>
-            </p:cNvPicPr>
-            <p:nvPr/>
-          </p:nvPicPr>
-          <p:blipFill>
-            <a:blip r:embed="rId6" cstate="print"/>
-            <a:srcRect/>
-            <a:stretch>
-              <a:fillRect/>
-            </a:stretch>
-          </p:blipFill>
-          <p:spPr bwMode="auto">
-            <a:xfrm>
-              <a:off x="2362200" y="5486400"/>
-              <a:ext cx="533400" cy="537210"/>
-            </a:xfrm>
-            <a:prstGeom prst="rect">
-              <a:avLst/>
-            </a:prstGeom>
-            <a:noFill/>
-            <a:ln w="9525">
-              <a:noFill/>
-              <a:miter lim="800000"/>
-              <a:headEnd/>
-              <a:tailEnd/>
-            </a:ln>
-          </p:spPr>
-        </p:pic>
-        <p:pic>
-          <p:nvPicPr>
-            <p:cNvPr id="22" name="Picture 21"/>
-            <p:cNvPicPr>
-              <a:picLocks noChangeAspect="1" noChangeArrowheads="1"/>
-            </p:cNvPicPr>
-            <p:nvPr/>
-          </p:nvPicPr>
-          <p:blipFill>
-            <a:blip r:embed="rId6" cstate="print"/>
-            <a:srcRect/>
-            <a:stretch>
-              <a:fillRect/>
-            </a:stretch>
-          </p:blipFill>
-          <p:spPr bwMode="auto">
-            <a:xfrm>
-              <a:off x="1828800" y="4495800"/>
-              <a:ext cx="533400" cy="537210"/>
-            </a:xfrm>
-            <a:prstGeom prst="rect">
-              <a:avLst/>
-            </a:prstGeom>
-            <a:noFill/>
-            <a:ln w="9525">
-              <a:noFill/>
-              <a:miter lim="800000"/>
-              <a:headEnd/>
-              <a:tailEnd/>
-            </a:ln>
-          </p:spPr>
-        </p:pic>
-        <p:cxnSp>
-          <p:nvCxnSpPr>
-            <p:cNvPr id="94" name="Straight Arrow Connector 93"/>
-            <p:cNvCxnSpPr>
-              <a:stCxn id="22" idx="2"/>
-            </p:cNvCxnSpPr>
-            <p:nvPr/>
-          </p:nvCxnSpPr>
-          <p:spPr>
-            <a:xfrm>
-              <a:off x="2095500" y="5033010"/>
-              <a:ext cx="266700" cy="529590"/>
-            </a:xfrm>
-            <a:prstGeom prst="straightConnector1">
-              <a:avLst/>
-            </a:prstGeom>
-            <a:ln>
-              <a:headEnd type="arrow"/>
-              <a:tailEnd type="arrow"/>
-            </a:ln>
-          </p:spPr>
-          <p:style>
-            <a:lnRef idx="2">
-              <a:schemeClr val="dk1"/>
-            </a:lnRef>
-            <a:fillRef idx="0">
-              <a:schemeClr val="dk1"/>
-            </a:fillRef>
-            <a:effectRef idx="1">
-              <a:schemeClr val="dk1"/>
-            </a:effectRef>
-            <a:fontRef idx="minor">
-              <a:schemeClr val="tx1"/>
-            </a:fontRef>
-          </p:style>
-        </p:cxnSp>
-        <p:cxnSp>
-          <p:nvCxnSpPr>
-            <p:cNvPr id="97" name="Straight Arrow Connector 96"/>
-            <p:cNvCxnSpPr>
-              <a:stCxn id="22" idx="3"/>
-              <a:endCxn id="19" idx="1"/>
-            </p:cNvCxnSpPr>
-            <p:nvPr/>
-          </p:nvCxnSpPr>
-          <p:spPr>
-            <a:xfrm>
-              <a:off x="2362200" y="4764405"/>
-              <a:ext cx="228600" cy="304800"/>
-            </a:xfrm>
-            <a:prstGeom prst="straightConnector1">
-              <a:avLst/>
-            </a:prstGeom>
-            <a:ln>
-              <a:headEnd type="arrow"/>
-              <a:tailEnd type="arrow"/>
-            </a:ln>
-          </p:spPr>
-          <p:style>
-            <a:lnRef idx="2">
-              <a:schemeClr val="dk1"/>
-            </a:lnRef>
-            <a:fillRef idx="0">
-              <a:schemeClr val="dk1"/>
-            </a:fillRef>
-            <a:effectRef idx="1">
-              <a:schemeClr val="dk1"/>
-            </a:effectRef>
-            <a:fontRef idx="minor">
-              <a:schemeClr val="tx1"/>
-            </a:fontRef>
-          </p:style>
-        </p:cxnSp>
-        <p:cxnSp>
-          <p:nvCxnSpPr>
-            <p:cNvPr id="100" name="Straight Arrow Connector 99"/>
-            <p:cNvCxnSpPr>
-              <a:stCxn id="19" idx="2"/>
-              <a:endCxn id="20" idx="0"/>
-            </p:cNvCxnSpPr>
-            <p:nvPr/>
-          </p:nvCxnSpPr>
-          <p:spPr>
-            <a:xfrm flipH="1">
-              <a:off x="2628900" y="5337810"/>
-              <a:ext cx="228600" cy="148590"/>
-            </a:xfrm>
-            <a:prstGeom prst="straightConnector1">
-              <a:avLst/>
-            </a:prstGeom>
-            <a:ln>
-              <a:headEnd type="arrow"/>
-              <a:tailEnd type="arrow"/>
-            </a:ln>
-          </p:spPr>
-          <p:style>
-            <a:lnRef idx="2">
-              <a:schemeClr val="dk1"/>
-            </a:lnRef>
-            <a:fillRef idx="0">
-              <a:schemeClr val="dk1"/>
-            </a:fillRef>
-            <a:effectRef idx="1">
-              <a:schemeClr val="dk1"/>
-            </a:effectRef>
-            <a:fontRef idx="minor">
-              <a:schemeClr val="tx1"/>
-            </a:fontRef>
-          </p:style>
-        </p:cxnSp>
-        <p:cxnSp>
-          <p:nvCxnSpPr>
-            <p:cNvPr id="106" name="Straight Arrow Connector 105"/>
-            <p:cNvCxnSpPr>
-              <a:stCxn id="19" idx="3"/>
-              <a:endCxn id="6" idx="1"/>
-            </p:cNvCxnSpPr>
-            <p:nvPr/>
-          </p:nvCxnSpPr>
-          <p:spPr>
-            <a:xfrm>
-              <a:off x="3124200" y="5069205"/>
-              <a:ext cx="304800" cy="152400"/>
-            </a:xfrm>
-            <a:prstGeom prst="straightConnector1">
-              <a:avLst/>
-            </a:prstGeom>
-            <a:ln>
-              <a:headEnd type="arrow"/>
-              <a:tailEnd type="arrow"/>
-            </a:ln>
-          </p:spPr>
-          <p:style>
-            <a:lnRef idx="2">
-              <a:schemeClr val="dk1"/>
-            </a:lnRef>
-            <a:fillRef idx="0">
-              <a:schemeClr val="dk1"/>
-            </a:fillRef>
-            <a:effectRef idx="1">
-              <a:schemeClr val="dk1"/>
-            </a:effectRef>
-            <a:fontRef idx="minor">
-              <a:schemeClr val="tx1"/>
-            </a:fontRef>
-          </p:style>
-        </p:cxnSp>
-        <p:cxnSp>
-          <p:nvCxnSpPr>
-            <p:cNvPr id="161" name="Straight Arrow Connector 160"/>
-            <p:cNvCxnSpPr>
-              <a:stCxn id="19" idx="0"/>
-              <a:endCxn id="3081" idx="2"/>
-            </p:cNvCxnSpPr>
-            <p:nvPr/>
-          </p:nvCxnSpPr>
-          <p:spPr>
-            <a:xfrm flipV="1">
-              <a:off x="2857500" y="3848100"/>
-              <a:ext cx="1338263" cy="952500"/>
-            </a:xfrm>
-            <a:prstGeom prst="straightConnector1">
-              <a:avLst/>
-            </a:prstGeom>
-            <a:ln>
-              <a:headEnd type="arrow"/>
-              <a:tailEnd type="arrow"/>
-            </a:ln>
-          </p:spPr>
-          <p:style>
-            <a:lnRef idx="2">
-              <a:schemeClr val="dk1"/>
-            </a:lnRef>
-            <a:fillRef idx="0">
-              <a:schemeClr val="dk1"/>
-            </a:fillRef>
-            <a:effectRef idx="1">
-              <a:schemeClr val="dk1"/>
-            </a:effectRef>
-            <a:fontRef idx="minor">
-              <a:schemeClr val="tx1"/>
-            </a:fontRef>
-          </p:style>
-        </p:cxnSp>
-      </p:grpSp>
-      <p:grpSp>
-        <p:nvGrpSpPr>
-          <p:cNvPr id="222" name="Group 221"/>
-          <p:cNvGrpSpPr/>
-          <p:nvPr/>
-        </p:nvGrpSpPr>
-        <p:grpSpPr>
-          <a:xfrm>
-            <a:off x="4195763" y="3848100"/>
-            <a:ext cx="1515558" cy="1943100"/>
-            <a:chOff x="4195763" y="3848100"/>
-            <a:chExt cx="1515558" cy="1943100"/>
-          </a:xfrm>
-        </p:grpSpPr>
-        <p:pic>
-          <p:nvPicPr>
-            <p:cNvPr id="3074" name="Picture 2"/>
-            <p:cNvPicPr>
-              <a:picLocks noChangeAspect="1" noChangeArrowheads="1"/>
-            </p:cNvPicPr>
-            <p:nvPr/>
-          </p:nvPicPr>
-          <p:blipFill>
-            <a:blip r:embed="rId7" cstate="print"/>
-            <a:srcRect/>
-            <a:stretch>
-              <a:fillRect/>
-            </a:stretch>
-          </p:blipFill>
-          <p:spPr bwMode="auto">
-            <a:xfrm>
-              <a:off x="5181600" y="5257800"/>
-              <a:ext cx="529721" cy="533400"/>
-            </a:xfrm>
-            <a:prstGeom prst="rect">
-              <a:avLst/>
-            </a:prstGeom>
-            <a:noFill/>
-            <a:ln w="9525">
-              <a:noFill/>
-              <a:miter lim="800000"/>
-              <a:headEnd/>
-              <a:tailEnd/>
-            </a:ln>
-          </p:spPr>
-        </p:pic>
-        <p:cxnSp>
-          <p:nvCxnSpPr>
-            <p:cNvPr id="167" name="Straight Arrow Connector 166"/>
-            <p:cNvCxnSpPr>
-              <a:stCxn id="3074" idx="1"/>
-              <a:endCxn id="3081" idx="2"/>
-            </p:cNvCxnSpPr>
-            <p:nvPr/>
-          </p:nvCxnSpPr>
-          <p:spPr>
-            <a:xfrm flipH="1" flipV="1">
-              <a:off x="4195763" y="3848100"/>
-              <a:ext cx="985837" cy="1676400"/>
-            </a:xfrm>
-            <a:prstGeom prst="straightConnector1">
-              <a:avLst/>
-            </a:prstGeom>
-            <a:ln>
-              <a:headEnd type="arrow"/>
-              <a:tailEnd type="arrow"/>
-            </a:ln>
-          </p:spPr>
-          <p:style>
-            <a:lnRef idx="2">
-              <a:schemeClr val="dk1"/>
-            </a:lnRef>
-            <a:fillRef idx="0">
-              <a:schemeClr val="dk1"/>
-            </a:fillRef>
-            <a:effectRef idx="1">
-              <a:schemeClr val="dk1"/>
-            </a:effectRef>
-            <a:fontRef idx="minor">
-              <a:schemeClr val="tx1"/>
-            </a:fontRef>
-          </p:style>
-        </p:cxnSp>
-      </p:grpSp>
-      <p:grpSp>
-        <p:nvGrpSpPr>
-          <p:cNvPr id="223" name="Group 222"/>
-          <p:cNvGrpSpPr/>
-          <p:nvPr/>
-        </p:nvGrpSpPr>
-        <p:grpSpPr>
-          <a:xfrm>
-            <a:off x="4195763" y="3848100"/>
-            <a:ext cx="604837" cy="2019300"/>
-            <a:chOff x="4195763" y="3848100"/>
-            <a:chExt cx="604837" cy="2019300"/>
-          </a:xfrm>
-        </p:grpSpPr>
-        <p:pic>
-          <p:nvPicPr>
-            <p:cNvPr id="3076" name="Picture 4"/>
-            <p:cNvPicPr>
-              <a:picLocks noChangeAspect="1" noChangeArrowheads="1"/>
-            </p:cNvPicPr>
-            <p:nvPr/>
-          </p:nvPicPr>
-          <p:blipFill>
-            <a:blip r:embed="rId8" cstate="print"/>
-            <a:srcRect/>
-            <a:stretch>
-              <a:fillRect/>
-            </a:stretch>
-          </p:blipFill>
-          <p:spPr bwMode="auto">
-            <a:xfrm>
-              <a:off x="4267200" y="5334000"/>
-              <a:ext cx="533400" cy="533400"/>
-            </a:xfrm>
-            <a:prstGeom prst="rect">
-              <a:avLst/>
-            </a:prstGeom>
-            <a:noFill/>
-            <a:ln w="9525">
-              <a:noFill/>
-              <a:miter lim="800000"/>
-              <a:headEnd/>
-              <a:tailEnd/>
-            </a:ln>
-          </p:spPr>
-        </p:pic>
-        <p:cxnSp>
-          <p:nvCxnSpPr>
-            <p:cNvPr id="174" name="Straight Arrow Connector 173"/>
-            <p:cNvCxnSpPr>
-              <a:stCxn id="3076" idx="0"/>
-              <a:endCxn id="3081" idx="2"/>
-            </p:cNvCxnSpPr>
-            <p:nvPr/>
-          </p:nvCxnSpPr>
-          <p:spPr>
-            <a:xfrm flipH="1" flipV="1">
-              <a:off x="4195763" y="3848100"/>
-              <a:ext cx="338137" cy="1485900"/>
-            </a:xfrm>
-            <a:prstGeom prst="straightConnector1">
-              <a:avLst/>
-            </a:prstGeom>
-            <a:ln>
-              <a:tailEnd type="arrow"/>
-            </a:ln>
-          </p:spPr>
-          <p:style>
-            <a:lnRef idx="2">
-              <a:schemeClr val="dk1"/>
-            </a:lnRef>
-            <a:fillRef idx="0">
-              <a:schemeClr val="dk1"/>
-            </a:fillRef>
-            <a:effectRef idx="1">
-              <a:schemeClr val="dk1"/>
-            </a:effectRef>
-            <a:fontRef idx="minor">
-              <a:schemeClr val="tx1"/>
-            </a:fontRef>
-          </p:style>
-        </p:cxnSp>
-      </p:grpSp>
-      <p:grpSp>
-        <p:nvGrpSpPr>
-          <p:cNvPr id="219" name="Group 218"/>
-          <p:cNvGrpSpPr/>
-          <p:nvPr/>
-        </p:nvGrpSpPr>
-        <p:grpSpPr>
-          <a:xfrm>
-            <a:off x="3505200" y="609600"/>
-            <a:ext cx="2143125" cy="2514600"/>
-            <a:chOff x="3505200" y="609600"/>
-            <a:chExt cx="2143125" cy="2514600"/>
-          </a:xfrm>
-        </p:grpSpPr>
-        <p:pic>
-          <p:nvPicPr>
-            <p:cNvPr id="9" name="Picture 8"/>
-            <p:cNvPicPr>
-              <a:picLocks noChangeAspect="1" noChangeArrowheads="1"/>
-            </p:cNvPicPr>
-            <p:nvPr/>
-          </p:nvPicPr>
-          <p:blipFill>
-            <a:blip r:embed="rId9" cstate="print"/>
-            <a:srcRect/>
-            <a:stretch>
-              <a:fillRect/>
-            </a:stretch>
-          </p:blipFill>
-          <p:spPr bwMode="auto">
-            <a:xfrm>
-              <a:off x="3505200" y="914400"/>
-              <a:ext cx="542925" cy="542925"/>
-            </a:xfrm>
-            <a:prstGeom prst="rect">
-              <a:avLst/>
-            </a:prstGeom>
-            <a:noFill/>
-            <a:ln w="9525">
-              <a:noFill/>
-              <a:miter lim="800000"/>
-              <a:headEnd/>
-              <a:tailEnd/>
-            </a:ln>
-          </p:spPr>
-        </p:pic>
-        <p:pic>
-          <p:nvPicPr>
-            <p:cNvPr id="36" name="Picture 35"/>
-            <p:cNvPicPr>
-              <a:picLocks noChangeAspect="1" noChangeArrowheads="1"/>
-            </p:cNvPicPr>
-            <p:nvPr/>
-          </p:nvPicPr>
-          <p:blipFill>
-            <a:blip r:embed="rId9" cstate="print"/>
-            <a:srcRect/>
-            <a:stretch>
-              <a:fillRect/>
-            </a:stretch>
-          </p:blipFill>
-          <p:spPr bwMode="auto">
-            <a:xfrm>
-              <a:off x="4114800" y="1447800"/>
-              <a:ext cx="542925" cy="542925"/>
-            </a:xfrm>
-            <a:prstGeom prst="rect">
-              <a:avLst/>
-            </a:prstGeom>
-            <a:noFill/>
-            <a:ln w="9525">
-              <a:noFill/>
-              <a:miter lim="800000"/>
-              <a:headEnd/>
-              <a:tailEnd/>
-            </a:ln>
-          </p:spPr>
-        </p:pic>
-        <p:pic>
-          <p:nvPicPr>
-            <p:cNvPr id="37" name="Picture 36"/>
-            <p:cNvPicPr>
-              <a:picLocks noChangeAspect="1" noChangeArrowheads="1"/>
-            </p:cNvPicPr>
-            <p:nvPr/>
-          </p:nvPicPr>
-          <p:blipFill>
-            <a:blip r:embed="rId9" cstate="print"/>
-            <a:srcRect/>
-            <a:stretch>
-              <a:fillRect/>
-            </a:stretch>
-          </p:blipFill>
-          <p:spPr bwMode="auto">
-            <a:xfrm>
-              <a:off x="4267200" y="609600"/>
-              <a:ext cx="542925" cy="542925"/>
-            </a:xfrm>
-            <a:prstGeom prst="rect">
-              <a:avLst/>
-            </a:prstGeom>
-            <a:noFill/>
-            <a:ln w="9525">
-              <a:noFill/>
-              <a:miter lim="800000"/>
-              <a:headEnd/>
-              <a:tailEnd/>
-            </a:ln>
-          </p:spPr>
-        </p:pic>
-        <p:pic>
-          <p:nvPicPr>
-            <p:cNvPr id="38" name="Picture 37"/>
-            <p:cNvPicPr>
-              <a:picLocks noChangeAspect="1" noChangeArrowheads="1"/>
-            </p:cNvPicPr>
-            <p:nvPr/>
-          </p:nvPicPr>
-          <p:blipFill>
-            <a:blip r:embed="rId9" cstate="print"/>
-            <a:srcRect/>
-            <a:stretch>
-              <a:fillRect/>
-            </a:stretch>
-          </p:blipFill>
-          <p:spPr bwMode="auto">
-            <a:xfrm>
-              <a:off x="5105400" y="1295400"/>
-              <a:ext cx="542925" cy="542925"/>
-            </a:xfrm>
-            <a:prstGeom prst="rect">
-              <a:avLst/>
-            </a:prstGeom>
-            <a:noFill/>
-            <a:ln w="9525">
-              <a:noFill/>
-              <a:miter lim="800000"/>
-              <a:headEnd/>
-              <a:tailEnd/>
-            </a:ln>
-          </p:spPr>
-        </p:pic>
-        <p:pic>
-          <p:nvPicPr>
-            <p:cNvPr id="39" name="Picture 38"/>
-            <p:cNvPicPr>
-              <a:picLocks noChangeAspect="1" noChangeArrowheads="1"/>
-            </p:cNvPicPr>
-            <p:nvPr/>
-          </p:nvPicPr>
-          <p:blipFill>
-            <a:blip r:embed="rId9" cstate="print"/>
-            <a:srcRect/>
-            <a:stretch>
-              <a:fillRect/>
-            </a:stretch>
-          </p:blipFill>
-          <p:spPr bwMode="auto">
-            <a:xfrm>
-              <a:off x="5105400" y="1981200"/>
-              <a:ext cx="542925" cy="542925"/>
-            </a:xfrm>
-            <a:prstGeom prst="rect">
-              <a:avLst/>
-            </a:prstGeom>
-            <a:noFill/>
-            <a:ln w="9525">
-              <a:noFill/>
-              <a:miter lim="800000"/>
-              <a:headEnd/>
-              <a:tailEnd/>
-            </a:ln>
-          </p:spPr>
-        </p:pic>
-        <p:cxnSp>
-          <p:nvCxnSpPr>
-            <p:cNvPr id="66" name="Straight Arrow Connector 65"/>
-            <p:cNvCxnSpPr>
-              <a:stCxn id="9" idx="2"/>
-              <a:endCxn id="36" idx="1"/>
-            </p:cNvCxnSpPr>
-            <p:nvPr/>
-          </p:nvCxnSpPr>
-          <p:spPr>
-            <a:xfrm>
-              <a:off x="3776663" y="1457325"/>
-              <a:ext cx="338137" cy="261938"/>
-            </a:xfrm>
-            <a:prstGeom prst="straightConnector1">
-              <a:avLst/>
-            </a:prstGeom>
-            <a:ln>
-              <a:headEnd type="arrow"/>
-              <a:tailEnd type="arrow"/>
-            </a:ln>
-          </p:spPr>
-          <p:style>
-            <a:lnRef idx="2">
-              <a:schemeClr val="dk1"/>
-            </a:lnRef>
-            <a:fillRef idx="0">
-              <a:schemeClr val="dk1"/>
-            </a:fillRef>
-            <a:effectRef idx="1">
-              <a:schemeClr val="dk1"/>
-            </a:effectRef>
-            <a:fontRef idx="minor">
-              <a:schemeClr val="tx1"/>
-            </a:fontRef>
-          </p:style>
-        </p:cxnSp>
-        <p:cxnSp>
-          <p:nvCxnSpPr>
-            <p:cNvPr id="76" name="Straight Arrow Connector 75"/>
-            <p:cNvCxnSpPr>
-              <a:stCxn id="38" idx="1"/>
-              <a:endCxn id="36" idx="3"/>
-            </p:cNvCxnSpPr>
-            <p:nvPr/>
-          </p:nvCxnSpPr>
-          <p:spPr>
-            <a:xfrm flipH="1">
-              <a:off x="4657725" y="1566863"/>
-              <a:ext cx="447675" cy="152400"/>
-            </a:xfrm>
-            <a:prstGeom prst="straightConnector1">
-              <a:avLst/>
-            </a:prstGeom>
-            <a:ln>
-              <a:headEnd type="arrow"/>
-              <a:tailEnd type="arrow"/>
-            </a:ln>
-          </p:spPr>
-          <p:style>
-            <a:lnRef idx="2">
-              <a:schemeClr val="dk1"/>
-            </a:lnRef>
-            <a:fillRef idx="0">
-              <a:schemeClr val="dk1"/>
-            </a:fillRef>
-            <a:effectRef idx="1">
-              <a:schemeClr val="dk1"/>
-            </a:effectRef>
-            <a:fontRef idx="minor">
-              <a:schemeClr val="tx1"/>
-            </a:fontRef>
-          </p:style>
-        </p:cxnSp>
-        <p:cxnSp>
-          <p:nvCxnSpPr>
-            <p:cNvPr id="79" name="Straight Arrow Connector 78"/>
-            <p:cNvCxnSpPr>
-              <a:stCxn id="36" idx="3"/>
-              <a:endCxn id="39" idx="1"/>
-            </p:cNvCxnSpPr>
-            <p:nvPr/>
-          </p:nvCxnSpPr>
-          <p:spPr>
-            <a:xfrm>
-              <a:off x="4657725" y="1719263"/>
-              <a:ext cx="447675" cy="533400"/>
-            </a:xfrm>
-            <a:prstGeom prst="straightConnector1">
-              <a:avLst/>
-            </a:prstGeom>
-            <a:ln>
-              <a:headEnd type="arrow"/>
-              <a:tailEnd type="arrow"/>
-            </a:ln>
-          </p:spPr>
-          <p:style>
-            <a:lnRef idx="2">
-              <a:schemeClr val="dk1"/>
-            </a:lnRef>
-            <a:fillRef idx="0">
-              <a:schemeClr val="dk1"/>
-            </a:fillRef>
-            <a:effectRef idx="1">
-              <a:schemeClr val="dk1"/>
-            </a:effectRef>
-            <a:fontRef idx="minor">
-              <a:schemeClr val="tx1"/>
-            </a:fontRef>
-          </p:style>
-        </p:cxnSp>
-        <p:cxnSp>
-          <p:nvCxnSpPr>
-            <p:cNvPr id="180" name="Straight Arrow Connector 179"/>
-            <p:cNvCxnSpPr>
-              <a:stCxn id="36" idx="2"/>
-              <a:endCxn id="3081" idx="0"/>
-            </p:cNvCxnSpPr>
-            <p:nvPr/>
-          </p:nvCxnSpPr>
-          <p:spPr>
-            <a:xfrm flipH="1">
-              <a:off x="4195763" y="1990725"/>
-              <a:ext cx="190500" cy="1133475"/>
-            </a:xfrm>
-            <a:prstGeom prst="straightConnector1">
-              <a:avLst/>
-            </a:prstGeom>
-            <a:ln>
-              <a:headEnd type="arrow"/>
-              <a:tailEnd type="arrow"/>
-            </a:ln>
-          </p:spPr>
-          <p:style>
-            <a:lnRef idx="2">
-              <a:schemeClr val="dk1"/>
-            </a:lnRef>
-            <a:fillRef idx="0">
-              <a:schemeClr val="dk1"/>
-            </a:fillRef>
-            <a:effectRef idx="1">
-              <a:schemeClr val="dk1"/>
-            </a:effectRef>
-            <a:fontRef idx="minor">
-              <a:schemeClr val="tx1"/>
-            </a:fontRef>
-          </p:style>
-        </p:cxnSp>
-      </p:grpSp>
-      <p:grpSp>
-        <p:nvGrpSpPr>
-          <p:cNvPr id="236" name="Group 235"/>
-          <p:cNvGrpSpPr/>
-          <p:nvPr/>
-        </p:nvGrpSpPr>
-        <p:grpSpPr>
-          <a:xfrm>
-            <a:off x="4195763" y="3848100"/>
-            <a:ext cx="2757487" cy="2343150"/>
-            <a:chOff x="4195763" y="3848100"/>
-            <a:chExt cx="2757487" cy="2343150"/>
-          </a:xfrm>
-        </p:grpSpPr>
-        <p:pic>
-          <p:nvPicPr>
-            <p:cNvPr id="4" name="Picture 3"/>
-            <p:cNvPicPr>
-              <a:picLocks noChangeAspect="1" noChangeArrowheads="1"/>
-            </p:cNvPicPr>
-            <p:nvPr/>
-          </p:nvPicPr>
-          <p:blipFill>
-            <a:blip r:embed="rId10" cstate="print"/>
-            <a:srcRect/>
-            <a:stretch>
-              <a:fillRect/>
-            </a:stretch>
-          </p:blipFill>
-          <p:spPr bwMode="auto">
-            <a:xfrm>
-              <a:off x="6096000" y="4953000"/>
-              <a:ext cx="476250" cy="476250"/>
-            </a:xfrm>
-            <a:prstGeom prst="rect">
-              <a:avLst/>
-            </a:prstGeom>
-            <a:noFill/>
-            <a:ln w="9525">
-              <a:noFill/>
-              <a:miter lim="800000"/>
-              <a:headEnd/>
-              <a:tailEnd/>
-            </a:ln>
-          </p:spPr>
-        </p:pic>
-        <p:pic>
-          <p:nvPicPr>
-            <p:cNvPr id="12" name="Picture 11"/>
-            <p:cNvPicPr>
-              <a:picLocks noChangeAspect="1" noChangeArrowheads="1"/>
-            </p:cNvPicPr>
-            <p:nvPr/>
-          </p:nvPicPr>
-          <p:blipFill>
-            <a:blip r:embed="rId10" cstate="print"/>
-            <a:srcRect/>
-            <a:stretch>
-              <a:fillRect/>
-            </a:stretch>
-          </p:blipFill>
-          <p:spPr bwMode="auto">
-            <a:xfrm>
-              <a:off x="6477000" y="4419600"/>
-              <a:ext cx="476250" cy="476250"/>
-            </a:xfrm>
-            <a:prstGeom prst="rect">
-              <a:avLst/>
-            </a:prstGeom>
-            <a:noFill/>
-            <a:ln w="9525">
-              <a:noFill/>
-              <a:miter lim="800000"/>
-              <a:headEnd/>
-              <a:tailEnd/>
-            </a:ln>
-          </p:spPr>
-        </p:pic>
-        <p:pic>
-          <p:nvPicPr>
-            <p:cNvPr id="13" name="Picture 12"/>
-            <p:cNvPicPr>
-              <a:picLocks noChangeAspect="1" noChangeArrowheads="1"/>
-            </p:cNvPicPr>
-            <p:nvPr/>
-          </p:nvPicPr>
-          <p:blipFill>
-            <a:blip r:embed="rId10" cstate="print"/>
-            <a:srcRect/>
-            <a:stretch>
-              <a:fillRect/>
-            </a:stretch>
-          </p:blipFill>
-          <p:spPr bwMode="auto">
-            <a:xfrm>
-              <a:off x="6172200" y="5715000"/>
-              <a:ext cx="476250" cy="476250"/>
-            </a:xfrm>
-            <a:prstGeom prst="rect">
-              <a:avLst/>
-            </a:prstGeom>
-            <a:noFill/>
-            <a:ln w="9525">
-              <a:noFill/>
-              <a:miter lim="800000"/>
-              <a:headEnd/>
-              <a:tailEnd/>
-            </a:ln>
-          </p:spPr>
-        </p:pic>
-        <p:pic>
-          <p:nvPicPr>
-            <p:cNvPr id="14" name="Picture 13"/>
-            <p:cNvPicPr>
-              <a:picLocks noChangeAspect="1" noChangeArrowheads="1"/>
-            </p:cNvPicPr>
-            <p:nvPr/>
-          </p:nvPicPr>
-          <p:blipFill>
-            <a:blip r:embed="rId10" cstate="print"/>
-            <a:srcRect/>
-            <a:stretch>
-              <a:fillRect/>
-            </a:stretch>
-          </p:blipFill>
-          <p:spPr bwMode="auto">
-            <a:xfrm>
-              <a:off x="5486400" y="4419600"/>
-              <a:ext cx="476250" cy="476250"/>
-            </a:xfrm>
-            <a:prstGeom prst="rect">
-              <a:avLst/>
-            </a:prstGeom>
-            <a:noFill/>
-            <a:ln w="9525">
-              <a:noFill/>
-              <a:miter lim="800000"/>
-              <a:headEnd/>
-              <a:tailEnd/>
-            </a:ln>
-          </p:spPr>
-        </p:pic>
-        <p:cxnSp>
-          <p:nvCxnSpPr>
-            <p:cNvPr id="54" name="Straight Arrow Connector 53"/>
-            <p:cNvCxnSpPr>
-              <a:stCxn id="4" idx="2"/>
-              <a:endCxn id="13" idx="0"/>
-            </p:cNvCxnSpPr>
-            <p:nvPr/>
-          </p:nvCxnSpPr>
-          <p:spPr>
-            <a:xfrm>
-              <a:off x="6334125" y="5429250"/>
-              <a:ext cx="76200" cy="285750"/>
-            </a:xfrm>
-            <a:prstGeom prst="straightConnector1">
-              <a:avLst/>
-            </a:prstGeom>
-            <a:ln>
-              <a:headEnd type="arrow"/>
-              <a:tailEnd type="arrow"/>
-            </a:ln>
-          </p:spPr>
-          <p:style>
-            <a:lnRef idx="2">
-              <a:schemeClr val="dk1"/>
-            </a:lnRef>
-            <a:fillRef idx="0">
-              <a:schemeClr val="dk1"/>
-            </a:fillRef>
-            <a:effectRef idx="1">
-              <a:schemeClr val="dk1"/>
-            </a:effectRef>
-            <a:fontRef idx="minor">
-              <a:schemeClr val="tx1"/>
-            </a:fontRef>
-          </p:style>
-        </p:cxnSp>
-        <p:cxnSp>
-          <p:nvCxnSpPr>
-            <p:cNvPr id="70" name="Straight Arrow Connector 69"/>
-            <p:cNvCxnSpPr>
-              <a:stCxn id="14" idx="2"/>
-              <a:endCxn id="4" idx="1"/>
-            </p:cNvCxnSpPr>
-            <p:nvPr/>
-          </p:nvCxnSpPr>
-          <p:spPr>
-            <a:xfrm>
-              <a:off x="5724525" y="4895850"/>
-              <a:ext cx="371475" cy="295275"/>
-            </a:xfrm>
-            <a:prstGeom prst="straightConnector1">
-              <a:avLst/>
-            </a:prstGeom>
-            <a:ln>
-              <a:headEnd type="arrow"/>
-              <a:tailEnd type="arrow"/>
-            </a:ln>
-          </p:spPr>
-          <p:style>
-            <a:lnRef idx="2">
-              <a:schemeClr val="dk1"/>
-            </a:lnRef>
-            <a:fillRef idx="0">
-              <a:schemeClr val="dk1"/>
-            </a:fillRef>
-            <a:effectRef idx="1">
-              <a:schemeClr val="dk1"/>
-            </a:effectRef>
-            <a:fontRef idx="minor">
-              <a:schemeClr val="tx1"/>
-            </a:fontRef>
-          </p:style>
-        </p:cxnSp>
-        <p:cxnSp>
-          <p:nvCxnSpPr>
-            <p:cNvPr id="189" name="Straight Arrow Connector 188"/>
-            <p:cNvCxnSpPr>
-              <a:stCxn id="14" idx="1"/>
-              <a:endCxn id="3081" idx="2"/>
-            </p:cNvCxnSpPr>
-            <p:nvPr/>
-          </p:nvCxnSpPr>
-          <p:spPr>
-            <a:xfrm flipH="1" flipV="1">
-              <a:off x="4195763" y="3848100"/>
-              <a:ext cx="1290637" cy="809625"/>
-            </a:xfrm>
-            <a:prstGeom prst="straightConnector1">
-              <a:avLst/>
-            </a:prstGeom>
-            <a:ln>
-              <a:headEnd type="arrow"/>
-              <a:tailEnd type="arrow"/>
-            </a:ln>
-          </p:spPr>
-          <p:style>
-            <a:lnRef idx="2">
-              <a:schemeClr val="dk1"/>
-            </a:lnRef>
-            <a:fillRef idx="0">
-              <a:schemeClr val="dk1"/>
-            </a:fillRef>
-            <a:effectRef idx="1">
-              <a:schemeClr val="dk1"/>
-            </a:effectRef>
-            <a:fontRef idx="minor">
-              <a:schemeClr val="tx1"/>
-            </a:fontRef>
-          </p:style>
-        </p:cxnSp>
-      </p:grpSp>
-      <p:grpSp>
-        <p:nvGrpSpPr>
-          <p:cNvPr id="250" name="Group 249"/>
-          <p:cNvGrpSpPr/>
-          <p:nvPr/>
-        </p:nvGrpSpPr>
-        <p:grpSpPr>
-          <a:xfrm>
-            <a:off x="4581525" y="1219200"/>
-            <a:ext cx="3267075" cy="2266950"/>
-            <a:chOff x="4581525" y="1219200"/>
-            <a:chExt cx="3267075" cy="2266950"/>
-          </a:xfrm>
-        </p:grpSpPr>
-        <p:pic>
-          <p:nvPicPr>
-            <p:cNvPr id="3083" name="Picture 11"/>
-            <p:cNvPicPr>
-              <a:picLocks noChangeAspect="1" noChangeArrowheads="1"/>
-            </p:cNvPicPr>
-            <p:nvPr/>
-          </p:nvPicPr>
-          <p:blipFill>
-            <a:blip r:embed="rId11" cstate="print"/>
-            <a:srcRect/>
-            <a:stretch>
-              <a:fillRect/>
-            </a:stretch>
-          </p:blipFill>
-          <p:spPr bwMode="auto">
-            <a:xfrm>
-              <a:off x="7239000" y="1447800"/>
-              <a:ext cx="609600" cy="609600"/>
-            </a:xfrm>
-            <a:prstGeom prst="rect">
-              <a:avLst/>
-            </a:prstGeom>
-            <a:noFill/>
-            <a:ln w="9525">
-              <a:noFill/>
-              <a:miter lim="800000"/>
-              <a:headEnd/>
-              <a:tailEnd/>
-            </a:ln>
-          </p:spPr>
-        </p:pic>
-        <p:pic>
-          <p:nvPicPr>
-            <p:cNvPr id="239" name="Picture 11"/>
-            <p:cNvPicPr>
-              <a:picLocks noChangeAspect="1" noChangeArrowheads="1"/>
-            </p:cNvPicPr>
-            <p:nvPr/>
-          </p:nvPicPr>
-          <p:blipFill>
-            <a:blip r:embed="rId11" cstate="print"/>
-            <a:srcRect/>
-            <a:stretch>
-              <a:fillRect/>
-            </a:stretch>
-          </p:blipFill>
-          <p:spPr bwMode="auto">
-            <a:xfrm>
-              <a:off x="5943600" y="1219200"/>
-              <a:ext cx="609600" cy="609600"/>
-            </a:xfrm>
-            <a:prstGeom prst="rect">
-              <a:avLst/>
-            </a:prstGeom>
-            <a:noFill/>
-            <a:ln w="9525">
-              <a:noFill/>
-              <a:miter lim="800000"/>
-              <a:headEnd/>
-              <a:tailEnd/>
-            </a:ln>
-          </p:spPr>
-        </p:pic>
-        <p:pic>
-          <p:nvPicPr>
-            <p:cNvPr id="240" name="Picture 11"/>
-            <p:cNvPicPr>
-              <a:picLocks noChangeAspect="1" noChangeArrowheads="1"/>
-            </p:cNvPicPr>
-            <p:nvPr/>
-          </p:nvPicPr>
-          <p:blipFill>
-            <a:blip r:embed="rId11" cstate="print"/>
-            <a:srcRect/>
-            <a:stretch>
-              <a:fillRect/>
-            </a:stretch>
-          </p:blipFill>
-          <p:spPr bwMode="auto">
-            <a:xfrm>
-              <a:off x="6400800" y="1981200"/>
-              <a:ext cx="609600" cy="609600"/>
-            </a:xfrm>
-            <a:prstGeom prst="rect">
-              <a:avLst/>
-            </a:prstGeom>
-            <a:noFill/>
-            <a:ln w="9525">
-              <a:noFill/>
-              <a:miter lim="800000"/>
-              <a:headEnd/>
-              <a:tailEnd/>
-            </a:ln>
-          </p:spPr>
-        </p:pic>
-        <p:cxnSp>
-          <p:nvCxnSpPr>
-            <p:cNvPr id="244" name="Straight Arrow Connector 243"/>
-            <p:cNvCxnSpPr>
-              <a:stCxn id="240" idx="2"/>
-              <a:endCxn id="3081" idx="3"/>
-            </p:cNvCxnSpPr>
-            <p:nvPr/>
-          </p:nvCxnSpPr>
-          <p:spPr>
-            <a:xfrm flipH="1">
-              <a:off x="4581525" y="2590800"/>
-              <a:ext cx="2124075" cy="895350"/>
-            </a:xfrm>
-            <a:prstGeom prst="straightConnector1">
-              <a:avLst/>
-            </a:prstGeom>
-            <a:ln>
-              <a:headEnd type="arrow"/>
-              <a:tailEnd type="arrow"/>
-            </a:ln>
-          </p:spPr>
-          <p:style>
-            <a:lnRef idx="2">
-              <a:schemeClr val="dk1"/>
-            </a:lnRef>
-            <a:fillRef idx="0">
-              <a:schemeClr val="dk1"/>
-            </a:fillRef>
-            <a:effectRef idx="1">
-              <a:schemeClr val="dk1"/>
-            </a:effectRef>
-            <a:fontRef idx="minor">
-              <a:schemeClr val="tx1"/>
-            </a:fontRef>
-          </p:style>
-        </p:cxnSp>
-        <p:cxnSp>
-          <p:nvCxnSpPr>
-            <p:cNvPr id="247" name="Straight Arrow Connector 246"/>
-            <p:cNvCxnSpPr>
-              <a:stCxn id="3083" idx="2"/>
-              <a:endCxn id="240" idx="3"/>
-            </p:cNvCxnSpPr>
-            <p:nvPr/>
-          </p:nvCxnSpPr>
-          <p:spPr>
-            <a:xfrm flipH="1">
-              <a:off x="7010400" y="2057400"/>
-              <a:ext cx="533400" cy="228600"/>
-            </a:xfrm>
-            <a:prstGeom prst="straightConnector1">
-              <a:avLst/>
-            </a:prstGeom>
-            <a:ln>
-              <a:headEnd type="arrow"/>
-              <a:tailEnd type="arrow"/>
-            </a:ln>
-          </p:spPr>
-          <p:style>
-            <a:lnRef idx="2">
-              <a:schemeClr val="dk1"/>
-            </a:lnRef>
-            <a:fillRef idx="0">
-              <a:schemeClr val="dk1"/>
-            </a:fillRef>
-            <a:effectRef idx="1">
-              <a:schemeClr val="dk1"/>
-            </a:effectRef>
-            <a:fontRef idx="minor">
-              <a:schemeClr val="tx1"/>
-            </a:fontRef>
-          </p:style>
-        </p:cxnSp>
-      </p:grpSp>
-      <p:pic>
-        <p:nvPicPr>
-          <p:cNvPr id="3084" name="Picture 12"/>
-          <p:cNvPicPr>
-            <a:picLocks noChangeAspect="1" noChangeArrowheads="1"/>
-          </p:cNvPicPr>
-          <p:nvPr/>
-        </p:nvPicPr>
-        <p:blipFill>
-          <a:blip r:embed="rId12" cstate="print"/>
-          <a:srcRect/>
-          <a:stretch>
-            <a:fillRect/>
-          </a:stretch>
-        </p:blipFill>
-        <p:spPr bwMode="auto">
-          <a:xfrm>
-            <a:off x="3886200" y="2362201"/>
-            <a:ext cx="838200" cy="380999"/>
-          </a:xfrm>
-          <a:prstGeom prst="rect">
-            <a:avLst/>
-          </a:prstGeom>
-          <a:noFill/>
-          <a:ln w="9525">
-            <a:noFill/>
-            <a:miter lim="800000"/>
-            <a:headEnd/>
-            <a:tailEnd/>
-          </a:ln>
-        </p:spPr>
-      </p:pic>
-      <p:pic>
-        <p:nvPicPr>
-          <p:cNvPr id="3085" name="Picture 13"/>
-          <p:cNvPicPr>
-            <a:picLocks noChangeAspect="1" noChangeArrowheads="1"/>
-          </p:cNvPicPr>
-          <p:nvPr/>
-        </p:nvPicPr>
-        <p:blipFill>
-          <a:blip r:embed="rId12" cstate="print"/>
-          <a:srcRect/>
-          <a:stretch>
-            <a:fillRect/>
-          </a:stretch>
-        </p:blipFill>
-        <p:spPr bwMode="auto">
-          <a:xfrm>
-            <a:off x="5181600" y="2819400"/>
-            <a:ext cx="914400" cy="333375"/>
-          </a:xfrm>
-          <a:prstGeom prst="rect">
-            <a:avLst/>
-          </a:prstGeom>
-          <a:noFill/>
-          <a:ln w="9525">
-            <a:noFill/>
-            <a:miter lim="800000"/>
-            <a:headEnd/>
-            <a:tailEnd/>
-          </a:ln>
-        </p:spPr>
-      </p:pic>
     </p:spTree>
   </p:cSld>
   <p:clrMapOvr>
@@ -14774,595 +14731,7 @@
   <p:timing>
     <p:tnLst>
       <p:par>
-        <p:cTn id="1" dur="indefinite" restart="never" nodeType="tmRoot">
-          <p:childTnLst>
-            <p:seq concurrent="1" nextAc="seek">
-              <p:cTn id="2" dur="indefinite" nodeType="mainSeq">
-                <p:childTnLst>
-                  <p:par>
-                    <p:cTn id="3" fill="hold">
-                      <p:stCondLst>
-                        <p:cond delay="indefinite"/>
-                      </p:stCondLst>
-                      <p:childTnLst>
-                        <p:par>
-                          <p:cTn id="4" fill="hold">
-                            <p:stCondLst>
-                              <p:cond delay="0"/>
-                            </p:stCondLst>
-                            <p:childTnLst>
-                              <p:par>
-                                <p:cTn id="5" presetID="5" presetClass="entr" presetSubtype="10" fill="hold" nodeType="clickEffect">
-                                  <p:stCondLst>
-                                    <p:cond delay="0"/>
-                                  </p:stCondLst>
-                                  <p:childTnLst>
-                                    <p:set>
-                                      <p:cBhvr>
-                                        <p:cTn id="6" dur="1" fill="hold">
-                                          <p:stCondLst>
-                                            <p:cond delay="0"/>
-                                          </p:stCondLst>
-                                        </p:cTn>
-                                        <p:tgtEl>
-                                          <p:spTgt spid="224"/>
-                                        </p:tgtEl>
-                                        <p:attrNameLst>
-                                          <p:attrName>style.visibility</p:attrName>
-                                        </p:attrNameLst>
-                                      </p:cBhvr>
-                                      <p:to>
-                                        <p:strVal val="visible"/>
-                                      </p:to>
-                                    </p:set>
-                                    <p:animEffect transition="in" filter="checkerboard(across)">
-                                      <p:cBhvr>
-                                        <p:cTn id="7" dur="500"/>
-                                        <p:tgtEl>
-                                          <p:spTgt spid="224"/>
-                                        </p:tgtEl>
-                                      </p:cBhvr>
-                                    </p:animEffect>
-                                  </p:childTnLst>
-                                </p:cTn>
-                              </p:par>
-                            </p:childTnLst>
-                          </p:cTn>
-                        </p:par>
-                      </p:childTnLst>
-                    </p:cTn>
-                  </p:par>
-                  <p:par>
-                    <p:cTn id="8" fill="hold">
-                      <p:stCondLst>
-                        <p:cond delay="indefinite"/>
-                      </p:stCondLst>
-                      <p:childTnLst>
-                        <p:par>
-                          <p:cTn id="9" fill="hold">
-                            <p:stCondLst>
-                              <p:cond delay="0"/>
-                            </p:stCondLst>
-                            <p:childTnLst>
-                              <p:par>
-                                <p:cTn id="10" presetID="5" presetClass="entr" presetSubtype="10" fill="hold" nodeType="clickEffect">
-                                  <p:stCondLst>
-                                    <p:cond delay="0"/>
-                                  </p:stCondLst>
-                                  <p:childTnLst>
-                                    <p:set>
-                                      <p:cBhvr>
-                                        <p:cTn id="11" dur="1" fill="hold">
-                                          <p:stCondLst>
-                                            <p:cond delay="0"/>
-                                          </p:stCondLst>
-                                        </p:cTn>
-                                        <p:tgtEl>
-                                          <p:spTgt spid="217"/>
-                                        </p:tgtEl>
-                                        <p:attrNameLst>
-                                          <p:attrName>style.visibility</p:attrName>
-                                        </p:attrNameLst>
-                                      </p:cBhvr>
-                                      <p:to>
-                                        <p:strVal val="visible"/>
-                                      </p:to>
-                                    </p:set>
-                                    <p:animEffect transition="in" filter="checkerboard(across)">
-                                      <p:cBhvr>
-                                        <p:cTn id="12" dur="500"/>
-                                        <p:tgtEl>
-                                          <p:spTgt spid="217"/>
-                                        </p:tgtEl>
-                                      </p:cBhvr>
-                                    </p:animEffect>
-                                  </p:childTnLst>
-                                </p:cTn>
-                              </p:par>
-                            </p:childTnLst>
-                          </p:cTn>
-                        </p:par>
-                      </p:childTnLst>
-                    </p:cTn>
-                  </p:par>
-                  <p:par>
-                    <p:cTn id="13" fill="hold">
-                      <p:stCondLst>
-                        <p:cond delay="indefinite"/>
-                      </p:stCondLst>
-                      <p:childTnLst>
-                        <p:par>
-                          <p:cTn id="14" fill="hold">
-                            <p:stCondLst>
-                              <p:cond delay="0"/>
-                            </p:stCondLst>
-                            <p:childTnLst>
-                              <p:par>
-                                <p:cTn id="15" presetID="5" presetClass="entr" presetSubtype="10" fill="hold" nodeType="clickEffect">
-                                  <p:stCondLst>
-                                    <p:cond delay="0"/>
-                                  </p:stCondLst>
-                                  <p:childTnLst>
-                                    <p:set>
-                                      <p:cBhvr>
-                                        <p:cTn id="16" dur="1" fill="hold">
-                                          <p:stCondLst>
-                                            <p:cond delay="0"/>
-                                          </p:stCondLst>
-                                        </p:cTn>
-                                        <p:tgtEl>
-                                          <p:spTgt spid="218"/>
-                                        </p:tgtEl>
-                                        <p:attrNameLst>
-                                          <p:attrName>style.visibility</p:attrName>
-                                        </p:attrNameLst>
-                                      </p:cBhvr>
-                                      <p:to>
-                                        <p:strVal val="visible"/>
-                                      </p:to>
-                                    </p:set>
-                                    <p:animEffect transition="in" filter="checkerboard(across)">
-                                      <p:cBhvr>
-                                        <p:cTn id="17" dur="500"/>
-                                        <p:tgtEl>
-                                          <p:spTgt spid="218"/>
-                                        </p:tgtEl>
-                                      </p:cBhvr>
-                                    </p:animEffect>
-                                  </p:childTnLst>
-                                </p:cTn>
-                              </p:par>
-                            </p:childTnLst>
-                          </p:cTn>
-                        </p:par>
-                      </p:childTnLst>
-                    </p:cTn>
-                  </p:par>
-                  <p:par>
-                    <p:cTn id="18" fill="hold">
-                      <p:stCondLst>
-                        <p:cond delay="indefinite"/>
-                      </p:stCondLst>
-                      <p:childTnLst>
-                        <p:par>
-                          <p:cTn id="19" fill="hold">
-                            <p:stCondLst>
-                              <p:cond delay="0"/>
-                            </p:stCondLst>
-                            <p:childTnLst>
-                              <p:par>
-                                <p:cTn id="20" presetID="5" presetClass="entr" presetSubtype="10" fill="hold" nodeType="clickEffect">
-                                  <p:stCondLst>
-                                    <p:cond delay="0"/>
-                                  </p:stCondLst>
-                                  <p:childTnLst>
-                                    <p:set>
-                                      <p:cBhvr>
-                                        <p:cTn id="21" dur="1" fill="hold">
-                                          <p:stCondLst>
-                                            <p:cond delay="0"/>
-                                          </p:stCondLst>
-                                        </p:cTn>
-                                        <p:tgtEl>
-                                          <p:spTgt spid="219"/>
-                                        </p:tgtEl>
-                                        <p:attrNameLst>
-                                          <p:attrName>style.visibility</p:attrName>
-                                        </p:attrNameLst>
-                                      </p:cBhvr>
-                                      <p:to>
-                                        <p:strVal val="visible"/>
-                                      </p:to>
-                                    </p:set>
-                                    <p:animEffect transition="in" filter="checkerboard(across)">
-                                      <p:cBhvr>
-                                        <p:cTn id="22" dur="500"/>
-                                        <p:tgtEl>
-                                          <p:spTgt spid="219"/>
-                                        </p:tgtEl>
-                                      </p:cBhvr>
-                                    </p:animEffect>
-                                  </p:childTnLst>
-                                </p:cTn>
-                              </p:par>
-                            </p:childTnLst>
-                          </p:cTn>
-                        </p:par>
-                      </p:childTnLst>
-                    </p:cTn>
-                  </p:par>
-                  <p:par>
-                    <p:cTn id="23" fill="hold">
-                      <p:stCondLst>
-                        <p:cond delay="indefinite"/>
-                      </p:stCondLst>
-                      <p:childTnLst>
-                        <p:par>
-                          <p:cTn id="24" fill="hold">
-                            <p:stCondLst>
-                              <p:cond delay="0"/>
-                            </p:stCondLst>
-                            <p:childTnLst>
-                              <p:par>
-                                <p:cTn id="25" presetID="5" presetClass="entr" presetSubtype="10" fill="hold" nodeType="clickEffect">
-                                  <p:stCondLst>
-                                    <p:cond delay="0"/>
-                                  </p:stCondLst>
-                                  <p:childTnLst>
-                                    <p:set>
-                                      <p:cBhvr>
-                                        <p:cTn id="26" dur="1" fill="hold">
-                                          <p:stCondLst>
-                                            <p:cond delay="0"/>
-                                          </p:stCondLst>
-                                        </p:cTn>
-                                        <p:tgtEl>
-                                          <p:spTgt spid="250"/>
-                                        </p:tgtEl>
-                                        <p:attrNameLst>
-                                          <p:attrName>style.visibility</p:attrName>
-                                        </p:attrNameLst>
-                                      </p:cBhvr>
-                                      <p:to>
-                                        <p:strVal val="visible"/>
-                                      </p:to>
-                                    </p:set>
-                                    <p:animEffect transition="in" filter="checkerboard(across)">
-                                      <p:cBhvr>
-                                        <p:cTn id="27" dur="500"/>
-                                        <p:tgtEl>
-                                          <p:spTgt spid="250"/>
-                                        </p:tgtEl>
-                                      </p:cBhvr>
-                                    </p:animEffect>
-                                  </p:childTnLst>
-                                </p:cTn>
-                              </p:par>
-                            </p:childTnLst>
-                          </p:cTn>
-                        </p:par>
-                      </p:childTnLst>
-                    </p:cTn>
-                  </p:par>
-                  <p:par>
-                    <p:cTn id="28" fill="hold">
-                      <p:stCondLst>
-                        <p:cond delay="indefinite"/>
-                      </p:stCondLst>
-                      <p:childTnLst>
-                        <p:par>
-                          <p:cTn id="29" fill="hold">
-                            <p:stCondLst>
-                              <p:cond delay="0"/>
-                            </p:stCondLst>
-                            <p:childTnLst>
-                              <p:par>
-                                <p:cTn id="30" presetID="5" presetClass="entr" presetSubtype="10" fill="hold" nodeType="clickEffect">
-                                  <p:stCondLst>
-                                    <p:cond delay="0"/>
-                                  </p:stCondLst>
-                                  <p:childTnLst>
-                                    <p:set>
-                                      <p:cBhvr>
-                                        <p:cTn id="31" dur="1" fill="hold">
-                                          <p:stCondLst>
-                                            <p:cond delay="0"/>
-                                          </p:stCondLst>
-                                        </p:cTn>
-                                        <p:tgtEl>
-                                          <p:spTgt spid="3084"/>
-                                        </p:tgtEl>
-                                        <p:attrNameLst>
-                                          <p:attrName>style.visibility</p:attrName>
-                                        </p:attrNameLst>
-                                      </p:cBhvr>
-                                      <p:to>
-                                        <p:strVal val="visible"/>
-                                      </p:to>
-                                    </p:set>
-                                    <p:animEffect transition="in" filter="checkerboard(across)">
-                                      <p:cBhvr>
-                                        <p:cTn id="32" dur="500"/>
-                                        <p:tgtEl>
-                                          <p:spTgt spid="3084"/>
-                                        </p:tgtEl>
-                                      </p:cBhvr>
-                                    </p:animEffect>
-                                  </p:childTnLst>
-                                </p:cTn>
-                              </p:par>
-                              <p:par>
-                                <p:cTn id="33" presetID="5" presetClass="entr" presetSubtype="10" fill="hold" nodeType="withEffect">
-                                  <p:stCondLst>
-                                    <p:cond delay="0"/>
-                                  </p:stCondLst>
-                                  <p:childTnLst>
-                                    <p:set>
-                                      <p:cBhvr>
-                                        <p:cTn id="34" dur="1" fill="hold">
-                                          <p:stCondLst>
-                                            <p:cond delay="0"/>
-                                          </p:stCondLst>
-                                        </p:cTn>
-                                        <p:tgtEl>
-                                          <p:spTgt spid="3085"/>
-                                        </p:tgtEl>
-                                        <p:attrNameLst>
-                                          <p:attrName>style.visibility</p:attrName>
-                                        </p:attrNameLst>
-                                      </p:cBhvr>
-                                      <p:to>
-                                        <p:strVal val="visible"/>
-                                      </p:to>
-                                    </p:set>
-                                    <p:animEffect transition="in" filter="checkerboard(across)">
-                                      <p:cBhvr>
-                                        <p:cTn id="35" dur="500"/>
-                                        <p:tgtEl>
-                                          <p:spTgt spid="3085"/>
-                                        </p:tgtEl>
-                                      </p:cBhvr>
-                                    </p:animEffect>
-                                  </p:childTnLst>
-                                </p:cTn>
-                              </p:par>
-                            </p:childTnLst>
-                          </p:cTn>
-                        </p:par>
-                      </p:childTnLst>
-                    </p:cTn>
-                  </p:par>
-                  <p:par>
-                    <p:cTn id="36" fill="hold">
-                      <p:stCondLst>
-                        <p:cond delay="indefinite"/>
-                      </p:stCondLst>
-                      <p:childTnLst>
-                        <p:par>
-                          <p:cTn id="37" fill="hold">
-                            <p:stCondLst>
-                              <p:cond delay="0"/>
-                            </p:stCondLst>
-                            <p:childTnLst>
-                              <p:par>
-                                <p:cTn id="38" presetID="5" presetClass="entr" presetSubtype="10" fill="hold" nodeType="clickEffect">
-                                  <p:stCondLst>
-                                    <p:cond delay="0"/>
-                                  </p:stCondLst>
-                                  <p:childTnLst>
-                                    <p:set>
-                                      <p:cBhvr>
-                                        <p:cTn id="39" dur="1" fill="hold">
-                                          <p:stCondLst>
-                                            <p:cond delay="0"/>
-                                          </p:stCondLst>
-                                        </p:cTn>
-                                        <p:tgtEl>
-                                          <p:spTgt spid="236"/>
-                                        </p:tgtEl>
-                                        <p:attrNameLst>
-                                          <p:attrName>style.visibility</p:attrName>
-                                        </p:attrNameLst>
-                                      </p:cBhvr>
-                                      <p:to>
-                                        <p:strVal val="visible"/>
-                                      </p:to>
-                                    </p:set>
-                                    <p:animEffect transition="in" filter="checkerboard(across)">
-                                      <p:cBhvr>
-                                        <p:cTn id="40" dur="500"/>
-                                        <p:tgtEl>
-                                          <p:spTgt spid="236"/>
-                                        </p:tgtEl>
-                                      </p:cBhvr>
-                                    </p:animEffect>
-                                  </p:childTnLst>
-                                </p:cTn>
-                              </p:par>
-                            </p:childTnLst>
-                          </p:cTn>
-                        </p:par>
-                      </p:childTnLst>
-                    </p:cTn>
-                  </p:par>
-                  <p:par>
-                    <p:cTn id="41" fill="hold">
-                      <p:stCondLst>
-                        <p:cond delay="indefinite"/>
-                      </p:stCondLst>
-                      <p:childTnLst>
-                        <p:par>
-                          <p:cTn id="42" fill="hold">
-                            <p:stCondLst>
-                              <p:cond delay="0"/>
-                            </p:stCondLst>
-                            <p:childTnLst>
-                              <p:par>
-                                <p:cTn id="43" presetID="5" presetClass="entr" presetSubtype="10" fill="hold" nodeType="clickEffect">
-                                  <p:stCondLst>
-                                    <p:cond delay="0"/>
-                                  </p:stCondLst>
-                                  <p:childTnLst>
-                                    <p:set>
-                                      <p:cBhvr>
-                                        <p:cTn id="44" dur="1" fill="hold">
-                                          <p:stCondLst>
-                                            <p:cond delay="0"/>
-                                          </p:stCondLst>
-                                        </p:cTn>
-                                        <p:tgtEl>
-                                          <p:spTgt spid="222"/>
-                                        </p:tgtEl>
-                                        <p:attrNameLst>
-                                          <p:attrName>style.visibility</p:attrName>
-                                        </p:attrNameLst>
-                                      </p:cBhvr>
-                                      <p:to>
-                                        <p:strVal val="visible"/>
-                                      </p:to>
-                                    </p:set>
-                                    <p:animEffect transition="in" filter="checkerboard(across)">
-                                      <p:cBhvr>
-                                        <p:cTn id="45" dur="500"/>
-                                        <p:tgtEl>
-                                          <p:spTgt spid="222"/>
-                                        </p:tgtEl>
-                                      </p:cBhvr>
-                                    </p:animEffect>
-                                  </p:childTnLst>
-                                </p:cTn>
-                              </p:par>
-                            </p:childTnLst>
-                          </p:cTn>
-                        </p:par>
-                      </p:childTnLst>
-                    </p:cTn>
-                  </p:par>
-                  <p:par>
-                    <p:cTn id="46" fill="hold">
-                      <p:stCondLst>
-                        <p:cond delay="indefinite"/>
-                      </p:stCondLst>
-                      <p:childTnLst>
-                        <p:par>
-                          <p:cTn id="47" fill="hold">
-                            <p:stCondLst>
-                              <p:cond delay="0"/>
-                            </p:stCondLst>
-                            <p:childTnLst>
-                              <p:par>
-                                <p:cTn id="48" presetID="5" presetClass="entr" presetSubtype="10" fill="hold" nodeType="clickEffect">
-                                  <p:stCondLst>
-                                    <p:cond delay="0"/>
-                                  </p:stCondLst>
-                                  <p:childTnLst>
-                                    <p:set>
-                                      <p:cBhvr>
-                                        <p:cTn id="49" dur="1" fill="hold">
-                                          <p:stCondLst>
-                                            <p:cond delay="0"/>
-                                          </p:stCondLst>
-                                        </p:cTn>
-                                        <p:tgtEl>
-                                          <p:spTgt spid="235"/>
-                                        </p:tgtEl>
-                                        <p:attrNameLst>
-                                          <p:attrName>style.visibility</p:attrName>
-                                        </p:attrNameLst>
-                                      </p:cBhvr>
-                                      <p:to>
-                                        <p:strVal val="visible"/>
-                                      </p:to>
-                                    </p:set>
-                                    <p:animEffect transition="in" filter="checkerboard(across)">
-                                      <p:cBhvr>
-                                        <p:cTn id="50" dur="500"/>
-                                        <p:tgtEl>
-                                          <p:spTgt spid="235"/>
-                                        </p:tgtEl>
-                                      </p:cBhvr>
-                                    </p:animEffect>
-                                  </p:childTnLst>
-                                </p:cTn>
-                              </p:par>
-                            </p:childTnLst>
-                          </p:cTn>
-                        </p:par>
-                      </p:childTnLst>
-                    </p:cTn>
-                  </p:par>
-                  <p:par>
-                    <p:cTn id="51" fill="hold">
-                      <p:stCondLst>
-                        <p:cond delay="indefinite"/>
-                      </p:stCondLst>
-                      <p:childTnLst>
-                        <p:par>
-                          <p:cTn id="52" fill="hold">
-                            <p:stCondLst>
-                              <p:cond delay="0"/>
-                            </p:stCondLst>
-                            <p:childTnLst>
-                              <p:par>
-                                <p:cTn id="53" presetID="5" presetClass="entr" presetSubtype="10" fill="hold" nodeType="clickEffect">
-                                  <p:stCondLst>
-                                    <p:cond delay="0"/>
-                                  </p:stCondLst>
-                                  <p:childTnLst>
-                                    <p:set>
-                                      <p:cBhvr>
-                                        <p:cTn id="54" dur="1" fill="hold">
-                                          <p:stCondLst>
-                                            <p:cond delay="0"/>
-                                          </p:stCondLst>
-                                        </p:cTn>
-                                        <p:tgtEl>
-                                          <p:spTgt spid="223"/>
-                                        </p:tgtEl>
-                                        <p:attrNameLst>
-                                          <p:attrName>style.visibility</p:attrName>
-                                        </p:attrNameLst>
-                                      </p:cBhvr>
-                                      <p:to>
-                                        <p:strVal val="visible"/>
-                                      </p:to>
-                                    </p:set>
-                                    <p:animEffect transition="in" filter="checkerboard(across)">
-                                      <p:cBhvr>
-                                        <p:cTn id="55" dur="500"/>
-                                        <p:tgtEl>
-                                          <p:spTgt spid="223"/>
-                                        </p:tgtEl>
-                                      </p:cBhvr>
-                                    </p:animEffect>
-                                  </p:childTnLst>
-                                </p:cTn>
-                              </p:par>
-                            </p:childTnLst>
-                          </p:cTn>
-                        </p:par>
-                      </p:childTnLst>
-                    </p:cTn>
-                  </p:par>
-                </p:childTnLst>
-              </p:cTn>
-              <p:prevCondLst>
-                <p:cond evt="onPrev" delay="0">
-                  <p:tgtEl>
-                    <p:sldTgt/>
-                  </p:tgtEl>
-                </p:cond>
-              </p:prevCondLst>
-              <p:nextCondLst>
-                <p:cond evt="onNext" delay="0">
-                  <p:tgtEl>
-                    <p:sldTgt/>
-                  </p:tgtEl>
-                </p:cond>
-              </p:nextCondLst>
-            </p:seq>
-          </p:childTnLst>
-        </p:cTn>
+        <p:cTn id="1" dur="indefinite" restart="never" nodeType="tmRoot"/>
       </p:par>
     </p:tnLst>
   </p:timing>
